--- a/week7/PythonPresentationWeek7.pptx
+++ b/week7/PythonPresentationWeek7.pptx
@@ -139,6 +139,10 @@
     </p:ext>
   </p:extLst>
 </p:presentation>
+</file>
+
+<file path=ppt/revisionInfo.xml><?xml version="1.0" encoding="utf-8"?>
+<p1510:revInfo xmlns:a="http://schemas.openxmlformats.org/drawingml/2006/main" xmlns:r="http://schemas.openxmlformats.org/officeDocument/2006/relationships" xmlns:p1510="http://schemas.microsoft.com/office/powerpoint/2015/10/main"/>
 </file>
 
 <file path=ppt/diagrams/colors1.xml><?xml version="1.0" encoding="utf-8"?>
@@ -991,13 +995,7 @@
             <a:rPr lang="en-US" dirty="0">
               <a:sym typeface="Wingdings 2" panose="05020102010507070707" pitchFamily="18" charset="2"/>
             </a:rPr>
-            <a:t> </a:t>
-          </a:r>
-          <a:r>
-            <a:rPr lang="en-US" dirty="0" smtClean="0">
-              <a:sym typeface="Wingdings 2" panose="05020102010507070707" pitchFamily="18" charset="2"/>
-            </a:rPr>
-            <a:t>Sending E-Mail’s</a:t>
+            <a:t> Sending E-Mail’s</a:t>
           </a:r>
           <a:endParaRPr lang="en-US" dirty="0"/>
         </a:p>
@@ -1075,13 +1073,7 @@
             <a:rPr lang="en-US" dirty="0">
               <a:sym typeface="Wingdings 2" panose="05020102010507070707" pitchFamily="18" charset="2"/>
             </a:rPr>
-            <a:t> </a:t>
-          </a:r>
-          <a:r>
-            <a:rPr lang="en-US" dirty="0" smtClean="0">
-              <a:sym typeface="Wingdings 2" panose="05020102010507070707" pitchFamily="18" charset="2"/>
-            </a:rPr>
-            <a:t>Types Of Testing</a:t>
+            <a:t> Types Of Testing</a:t>
           </a:r>
           <a:endParaRPr lang="en-US" dirty="0"/>
         </a:p>
@@ -1159,13 +1151,7 @@
             <a:rPr lang="en-US" dirty="0">
               <a:sym typeface="Wingdings 2" panose="05020102010507070707" pitchFamily="18" charset="2"/>
             </a:rPr>
-            <a:t> </a:t>
-          </a:r>
-          <a:r>
-            <a:rPr lang="en-US" dirty="0" smtClean="0">
-              <a:sym typeface="Wingdings 2" panose="05020102010507070707" pitchFamily="18" charset="2"/>
-            </a:rPr>
-            <a:t>Unit Testing</a:t>
+            <a:t> Unit Testing</a:t>
           </a:r>
           <a:endParaRPr lang="en-US" dirty="0"/>
         </a:p>
@@ -1204,13 +1190,7 @@
             <a:rPr lang="en-US" dirty="0">
               <a:sym typeface="Wingdings 2" panose="05020102010507070707" pitchFamily="18" charset="2"/>
             </a:rPr>
-            <a:t> </a:t>
-          </a:r>
-          <a:r>
-            <a:rPr lang="en-US" dirty="0" smtClean="0">
-              <a:sym typeface="Wingdings 2" panose="05020102010507070707" pitchFamily="18" charset="2"/>
-            </a:rPr>
-            <a:t>Basics of Data Manipulation using Pandas</a:t>
+            <a:t> Basics of Data Manipulation using Pandas</a:t>
           </a:r>
           <a:endParaRPr lang="en-US" dirty="0"/>
         </a:p>
@@ -1249,13 +1229,7 @@
             <a:rPr lang="en-US" dirty="0">
               <a:sym typeface="Wingdings 2" panose="05020102010507070707" pitchFamily="18" charset="2"/>
             </a:rPr>
-            <a:t> </a:t>
-          </a:r>
-          <a:r>
-            <a:rPr lang="en-US" dirty="0" smtClean="0">
-              <a:sym typeface="Wingdings 2" panose="05020102010507070707" pitchFamily="18" charset="2"/>
-            </a:rPr>
-            <a:t>Web Automation basics using Selenium</a:t>
+            <a:t> Web Automation basics using Selenium</a:t>
           </a:r>
           <a:endParaRPr lang="en-US" dirty="0"/>
         </a:p>
@@ -1291,7 +1265,7 @@
         <a:lstStyle/>
         <a:p>
           <a:r>
-            <a:rPr lang="en-US" dirty="0" smtClean="0">
+            <a:rPr lang="en-US" dirty="0">
               <a:sym typeface="Wingdings 2" panose="05020102010507070707" pitchFamily="18" charset="2"/>
             </a:rPr>
             <a:t> Use case - Automating hotel searches on Expedia</a:t>
@@ -1330,16 +1304,15 @@
         <a:lstStyle/>
         <a:p>
           <a:r>
-            <a:rPr lang="en-US" dirty="0" smtClean="0">
+            <a:rPr lang="en-US" dirty="0">
               <a:sym typeface="Wingdings 2" panose="05020102010507070707" pitchFamily="18" charset="2"/>
             </a:rPr>
             <a:t> </a:t>
           </a:r>
           <a:r>
-            <a:rPr lang="en-US" dirty="0" smtClean="0"/>
+            <a:rPr lang="en-US" dirty="0"/>
             <a:t>Use Case - Dallas City Crime Analysis</a:t>
           </a:r>
-          <a:endParaRPr lang="en-US" dirty="0"/>
         </a:p>
       </dgm:t>
     </dgm:pt>
@@ -1373,7 +1346,7 @@
         <a:lstStyle/>
         <a:p>
           <a:r>
-            <a:rPr lang="en-US" dirty="0" smtClean="0">
+            <a:rPr lang="en-US" dirty="0">
               <a:sym typeface="Wingdings 2" panose="05020102010507070707" pitchFamily="18" charset="2"/>
             </a:rPr>
             <a:t> Pandas - Series</a:t>
@@ -1412,7 +1385,7 @@
         <a:lstStyle/>
         <a:p>
           <a:r>
-            <a:rPr lang="en-US" dirty="0" smtClean="0">
+            <a:rPr lang="en-US" dirty="0">
               <a:sym typeface="Wingdings 2" panose="05020102010507070707" pitchFamily="18" charset="2"/>
             </a:rPr>
             <a:t> Pandas - Data Frames</a:t>
@@ -1451,19 +1424,19 @@
         <a:lstStyle/>
         <a:p>
           <a:r>
-            <a:rPr lang="en-US" dirty="0" smtClean="0">
+            <a:rPr lang="en-US" dirty="0">
               <a:sym typeface="Wingdings 2" panose="05020102010507070707" pitchFamily="18" charset="2"/>
             </a:rPr>
             <a:t> </a:t>
           </a:r>
           <a:r>
-            <a:rPr lang="en-US" dirty="0" err="1" smtClean="0">
+            <a:rPr lang="en-US" dirty="0" err="1">
               <a:sym typeface="Wingdings 2" panose="05020102010507070707" pitchFamily="18" charset="2"/>
             </a:rPr>
             <a:t>Sqlite</a:t>
           </a:r>
           <a:r>
-            <a:rPr lang="en-US" dirty="0" smtClean="0">
+            <a:rPr lang="en-US" dirty="0">
               <a:sym typeface="Wingdings 2" panose="05020102010507070707" pitchFamily="18" charset="2"/>
             </a:rPr>
             <a:t> 3</a:t>
@@ -1503,13 +1476,6 @@
         </dgm:presLayoutVars>
       </dgm:prSet>
       <dgm:spPr/>
-      <dgm:t>
-        <a:bodyPr/>
-        <a:lstStyle/>
-        <a:p>
-          <a:endParaRPr lang="en-US"/>
-        </a:p>
-      </dgm:t>
     </dgm:pt>
     <dgm:pt modelId="{4503D6D9-EE76-45CF-92D0-F48C86A714E3}" type="pres">
       <dgm:prSet presAssocID="{2441D3CF-DCAD-4AA1-9DCB-7DCE65E9CFB0}" presName="parentLin" presStyleCnt="0"/>
@@ -1518,13 +1484,6 @@
     <dgm:pt modelId="{9BBD5306-58FE-433D-8C13-5D167B921D81}" type="pres">
       <dgm:prSet presAssocID="{2441D3CF-DCAD-4AA1-9DCB-7DCE65E9CFB0}" presName="parentLeftMargin" presStyleLbl="node1" presStyleIdx="0" presStyleCnt="11"/>
       <dgm:spPr/>
-      <dgm:t>
-        <a:bodyPr/>
-        <a:lstStyle/>
-        <a:p>
-          <a:endParaRPr lang="en-US"/>
-        </a:p>
-      </dgm:t>
     </dgm:pt>
     <dgm:pt modelId="{9EB2B872-AF6A-4097-9DC5-DA51AA82E595}" type="pres">
       <dgm:prSet presAssocID="{2441D3CF-DCAD-4AA1-9DCB-7DCE65E9CFB0}" presName="parentText" presStyleLbl="node1" presStyleIdx="0" presStyleCnt="11">
@@ -1534,13 +1493,6 @@
         </dgm:presLayoutVars>
       </dgm:prSet>
       <dgm:spPr/>
-      <dgm:t>
-        <a:bodyPr/>
-        <a:lstStyle/>
-        <a:p>
-          <a:endParaRPr lang="en-US"/>
-        </a:p>
-      </dgm:t>
     </dgm:pt>
     <dgm:pt modelId="{33969700-8B0F-4649-88FF-413EEB2D2599}" type="pres">
       <dgm:prSet presAssocID="{2441D3CF-DCAD-4AA1-9DCB-7DCE65E9CFB0}" presName="negativeSpace" presStyleCnt="0"/>
@@ -1565,13 +1517,6 @@
     <dgm:pt modelId="{9A752E06-C8C7-4635-B74A-8F490BC7913E}" type="pres">
       <dgm:prSet presAssocID="{449737C4-5008-4883-9D35-B50B9E1D0365}" presName="parentLeftMargin" presStyleLbl="node1" presStyleIdx="0" presStyleCnt="11"/>
       <dgm:spPr/>
-      <dgm:t>
-        <a:bodyPr/>
-        <a:lstStyle/>
-        <a:p>
-          <a:endParaRPr lang="en-US"/>
-        </a:p>
-      </dgm:t>
     </dgm:pt>
     <dgm:pt modelId="{E6021B6F-4BF1-49F7-9BAA-7A50081B6E91}" type="pres">
       <dgm:prSet presAssocID="{449737C4-5008-4883-9D35-B50B9E1D0365}" presName="parentText" presStyleLbl="node1" presStyleIdx="1" presStyleCnt="11">
@@ -1581,13 +1526,6 @@
         </dgm:presLayoutVars>
       </dgm:prSet>
       <dgm:spPr/>
-      <dgm:t>
-        <a:bodyPr/>
-        <a:lstStyle/>
-        <a:p>
-          <a:endParaRPr lang="en-US"/>
-        </a:p>
-      </dgm:t>
     </dgm:pt>
     <dgm:pt modelId="{DA77033E-E2C5-4752-8323-0C85330BC610}" type="pres">
       <dgm:prSet presAssocID="{449737C4-5008-4883-9D35-B50B9E1D0365}" presName="negativeSpace" presStyleCnt="0"/>
@@ -1612,13 +1550,6 @@
     <dgm:pt modelId="{321861D6-490E-8749-9E88-E84DB00842A2}" type="pres">
       <dgm:prSet presAssocID="{3DF554B4-7A12-444D-8E2B-8A0FAB9C019E}" presName="parentLeftMargin" presStyleLbl="node1" presStyleIdx="1" presStyleCnt="11"/>
       <dgm:spPr/>
-      <dgm:t>
-        <a:bodyPr/>
-        <a:lstStyle/>
-        <a:p>
-          <a:endParaRPr lang="en-US"/>
-        </a:p>
-      </dgm:t>
     </dgm:pt>
     <dgm:pt modelId="{2B6E6823-914C-A84A-9AE0-D91B85127D61}" type="pres">
       <dgm:prSet presAssocID="{3DF554B4-7A12-444D-8E2B-8A0FAB9C019E}" presName="parentText" presStyleLbl="node1" presStyleIdx="2" presStyleCnt="11">
@@ -1628,13 +1559,6 @@
         </dgm:presLayoutVars>
       </dgm:prSet>
       <dgm:spPr/>
-      <dgm:t>
-        <a:bodyPr/>
-        <a:lstStyle/>
-        <a:p>
-          <a:endParaRPr lang="en-US"/>
-        </a:p>
-      </dgm:t>
     </dgm:pt>
     <dgm:pt modelId="{5CFD4133-D9EA-B34A-BAD0-2B8E9D04CC0E}" type="pres">
       <dgm:prSet presAssocID="{3DF554B4-7A12-444D-8E2B-8A0FAB9C019E}" presName="negativeSpace" presStyleCnt="0"/>
@@ -1659,13 +1583,6 @@
     <dgm:pt modelId="{6D4B82DD-A4B8-463D-9E9E-2FB5E6EA4439}" type="pres">
       <dgm:prSet presAssocID="{08AB1BFE-2FF8-4E08-AB67-659848F1B8CA}" presName="parentLeftMargin" presStyleLbl="node1" presStyleIdx="2" presStyleCnt="11"/>
       <dgm:spPr/>
-      <dgm:t>
-        <a:bodyPr/>
-        <a:lstStyle/>
-        <a:p>
-          <a:endParaRPr lang="en-US"/>
-        </a:p>
-      </dgm:t>
     </dgm:pt>
     <dgm:pt modelId="{EEA3F2AE-3F24-489D-83E3-7F4B06DD9765}" type="pres">
       <dgm:prSet presAssocID="{08AB1BFE-2FF8-4E08-AB67-659848F1B8CA}" presName="parentText" presStyleLbl="node1" presStyleIdx="3" presStyleCnt="11">
@@ -1675,13 +1592,6 @@
         </dgm:presLayoutVars>
       </dgm:prSet>
       <dgm:spPr/>
-      <dgm:t>
-        <a:bodyPr/>
-        <a:lstStyle/>
-        <a:p>
-          <a:endParaRPr lang="en-US"/>
-        </a:p>
-      </dgm:t>
     </dgm:pt>
     <dgm:pt modelId="{75D0831F-3B63-4EBB-A0B1-53B7C57588DE}" type="pres">
       <dgm:prSet presAssocID="{08AB1BFE-2FF8-4E08-AB67-659848F1B8CA}" presName="negativeSpace" presStyleCnt="0"/>
@@ -1706,13 +1616,6 @@
     <dgm:pt modelId="{33CCEBA3-E791-43A0-8232-B67C2B19AA01}" type="pres">
       <dgm:prSet presAssocID="{335DD487-9D59-4098-BB4C-B03F1C4F7048}" presName="parentLeftMargin" presStyleLbl="node1" presStyleIdx="3" presStyleCnt="11"/>
       <dgm:spPr/>
-      <dgm:t>
-        <a:bodyPr/>
-        <a:lstStyle/>
-        <a:p>
-          <a:endParaRPr lang="en-US"/>
-        </a:p>
-      </dgm:t>
     </dgm:pt>
     <dgm:pt modelId="{9336CE87-7A93-4DFF-B214-CC1E2FF5FC15}" type="pres">
       <dgm:prSet presAssocID="{335DD487-9D59-4098-BB4C-B03F1C4F7048}" presName="parentText" presStyleLbl="node1" presStyleIdx="4" presStyleCnt="11">
@@ -1722,13 +1625,6 @@
         </dgm:presLayoutVars>
       </dgm:prSet>
       <dgm:spPr/>
-      <dgm:t>
-        <a:bodyPr/>
-        <a:lstStyle/>
-        <a:p>
-          <a:endParaRPr lang="en-US"/>
-        </a:p>
-      </dgm:t>
     </dgm:pt>
     <dgm:pt modelId="{5C076AFB-B926-4656-8820-6D9774539373}" type="pres">
       <dgm:prSet presAssocID="{335DD487-9D59-4098-BB4C-B03F1C4F7048}" presName="negativeSpace" presStyleCnt="0"/>
@@ -1753,13 +1649,6 @@
     <dgm:pt modelId="{DBC5567D-2221-DA42-8B57-C682DBF9D620}" type="pres">
       <dgm:prSet presAssocID="{EE9DEB5E-44C7-C44B-B04D-BEC80F1C460F}" presName="parentLeftMargin" presStyleLbl="node1" presStyleIdx="4" presStyleCnt="11"/>
       <dgm:spPr/>
-      <dgm:t>
-        <a:bodyPr/>
-        <a:lstStyle/>
-        <a:p>
-          <a:endParaRPr lang="en-US"/>
-        </a:p>
-      </dgm:t>
     </dgm:pt>
     <dgm:pt modelId="{DA1CD2BC-A086-EF4B-B8C8-8329C0947E26}" type="pres">
       <dgm:prSet presAssocID="{EE9DEB5E-44C7-C44B-B04D-BEC80F1C460F}" presName="parentText" presStyleLbl="node1" presStyleIdx="5" presStyleCnt="11">
@@ -1769,13 +1658,6 @@
         </dgm:presLayoutVars>
       </dgm:prSet>
       <dgm:spPr/>
-      <dgm:t>
-        <a:bodyPr/>
-        <a:lstStyle/>
-        <a:p>
-          <a:endParaRPr lang="en-US"/>
-        </a:p>
-      </dgm:t>
     </dgm:pt>
     <dgm:pt modelId="{284E2290-9BB0-864B-B0E4-288818276575}" type="pres">
       <dgm:prSet presAssocID="{EE9DEB5E-44C7-C44B-B04D-BEC80F1C460F}" presName="negativeSpace" presStyleCnt="0"/>
@@ -1800,13 +1682,6 @@
     <dgm:pt modelId="{4973BBF6-E49D-0040-BA4A-66F0A68734CB}" type="pres">
       <dgm:prSet presAssocID="{70118B32-EE1F-2B44-A4EB-025444437D9A}" presName="parentLeftMargin" presStyleLbl="node1" presStyleIdx="5" presStyleCnt="11"/>
       <dgm:spPr/>
-      <dgm:t>
-        <a:bodyPr/>
-        <a:lstStyle/>
-        <a:p>
-          <a:endParaRPr lang="en-US"/>
-        </a:p>
-      </dgm:t>
     </dgm:pt>
     <dgm:pt modelId="{8BD75FB8-A2AF-D648-9B5E-E46B90088C82}" type="pres">
       <dgm:prSet presAssocID="{70118B32-EE1F-2B44-A4EB-025444437D9A}" presName="parentText" presStyleLbl="node1" presStyleIdx="6" presStyleCnt="11">
@@ -1816,13 +1691,6 @@
         </dgm:presLayoutVars>
       </dgm:prSet>
       <dgm:spPr/>
-      <dgm:t>
-        <a:bodyPr/>
-        <a:lstStyle/>
-        <a:p>
-          <a:endParaRPr lang="en-US"/>
-        </a:p>
-      </dgm:t>
     </dgm:pt>
     <dgm:pt modelId="{8570BE4A-0A7C-DE41-998F-73EBB5A2BB4A}" type="pres">
       <dgm:prSet presAssocID="{70118B32-EE1F-2B44-A4EB-025444437D9A}" presName="negativeSpace" presStyleCnt="0"/>
@@ -1847,13 +1715,6 @@
     <dgm:pt modelId="{A526917F-3127-C047-B98C-DD3AAC0E294A}" type="pres">
       <dgm:prSet presAssocID="{A62FDB50-13DA-CC43-9D42-2922992E5CAF}" presName="parentLeftMargin" presStyleLbl="node1" presStyleIdx="6" presStyleCnt="11"/>
       <dgm:spPr/>
-      <dgm:t>
-        <a:bodyPr/>
-        <a:lstStyle/>
-        <a:p>
-          <a:endParaRPr lang="en-US"/>
-        </a:p>
-      </dgm:t>
     </dgm:pt>
     <dgm:pt modelId="{27D6E482-D3A9-1A48-B2F8-645033116874}" type="pres">
       <dgm:prSet presAssocID="{A62FDB50-13DA-CC43-9D42-2922992E5CAF}" presName="parentText" presStyleLbl="node1" presStyleIdx="7" presStyleCnt="11">
@@ -1863,13 +1724,6 @@
         </dgm:presLayoutVars>
       </dgm:prSet>
       <dgm:spPr/>
-      <dgm:t>
-        <a:bodyPr/>
-        <a:lstStyle/>
-        <a:p>
-          <a:endParaRPr lang="en-US"/>
-        </a:p>
-      </dgm:t>
     </dgm:pt>
     <dgm:pt modelId="{95F4C134-27AD-B848-B6E6-D4AD1C8FD450}" type="pres">
       <dgm:prSet presAssocID="{A62FDB50-13DA-CC43-9D42-2922992E5CAF}" presName="negativeSpace" presStyleCnt="0"/>
@@ -1894,13 +1748,6 @@
     <dgm:pt modelId="{AC9D92C8-210A-DB45-BCF3-34070A2924D6}" type="pres">
       <dgm:prSet presAssocID="{E9CC4945-DBAC-9248-8D93-320D0E61CAC5}" presName="parentLeftMargin" presStyleLbl="node1" presStyleIdx="7" presStyleCnt="11"/>
       <dgm:spPr/>
-      <dgm:t>
-        <a:bodyPr/>
-        <a:lstStyle/>
-        <a:p>
-          <a:endParaRPr lang="en-US"/>
-        </a:p>
-      </dgm:t>
     </dgm:pt>
     <dgm:pt modelId="{F852A2B5-972E-E449-8E48-BCB10E8FE129}" type="pres">
       <dgm:prSet presAssocID="{E9CC4945-DBAC-9248-8D93-320D0E61CAC5}" presName="parentText" presStyleLbl="node1" presStyleIdx="8" presStyleCnt="11">
@@ -1910,13 +1757,6 @@
         </dgm:presLayoutVars>
       </dgm:prSet>
       <dgm:spPr/>
-      <dgm:t>
-        <a:bodyPr/>
-        <a:lstStyle/>
-        <a:p>
-          <a:endParaRPr lang="en-US"/>
-        </a:p>
-      </dgm:t>
     </dgm:pt>
     <dgm:pt modelId="{9DE0B697-BFD0-C048-B036-513CAC87A7AD}" type="pres">
       <dgm:prSet presAssocID="{E9CC4945-DBAC-9248-8D93-320D0E61CAC5}" presName="negativeSpace" presStyleCnt="0"/>
@@ -1941,13 +1781,6 @@
     <dgm:pt modelId="{6011DEEF-8A9C-9943-97A6-90692C1F9CFB}" type="pres">
       <dgm:prSet presAssocID="{EDBEBC50-05D7-324F-92AD-FDF2DD72FF1B}" presName="parentLeftMargin" presStyleLbl="node1" presStyleIdx="8" presStyleCnt="11"/>
       <dgm:spPr/>
-      <dgm:t>
-        <a:bodyPr/>
-        <a:lstStyle/>
-        <a:p>
-          <a:endParaRPr lang="en-US"/>
-        </a:p>
-      </dgm:t>
     </dgm:pt>
     <dgm:pt modelId="{556FFD06-680A-D641-AB54-11001A83B9B4}" type="pres">
       <dgm:prSet presAssocID="{EDBEBC50-05D7-324F-92AD-FDF2DD72FF1B}" presName="parentText" presStyleLbl="node1" presStyleIdx="9" presStyleCnt="11">
@@ -1957,13 +1790,6 @@
         </dgm:presLayoutVars>
       </dgm:prSet>
       <dgm:spPr/>
-      <dgm:t>
-        <a:bodyPr/>
-        <a:lstStyle/>
-        <a:p>
-          <a:endParaRPr lang="en-US"/>
-        </a:p>
-      </dgm:t>
     </dgm:pt>
     <dgm:pt modelId="{47660088-7B2A-A04F-9952-BECFFBB8A67B}" type="pres">
       <dgm:prSet presAssocID="{EDBEBC50-05D7-324F-92AD-FDF2DD72FF1B}" presName="negativeSpace" presStyleCnt="0"/>
@@ -1988,13 +1814,6 @@
     <dgm:pt modelId="{7734777D-AF78-A34E-AC48-4A60BA7DCA73}" type="pres">
       <dgm:prSet presAssocID="{D6030EC6-B044-7C4A-81D7-D1D3EF86FCF1}" presName="parentLeftMargin" presStyleLbl="node1" presStyleIdx="9" presStyleCnt="11"/>
       <dgm:spPr/>
-      <dgm:t>
-        <a:bodyPr/>
-        <a:lstStyle/>
-        <a:p>
-          <a:endParaRPr lang="en-US"/>
-        </a:p>
-      </dgm:t>
     </dgm:pt>
     <dgm:pt modelId="{2877A43E-2B4A-CD4B-A3E5-FD034AE581FE}" type="pres">
       <dgm:prSet presAssocID="{D6030EC6-B044-7C4A-81D7-D1D3EF86FCF1}" presName="parentText" presStyleLbl="node1" presStyleIdx="10" presStyleCnt="11">
@@ -2004,13 +1823,6 @@
         </dgm:presLayoutVars>
       </dgm:prSet>
       <dgm:spPr/>
-      <dgm:t>
-        <a:bodyPr/>
-        <a:lstStyle/>
-        <a:p>
-          <a:endParaRPr lang="en-US"/>
-        </a:p>
-      </dgm:t>
     </dgm:pt>
     <dgm:pt modelId="{7048FEB1-87A6-0049-B2A6-0A74AB9D8118}" type="pres">
       <dgm:prSet presAssocID="{D6030EC6-B044-7C4A-81D7-D1D3EF86FCF1}" presName="negativeSpace" presStyleCnt="0"/>
@@ -2026,40 +1838,40 @@
     </dgm:pt>
   </dgm:ptLst>
   <dgm:cxnLst>
+    <dgm:cxn modelId="{A7E28B00-C474-4F46-B08C-2A93C75A12AA}" srcId="{AF8F3852-418C-4CCA-9422-5CA21CCE84D6}" destId="{E9CC4945-DBAC-9248-8D93-320D0E61CAC5}" srcOrd="8" destOrd="0" parTransId="{A5B31AD5-CB99-1E4A-9F46-E828638ABDE8}" sibTransId="{922DA96C-A033-FB4F-8204-DE7B81D5BE9F}"/>
     <dgm:cxn modelId="{66DB930C-72C0-435D-B1A6-FA99C57E86D2}" type="presOf" srcId="{2441D3CF-DCAD-4AA1-9DCB-7DCE65E9CFB0}" destId="{9EB2B872-AF6A-4097-9DC5-DA51AA82E595}" srcOrd="1" destOrd="0" presId="urn:microsoft.com/office/officeart/2005/8/layout/list1"/>
-    <dgm:cxn modelId="{35B047F8-7FC8-294E-B170-6357AA68056A}" type="presOf" srcId="{70118B32-EE1F-2B44-A4EB-025444437D9A}" destId="{8BD75FB8-A2AF-D648-9B5E-E46B90088C82}" srcOrd="1" destOrd="0" presId="urn:microsoft.com/office/officeart/2005/8/layout/list1"/>
+    <dgm:cxn modelId="{B9AEC915-5EF7-4C00-9AB0-9411ADBEB8EF}" type="presOf" srcId="{335DD487-9D59-4098-BB4C-B03F1C4F7048}" destId="{9336CE87-7A93-4DFF-B214-CC1E2FF5FC15}" srcOrd="1" destOrd="0" presId="urn:microsoft.com/office/officeart/2005/8/layout/list1"/>
+    <dgm:cxn modelId="{B353C52A-AFD3-4C04-8ED1-77993CA03C01}" type="presOf" srcId="{335DD487-9D59-4098-BB4C-B03F1C4F7048}" destId="{33CCEBA3-E791-43A0-8232-B67C2B19AA01}" srcOrd="0" destOrd="0" presId="urn:microsoft.com/office/officeart/2005/8/layout/list1"/>
+    <dgm:cxn modelId="{C6B61930-0D69-44BB-B9A5-9E6076F6522C}" type="presOf" srcId="{08AB1BFE-2FF8-4E08-AB67-659848F1B8CA}" destId="{6D4B82DD-A4B8-463D-9E9E-2FB5E6EA4439}" srcOrd="0" destOrd="0" presId="urn:microsoft.com/office/officeart/2005/8/layout/list1"/>
+    <dgm:cxn modelId="{84616F37-385C-A842-8912-B5C83CE214C5}" type="presOf" srcId="{A62FDB50-13DA-CC43-9D42-2922992E5CAF}" destId="{A526917F-3127-C047-B98C-DD3AAC0E294A}" srcOrd="0" destOrd="0" presId="urn:microsoft.com/office/officeart/2005/8/layout/list1"/>
+    <dgm:cxn modelId="{8978B73F-9B17-8E49-AB8F-F9629BF6C9B4}" type="presOf" srcId="{EE9DEB5E-44C7-C44B-B04D-BEC80F1C460F}" destId="{DA1CD2BC-A086-EF4B-B8C8-8329C0947E26}" srcOrd="1" destOrd="0" presId="urn:microsoft.com/office/officeart/2005/8/layout/list1"/>
+    <dgm:cxn modelId="{F99E2F40-9DC0-4235-B3C4-F3E2B756E8B0}" srcId="{AF8F3852-418C-4CCA-9422-5CA21CCE84D6}" destId="{2441D3CF-DCAD-4AA1-9DCB-7DCE65E9CFB0}" srcOrd="0" destOrd="0" parTransId="{2394ED3E-B039-4CB3-9DEF-7F05460399CE}" sibTransId="{769B4220-6623-410B-8B5E-311E4FAB44D4}"/>
     <dgm:cxn modelId="{705A3C40-184D-4F58-8EE4-A43D0268E02D}" type="presOf" srcId="{AF8F3852-418C-4CCA-9422-5CA21CCE84D6}" destId="{F689F3C3-4244-4335-A2AD-354FE4F53E7F}" srcOrd="0" destOrd="0" presId="urn:microsoft.com/office/officeart/2005/8/layout/list1"/>
+    <dgm:cxn modelId="{839AA960-A0E4-974D-B1B2-DB007FA77093}" type="presOf" srcId="{D6030EC6-B044-7C4A-81D7-D1D3EF86FCF1}" destId="{2877A43E-2B4A-CD4B-A3E5-FD034AE581FE}" srcOrd="1" destOrd="0" presId="urn:microsoft.com/office/officeart/2005/8/layout/list1"/>
+    <dgm:cxn modelId="{89BDF166-F9DB-DF45-B3A8-BD4ACC0D6475}" type="presOf" srcId="{E9CC4945-DBAC-9248-8D93-320D0E61CAC5}" destId="{AC9D92C8-210A-DB45-BCF3-34070A2924D6}" srcOrd="0" destOrd="0" presId="urn:microsoft.com/office/officeart/2005/8/layout/list1"/>
+    <dgm:cxn modelId="{9083D76D-BE5D-4B5B-A340-D5FCE7960F2D}" type="presOf" srcId="{449737C4-5008-4883-9D35-B50B9E1D0365}" destId="{9A752E06-C8C7-4635-B74A-8F490BC7913E}" srcOrd="0" destOrd="0" presId="urn:microsoft.com/office/officeart/2005/8/layout/list1"/>
+    <dgm:cxn modelId="{37060273-8046-46E3-AE02-6101C7B25F4D}" srcId="{AF8F3852-418C-4CCA-9422-5CA21CCE84D6}" destId="{08AB1BFE-2FF8-4E08-AB67-659848F1B8CA}" srcOrd="3" destOrd="0" parTransId="{071D4CA8-A1C5-4C39-A38E-9F2A0A24ECF1}" sibTransId="{5429D7E4-5EF3-43E8-806A-B16531DF679F}"/>
+    <dgm:cxn modelId="{BF5A2C55-7B9E-904A-B2A9-E16C51426AD2}" type="presOf" srcId="{3DF554B4-7A12-444D-8E2B-8A0FAB9C019E}" destId="{2B6E6823-914C-A84A-9AE0-D91B85127D61}" srcOrd="1" destOrd="0" presId="urn:microsoft.com/office/officeart/2005/8/layout/list1"/>
+    <dgm:cxn modelId="{EC771F56-D8AF-4610-A493-6CF1DC2BA72C}" srcId="{AF8F3852-418C-4CCA-9422-5CA21CCE84D6}" destId="{449737C4-5008-4883-9D35-B50B9E1D0365}" srcOrd="1" destOrd="0" parTransId="{AB8E9C9B-2F55-462D-96BA-F7E756FFC44F}" sibTransId="{F41FC8E8-932C-4C4E-BCCB-049D4B725DF2}"/>
+    <dgm:cxn modelId="{F227BC77-0A40-334B-AEBC-3681DBA4DD2F}" srcId="{AF8F3852-418C-4CCA-9422-5CA21CCE84D6}" destId="{A62FDB50-13DA-CC43-9D42-2922992E5CAF}" srcOrd="7" destOrd="0" parTransId="{1BB52240-E243-D64E-A914-F9E48173AFC3}" sibTransId="{D307BB0B-0A04-A149-8DAD-FAC8BA90A821}"/>
+    <dgm:cxn modelId="{18C78B7D-3028-2549-8C3B-137D9594CF11}" srcId="{AF8F3852-418C-4CCA-9422-5CA21CCE84D6}" destId="{3DF554B4-7A12-444D-8E2B-8A0FAB9C019E}" srcOrd="2" destOrd="0" parTransId="{8A85D436-E7D0-E84B-9AE6-B55529CF3722}" sibTransId="{1CAE02BA-ED03-EA4B-B55A-11BAB9E6E509}"/>
+    <dgm:cxn modelId="{D8E6D485-86BA-BB44-9BCE-536E6A7FA564}" srcId="{AF8F3852-418C-4CCA-9422-5CA21CCE84D6}" destId="{D6030EC6-B044-7C4A-81D7-D1D3EF86FCF1}" srcOrd="10" destOrd="0" parTransId="{0E697DCB-4147-FB4D-B4C1-8234311CFA7E}" sibTransId="{9B060F0D-43F1-E845-82AF-BDE61AEC12CC}"/>
+    <dgm:cxn modelId="{A1206798-9BFB-BA48-A45C-0468E0803F46}" type="presOf" srcId="{D6030EC6-B044-7C4A-81D7-D1D3EF86FCF1}" destId="{7734777D-AF78-A34E-AC48-4A60BA7DCA73}" srcOrd="0" destOrd="0" presId="urn:microsoft.com/office/officeart/2005/8/layout/list1"/>
+    <dgm:cxn modelId="{08E98B9A-8B23-644B-90C0-603DFEBE046F}" type="presOf" srcId="{A62FDB50-13DA-CC43-9D42-2922992E5CAF}" destId="{27D6E482-D3A9-1A48-B2F8-645033116874}" srcOrd="1" destOrd="0" presId="urn:microsoft.com/office/officeart/2005/8/layout/list1"/>
+    <dgm:cxn modelId="{C3EEB69C-3CFE-FD41-8074-CB33DD83590E}" type="presOf" srcId="{3DF554B4-7A12-444D-8E2B-8A0FAB9C019E}" destId="{321861D6-490E-8749-9E88-E84DB00842A2}" srcOrd="0" destOrd="0" presId="urn:microsoft.com/office/officeart/2005/8/layout/list1"/>
+    <dgm:cxn modelId="{1E564FA6-C7AB-7B4B-A45F-6B0F5AE35775}" srcId="{AF8F3852-418C-4CCA-9422-5CA21CCE84D6}" destId="{EDBEBC50-05D7-324F-92AD-FDF2DD72FF1B}" srcOrd="9" destOrd="0" parTransId="{FE6505EF-5AE8-D245-9765-61803946DAF4}" sibTransId="{03AAF282-F159-0049-BE1D-2314011F6671}"/>
+    <dgm:cxn modelId="{D5ADA4B5-035D-40EC-B510-ED7D74C2C719}" type="presOf" srcId="{2441D3CF-DCAD-4AA1-9DCB-7DCE65E9CFB0}" destId="{9BBD5306-58FE-433D-8C13-5D167B921D81}" srcOrd="0" destOrd="0" presId="urn:microsoft.com/office/officeart/2005/8/layout/list1"/>
+    <dgm:cxn modelId="{6C678BB9-8320-2745-8521-39D6715F5143}" type="presOf" srcId="{E9CC4945-DBAC-9248-8D93-320D0E61CAC5}" destId="{F852A2B5-972E-E449-8E48-BCB10E8FE129}" srcOrd="1" destOrd="0" presId="urn:microsoft.com/office/officeart/2005/8/layout/list1"/>
     <dgm:cxn modelId="{A73A7AC6-59D2-412A-8060-AC5A85EE45B1}" srcId="{AF8F3852-418C-4CCA-9422-5CA21CCE84D6}" destId="{335DD487-9D59-4098-BB4C-B03F1C4F7048}" srcOrd="4" destOrd="0" parTransId="{C7109536-2576-48B7-8B16-609AD6F34C27}" sibTransId="{D5050398-F31B-4D2B-BA5A-92924630A774}"/>
     <dgm:cxn modelId="{C902F2CC-1C0E-D44E-B046-8322CB38E527}" type="presOf" srcId="{EDBEBC50-05D7-324F-92AD-FDF2DD72FF1B}" destId="{556FFD06-680A-D641-AB54-11001A83B9B4}" srcOrd="1" destOrd="0" presId="urn:microsoft.com/office/officeart/2005/8/layout/list1"/>
-    <dgm:cxn modelId="{9083D76D-BE5D-4B5B-A340-D5FCE7960F2D}" type="presOf" srcId="{449737C4-5008-4883-9D35-B50B9E1D0365}" destId="{9A752E06-C8C7-4635-B74A-8F490BC7913E}" srcOrd="0" destOrd="0" presId="urn:microsoft.com/office/officeart/2005/8/layout/list1"/>
-    <dgm:cxn modelId="{89BDF166-F9DB-DF45-B3A8-BD4ACC0D6475}" type="presOf" srcId="{E9CC4945-DBAC-9248-8D93-320D0E61CAC5}" destId="{AC9D92C8-210A-DB45-BCF3-34070A2924D6}" srcOrd="0" destOrd="0" presId="urn:microsoft.com/office/officeart/2005/8/layout/list1"/>
-    <dgm:cxn modelId="{B353C52A-AFD3-4C04-8ED1-77993CA03C01}" type="presOf" srcId="{335DD487-9D59-4098-BB4C-B03F1C4F7048}" destId="{33CCEBA3-E791-43A0-8232-B67C2B19AA01}" srcOrd="0" destOrd="0" presId="urn:microsoft.com/office/officeart/2005/8/layout/list1"/>
-    <dgm:cxn modelId="{839AA960-A0E4-974D-B1B2-DB007FA77093}" type="presOf" srcId="{D6030EC6-B044-7C4A-81D7-D1D3EF86FCF1}" destId="{2877A43E-2B4A-CD4B-A3E5-FD034AE581FE}" srcOrd="1" destOrd="0" presId="urn:microsoft.com/office/officeart/2005/8/layout/list1"/>
-    <dgm:cxn modelId="{84616F37-385C-A842-8912-B5C83CE214C5}" type="presOf" srcId="{A62FDB50-13DA-CC43-9D42-2922992E5CAF}" destId="{A526917F-3127-C047-B98C-DD3AAC0E294A}" srcOrd="0" destOrd="0" presId="urn:microsoft.com/office/officeart/2005/8/layout/list1"/>
+    <dgm:cxn modelId="{433CB0E2-E910-4DFA-A83F-B3A3DC6ED55D}" type="presOf" srcId="{449737C4-5008-4883-9D35-B50B9E1D0365}" destId="{E6021B6F-4BF1-49F7-9BAA-7A50081B6E91}" srcOrd="1" destOrd="0" presId="urn:microsoft.com/office/officeart/2005/8/layout/list1"/>
+    <dgm:cxn modelId="{C504D2E3-E894-E043-85DA-1E362E25BEEF}" type="presOf" srcId="{70118B32-EE1F-2B44-A4EB-025444437D9A}" destId="{4973BBF6-E49D-0040-BA4A-66F0A68734CB}" srcOrd="0" destOrd="0" presId="urn:microsoft.com/office/officeart/2005/8/layout/list1"/>
+    <dgm:cxn modelId="{AD666BE5-4ABA-DE48-84E3-AAA9013060F5}" type="presOf" srcId="{EDBEBC50-05D7-324F-92AD-FDF2DD72FF1B}" destId="{6011DEEF-8A9C-9943-97A6-90692C1F9CFB}" srcOrd="0" destOrd="0" presId="urn:microsoft.com/office/officeart/2005/8/layout/list1"/>
+    <dgm:cxn modelId="{DF638EE7-73C4-408C-9C6A-EE698F620815}" type="presOf" srcId="{08AB1BFE-2FF8-4E08-AB67-659848F1B8CA}" destId="{EEA3F2AE-3F24-489D-83E3-7F4B06DD9765}" srcOrd="1" destOrd="0" presId="urn:microsoft.com/office/officeart/2005/8/layout/list1"/>
+    <dgm:cxn modelId="{7EB53DE8-0A72-8D45-B768-8C5BD8B87F00}" type="presOf" srcId="{EE9DEB5E-44C7-C44B-B04D-BEC80F1C460F}" destId="{DBC5567D-2221-DA42-8B57-C682DBF9D620}" srcOrd="0" destOrd="0" presId="urn:microsoft.com/office/officeart/2005/8/layout/list1"/>
+    <dgm:cxn modelId="{DED532F0-BEF0-E34C-A42F-8766A2AFB743}" srcId="{AF8F3852-418C-4CCA-9422-5CA21CCE84D6}" destId="{EE9DEB5E-44C7-C44B-B04D-BEC80F1C460F}" srcOrd="5" destOrd="0" parTransId="{7DE2BDE9-30D8-2A40-8322-1727594928D4}" sibTransId="{A58384D1-CB13-2E4D-8782-C0CD93F24914}"/>
     <dgm:cxn modelId="{8CB03FF1-99CF-394D-8F60-D0A41F64372B}" srcId="{AF8F3852-418C-4CCA-9422-5CA21CCE84D6}" destId="{70118B32-EE1F-2B44-A4EB-025444437D9A}" srcOrd="6" destOrd="0" parTransId="{EC8D1155-D610-3B4D-8093-EA2A4F0CC252}" sibTransId="{9D8CC34D-7D81-8C4C-AD22-A9D20BB4850D}"/>
-    <dgm:cxn modelId="{6C678BB9-8320-2745-8521-39D6715F5143}" type="presOf" srcId="{E9CC4945-DBAC-9248-8D93-320D0E61CAC5}" destId="{F852A2B5-972E-E449-8E48-BCB10E8FE129}" srcOrd="1" destOrd="0" presId="urn:microsoft.com/office/officeart/2005/8/layout/list1"/>
-    <dgm:cxn modelId="{C6B61930-0D69-44BB-B9A5-9E6076F6522C}" type="presOf" srcId="{08AB1BFE-2FF8-4E08-AB67-659848F1B8CA}" destId="{6D4B82DD-A4B8-463D-9E9E-2FB5E6EA4439}" srcOrd="0" destOrd="0" presId="urn:microsoft.com/office/officeart/2005/8/layout/list1"/>
-    <dgm:cxn modelId="{F99E2F40-9DC0-4235-B3C4-F3E2B756E8B0}" srcId="{AF8F3852-418C-4CCA-9422-5CA21CCE84D6}" destId="{2441D3CF-DCAD-4AA1-9DCB-7DCE65E9CFB0}" srcOrd="0" destOrd="0" parTransId="{2394ED3E-B039-4CB3-9DEF-7F05460399CE}" sibTransId="{769B4220-6623-410B-8B5E-311E4FAB44D4}"/>
-    <dgm:cxn modelId="{18C78B7D-3028-2549-8C3B-137D9594CF11}" srcId="{AF8F3852-418C-4CCA-9422-5CA21CCE84D6}" destId="{3DF554B4-7A12-444D-8E2B-8A0FAB9C019E}" srcOrd="2" destOrd="0" parTransId="{8A85D436-E7D0-E84B-9AE6-B55529CF3722}" sibTransId="{1CAE02BA-ED03-EA4B-B55A-11BAB9E6E509}"/>
-    <dgm:cxn modelId="{B9AEC915-5EF7-4C00-9AB0-9411ADBEB8EF}" type="presOf" srcId="{335DD487-9D59-4098-BB4C-B03F1C4F7048}" destId="{9336CE87-7A93-4DFF-B214-CC1E2FF5FC15}" srcOrd="1" destOrd="0" presId="urn:microsoft.com/office/officeart/2005/8/layout/list1"/>
-    <dgm:cxn modelId="{C504D2E3-E894-E043-85DA-1E362E25BEEF}" type="presOf" srcId="{70118B32-EE1F-2B44-A4EB-025444437D9A}" destId="{4973BBF6-E49D-0040-BA4A-66F0A68734CB}" srcOrd="0" destOrd="0" presId="urn:microsoft.com/office/officeart/2005/8/layout/list1"/>
-    <dgm:cxn modelId="{7EB53DE8-0A72-8D45-B768-8C5BD8B87F00}" type="presOf" srcId="{EE9DEB5E-44C7-C44B-B04D-BEC80F1C460F}" destId="{DBC5567D-2221-DA42-8B57-C682DBF9D620}" srcOrd="0" destOrd="0" presId="urn:microsoft.com/office/officeart/2005/8/layout/list1"/>
-    <dgm:cxn modelId="{F227BC77-0A40-334B-AEBC-3681DBA4DD2F}" srcId="{AF8F3852-418C-4CCA-9422-5CA21CCE84D6}" destId="{A62FDB50-13DA-CC43-9D42-2922992E5CAF}" srcOrd="7" destOrd="0" parTransId="{1BB52240-E243-D64E-A914-F9E48173AFC3}" sibTransId="{D307BB0B-0A04-A149-8DAD-FAC8BA90A821}"/>
-    <dgm:cxn modelId="{DF638EE7-73C4-408C-9C6A-EE698F620815}" type="presOf" srcId="{08AB1BFE-2FF8-4E08-AB67-659848F1B8CA}" destId="{EEA3F2AE-3F24-489D-83E3-7F4B06DD9765}" srcOrd="1" destOrd="0" presId="urn:microsoft.com/office/officeart/2005/8/layout/list1"/>
-    <dgm:cxn modelId="{37060273-8046-46E3-AE02-6101C7B25F4D}" srcId="{AF8F3852-418C-4CCA-9422-5CA21CCE84D6}" destId="{08AB1BFE-2FF8-4E08-AB67-659848F1B8CA}" srcOrd="3" destOrd="0" parTransId="{071D4CA8-A1C5-4C39-A38E-9F2A0A24ECF1}" sibTransId="{5429D7E4-5EF3-43E8-806A-B16531DF679F}"/>
-    <dgm:cxn modelId="{D8E6D485-86BA-BB44-9BCE-536E6A7FA564}" srcId="{AF8F3852-418C-4CCA-9422-5CA21CCE84D6}" destId="{D6030EC6-B044-7C4A-81D7-D1D3EF86FCF1}" srcOrd="10" destOrd="0" parTransId="{0E697DCB-4147-FB4D-B4C1-8234311CFA7E}" sibTransId="{9B060F0D-43F1-E845-82AF-BDE61AEC12CC}"/>
-    <dgm:cxn modelId="{D5ADA4B5-035D-40EC-B510-ED7D74C2C719}" type="presOf" srcId="{2441D3CF-DCAD-4AA1-9DCB-7DCE65E9CFB0}" destId="{9BBD5306-58FE-433D-8C13-5D167B921D81}" srcOrd="0" destOrd="0" presId="urn:microsoft.com/office/officeart/2005/8/layout/list1"/>
-    <dgm:cxn modelId="{8978B73F-9B17-8E49-AB8F-F9629BF6C9B4}" type="presOf" srcId="{EE9DEB5E-44C7-C44B-B04D-BEC80F1C460F}" destId="{DA1CD2BC-A086-EF4B-B8C8-8329C0947E26}" srcOrd="1" destOrd="0" presId="urn:microsoft.com/office/officeart/2005/8/layout/list1"/>
-    <dgm:cxn modelId="{433CB0E2-E910-4DFA-A83F-B3A3DC6ED55D}" type="presOf" srcId="{449737C4-5008-4883-9D35-B50B9E1D0365}" destId="{E6021B6F-4BF1-49F7-9BAA-7A50081B6E91}" srcOrd="1" destOrd="0" presId="urn:microsoft.com/office/officeart/2005/8/layout/list1"/>
-    <dgm:cxn modelId="{AD666BE5-4ABA-DE48-84E3-AAA9013060F5}" type="presOf" srcId="{EDBEBC50-05D7-324F-92AD-FDF2DD72FF1B}" destId="{6011DEEF-8A9C-9943-97A6-90692C1F9CFB}" srcOrd="0" destOrd="0" presId="urn:microsoft.com/office/officeart/2005/8/layout/list1"/>
-    <dgm:cxn modelId="{08E98B9A-8B23-644B-90C0-603DFEBE046F}" type="presOf" srcId="{A62FDB50-13DA-CC43-9D42-2922992E5CAF}" destId="{27D6E482-D3A9-1A48-B2F8-645033116874}" srcOrd="1" destOrd="0" presId="urn:microsoft.com/office/officeart/2005/8/layout/list1"/>
-    <dgm:cxn modelId="{1E564FA6-C7AB-7B4B-A45F-6B0F5AE35775}" srcId="{AF8F3852-418C-4CCA-9422-5CA21CCE84D6}" destId="{EDBEBC50-05D7-324F-92AD-FDF2DD72FF1B}" srcOrd="9" destOrd="0" parTransId="{FE6505EF-5AE8-D245-9765-61803946DAF4}" sibTransId="{03AAF282-F159-0049-BE1D-2314011F6671}"/>
-    <dgm:cxn modelId="{A7E28B00-C474-4F46-B08C-2A93C75A12AA}" srcId="{AF8F3852-418C-4CCA-9422-5CA21CCE84D6}" destId="{E9CC4945-DBAC-9248-8D93-320D0E61CAC5}" srcOrd="8" destOrd="0" parTransId="{A5B31AD5-CB99-1E4A-9F46-E828638ABDE8}" sibTransId="{922DA96C-A033-FB4F-8204-DE7B81D5BE9F}"/>
-    <dgm:cxn modelId="{EC771F56-D8AF-4610-A493-6CF1DC2BA72C}" srcId="{AF8F3852-418C-4CCA-9422-5CA21CCE84D6}" destId="{449737C4-5008-4883-9D35-B50B9E1D0365}" srcOrd="1" destOrd="0" parTransId="{AB8E9C9B-2F55-462D-96BA-F7E756FFC44F}" sibTransId="{F41FC8E8-932C-4C4E-BCCB-049D4B725DF2}"/>
-    <dgm:cxn modelId="{DED532F0-BEF0-E34C-A42F-8766A2AFB743}" srcId="{AF8F3852-418C-4CCA-9422-5CA21CCE84D6}" destId="{EE9DEB5E-44C7-C44B-B04D-BEC80F1C460F}" srcOrd="5" destOrd="0" parTransId="{7DE2BDE9-30D8-2A40-8322-1727594928D4}" sibTransId="{A58384D1-CB13-2E4D-8782-C0CD93F24914}"/>
-    <dgm:cxn modelId="{C3EEB69C-3CFE-FD41-8074-CB33DD83590E}" type="presOf" srcId="{3DF554B4-7A12-444D-8E2B-8A0FAB9C019E}" destId="{321861D6-490E-8749-9E88-E84DB00842A2}" srcOrd="0" destOrd="0" presId="urn:microsoft.com/office/officeart/2005/8/layout/list1"/>
-    <dgm:cxn modelId="{A1206798-9BFB-BA48-A45C-0468E0803F46}" type="presOf" srcId="{D6030EC6-B044-7C4A-81D7-D1D3EF86FCF1}" destId="{7734777D-AF78-A34E-AC48-4A60BA7DCA73}" srcOrd="0" destOrd="0" presId="urn:microsoft.com/office/officeart/2005/8/layout/list1"/>
-    <dgm:cxn modelId="{BF5A2C55-7B9E-904A-B2A9-E16C51426AD2}" type="presOf" srcId="{3DF554B4-7A12-444D-8E2B-8A0FAB9C019E}" destId="{2B6E6823-914C-A84A-9AE0-D91B85127D61}" srcOrd="1" destOrd="0" presId="urn:microsoft.com/office/officeart/2005/8/layout/list1"/>
+    <dgm:cxn modelId="{35B047F8-7FC8-294E-B170-6357AA68056A}" type="presOf" srcId="{70118B32-EE1F-2B44-A4EB-025444437D9A}" destId="{8BD75FB8-A2AF-D648-9B5E-E46B90088C82}" srcOrd="1" destOrd="0" presId="urn:microsoft.com/office/officeart/2005/8/layout/list1"/>
     <dgm:cxn modelId="{E44947CB-91DC-473B-B869-237C212E08BB}" type="presParOf" srcId="{F689F3C3-4244-4335-A2AD-354FE4F53E7F}" destId="{4503D6D9-EE76-45CF-92D0-F48C86A714E3}" srcOrd="0" destOrd="0" presId="urn:microsoft.com/office/officeart/2005/8/layout/list1"/>
     <dgm:cxn modelId="{DF392413-7204-4AE9-A8E6-1F7085BC6F6D}" type="presParOf" srcId="{4503D6D9-EE76-45CF-92D0-F48C86A714E3}" destId="{9BBD5306-58FE-433D-8C13-5D167B921D81}" srcOrd="0" destOrd="0" presId="urn:microsoft.com/office/officeart/2005/8/layout/list1"/>
     <dgm:cxn modelId="{25A056AC-C383-4218-8F83-B1C54083DDF0}" type="presParOf" srcId="{4503D6D9-EE76-45CF-92D0-F48C86A714E3}" destId="{9EB2B872-AF6A-4097-9DC5-DA51AA82E595}" srcOrd="1" destOrd="0" presId="urn:microsoft.com/office/officeart/2005/8/layout/list1"/>
@@ -2285,7 +2097,7 @@
         </a:bodyPr>
         <a:lstStyle/>
         <a:p>
-          <a:pPr lvl="0" algn="l" defTabSz="488950">
+          <a:pPr marL="0" lvl="0" indent="0" algn="l" defTabSz="488950">
             <a:lnSpc>
               <a:spcPct val="90000"/>
             </a:lnSpc>
@@ -2295,6 +2107,7 @@
             <a:spcAft>
               <a:spcPct val="35000"/>
             </a:spcAft>
+            <a:buNone/>
           </a:pPr>
           <a:r>
             <a:rPr lang="en-US" sz="1100" kern="1200" dirty="0">
@@ -2442,7 +2255,7 @@
         </a:bodyPr>
         <a:lstStyle/>
         <a:p>
-          <a:pPr lvl="0" algn="l" defTabSz="488950">
+          <a:pPr marL="0" lvl="0" indent="0" algn="l" defTabSz="488950">
             <a:lnSpc>
               <a:spcPct val="90000"/>
             </a:lnSpc>
@@ -2452,18 +2265,13 @@
             <a:spcAft>
               <a:spcPct val="35000"/>
             </a:spcAft>
+            <a:buNone/>
           </a:pPr>
           <a:r>
             <a:rPr lang="en-US" sz="1100" kern="1200" dirty="0">
               <a:sym typeface="Wingdings 2" panose="05020102010507070707" pitchFamily="18" charset="2"/>
             </a:rPr>
-            <a:t> </a:t>
-          </a:r>
-          <a:r>
-            <a:rPr lang="en-US" sz="1100" kern="1200" dirty="0" smtClean="0">
-              <a:sym typeface="Wingdings 2" panose="05020102010507070707" pitchFamily="18" charset="2"/>
-            </a:rPr>
-            <a:t>Types Of Testing</a:t>
+            <a:t> Types Of Testing</a:t>
           </a:r>
           <a:endParaRPr lang="en-US" sz="1100" kern="1200" dirty="0"/>
         </a:p>
@@ -2605,7 +2413,7 @@
         </a:bodyPr>
         <a:lstStyle/>
         <a:p>
-          <a:pPr lvl="0" algn="l" defTabSz="488950">
+          <a:pPr marL="0" lvl="0" indent="0" algn="l" defTabSz="488950">
             <a:lnSpc>
               <a:spcPct val="90000"/>
             </a:lnSpc>
@@ -2615,18 +2423,13 @@
             <a:spcAft>
               <a:spcPct val="35000"/>
             </a:spcAft>
+            <a:buNone/>
           </a:pPr>
           <a:r>
             <a:rPr lang="en-US" sz="1100" kern="1200" dirty="0">
               <a:sym typeface="Wingdings 2" panose="05020102010507070707" pitchFamily="18" charset="2"/>
             </a:rPr>
-            <a:t> </a:t>
-          </a:r>
-          <a:r>
-            <a:rPr lang="en-US" sz="1100" kern="1200" dirty="0" smtClean="0">
-              <a:sym typeface="Wingdings 2" panose="05020102010507070707" pitchFamily="18" charset="2"/>
-            </a:rPr>
-            <a:t>Unit Testing</a:t>
+            <a:t> Unit Testing</a:t>
           </a:r>
           <a:endParaRPr lang="en-US" sz="1100" kern="1200" dirty="0"/>
         </a:p>
@@ -2768,7 +2571,7 @@
         </a:bodyPr>
         <a:lstStyle/>
         <a:p>
-          <a:pPr lvl="0" algn="l" defTabSz="488950">
+          <a:pPr marL="0" lvl="0" indent="0" algn="l" defTabSz="488950">
             <a:lnSpc>
               <a:spcPct val="90000"/>
             </a:lnSpc>
@@ -2778,18 +2581,13 @@
             <a:spcAft>
               <a:spcPct val="35000"/>
             </a:spcAft>
+            <a:buNone/>
           </a:pPr>
           <a:r>
             <a:rPr lang="en-US" sz="1100" kern="1200" dirty="0">
               <a:sym typeface="Wingdings 2" panose="05020102010507070707" pitchFamily="18" charset="2"/>
             </a:rPr>
-            <a:t> </a:t>
-          </a:r>
-          <a:r>
-            <a:rPr lang="en-US" sz="1100" kern="1200" dirty="0" smtClean="0">
-              <a:sym typeface="Wingdings 2" panose="05020102010507070707" pitchFamily="18" charset="2"/>
-            </a:rPr>
-            <a:t>Sending E-Mail’s</a:t>
+            <a:t> Sending E-Mail’s</a:t>
           </a:r>
           <a:endParaRPr lang="en-US" sz="1100" kern="1200" dirty="0"/>
         </a:p>
@@ -2931,7 +2729,7 @@
         </a:bodyPr>
         <a:lstStyle/>
         <a:p>
-          <a:pPr lvl="0" algn="l" defTabSz="488950">
+          <a:pPr marL="0" lvl="0" indent="0" algn="l" defTabSz="488950">
             <a:lnSpc>
               <a:spcPct val="90000"/>
             </a:lnSpc>
@@ -2941,18 +2739,13 @@
             <a:spcAft>
               <a:spcPct val="35000"/>
             </a:spcAft>
+            <a:buNone/>
           </a:pPr>
           <a:r>
             <a:rPr lang="en-US" sz="1100" kern="1200" dirty="0">
               <a:sym typeface="Wingdings 2" panose="05020102010507070707" pitchFamily="18" charset="2"/>
             </a:rPr>
-            <a:t> </a:t>
-          </a:r>
-          <a:r>
-            <a:rPr lang="en-US" sz="1100" kern="1200" dirty="0" smtClean="0">
-              <a:sym typeface="Wingdings 2" panose="05020102010507070707" pitchFamily="18" charset="2"/>
-            </a:rPr>
-            <a:t>Basics of Data Manipulation using Pandas</a:t>
+            <a:t> Basics of Data Manipulation using Pandas</a:t>
           </a:r>
           <a:endParaRPr lang="en-US" sz="1100" kern="1200" dirty="0"/>
         </a:p>
@@ -3094,7 +2887,7 @@
         </a:bodyPr>
         <a:lstStyle/>
         <a:p>
-          <a:pPr lvl="0" algn="l" defTabSz="488950">
+          <a:pPr marL="0" lvl="0" indent="0" algn="l" defTabSz="488950">
             <a:lnSpc>
               <a:spcPct val="90000"/>
             </a:lnSpc>
@@ -3104,9 +2897,10 @@
             <a:spcAft>
               <a:spcPct val="35000"/>
             </a:spcAft>
+            <a:buNone/>
           </a:pPr>
           <a:r>
-            <a:rPr lang="en-US" sz="1100" kern="1200" dirty="0" smtClean="0">
+            <a:rPr lang="en-US" sz="1100" kern="1200" dirty="0">
               <a:sym typeface="Wingdings 2" panose="05020102010507070707" pitchFamily="18" charset="2"/>
             </a:rPr>
             <a:t> Pandas - Series</a:t>
@@ -3251,7 +3045,7 @@
         </a:bodyPr>
         <a:lstStyle/>
         <a:p>
-          <a:pPr lvl="0" algn="l" defTabSz="488950">
+          <a:pPr marL="0" lvl="0" indent="0" algn="l" defTabSz="488950">
             <a:lnSpc>
               <a:spcPct val="90000"/>
             </a:lnSpc>
@@ -3261,9 +3055,10 @@
             <a:spcAft>
               <a:spcPct val="35000"/>
             </a:spcAft>
+            <a:buNone/>
           </a:pPr>
           <a:r>
-            <a:rPr lang="en-US" sz="1100" kern="1200" dirty="0" smtClean="0">
+            <a:rPr lang="en-US" sz="1100" kern="1200" dirty="0">
               <a:sym typeface="Wingdings 2" panose="05020102010507070707" pitchFamily="18" charset="2"/>
             </a:rPr>
             <a:t> Pandas - Data Frames</a:t>
@@ -3408,7 +3203,7 @@
         </a:bodyPr>
         <a:lstStyle/>
         <a:p>
-          <a:pPr lvl="0" algn="l" defTabSz="488950">
+          <a:pPr marL="0" lvl="0" indent="0" algn="l" defTabSz="488950">
             <a:lnSpc>
               <a:spcPct val="90000"/>
             </a:lnSpc>
@@ -3418,18 +3213,18 @@
             <a:spcAft>
               <a:spcPct val="35000"/>
             </a:spcAft>
+            <a:buNone/>
           </a:pPr>
           <a:r>
-            <a:rPr lang="en-US" sz="1100" kern="1200" dirty="0" smtClean="0">
+            <a:rPr lang="en-US" sz="1100" kern="1200" dirty="0">
               <a:sym typeface="Wingdings 2" panose="05020102010507070707" pitchFamily="18" charset="2"/>
             </a:rPr>
             <a:t> </a:t>
           </a:r>
           <a:r>
-            <a:rPr lang="en-US" sz="1100" kern="1200" dirty="0" smtClean="0"/>
+            <a:rPr lang="en-US" sz="1100" kern="1200" dirty="0"/>
             <a:t>Use Case - Dallas City Crime Analysis</a:t>
           </a:r>
-          <a:endParaRPr lang="en-US" sz="1100" kern="1200" dirty="0"/>
         </a:p>
       </dsp:txBody>
       <dsp:txXfrm>
@@ -3569,7 +3364,7 @@
         </a:bodyPr>
         <a:lstStyle/>
         <a:p>
-          <a:pPr lvl="0" algn="l" defTabSz="488950">
+          <a:pPr marL="0" lvl="0" indent="0" algn="l" defTabSz="488950">
             <a:lnSpc>
               <a:spcPct val="90000"/>
             </a:lnSpc>
@@ -3579,18 +3374,13 @@
             <a:spcAft>
               <a:spcPct val="35000"/>
             </a:spcAft>
+            <a:buNone/>
           </a:pPr>
           <a:r>
             <a:rPr lang="en-US" sz="1100" kern="1200" dirty="0">
               <a:sym typeface="Wingdings 2" panose="05020102010507070707" pitchFamily="18" charset="2"/>
             </a:rPr>
-            <a:t> </a:t>
-          </a:r>
-          <a:r>
-            <a:rPr lang="en-US" sz="1100" kern="1200" dirty="0" smtClean="0">
-              <a:sym typeface="Wingdings 2" panose="05020102010507070707" pitchFamily="18" charset="2"/>
-            </a:rPr>
-            <a:t>Web Automation basics using Selenium</a:t>
+            <a:t> Web Automation basics using Selenium</a:t>
           </a:r>
           <a:endParaRPr lang="en-US" sz="1100" kern="1200" dirty="0"/>
         </a:p>
@@ -3732,7 +3522,7 @@
         </a:bodyPr>
         <a:lstStyle/>
         <a:p>
-          <a:pPr lvl="0" algn="l" defTabSz="488950">
+          <a:pPr marL="0" lvl="0" indent="0" algn="l" defTabSz="488950">
             <a:lnSpc>
               <a:spcPct val="90000"/>
             </a:lnSpc>
@@ -3742,21 +3532,22 @@
             <a:spcAft>
               <a:spcPct val="35000"/>
             </a:spcAft>
+            <a:buNone/>
           </a:pPr>
           <a:r>
-            <a:rPr lang="en-US" sz="1100" kern="1200" dirty="0" smtClean="0">
+            <a:rPr lang="en-US" sz="1100" kern="1200" dirty="0">
               <a:sym typeface="Wingdings 2" panose="05020102010507070707" pitchFamily="18" charset="2"/>
             </a:rPr>
             <a:t> </a:t>
           </a:r>
           <a:r>
-            <a:rPr lang="en-US" sz="1100" kern="1200" dirty="0" err="1" smtClean="0">
+            <a:rPr lang="en-US" sz="1100" kern="1200" dirty="0" err="1">
               <a:sym typeface="Wingdings 2" panose="05020102010507070707" pitchFamily="18" charset="2"/>
             </a:rPr>
             <a:t>Sqlite</a:t>
           </a:r>
           <a:r>
-            <a:rPr lang="en-US" sz="1100" kern="1200" dirty="0" smtClean="0">
+            <a:rPr lang="en-US" sz="1100" kern="1200" dirty="0">
               <a:sym typeface="Wingdings 2" panose="05020102010507070707" pitchFamily="18" charset="2"/>
             </a:rPr>
             <a:t> 3</a:t>
@@ -3901,7 +3692,7 @@
         </a:bodyPr>
         <a:lstStyle/>
         <a:p>
-          <a:pPr lvl="0" algn="l" defTabSz="488950">
+          <a:pPr marL="0" lvl="0" indent="0" algn="l" defTabSz="488950">
             <a:lnSpc>
               <a:spcPct val="90000"/>
             </a:lnSpc>
@@ -3911,9 +3702,10 @@
             <a:spcAft>
               <a:spcPct val="35000"/>
             </a:spcAft>
+            <a:buNone/>
           </a:pPr>
           <a:r>
-            <a:rPr lang="en-US" sz="1100" kern="1200" dirty="0" smtClean="0">
+            <a:rPr lang="en-US" sz="1100" kern="1200" dirty="0">
               <a:sym typeface="Wingdings 2" panose="05020102010507070707" pitchFamily="18" charset="2"/>
             </a:rPr>
             <a:t> Use case - Automating hotel searches on Expedia</a:t>
@@ -5297,7 +5089,7 @@
           <a:p>
             <a:fld id="{017DFC51-A8C1-7447-B5BE-94CEAEDB02F7}" type="datetimeFigureOut">
               <a:rPr lang="en-US" smtClean="0"/>
-              <a:t>9/7/17</a:t>
+              <a:t>9/7/2017</a:t>
             </a:fld>
             <a:endParaRPr lang="en-US"/>
           </a:p>
@@ -5586,7 +5378,7 @@
           <p:cNvPr id="2" name="Title 1">
             <a:extLst>
               <a:ext uri="{FF2B5EF4-FFF2-40B4-BE49-F238E27FC236}">
-                <a16:creationId xmlns="" xmlns:a16="http://schemas.microsoft.com/office/drawing/2014/main" id="{3A2B6B2C-1D17-48F7-9588-D8253D28D65C}"/>
+                <a16:creationId xmlns:a16="http://schemas.microsoft.com/office/drawing/2014/main" id="{3A2B6B2C-1D17-48F7-9588-D8253D28D65C}"/>
               </a:ext>
             </a:extLst>
           </p:cNvPr>
@@ -5623,7 +5415,7 @@
           <p:cNvPr id="3" name="Subtitle 2">
             <a:extLst>
               <a:ext uri="{FF2B5EF4-FFF2-40B4-BE49-F238E27FC236}">
-                <a16:creationId xmlns="" xmlns:a16="http://schemas.microsoft.com/office/drawing/2014/main" id="{F56EADDD-C4C5-4831-8A76-6AFE4AA6B366}"/>
+                <a16:creationId xmlns:a16="http://schemas.microsoft.com/office/drawing/2014/main" id="{F56EADDD-C4C5-4831-8A76-6AFE4AA6B366}"/>
               </a:ext>
             </a:extLst>
           </p:cNvPr>
@@ -5693,7 +5485,7 @@
           <p:cNvPr id="4" name="Date Placeholder 3">
             <a:extLst>
               <a:ext uri="{FF2B5EF4-FFF2-40B4-BE49-F238E27FC236}">
-                <a16:creationId xmlns="" xmlns:a16="http://schemas.microsoft.com/office/drawing/2014/main" id="{9BDDCC26-1CDB-4005-A635-25EA672E5C7E}"/>
+                <a16:creationId xmlns:a16="http://schemas.microsoft.com/office/drawing/2014/main" id="{9BDDCC26-1CDB-4005-A635-25EA672E5C7E}"/>
               </a:ext>
             </a:extLst>
           </p:cNvPr>
@@ -5711,7 +5503,7 @@
           <a:p>
             <a:fld id="{1CAA113C-363C-4F92-BD24-C90ADEC9C5C9}" type="datetime1">
               <a:rPr lang="en-US" smtClean="0"/>
-              <a:t>9/7/17</a:t>
+              <a:t>9/7/2017</a:t>
             </a:fld>
             <a:endParaRPr lang="en-US"/>
           </a:p>
@@ -5722,7 +5514,7 @@
           <p:cNvPr id="5" name="Footer Placeholder 4">
             <a:extLst>
               <a:ext uri="{FF2B5EF4-FFF2-40B4-BE49-F238E27FC236}">
-                <a16:creationId xmlns="" xmlns:a16="http://schemas.microsoft.com/office/drawing/2014/main" id="{856DBDEA-58DA-418E-99A2-997EBB7F90C3}"/>
+                <a16:creationId xmlns:a16="http://schemas.microsoft.com/office/drawing/2014/main" id="{856DBDEA-58DA-418E-99A2-997EBB7F90C3}"/>
               </a:ext>
             </a:extLst>
           </p:cNvPr>
@@ -5750,7 +5542,7 @@
           <p:cNvPr id="6" name="Slide Number Placeholder 5">
             <a:extLst>
               <a:ext uri="{FF2B5EF4-FFF2-40B4-BE49-F238E27FC236}">
-                <a16:creationId xmlns="" xmlns:a16="http://schemas.microsoft.com/office/drawing/2014/main" id="{C43D24C8-14C8-41FA-9B8B-9569B19E1E1B}"/>
+                <a16:creationId xmlns:a16="http://schemas.microsoft.com/office/drawing/2014/main" id="{C43D24C8-14C8-41FA-9B8B-9569B19E1E1B}"/>
               </a:ext>
             </a:extLst>
           </p:cNvPr>
@@ -5809,7 +5601,7 @@
           <p:cNvPr id="2" name="Title 1">
             <a:extLst>
               <a:ext uri="{FF2B5EF4-FFF2-40B4-BE49-F238E27FC236}">
-                <a16:creationId xmlns="" xmlns:a16="http://schemas.microsoft.com/office/drawing/2014/main" id="{B4F1525D-4C43-4DE4-9FF5-9BB13BAEC8D2}"/>
+                <a16:creationId xmlns:a16="http://schemas.microsoft.com/office/drawing/2014/main" id="{B4F1525D-4C43-4DE4-9FF5-9BB13BAEC8D2}"/>
               </a:ext>
             </a:extLst>
           </p:cNvPr>
@@ -5837,7 +5629,7 @@
           <p:cNvPr id="3" name="Vertical Text Placeholder 2">
             <a:extLst>
               <a:ext uri="{FF2B5EF4-FFF2-40B4-BE49-F238E27FC236}">
-                <a16:creationId xmlns="" xmlns:a16="http://schemas.microsoft.com/office/drawing/2014/main" id="{0533AD3F-10DB-4EE7-8F3F-E542AC3D8640}"/>
+                <a16:creationId xmlns:a16="http://schemas.microsoft.com/office/drawing/2014/main" id="{0533AD3F-10DB-4EE7-8F3F-E542AC3D8640}"/>
               </a:ext>
             </a:extLst>
           </p:cNvPr>
@@ -5894,7 +5686,7 @@
           <p:cNvPr id="4" name="Date Placeholder 3">
             <a:extLst>
               <a:ext uri="{FF2B5EF4-FFF2-40B4-BE49-F238E27FC236}">
-                <a16:creationId xmlns="" xmlns:a16="http://schemas.microsoft.com/office/drawing/2014/main" id="{E9DFA2F4-BC75-4DAD-A022-F07B8E76EC12}"/>
+                <a16:creationId xmlns:a16="http://schemas.microsoft.com/office/drawing/2014/main" id="{E9DFA2F4-BC75-4DAD-A022-F07B8E76EC12}"/>
               </a:ext>
             </a:extLst>
           </p:cNvPr>
@@ -5912,7 +5704,7 @@
           <a:p>
             <a:fld id="{FCE3DC7A-9440-492F-8147-F61EC4AE7673}" type="datetime1">
               <a:rPr lang="en-US" smtClean="0"/>
-              <a:t>9/7/17</a:t>
+              <a:t>9/7/2017</a:t>
             </a:fld>
             <a:endParaRPr lang="en-US"/>
           </a:p>
@@ -5923,7 +5715,7 @@
           <p:cNvPr id="5" name="Footer Placeholder 4">
             <a:extLst>
               <a:ext uri="{FF2B5EF4-FFF2-40B4-BE49-F238E27FC236}">
-                <a16:creationId xmlns="" xmlns:a16="http://schemas.microsoft.com/office/drawing/2014/main" id="{32EE42F8-78CF-40C8-AB5F-97329201F5AC}"/>
+                <a16:creationId xmlns:a16="http://schemas.microsoft.com/office/drawing/2014/main" id="{32EE42F8-78CF-40C8-AB5F-97329201F5AC}"/>
               </a:ext>
             </a:extLst>
           </p:cNvPr>
@@ -5951,7 +5743,7 @@
           <p:cNvPr id="6" name="Slide Number Placeholder 5">
             <a:extLst>
               <a:ext uri="{FF2B5EF4-FFF2-40B4-BE49-F238E27FC236}">
-                <a16:creationId xmlns="" xmlns:a16="http://schemas.microsoft.com/office/drawing/2014/main" id="{E75D49E7-542F-459F-B3D8-C344AC26350F}"/>
+                <a16:creationId xmlns:a16="http://schemas.microsoft.com/office/drawing/2014/main" id="{E75D49E7-542F-459F-B3D8-C344AC26350F}"/>
               </a:ext>
             </a:extLst>
           </p:cNvPr>
@@ -6010,7 +5802,7 @@
           <p:cNvPr id="2" name="Vertical Title 1">
             <a:extLst>
               <a:ext uri="{FF2B5EF4-FFF2-40B4-BE49-F238E27FC236}">
-                <a16:creationId xmlns="" xmlns:a16="http://schemas.microsoft.com/office/drawing/2014/main" id="{61B5EE6B-D9C9-4D10-9833-A1B85AC12332}"/>
+                <a16:creationId xmlns:a16="http://schemas.microsoft.com/office/drawing/2014/main" id="{61B5EE6B-D9C9-4D10-9833-A1B85AC12332}"/>
               </a:ext>
             </a:extLst>
           </p:cNvPr>
@@ -6043,7 +5835,7 @@
           <p:cNvPr id="3" name="Vertical Text Placeholder 2">
             <a:extLst>
               <a:ext uri="{FF2B5EF4-FFF2-40B4-BE49-F238E27FC236}">
-                <a16:creationId xmlns="" xmlns:a16="http://schemas.microsoft.com/office/drawing/2014/main" id="{5FE98486-E659-497F-B162-9B83E6C8CA48}"/>
+                <a16:creationId xmlns:a16="http://schemas.microsoft.com/office/drawing/2014/main" id="{5FE98486-E659-497F-B162-9B83E6C8CA48}"/>
               </a:ext>
             </a:extLst>
           </p:cNvPr>
@@ -6105,7 +5897,7 @@
           <p:cNvPr id="4" name="Date Placeholder 3">
             <a:extLst>
               <a:ext uri="{FF2B5EF4-FFF2-40B4-BE49-F238E27FC236}">
-                <a16:creationId xmlns="" xmlns:a16="http://schemas.microsoft.com/office/drawing/2014/main" id="{C6F1836C-BA58-4BF3-9FDF-83F39BCB2EF5}"/>
+                <a16:creationId xmlns:a16="http://schemas.microsoft.com/office/drawing/2014/main" id="{C6F1836C-BA58-4BF3-9FDF-83F39BCB2EF5}"/>
               </a:ext>
             </a:extLst>
           </p:cNvPr>
@@ -6123,7 +5915,7 @@
           <a:p>
             <a:fld id="{769E20EB-1BF5-49B0-BEEF-DC2AEACD184A}" type="datetime1">
               <a:rPr lang="en-US" smtClean="0"/>
-              <a:t>9/7/17</a:t>
+              <a:t>9/7/2017</a:t>
             </a:fld>
             <a:endParaRPr lang="en-US"/>
           </a:p>
@@ -6134,7 +5926,7 @@
           <p:cNvPr id="5" name="Footer Placeholder 4">
             <a:extLst>
               <a:ext uri="{FF2B5EF4-FFF2-40B4-BE49-F238E27FC236}">
-                <a16:creationId xmlns="" xmlns:a16="http://schemas.microsoft.com/office/drawing/2014/main" id="{2B38586F-AC08-4C53-AF72-BEEC914903F2}"/>
+                <a16:creationId xmlns:a16="http://schemas.microsoft.com/office/drawing/2014/main" id="{2B38586F-AC08-4C53-AF72-BEEC914903F2}"/>
               </a:ext>
             </a:extLst>
           </p:cNvPr>
@@ -6162,7 +5954,7 @@
           <p:cNvPr id="6" name="Slide Number Placeholder 5">
             <a:extLst>
               <a:ext uri="{FF2B5EF4-FFF2-40B4-BE49-F238E27FC236}">
-                <a16:creationId xmlns="" xmlns:a16="http://schemas.microsoft.com/office/drawing/2014/main" id="{A570E472-2A0D-4943-9BF8-2E963DD1666E}"/>
+                <a16:creationId xmlns:a16="http://schemas.microsoft.com/office/drawing/2014/main" id="{A570E472-2A0D-4943-9BF8-2E963DD1666E}"/>
               </a:ext>
             </a:extLst>
           </p:cNvPr>
@@ -6221,7 +6013,7 @@
           <p:cNvPr id="2" name="Title 1">
             <a:extLst>
               <a:ext uri="{FF2B5EF4-FFF2-40B4-BE49-F238E27FC236}">
-                <a16:creationId xmlns="" xmlns:a16="http://schemas.microsoft.com/office/drawing/2014/main" id="{43446509-7BA3-47EE-B42D-7474C055EBA3}"/>
+                <a16:creationId xmlns:a16="http://schemas.microsoft.com/office/drawing/2014/main" id="{43446509-7BA3-47EE-B42D-7474C055EBA3}"/>
               </a:ext>
             </a:extLst>
           </p:cNvPr>
@@ -6249,7 +6041,7 @@
           <p:cNvPr id="3" name="Content Placeholder 2">
             <a:extLst>
               <a:ext uri="{FF2B5EF4-FFF2-40B4-BE49-F238E27FC236}">
-                <a16:creationId xmlns="" xmlns:a16="http://schemas.microsoft.com/office/drawing/2014/main" id="{8B9C2007-7C97-4C0B-B7E7-7E62A135128A}"/>
+                <a16:creationId xmlns:a16="http://schemas.microsoft.com/office/drawing/2014/main" id="{8B9C2007-7C97-4C0B-B7E7-7E62A135128A}"/>
               </a:ext>
             </a:extLst>
           </p:cNvPr>
@@ -6306,7 +6098,7 @@
           <p:cNvPr id="4" name="Date Placeholder 3">
             <a:extLst>
               <a:ext uri="{FF2B5EF4-FFF2-40B4-BE49-F238E27FC236}">
-                <a16:creationId xmlns="" xmlns:a16="http://schemas.microsoft.com/office/drawing/2014/main" id="{C24ACC64-5B59-4E5B-9020-5BB2316D9A5A}"/>
+                <a16:creationId xmlns:a16="http://schemas.microsoft.com/office/drawing/2014/main" id="{C24ACC64-5B59-4E5B-9020-5BB2316D9A5A}"/>
               </a:ext>
             </a:extLst>
           </p:cNvPr>
@@ -6324,7 +6116,7 @@
           <a:p>
             <a:fld id="{E618A332-E21D-404A-84C0-9185DC9569B4}" type="datetime1">
               <a:rPr lang="en-US" smtClean="0"/>
-              <a:t>9/7/17</a:t>
+              <a:t>9/7/2017</a:t>
             </a:fld>
             <a:endParaRPr lang="en-US"/>
           </a:p>
@@ -6335,7 +6127,7 @@
           <p:cNvPr id="5" name="Footer Placeholder 4">
             <a:extLst>
               <a:ext uri="{FF2B5EF4-FFF2-40B4-BE49-F238E27FC236}">
-                <a16:creationId xmlns="" xmlns:a16="http://schemas.microsoft.com/office/drawing/2014/main" id="{C19F0E2B-A5E9-419A-8A58-F63B2FE384BE}"/>
+                <a16:creationId xmlns:a16="http://schemas.microsoft.com/office/drawing/2014/main" id="{C19F0E2B-A5E9-419A-8A58-F63B2FE384BE}"/>
               </a:ext>
             </a:extLst>
           </p:cNvPr>
@@ -6363,7 +6155,7 @@
           <p:cNvPr id="6" name="Slide Number Placeholder 5">
             <a:extLst>
               <a:ext uri="{FF2B5EF4-FFF2-40B4-BE49-F238E27FC236}">
-                <a16:creationId xmlns="" xmlns:a16="http://schemas.microsoft.com/office/drawing/2014/main" id="{41442D13-201E-47CF-BFD2-56F69686410A}"/>
+                <a16:creationId xmlns:a16="http://schemas.microsoft.com/office/drawing/2014/main" id="{41442D13-201E-47CF-BFD2-56F69686410A}"/>
               </a:ext>
             </a:extLst>
           </p:cNvPr>
@@ -6422,7 +6214,7 @@
           <p:cNvPr id="2" name="Title 1">
             <a:extLst>
               <a:ext uri="{FF2B5EF4-FFF2-40B4-BE49-F238E27FC236}">
-                <a16:creationId xmlns="" xmlns:a16="http://schemas.microsoft.com/office/drawing/2014/main" id="{E00E2794-12DA-4715-B731-6B973BACA2D8}"/>
+                <a16:creationId xmlns:a16="http://schemas.microsoft.com/office/drawing/2014/main" id="{E00E2794-12DA-4715-B731-6B973BACA2D8}"/>
               </a:ext>
             </a:extLst>
           </p:cNvPr>
@@ -6459,7 +6251,7 @@
           <p:cNvPr id="3" name="Text Placeholder 2">
             <a:extLst>
               <a:ext uri="{FF2B5EF4-FFF2-40B4-BE49-F238E27FC236}">
-                <a16:creationId xmlns="" xmlns:a16="http://schemas.microsoft.com/office/drawing/2014/main" id="{D8392832-95DB-42A3-BD8C-F8544C9F1428}"/>
+                <a16:creationId xmlns:a16="http://schemas.microsoft.com/office/drawing/2014/main" id="{D8392832-95DB-42A3-BD8C-F8544C9F1428}"/>
               </a:ext>
             </a:extLst>
           </p:cNvPr>
@@ -6584,7 +6376,7 @@
           <p:cNvPr id="4" name="Date Placeholder 3">
             <a:extLst>
               <a:ext uri="{FF2B5EF4-FFF2-40B4-BE49-F238E27FC236}">
-                <a16:creationId xmlns="" xmlns:a16="http://schemas.microsoft.com/office/drawing/2014/main" id="{474F064E-A1C1-4C64-99C5-804D8EA2C258}"/>
+                <a16:creationId xmlns:a16="http://schemas.microsoft.com/office/drawing/2014/main" id="{474F064E-A1C1-4C64-99C5-804D8EA2C258}"/>
               </a:ext>
             </a:extLst>
           </p:cNvPr>
@@ -6602,7 +6394,7 @@
           <a:p>
             <a:fld id="{E1016D4E-1E0F-4F5E-A294-3C49A50A508F}" type="datetime1">
               <a:rPr lang="en-US" smtClean="0"/>
-              <a:t>9/7/17</a:t>
+              <a:t>9/7/2017</a:t>
             </a:fld>
             <a:endParaRPr lang="en-US"/>
           </a:p>
@@ -6613,7 +6405,7 @@
           <p:cNvPr id="5" name="Footer Placeholder 4">
             <a:extLst>
               <a:ext uri="{FF2B5EF4-FFF2-40B4-BE49-F238E27FC236}">
-                <a16:creationId xmlns="" xmlns:a16="http://schemas.microsoft.com/office/drawing/2014/main" id="{C6350B9C-1845-4415-A45F-9C2D6BADFDD0}"/>
+                <a16:creationId xmlns:a16="http://schemas.microsoft.com/office/drawing/2014/main" id="{C6350B9C-1845-4415-A45F-9C2D6BADFDD0}"/>
               </a:ext>
             </a:extLst>
           </p:cNvPr>
@@ -6641,7 +6433,7 @@
           <p:cNvPr id="6" name="Slide Number Placeholder 5">
             <a:extLst>
               <a:ext uri="{FF2B5EF4-FFF2-40B4-BE49-F238E27FC236}">
-                <a16:creationId xmlns="" xmlns:a16="http://schemas.microsoft.com/office/drawing/2014/main" id="{476903AE-7732-4FD2-8395-14F899D7A66F}"/>
+                <a16:creationId xmlns:a16="http://schemas.microsoft.com/office/drawing/2014/main" id="{476903AE-7732-4FD2-8395-14F899D7A66F}"/>
               </a:ext>
             </a:extLst>
           </p:cNvPr>
@@ -6700,7 +6492,7 @@
           <p:cNvPr id="2" name="Title 1">
             <a:extLst>
               <a:ext uri="{FF2B5EF4-FFF2-40B4-BE49-F238E27FC236}">
-                <a16:creationId xmlns="" xmlns:a16="http://schemas.microsoft.com/office/drawing/2014/main" id="{71379085-CB35-4406-91D5-DCDFDB3602C3}"/>
+                <a16:creationId xmlns:a16="http://schemas.microsoft.com/office/drawing/2014/main" id="{71379085-CB35-4406-91D5-DCDFDB3602C3}"/>
               </a:ext>
             </a:extLst>
           </p:cNvPr>
@@ -6728,7 +6520,7 @@
           <p:cNvPr id="3" name="Content Placeholder 2">
             <a:extLst>
               <a:ext uri="{FF2B5EF4-FFF2-40B4-BE49-F238E27FC236}">
-                <a16:creationId xmlns="" xmlns:a16="http://schemas.microsoft.com/office/drawing/2014/main" id="{335C5B53-F9FF-48A0-B85C-90C3A2BBEA35}"/>
+                <a16:creationId xmlns:a16="http://schemas.microsoft.com/office/drawing/2014/main" id="{335C5B53-F9FF-48A0-B85C-90C3A2BBEA35}"/>
               </a:ext>
             </a:extLst>
           </p:cNvPr>
@@ -6790,7 +6582,7 @@
           <p:cNvPr id="4" name="Content Placeholder 3">
             <a:extLst>
               <a:ext uri="{FF2B5EF4-FFF2-40B4-BE49-F238E27FC236}">
-                <a16:creationId xmlns="" xmlns:a16="http://schemas.microsoft.com/office/drawing/2014/main" id="{164A39C1-042D-4841-AFF9-9E94106D3EBE}"/>
+                <a16:creationId xmlns:a16="http://schemas.microsoft.com/office/drawing/2014/main" id="{164A39C1-042D-4841-AFF9-9E94106D3EBE}"/>
               </a:ext>
             </a:extLst>
           </p:cNvPr>
@@ -6852,7 +6644,7 @@
           <p:cNvPr id="5" name="Date Placeholder 4">
             <a:extLst>
               <a:ext uri="{FF2B5EF4-FFF2-40B4-BE49-F238E27FC236}">
-                <a16:creationId xmlns="" xmlns:a16="http://schemas.microsoft.com/office/drawing/2014/main" id="{B19BE6F0-C34A-4320-9276-1FB522896457}"/>
+                <a16:creationId xmlns:a16="http://schemas.microsoft.com/office/drawing/2014/main" id="{B19BE6F0-C34A-4320-9276-1FB522896457}"/>
               </a:ext>
             </a:extLst>
           </p:cNvPr>
@@ -6870,7 +6662,7 @@
           <a:p>
             <a:fld id="{2BCE1DF8-55A9-4893-87BC-2EA8EF9F2AA7}" type="datetime1">
               <a:rPr lang="en-US" smtClean="0"/>
-              <a:t>9/7/17</a:t>
+              <a:t>9/7/2017</a:t>
             </a:fld>
             <a:endParaRPr lang="en-US"/>
           </a:p>
@@ -6881,7 +6673,7 @@
           <p:cNvPr id="6" name="Footer Placeholder 5">
             <a:extLst>
               <a:ext uri="{FF2B5EF4-FFF2-40B4-BE49-F238E27FC236}">
-                <a16:creationId xmlns="" xmlns:a16="http://schemas.microsoft.com/office/drawing/2014/main" id="{3BC79A0B-5490-4284-BADE-4FC77A4A4469}"/>
+                <a16:creationId xmlns:a16="http://schemas.microsoft.com/office/drawing/2014/main" id="{3BC79A0B-5490-4284-BADE-4FC77A4A4469}"/>
               </a:ext>
             </a:extLst>
           </p:cNvPr>
@@ -6909,7 +6701,7 @@
           <p:cNvPr id="7" name="Slide Number Placeholder 6">
             <a:extLst>
               <a:ext uri="{FF2B5EF4-FFF2-40B4-BE49-F238E27FC236}">
-                <a16:creationId xmlns="" xmlns:a16="http://schemas.microsoft.com/office/drawing/2014/main" id="{45EEF3BB-41E9-4A64-8086-5FB22B1960F5}"/>
+                <a16:creationId xmlns:a16="http://schemas.microsoft.com/office/drawing/2014/main" id="{45EEF3BB-41E9-4A64-8086-5FB22B1960F5}"/>
               </a:ext>
             </a:extLst>
           </p:cNvPr>
@@ -6968,7 +6760,7 @@
           <p:cNvPr id="2" name="Title 1">
             <a:extLst>
               <a:ext uri="{FF2B5EF4-FFF2-40B4-BE49-F238E27FC236}">
-                <a16:creationId xmlns="" xmlns:a16="http://schemas.microsoft.com/office/drawing/2014/main" id="{A00DDAB0-C356-4D73-A780-600C66F38211}"/>
+                <a16:creationId xmlns:a16="http://schemas.microsoft.com/office/drawing/2014/main" id="{A00DDAB0-C356-4D73-A780-600C66F38211}"/>
               </a:ext>
             </a:extLst>
           </p:cNvPr>
@@ -7001,7 +6793,7 @@
           <p:cNvPr id="3" name="Text Placeholder 2">
             <a:extLst>
               <a:ext uri="{FF2B5EF4-FFF2-40B4-BE49-F238E27FC236}">
-                <a16:creationId xmlns="" xmlns:a16="http://schemas.microsoft.com/office/drawing/2014/main" id="{EC20F3DD-0341-43C8-814A-9F30F25C3C0E}"/>
+                <a16:creationId xmlns:a16="http://schemas.microsoft.com/office/drawing/2014/main" id="{EC20F3DD-0341-43C8-814A-9F30F25C3C0E}"/>
               </a:ext>
             </a:extLst>
           </p:cNvPr>
@@ -7072,7 +6864,7 @@
           <p:cNvPr id="4" name="Content Placeholder 3">
             <a:extLst>
               <a:ext uri="{FF2B5EF4-FFF2-40B4-BE49-F238E27FC236}">
-                <a16:creationId xmlns="" xmlns:a16="http://schemas.microsoft.com/office/drawing/2014/main" id="{F517663E-B0AF-4C58-A3C8-4D262F4CE4D9}"/>
+                <a16:creationId xmlns:a16="http://schemas.microsoft.com/office/drawing/2014/main" id="{F517663E-B0AF-4C58-A3C8-4D262F4CE4D9}"/>
               </a:ext>
             </a:extLst>
           </p:cNvPr>
@@ -7134,7 +6926,7 @@
           <p:cNvPr id="5" name="Text Placeholder 4">
             <a:extLst>
               <a:ext uri="{FF2B5EF4-FFF2-40B4-BE49-F238E27FC236}">
-                <a16:creationId xmlns="" xmlns:a16="http://schemas.microsoft.com/office/drawing/2014/main" id="{E2D943A4-230B-4379-88C8-DCCA780F165C}"/>
+                <a16:creationId xmlns:a16="http://schemas.microsoft.com/office/drawing/2014/main" id="{E2D943A4-230B-4379-88C8-DCCA780F165C}"/>
               </a:ext>
             </a:extLst>
           </p:cNvPr>
@@ -7205,7 +6997,7 @@
           <p:cNvPr id="6" name="Content Placeholder 5">
             <a:extLst>
               <a:ext uri="{FF2B5EF4-FFF2-40B4-BE49-F238E27FC236}">
-                <a16:creationId xmlns="" xmlns:a16="http://schemas.microsoft.com/office/drawing/2014/main" id="{CDB5334F-2D67-44AA-8E58-72CDDB52E9E5}"/>
+                <a16:creationId xmlns:a16="http://schemas.microsoft.com/office/drawing/2014/main" id="{CDB5334F-2D67-44AA-8E58-72CDDB52E9E5}"/>
               </a:ext>
             </a:extLst>
           </p:cNvPr>
@@ -7267,7 +7059,7 @@
           <p:cNvPr id="7" name="Date Placeholder 6">
             <a:extLst>
               <a:ext uri="{FF2B5EF4-FFF2-40B4-BE49-F238E27FC236}">
-                <a16:creationId xmlns="" xmlns:a16="http://schemas.microsoft.com/office/drawing/2014/main" id="{FF986822-6FAC-4DB2-BFBE-04F3C69D0CA6}"/>
+                <a16:creationId xmlns:a16="http://schemas.microsoft.com/office/drawing/2014/main" id="{FF986822-6FAC-4DB2-BFBE-04F3C69D0CA6}"/>
               </a:ext>
             </a:extLst>
           </p:cNvPr>
@@ -7285,7 +7077,7 @@
           <a:p>
             <a:fld id="{5E16DA62-248D-4400-9766-202577B99E1B}" type="datetime1">
               <a:rPr lang="en-US" smtClean="0"/>
-              <a:t>9/7/17</a:t>
+              <a:t>9/7/2017</a:t>
             </a:fld>
             <a:endParaRPr lang="en-US"/>
           </a:p>
@@ -7296,7 +7088,7 @@
           <p:cNvPr id="8" name="Footer Placeholder 7">
             <a:extLst>
               <a:ext uri="{FF2B5EF4-FFF2-40B4-BE49-F238E27FC236}">
-                <a16:creationId xmlns="" xmlns:a16="http://schemas.microsoft.com/office/drawing/2014/main" id="{52C4C7EC-5083-4774-9D0B-1D063F0C7670}"/>
+                <a16:creationId xmlns:a16="http://schemas.microsoft.com/office/drawing/2014/main" id="{52C4C7EC-5083-4774-9D0B-1D063F0C7670}"/>
               </a:ext>
             </a:extLst>
           </p:cNvPr>
@@ -7324,7 +7116,7 @@
           <p:cNvPr id="9" name="Slide Number Placeholder 8">
             <a:extLst>
               <a:ext uri="{FF2B5EF4-FFF2-40B4-BE49-F238E27FC236}">
-                <a16:creationId xmlns="" xmlns:a16="http://schemas.microsoft.com/office/drawing/2014/main" id="{1348B4C2-D971-414B-9D40-EBD9799AD00A}"/>
+                <a16:creationId xmlns:a16="http://schemas.microsoft.com/office/drawing/2014/main" id="{1348B4C2-D971-414B-9D40-EBD9799AD00A}"/>
               </a:ext>
             </a:extLst>
           </p:cNvPr>
@@ -7383,7 +7175,7 @@
           <p:cNvPr id="2" name="Title 1">
             <a:extLst>
               <a:ext uri="{FF2B5EF4-FFF2-40B4-BE49-F238E27FC236}">
-                <a16:creationId xmlns="" xmlns:a16="http://schemas.microsoft.com/office/drawing/2014/main" id="{7973B543-4AD4-4E9B-85BF-2E5454E53F05}"/>
+                <a16:creationId xmlns:a16="http://schemas.microsoft.com/office/drawing/2014/main" id="{7973B543-4AD4-4E9B-85BF-2E5454E53F05}"/>
               </a:ext>
             </a:extLst>
           </p:cNvPr>
@@ -7411,7 +7203,7 @@
           <p:cNvPr id="3" name="Date Placeholder 2">
             <a:extLst>
               <a:ext uri="{FF2B5EF4-FFF2-40B4-BE49-F238E27FC236}">
-                <a16:creationId xmlns="" xmlns:a16="http://schemas.microsoft.com/office/drawing/2014/main" id="{68CF37F4-A503-485D-BA61-77AA9A0BDA5A}"/>
+                <a16:creationId xmlns:a16="http://schemas.microsoft.com/office/drawing/2014/main" id="{68CF37F4-A503-485D-BA61-77AA9A0BDA5A}"/>
               </a:ext>
             </a:extLst>
           </p:cNvPr>
@@ -7429,7 +7221,7 @@
           <a:p>
             <a:fld id="{715397D6-9165-4B2F-BB17-9F02AC01BE5D}" type="datetime1">
               <a:rPr lang="en-US" smtClean="0"/>
-              <a:t>9/7/17</a:t>
+              <a:t>9/7/2017</a:t>
             </a:fld>
             <a:endParaRPr lang="en-US"/>
           </a:p>
@@ -7440,7 +7232,7 @@
           <p:cNvPr id="4" name="Footer Placeholder 3">
             <a:extLst>
               <a:ext uri="{FF2B5EF4-FFF2-40B4-BE49-F238E27FC236}">
-                <a16:creationId xmlns="" xmlns:a16="http://schemas.microsoft.com/office/drawing/2014/main" id="{E69CC442-F7FC-48B3-95A1-2F90595C8B4E}"/>
+                <a16:creationId xmlns:a16="http://schemas.microsoft.com/office/drawing/2014/main" id="{E69CC442-F7FC-48B3-95A1-2F90595C8B4E}"/>
               </a:ext>
             </a:extLst>
           </p:cNvPr>
@@ -7468,7 +7260,7 @@
           <p:cNvPr id="5" name="Slide Number Placeholder 4">
             <a:extLst>
               <a:ext uri="{FF2B5EF4-FFF2-40B4-BE49-F238E27FC236}">
-                <a16:creationId xmlns="" xmlns:a16="http://schemas.microsoft.com/office/drawing/2014/main" id="{89366554-0B77-4127-AFFD-F8F7B6865F29}"/>
+                <a16:creationId xmlns:a16="http://schemas.microsoft.com/office/drawing/2014/main" id="{89366554-0B77-4127-AFFD-F8F7B6865F29}"/>
               </a:ext>
             </a:extLst>
           </p:cNvPr>
@@ -7527,7 +7319,7 @@
           <p:cNvPr id="2" name="Date Placeholder 1">
             <a:extLst>
               <a:ext uri="{FF2B5EF4-FFF2-40B4-BE49-F238E27FC236}">
-                <a16:creationId xmlns="" xmlns:a16="http://schemas.microsoft.com/office/drawing/2014/main" id="{006B9298-75F6-4FE1-B46A-9C8CC48E4ADF}"/>
+                <a16:creationId xmlns:a16="http://schemas.microsoft.com/office/drawing/2014/main" id="{006B9298-75F6-4FE1-B46A-9C8CC48E4ADF}"/>
               </a:ext>
             </a:extLst>
           </p:cNvPr>
@@ -7545,7 +7337,7 @@
           <a:p>
             <a:fld id="{4B9A4E17-7207-4E47-AFD5-9A7592DC78C4}" type="datetime1">
               <a:rPr lang="en-US" smtClean="0"/>
-              <a:t>9/7/17</a:t>
+              <a:t>9/7/2017</a:t>
             </a:fld>
             <a:endParaRPr lang="en-US"/>
           </a:p>
@@ -7556,7 +7348,7 @@
           <p:cNvPr id="3" name="Footer Placeholder 2">
             <a:extLst>
               <a:ext uri="{FF2B5EF4-FFF2-40B4-BE49-F238E27FC236}">
-                <a16:creationId xmlns="" xmlns:a16="http://schemas.microsoft.com/office/drawing/2014/main" id="{4B776FCF-F399-4A35-A96A-438C5BD14B56}"/>
+                <a16:creationId xmlns:a16="http://schemas.microsoft.com/office/drawing/2014/main" id="{4B776FCF-F399-4A35-A96A-438C5BD14B56}"/>
               </a:ext>
             </a:extLst>
           </p:cNvPr>
@@ -7584,7 +7376,7 @@
           <p:cNvPr id="4" name="Slide Number Placeholder 3">
             <a:extLst>
               <a:ext uri="{FF2B5EF4-FFF2-40B4-BE49-F238E27FC236}">
-                <a16:creationId xmlns="" xmlns:a16="http://schemas.microsoft.com/office/drawing/2014/main" id="{AFDBDA98-B9C0-426B-AED5-86E4DFD5254D}"/>
+                <a16:creationId xmlns:a16="http://schemas.microsoft.com/office/drawing/2014/main" id="{AFDBDA98-B9C0-426B-AED5-86E4DFD5254D}"/>
               </a:ext>
             </a:extLst>
           </p:cNvPr>
@@ -7643,7 +7435,7 @@
           <p:cNvPr id="2" name="Title 1">
             <a:extLst>
               <a:ext uri="{FF2B5EF4-FFF2-40B4-BE49-F238E27FC236}">
-                <a16:creationId xmlns="" xmlns:a16="http://schemas.microsoft.com/office/drawing/2014/main" id="{4BB7ED92-F95D-45C9-BDBB-B34DEA405B96}"/>
+                <a16:creationId xmlns:a16="http://schemas.microsoft.com/office/drawing/2014/main" id="{4BB7ED92-F95D-45C9-BDBB-B34DEA405B96}"/>
               </a:ext>
             </a:extLst>
           </p:cNvPr>
@@ -7680,7 +7472,7 @@
           <p:cNvPr id="3" name="Content Placeholder 2">
             <a:extLst>
               <a:ext uri="{FF2B5EF4-FFF2-40B4-BE49-F238E27FC236}">
-                <a16:creationId xmlns="" xmlns:a16="http://schemas.microsoft.com/office/drawing/2014/main" id="{F0221168-7ADE-45CB-86EF-4C90A45C341F}"/>
+                <a16:creationId xmlns:a16="http://schemas.microsoft.com/office/drawing/2014/main" id="{F0221168-7ADE-45CB-86EF-4C90A45C341F}"/>
               </a:ext>
             </a:extLst>
           </p:cNvPr>
@@ -7770,7 +7562,7 @@
           <p:cNvPr id="4" name="Text Placeholder 3">
             <a:extLst>
               <a:ext uri="{FF2B5EF4-FFF2-40B4-BE49-F238E27FC236}">
-                <a16:creationId xmlns="" xmlns:a16="http://schemas.microsoft.com/office/drawing/2014/main" id="{BEFCD088-F1E9-49A2-BFAA-04528AD04DA7}"/>
+                <a16:creationId xmlns:a16="http://schemas.microsoft.com/office/drawing/2014/main" id="{BEFCD088-F1E9-49A2-BFAA-04528AD04DA7}"/>
               </a:ext>
             </a:extLst>
           </p:cNvPr>
@@ -7841,7 +7633,7 @@
           <p:cNvPr id="5" name="Date Placeholder 4">
             <a:extLst>
               <a:ext uri="{FF2B5EF4-FFF2-40B4-BE49-F238E27FC236}">
-                <a16:creationId xmlns="" xmlns:a16="http://schemas.microsoft.com/office/drawing/2014/main" id="{C174AD9D-801E-4E36-B429-73AEA4B57B0C}"/>
+                <a16:creationId xmlns:a16="http://schemas.microsoft.com/office/drawing/2014/main" id="{C174AD9D-801E-4E36-B429-73AEA4B57B0C}"/>
               </a:ext>
             </a:extLst>
           </p:cNvPr>
@@ -7859,7 +7651,7 @@
           <a:p>
             <a:fld id="{CB1CC682-AAA3-4FC4-8E84-60287101582C}" type="datetime1">
               <a:rPr lang="en-US" smtClean="0"/>
-              <a:t>9/7/17</a:t>
+              <a:t>9/7/2017</a:t>
             </a:fld>
             <a:endParaRPr lang="en-US"/>
           </a:p>
@@ -7870,7 +7662,7 @@
           <p:cNvPr id="6" name="Footer Placeholder 5">
             <a:extLst>
               <a:ext uri="{FF2B5EF4-FFF2-40B4-BE49-F238E27FC236}">
-                <a16:creationId xmlns="" xmlns:a16="http://schemas.microsoft.com/office/drawing/2014/main" id="{97B94A68-9443-47D2-B560-951B28897EFF}"/>
+                <a16:creationId xmlns:a16="http://schemas.microsoft.com/office/drawing/2014/main" id="{97B94A68-9443-47D2-B560-951B28897EFF}"/>
               </a:ext>
             </a:extLst>
           </p:cNvPr>
@@ -7898,7 +7690,7 @@
           <p:cNvPr id="7" name="Slide Number Placeholder 6">
             <a:extLst>
               <a:ext uri="{FF2B5EF4-FFF2-40B4-BE49-F238E27FC236}">
-                <a16:creationId xmlns="" xmlns:a16="http://schemas.microsoft.com/office/drawing/2014/main" id="{F438819F-91DF-4A40-80EB-1685B134B514}"/>
+                <a16:creationId xmlns:a16="http://schemas.microsoft.com/office/drawing/2014/main" id="{F438819F-91DF-4A40-80EB-1685B134B514}"/>
               </a:ext>
             </a:extLst>
           </p:cNvPr>
@@ -7957,7 +7749,7 @@
           <p:cNvPr id="2" name="Title 1">
             <a:extLst>
               <a:ext uri="{FF2B5EF4-FFF2-40B4-BE49-F238E27FC236}">
-                <a16:creationId xmlns="" xmlns:a16="http://schemas.microsoft.com/office/drawing/2014/main" id="{44807965-E449-40D9-99AE-AB46077A7F6C}"/>
+                <a16:creationId xmlns:a16="http://schemas.microsoft.com/office/drawing/2014/main" id="{44807965-E449-40D9-99AE-AB46077A7F6C}"/>
               </a:ext>
             </a:extLst>
           </p:cNvPr>
@@ -7994,7 +7786,7 @@
           <p:cNvPr id="3" name="Picture Placeholder 2">
             <a:extLst>
               <a:ext uri="{FF2B5EF4-FFF2-40B4-BE49-F238E27FC236}">
-                <a16:creationId xmlns="" xmlns:a16="http://schemas.microsoft.com/office/drawing/2014/main" id="{BB6BF32F-FF47-4497-8017-61E95C74E3E0}"/>
+                <a16:creationId xmlns:a16="http://schemas.microsoft.com/office/drawing/2014/main" id="{BB6BF32F-FF47-4497-8017-61E95C74E3E0}"/>
               </a:ext>
             </a:extLst>
           </p:cNvPr>
@@ -8061,7 +7853,7 @@
           <p:cNvPr id="4" name="Text Placeholder 3">
             <a:extLst>
               <a:ext uri="{FF2B5EF4-FFF2-40B4-BE49-F238E27FC236}">
-                <a16:creationId xmlns="" xmlns:a16="http://schemas.microsoft.com/office/drawing/2014/main" id="{117A3614-6A6D-49D5-B462-ABB3012BAC34}"/>
+                <a16:creationId xmlns:a16="http://schemas.microsoft.com/office/drawing/2014/main" id="{117A3614-6A6D-49D5-B462-ABB3012BAC34}"/>
               </a:ext>
             </a:extLst>
           </p:cNvPr>
@@ -8132,7 +7924,7 @@
           <p:cNvPr id="5" name="Date Placeholder 4">
             <a:extLst>
               <a:ext uri="{FF2B5EF4-FFF2-40B4-BE49-F238E27FC236}">
-                <a16:creationId xmlns="" xmlns:a16="http://schemas.microsoft.com/office/drawing/2014/main" id="{CA704D5C-1761-487D-B884-F89F58560224}"/>
+                <a16:creationId xmlns:a16="http://schemas.microsoft.com/office/drawing/2014/main" id="{CA704D5C-1761-487D-B884-F89F58560224}"/>
               </a:ext>
             </a:extLst>
           </p:cNvPr>
@@ -8150,7 +7942,7 @@
           <a:p>
             <a:fld id="{C5B79EF9-C369-4A8C-B4BC-D461BD19175E}" type="datetime1">
               <a:rPr lang="en-US" smtClean="0"/>
-              <a:t>9/7/17</a:t>
+              <a:t>9/7/2017</a:t>
             </a:fld>
             <a:endParaRPr lang="en-US"/>
           </a:p>
@@ -8161,7 +7953,7 @@
           <p:cNvPr id="6" name="Footer Placeholder 5">
             <a:extLst>
               <a:ext uri="{FF2B5EF4-FFF2-40B4-BE49-F238E27FC236}">
-                <a16:creationId xmlns="" xmlns:a16="http://schemas.microsoft.com/office/drawing/2014/main" id="{4B497D41-19C6-4A58-9506-769CEF4D86F8}"/>
+                <a16:creationId xmlns:a16="http://schemas.microsoft.com/office/drawing/2014/main" id="{4B497D41-19C6-4A58-9506-769CEF4D86F8}"/>
               </a:ext>
             </a:extLst>
           </p:cNvPr>
@@ -8189,7 +7981,7 @@
           <p:cNvPr id="7" name="Slide Number Placeholder 6">
             <a:extLst>
               <a:ext uri="{FF2B5EF4-FFF2-40B4-BE49-F238E27FC236}">
-                <a16:creationId xmlns="" xmlns:a16="http://schemas.microsoft.com/office/drawing/2014/main" id="{775D4B4E-C236-418E-8E21-6F225B802C1D}"/>
+                <a16:creationId xmlns:a16="http://schemas.microsoft.com/office/drawing/2014/main" id="{775D4B4E-C236-418E-8E21-6F225B802C1D}"/>
               </a:ext>
             </a:extLst>
           </p:cNvPr>
@@ -8258,7 +8050,7 @@
           <p:cNvPr id="2" name="Title Placeholder 1">
             <a:extLst>
               <a:ext uri="{FF2B5EF4-FFF2-40B4-BE49-F238E27FC236}">
-                <a16:creationId xmlns="" xmlns:a16="http://schemas.microsoft.com/office/drawing/2014/main" id="{A3482D18-CB19-42AA-962E-4C8A97E58BB4}"/>
+                <a16:creationId xmlns:a16="http://schemas.microsoft.com/office/drawing/2014/main" id="{A3482D18-CB19-42AA-962E-4C8A97E58BB4}"/>
               </a:ext>
             </a:extLst>
           </p:cNvPr>
@@ -8296,7 +8088,7 @@
           <p:cNvPr id="3" name="Text Placeholder 2">
             <a:extLst>
               <a:ext uri="{FF2B5EF4-FFF2-40B4-BE49-F238E27FC236}">
-                <a16:creationId xmlns="" xmlns:a16="http://schemas.microsoft.com/office/drawing/2014/main" id="{D59E55C8-7359-4E69-89DB-0E13EE8A7469}"/>
+                <a16:creationId xmlns:a16="http://schemas.microsoft.com/office/drawing/2014/main" id="{D59E55C8-7359-4E69-89DB-0E13EE8A7469}"/>
               </a:ext>
             </a:extLst>
           </p:cNvPr>
@@ -8363,7 +8155,7 @@
           <p:cNvPr id="4" name="Date Placeholder 3">
             <a:extLst>
               <a:ext uri="{FF2B5EF4-FFF2-40B4-BE49-F238E27FC236}">
-                <a16:creationId xmlns="" xmlns:a16="http://schemas.microsoft.com/office/drawing/2014/main" id="{B5D2C1EA-6827-4999-8401-354F7DEFD084}"/>
+                <a16:creationId xmlns:a16="http://schemas.microsoft.com/office/drawing/2014/main" id="{B5D2C1EA-6827-4999-8401-354F7DEFD084}"/>
               </a:ext>
             </a:extLst>
           </p:cNvPr>
@@ -8399,7 +8191,7 @@
           <a:p>
             <a:fld id="{81B268DD-388A-4713-B02F-B1A184AAABEF}" type="datetime1">
               <a:rPr lang="en-US" smtClean="0"/>
-              <a:t>9/7/17</a:t>
+              <a:t>9/7/2017</a:t>
             </a:fld>
             <a:endParaRPr lang="en-US"/>
           </a:p>
@@ -8410,7 +8202,7 @@
           <p:cNvPr id="5" name="Footer Placeholder 4">
             <a:extLst>
               <a:ext uri="{FF2B5EF4-FFF2-40B4-BE49-F238E27FC236}">
-                <a16:creationId xmlns="" xmlns:a16="http://schemas.microsoft.com/office/drawing/2014/main" id="{849E65FA-240D-4A01-88A2-BBDBBF2A4F71}"/>
+                <a16:creationId xmlns:a16="http://schemas.microsoft.com/office/drawing/2014/main" id="{849E65FA-240D-4A01-88A2-BBDBBF2A4F71}"/>
               </a:ext>
             </a:extLst>
           </p:cNvPr>
@@ -8456,7 +8248,7 @@
           <p:cNvPr id="6" name="Slide Number Placeholder 5">
             <a:extLst>
               <a:ext uri="{FF2B5EF4-FFF2-40B4-BE49-F238E27FC236}">
-                <a16:creationId xmlns="" xmlns:a16="http://schemas.microsoft.com/office/drawing/2014/main" id="{EA869674-04FC-4F56-823D-244240A32A89}"/>
+                <a16:creationId xmlns:a16="http://schemas.microsoft.com/office/drawing/2014/main" id="{EA869674-04FC-4F56-823D-244240A32A89}"/>
               </a:ext>
             </a:extLst>
           </p:cNvPr>
@@ -8825,7 +8617,7 @@
           <p:cNvPr id="11" name="TextBox 10">
             <a:extLst>
               <a:ext uri="{FF2B5EF4-FFF2-40B4-BE49-F238E27FC236}">
-                <a16:creationId xmlns="" xmlns:a16="http://schemas.microsoft.com/office/drawing/2014/main" id="{0E8E3FF4-8D3D-40FC-9559-30D24BB19446}"/>
+                <a16:creationId xmlns:a16="http://schemas.microsoft.com/office/drawing/2014/main" id="{0E8E3FF4-8D3D-40FC-9559-30D24BB19446}"/>
               </a:ext>
             </a:extLst>
           </p:cNvPr>
@@ -8862,7 +8654,7 @@
           <p:cNvPr id="4" name="TextBox 3">
             <a:extLst>
               <a:ext uri="{FF2B5EF4-FFF2-40B4-BE49-F238E27FC236}">
-                <a16:creationId xmlns="" xmlns:a16="http://schemas.microsoft.com/office/drawing/2014/main" id="{A998DB43-7EF8-4627-B2E5-5A519291734F}"/>
+                <a16:creationId xmlns:a16="http://schemas.microsoft.com/office/drawing/2014/main" id="{A998DB43-7EF8-4627-B2E5-5A519291734F}"/>
               </a:ext>
             </a:extLst>
           </p:cNvPr>
@@ -8908,15 +8700,7 @@
                   <a:schemeClr val="bg1"/>
                 </a:solidFill>
               </a:rPr>
-              <a:t>	                   </a:t>
-            </a:r>
-            <a:r>
-              <a:rPr lang="en-US" sz="3200" b="1" dirty="0" smtClean="0">
-                <a:solidFill>
-                  <a:schemeClr val="bg1"/>
-                </a:solidFill>
-              </a:rPr>
-              <a:t>Testing, E-Mails, Data Manipulation, Web Automation</a:t>
+              <a:t>	                   Testing, E-Mails, Data Manipulation, Web Automation</a:t>
             </a:r>
             <a:r>
               <a:rPr lang="en-US" sz="3600" b="1" dirty="0">
@@ -8932,34 +8716,10 @@
                   <a:schemeClr val="bg1"/>
                 </a:solidFill>
               </a:rPr>
-              <a:t>Week </a:t>
-            </a:r>
-            <a:r>
-              <a:rPr lang="en-US" sz="3200" dirty="0" smtClean="0">
-                <a:solidFill>
-                  <a:schemeClr val="bg1"/>
-                </a:solidFill>
-              </a:rPr>
-              <a:t>7 </a:t>
-            </a:r>
-            <a:r>
-              <a:rPr lang="en-US" sz="3200" dirty="0">
-                <a:solidFill>
-                  <a:schemeClr val="bg1"/>
-                </a:solidFill>
-              </a:rPr>
-              <a:t>– September </a:t>
-            </a:r>
-            <a:r>
-              <a:rPr lang="en-US" sz="3200" dirty="0" smtClean="0">
-                <a:solidFill>
-                  <a:schemeClr val="bg1"/>
-                </a:solidFill>
-              </a:rPr>
-              <a:t>9</a:t>
-            </a:r>
-            <a:r>
-              <a:rPr lang="en-US" sz="3200" baseline="30000" dirty="0" smtClean="0">
+              <a:t>Week 7 – September 9</a:t>
+            </a:r>
+            <a:r>
+              <a:rPr lang="en-US" sz="3200" baseline="30000" dirty="0">
                 <a:solidFill>
                   <a:schemeClr val="bg1"/>
                 </a:solidFill>
@@ -9000,7 +8760,7 @@
           <p:cNvPr id="10" name="Picture 9">
             <a:extLst>
               <a:ext uri="{FF2B5EF4-FFF2-40B4-BE49-F238E27FC236}">
-                <a16:creationId xmlns="" xmlns:a16="http://schemas.microsoft.com/office/drawing/2014/main" id="{1DA519AC-17F0-473F-B5A8-01AD203CD4C0}"/>
+                <a16:creationId xmlns:a16="http://schemas.microsoft.com/office/drawing/2014/main" id="{1DA519AC-17F0-473F-B5A8-01AD203CD4C0}"/>
               </a:ext>
             </a:extLst>
           </p:cNvPr>
@@ -9051,13 +8811,6 @@
   <p:clrMapOvr>
     <a:masterClrMapping/>
   </p:clrMapOvr>
-  <p:timing>
-    <p:tnLst>
-      <p:par>
-        <p:cTn id="1" dur="indefinite" restart="never" nodeType="tmRoot"/>
-      </p:par>
-    </p:tnLst>
-  </p:timing>
 </p:sld>
 </file>
 
@@ -9083,7 +8836,7 @@
           <p:cNvPr id="4" name="TextBox 3">
             <a:extLst>
               <a:ext uri="{FF2B5EF4-FFF2-40B4-BE49-F238E27FC236}">
-                <a16:creationId xmlns="" xmlns:a16="http://schemas.microsoft.com/office/drawing/2014/main" id="{F60DFD09-AC45-4F33-B352-CDAB149F70B8}"/>
+                <a16:creationId xmlns:a16="http://schemas.microsoft.com/office/drawing/2014/main" id="{F60DFD09-AC45-4F33-B352-CDAB149F70B8}"/>
               </a:ext>
             </a:extLst>
           </p:cNvPr>
@@ -9120,7 +8873,7 @@
           <p:cNvPr id="3" name="TextBox 2">
             <a:extLst>
               <a:ext uri="{FF2B5EF4-FFF2-40B4-BE49-F238E27FC236}">
-                <a16:creationId xmlns="" xmlns:a16="http://schemas.microsoft.com/office/drawing/2014/main" id="{8957C43E-E3DC-4876-9C5F-195DD279152E}"/>
+                <a16:creationId xmlns:a16="http://schemas.microsoft.com/office/drawing/2014/main" id="{8957C43E-E3DC-4876-9C5F-195DD279152E}"/>
               </a:ext>
             </a:extLst>
           </p:cNvPr>
@@ -9154,18 +8907,13 @@
           <a:p>
             <a:pPr lvl="0" algn="ctr"/>
             <a:r>
-              <a:rPr lang="en-US" sz="4800" b="1" dirty="0" smtClean="0">
+              <a:rPr lang="en-US" sz="4800" b="1" dirty="0">
                 <a:solidFill>
                   <a:schemeClr val="bg1"/>
                 </a:solidFill>
               </a:rPr>
               <a:t>PANDAS – DATA FRAMES</a:t>
             </a:r>
-            <a:endParaRPr lang="en-US" sz="4800" b="1" dirty="0">
-              <a:solidFill>
-                <a:schemeClr val="bg1"/>
-              </a:solidFill>
-            </a:endParaRPr>
           </a:p>
         </p:txBody>
       </p:sp>
@@ -9197,16 +8945,12 @@
           <a:lstStyle/>
           <a:p>
             <a:r>
-              <a:rPr lang="en-US" b="1" dirty="0" smtClean="0"/>
-              <a:t>Data Frames </a:t>
-            </a:r>
-            <a:r>
               <a:rPr lang="en-US" b="1" dirty="0"/>
-              <a:t>:</a:t>
-            </a:r>
-          </a:p>
-          <a:p>
-            <a:endParaRPr lang="en-US" b="1" dirty="0" smtClean="0"/>
+              <a:t>Data Frames :</a:t>
+            </a:r>
+          </a:p>
+          <a:p>
+            <a:endParaRPr lang="en-US" b="1" dirty="0"/>
           </a:p>
           <a:p>
             <a:pPr marL="285750" indent="-285750">
@@ -9214,22 +8958,22 @@
               <a:buChar char="•"/>
             </a:pPr>
             <a:r>
-              <a:rPr lang="en-US" b="1" dirty="0" smtClean="0"/>
+              <a:rPr lang="en-US" b="1" dirty="0"/>
               <a:t>Data Frames are 2 </a:t>
             </a:r>
             <a:r>
-              <a:rPr lang="en-US" b="1" dirty="0" err="1" smtClean="0"/>
+              <a:rPr lang="en-US" b="1" dirty="0" err="1"/>
               <a:t>dimentional</a:t>
             </a:r>
             <a:r>
-              <a:rPr lang="en-US" b="1" dirty="0" smtClean="0"/>
+              <a:rPr lang="en-US" b="1" dirty="0"/>
               <a:t> </a:t>
             </a:r>
             <a:r>
-              <a:rPr lang="en-US" b="1" dirty="0" err="1" smtClean="0"/>
+              <a:rPr lang="en-US" b="1" dirty="0" err="1"/>
               <a:t>ndarrays</a:t>
             </a:r>
-            <a:endParaRPr lang="en-US" b="1" dirty="0" smtClean="0"/>
+            <a:endParaRPr lang="en-US" b="1" dirty="0"/>
           </a:p>
           <a:p>
             <a:pPr marL="285750" indent="-285750">
@@ -9237,7 +8981,7 @@
               <a:buChar char="•"/>
             </a:pPr>
             <a:r>
-              <a:rPr lang="en-US" b="1" dirty="0" smtClean="0"/>
+              <a:rPr lang="en-US" b="1" dirty="0"/>
               <a:t>Think of it as a table, spreadsheet or a matrix</a:t>
             </a:r>
           </a:p>
@@ -9247,26 +8991,26 @@
               <a:buChar char="•"/>
             </a:pPr>
             <a:r>
-              <a:rPr lang="en-US" b="1" dirty="0" err="1" smtClean="0"/>
+              <a:rPr lang="en-US" b="1" dirty="0" err="1"/>
               <a:t>Dataframes</a:t>
             </a:r>
             <a:r>
-              <a:rPr lang="en-US" b="1" dirty="0" smtClean="0"/>
+              <a:rPr lang="en-US" b="1" dirty="0"/>
               <a:t> can be created from multiple series, arrays, </a:t>
             </a:r>
             <a:r>
-              <a:rPr lang="en-US" b="1" dirty="0" err="1" smtClean="0"/>
+              <a:rPr lang="en-US" b="1" dirty="0" err="1"/>
               <a:t>dicts</a:t>
             </a:r>
             <a:r>
-              <a:rPr lang="en-US" b="1" dirty="0" smtClean="0"/>
+              <a:rPr lang="en-US" b="1" dirty="0"/>
               <a:t>, lists, csv files, database tables </a:t>
             </a:r>
             <a:r>
-              <a:rPr lang="en-US" b="1" dirty="0" err="1" smtClean="0"/>
+              <a:rPr lang="en-US" b="1" dirty="0" err="1"/>
               <a:t>etc</a:t>
             </a:r>
-            <a:endParaRPr lang="en-US" b="1" dirty="0" smtClean="0"/>
+            <a:endParaRPr lang="en-US" b="1" dirty="0"/>
           </a:p>
           <a:p>
             <a:pPr marL="285750" indent="-285750">
@@ -9274,11 +9018,11 @@
               <a:buChar char="•"/>
             </a:pPr>
             <a:r>
-              <a:rPr lang="en-US" b="1" dirty="0" err="1" smtClean="0"/>
+              <a:rPr lang="en-US" b="1" dirty="0" err="1"/>
               <a:t>Dataframes</a:t>
             </a:r>
             <a:r>
-              <a:rPr lang="en-US" b="1" dirty="0" smtClean="0"/>
+              <a:rPr lang="en-US" b="1" dirty="0"/>
               <a:t> consist of the data, index and multiple columns</a:t>
             </a:r>
           </a:p>
@@ -9289,11 +9033,7 @@
             </a:pPr>
             <a:r>
               <a:rPr lang="en-US" b="1" dirty="0"/>
-              <a:t>Index can be pre defined, added later, changed or defaulted to a sequence of </a:t>
-            </a:r>
-            <a:r>
-              <a:rPr lang="en-US" b="1" dirty="0" smtClean="0"/>
-              <a:t>numbers</a:t>
+              <a:t>Index can be pre defined, added later, changed or defaulted to a sequence of numbers</a:t>
             </a:r>
           </a:p>
           <a:p>
@@ -9310,7 +9050,7 @@
           <p:cNvPr id="8" name="Slide Number Placeholder 7">
             <a:extLst>
               <a:ext uri="{FF2B5EF4-FFF2-40B4-BE49-F238E27FC236}">
-                <a16:creationId xmlns="" xmlns:a16="http://schemas.microsoft.com/office/drawing/2014/main" id="{9D40CF21-C5F8-459C-8C61-CF7062621A18}"/>
+                <a16:creationId xmlns:a16="http://schemas.microsoft.com/office/drawing/2014/main" id="{9D40CF21-C5F8-459C-8C61-CF7062621A18}"/>
               </a:ext>
             </a:extLst>
           </p:cNvPr>
@@ -9416,13 +9156,6 @@
   <p:clrMapOvr>
     <a:masterClrMapping/>
   </p:clrMapOvr>
-  <p:timing>
-    <p:tnLst>
-      <p:par>
-        <p:cTn id="1" dur="indefinite" restart="never" nodeType="tmRoot"/>
-      </p:par>
-    </p:tnLst>
-  </p:timing>
 </p:sld>
 </file>
 
@@ -9448,7 +9181,7 @@
           <p:cNvPr id="4" name="TextBox 3">
             <a:extLst>
               <a:ext uri="{FF2B5EF4-FFF2-40B4-BE49-F238E27FC236}">
-                <a16:creationId xmlns="" xmlns:a16="http://schemas.microsoft.com/office/drawing/2014/main" id="{F60DFD09-AC45-4F33-B352-CDAB149F70B8}"/>
+                <a16:creationId xmlns:a16="http://schemas.microsoft.com/office/drawing/2014/main" id="{F60DFD09-AC45-4F33-B352-CDAB149F70B8}"/>
               </a:ext>
             </a:extLst>
           </p:cNvPr>
@@ -9485,7 +9218,7 @@
           <p:cNvPr id="3" name="TextBox 2">
             <a:extLst>
               <a:ext uri="{FF2B5EF4-FFF2-40B4-BE49-F238E27FC236}">
-                <a16:creationId xmlns="" xmlns:a16="http://schemas.microsoft.com/office/drawing/2014/main" id="{8957C43E-E3DC-4876-9C5F-195DD279152E}"/>
+                <a16:creationId xmlns:a16="http://schemas.microsoft.com/office/drawing/2014/main" id="{8957C43E-E3DC-4876-9C5F-195DD279152E}"/>
               </a:ext>
             </a:extLst>
           </p:cNvPr>
@@ -9519,18 +9252,13 @@
           <a:p>
             <a:pPr lvl="0" algn="ctr"/>
             <a:r>
-              <a:rPr lang="en-US" sz="4800" b="1" dirty="0" smtClean="0">
+              <a:rPr lang="en-US" sz="4800" b="1" dirty="0">
                 <a:solidFill>
                   <a:schemeClr val="bg1"/>
                 </a:solidFill>
               </a:rPr>
               <a:t>PANDAS – DATA FRAMES</a:t>
             </a:r>
-            <a:endParaRPr lang="en-US" sz="4800" b="1" dirty="0">
-              <a:solidFill>
-                <a:schemeClr val="bg1"/>
-              </a:solidFill>
-            </a:endParaRPr>
           </a:p>
         </p:txBody>
       </p:sp>
@@ -9539,7 +9267,7 @@
           <p:cNvPr id="8" name="Slide Number Placeholder 7">
             <a:extLst>
               <a:ext uri="{FF2B5EF4-FFF2-40B4-BE49-F238E27FC236}">
-                <a16:creationId xmlns="" xmlns:a16="http://schemas.microsoft.com/office/drawing/2014/main" id="{9D40CF21-C5F8-459C-8C61-CF7062621A18}"/>
+                <a16:creationId xmlns:a16="http://schemas.microsoft.com/office/drawing/2014/main" id="{9D40CF21-C5F8-459C-8C61-CF7062621A18}"/>
               </a:ext>
             </a:extLst>
           </p:cNvPr>
@@ -9568,7 +9296,7 @@
           <p:cNvPr id="9" name="TextBox 8">
             <a:extLst>
               <a:ext uri="{FF2B5EF4-FFF2-40B4-BE49-F238E27FC236}">
-                <a16:creationId xmlns="" xmlns:a16="http://schemas.microsoft.com/office/drawing/2014/main" id="{7D279814-308C-4A57-975C-A76041DED832}"/>
+                <a16:creationId xmlns:a16="http://schemas.microsoft.com/office/drawing/2014/main" id="{7D279814-308C-4A57-975C-A76041DED832}"/>
               </a:ext>
             </a:extLst>
           </p:cNvPr>
@@ -9597,7 +9325,7 @@
           <a:lstStyle/>
           <a:p>
             <a:r>
-              <a:rPr lang="en-US" b="1" dirty="0" smtClean="0"/>
+              <a:rPr lang="en-US" b="1" dirty="0"/>
               <a:t>Basic Example :</a:t>
             </a:r>
           </a:p>
@@ -9606,28 +9334,16 @@
           </a:p>
           <a:p>
             <a:r>
-              <a:rPr lang="en-US" sz="1600" dirty="0" smtClean="0"/>
-              <a:t>import </a:t>
-            </a:r>
-            <a:r>
-              <a:rPr lang="en-US" sz="1600" dirty="0"/>
-              <a:t>pandas as </a:t>
+              <a:rPr lang="en-US" sz="1600" dirty="0"/>
+              <a:t>import pandas as </a:t>
             </a:r>
             <a:r>
               <a:rPr lang="en-US" sz="1600" dirty="0" err="1"/>
               <a:t>pd</a:t>
             </a:r>
-            <a:r>
-              <a:rPr lang="en-US" sz="1600" dirty="0"/>
-              <a:t/>
-            </a:r>
-            <a:br>
-              <a:rPr lang="en-US" sz="1600" dirty="0"/>
-            </a:br>
-            <a:r>
-              <a:rPr lang="en-US" sz="1600" dirty="0"/>
-              <a:t/>
-            </a:r>
+            <a:br>
+              <a:rPr lang="en-US" sz="1600" dirty="0"/>
+            </a:br>
             <a:br>
               <a:rPr lang="en-US" sz="1600" dirty="0"/>
             </a:br>
@@ -9643,12 +9359,8 @@
               <a:rPr lang="en-US" sz="1600" b="1" i="1" dirty="0"/>
               <a:t> of lists, numbers and words are keys</a:t>
             </a:r>
-            <a:r>
+            <a:br>
               <a:rPr lang="en-US" sz="1600" i="1" dirty="0"/>
-              <a:t/>
-            </a:r>
-            <a:br>
-              <a:rPr lang="en-US" sz="1600" i="1" dirty="0"/>
             </a:br>
             <a:r>
               <a:rPr lang="en-US" sz="1600" dirty="0"/>
@@ -9671,10 +9383,6 @@
             <a:br>
               <a:rPr lang="en-US" sz="1600" dirty="0"/>
             </a:br>
-            <a:r>
-              <a:rPr lang="en-US" sz="1600" dirty="0"/>
-              <a:t/>
-            </a:r>
             <a:br>
               <a:rPr lang="en-US" sz="1600" dirty="0"/>
             </a:br>
@@ -9690,10 +9398,6 @@
               <a:rPr lang="en-US" sz="1600" b="1" i="1" dirty="0"/>
               <a:t> from d</a:t>
             </a:r>
-            <a:r>
-              <a:rPr lang="en-US" sz="1600" i="1" dirty="0"/>
-              <a:t/>
-            </a:r>
             <a:br>
               <a:rPr lang="en-US" sz="1600" i="1" dirty="0"/>
             </a:br>
@@ -9716,10 +9420,6 @@
             <a:br>
               <a:rPr lang="en-US" sz="1600" dirty="0"/>
             </a:br>
-            <a:r>
-              <a:rPr lang="en-US" sz="1600" dirty="0"/>
-              <a:t/>
-            </a:r>
             <a:br>
               <a:rPr lang="en-US" sz="1600" dirty="0"/>
             </a:br>
@@ -9774,13 +9474,6 @@
   <p:clrMapOvr>
     <a:masterClrMapping/>
   </p:clrMapOvr>
-  <p:timing>
-    <p:tnLst>
-      <p:par>
-        <p:cTn id="1" dur="indefinite" restart="never" nodeType="tmRoot"/>
-      </p:par>
-    </p:tnLst>
-  </p:timing>
 </p:sld>
 </file>
 
@@ -9806,7 +9499,7 @@
           <p:cNvPr id="4" name="TextBox 3">
             <a:extLst>
               <a:ext uri="{FF2B5EF4-FFF2-40B4-BE49-F238E27FC236}">
-                <a16:creationId xmlns="" xmlns:a16="http://schemas.microsoft.com/office/drawing/2014/main" id="{F60DFD09-AC45-4F33-B352-CDAB149F70B8}"/>
+                <a16:creationId xmlns:a16="http://schemas.microsoft.com/office/drawing/2014/main" id="{F60DFD09-AC45-4F33-B352-CDAB149F70B8}"/>
               </a:ext>
             </a:extLst>
           </p:cNvPr>
@@ -9843,7 +9536,7 @@
           <p:cNvPr id="3" name="TextBox 2">
             <a:extLst>
               <a:ext uri="{FF2B5EF4-FFF2-40B4-BE49-F238E27FC236}">
-                <a16:creationId xmlns="" xmlns:a16="http://schemas.microsoft.com/office/drawing/2014/main" id="{8957C43E-E3DC-4876-9C5F-195DD279152E}"/>
+                <a16:creationId xmlns:a16="http://schemas.microsoft.com/office/drawing/2014/main" id="{8957C43E-E3DC-4876-9C5F-195DD279152E}"/>
               </a:ext>
             </a:extLst>
           </p:cNvPr>
@@ -9877,18 +9570,13 @@
           <a:p>
             <a:pPr lvl="0" algn="ctr"/>
             <a:r>
-              <a:rPr lang="en-US" sz="4800" b="1" dirty="0" smtClean="0">
+              <a:rPr lang="en-US" sz="4800" b="1" dirty="0">
                 <a:solidFill>
                   <a:schemeClr val="bg1"/>
                 </a:solidFill>
               </a:rPr>
               <a:t>PANDAS – DATA FRAMES</a:t>
             </a:r>
-            <a:endParaRPr lang="en-US" sz="4800" b="1" dirty="0">
-              <a:solidFill>
-                <a:schemeClr val="bg1"/>
-              </a:solidFill>
-            </a:endParaRPr>
           </a:p>
         </p:txBody>
       </p:sp>
@@ -9897,7 +9585,7 @@
           <p:cNvPr id="8" name="Slide Number Placeholder 7">
             <a:extLst>
               <a:ext uri="{FF2B5EF4-FFF2-40B4-BE49-F238E27FC236}">
-                <a16:creationId xmlns="" xmlns:a16="http://schemas.microsoft.com/office/drawing/2014/main" id="{9D40CF21-C5F8-459C-8C61-CF7062621A18}"/>
+                <a16:creationId xmlns:a16="http://schemas.microsoft.com/office/drawing/2014/main" id="{9D40CF21-C5F8-459C-8C61-CF7062621A18}"/>
               </a:ext>
             </a:extLst>
           </p:cNvPr>
@@ -9926,7 +9614,7 @@
           <p:cNvPr id="7" name="TextBox 6">
             <a:extLst>
               <a:ext uri="{FF2B5EF4-FFF2-40B4-BE49-F238E27FC236}">
-                <a16:creationId xmlns="" xmlns:a16="http://schemas.microsoft.com/office/drawing/2014/main" id="{7D279814-308C-4A57-975C-A76041DED832}"/>
+                <a16:creationId xmlns:a16="http://schemas.microsoft.com/office/drawing/2014/main" id="{7D279814-308C-4A57-975C-A76041DED832}"/>
               </a:ext>
             </a:extLst>
           </p:cNvPr>
@@ -9955,7 +9643,7 @@
           <a:lstStyle/>
           <a:p>
             <a:r>
-              <a:rPr lang="en-US" b="1" dirty="0" smtClean="0"/>
+              <a:rPr lang="en-US" b="1" dirty="0"/>
               <a:t>Extended Example :</a:t>
             </a:r>
           </a:p>
@@ -9971,17 +9659,9 @@
               <a:rPr lang="en-US" sz="1200" dirty="0" err="1"/>
               <a:t>pd</a:t>
             </a:r>
-            <a:r>
+            <a:br>
               <a:rPr lang="en-US" sz="1200" dirty="0"/>
-              <a:t/>
-            </a:r>
-            <a:br>
-              <a:rPr lang="en-US" sz="1200" dirty="0"/>
-            </a:br>
-            <a:r>
-              <a:rPr lang="en-US" sz="1200" dirty="0"/>
-              <a:t/>
-            </a:r>
+            </a:br>
             <a:br>
               <a:rPr lang="en-US" sz="1200" dirty="0"/>
             </a:br>
@@ -9997,10 +9677,6 @@
               <a:rPr lang="en-US" sz="1200" b="1" i="1" dirty="0"/>
               <a:t> of lists, numbers and words are keys</a:t>
             </a:r>
-            <a:r>
-              <a:rPr lang="en-US" sz="1200" i="1" dirty="0"/>
-              <a:t/>
-            </a:r>
             <a:br>
               <a:rPr lang="en-US" sz="1200" i="1" dirty="0"/>
             </a:br>
@@ -10025,10 +9701,6 @@
             <a:br>
               <a:rPr lang="en-US" sz="1200" dirty="0"/>
             </a:br>
-            <a:r>
-              <a:rPr lang="en-US" sz="1200" dirty="0"/>
-              <a:t/>
-            </a:r>
             <a:br>
               <a:rPr lang="en-US" sz="1200" dirty="0"/>
             </a:br>
@@ -10066,10 +9738,6 @@
             <a:br>
               <a:rPr lang="en-US" sz="1200" dirty="0"/>
             </a:br>
-            <a:r>
-              <a:rPr lang="en-US" sz="1200" dirty="0"/>
-              <a:t/>
-            </a:r>
             <a:br>
               <a:rPr lang="en-US" sz="1200" dirty="0"/>
             </a:br>
@@ -10081,24 +9749,12 @@
               <a:rPr lang="en-US" sz="1200" dirty="0" err="1"/>
               <a:t>df</a:t>
             </a:r>
-            <a:r>
+            <a:br>
               <a:rPr lang="en-US" sz="1200" dirty="0"/>
-              <a:t/>
-            </a:r>
+            </a:br>
             <a:br>
               <a:rPr lang="en-US" sz="1200" dirty="0"/>
             </a:br>
-            <a:r>
-              <a:rPr lang="en-US" sz="1200" dirty="0"/>
-              <a:t/>
-            </a:r>
-            <a:br>
-              <a:rPr lang="en-US" sz="1200" dirty="0"/>
-            </a:br>
-            <a:r>
-              <a:rPr lang="en-US" sz="1200" dirty="0"/>
-              <a:t/>
-            </a:r>
             <a:br>
               <a:rPr lang="en-US" sz="1200" dirty="0"/>
             </a:br>
@@ -10114,10 +9770,6 @@
               <a:rPr lang="en-US" sz="1200" b="1" i="1" dirty="0"/>
               <a:t> by the words column</a:t>
             </a:r>
-            <a:r>
-              <a:rPr lang="en-US" sz="1200" i="1" dirty="0"/>
-              <a:t/>
-            </a:r>
             <a:br>
               <a:rPr lang="en-US" sz="1200" i="1" dirty="0"/>
             </a:br>
@@ -10136,10 +9788,6 @@
             <a:br>
               <a:rPr lang="en-US" sz="1200" dirty="0"/>
             </a:br>
-            <a:r>
-              <a:rPr lang="en-US" sz="1200" dirty="0"/>
-              <a:t/>
-            </a:r>
             <a:br>
               <a:rPr lang="en-US" sz="1200" dirty="0"/>
             </a:br>
@@ -10147,10 +9795,6 @@
               <a:rPr lang="en-US" sz="1200" b="1" i="1" dirty="0"/>
               <a:t>#Sort by the numbers column in descending order</a:t>
             </a:r>
-            <a:r>
-              <a:rPr lang="en-US" sz="1200" i="1" dirty="0"/>
-              <a:t/>
-            </a:r>
             <a:br>
               <a:rPr lang="en-US" sz="1200" i="1" dirty="0"/>
             </a:br>
@@ -10177,10 +9821,6 @@
             <a:br>
               <a:rPr lang="en-US" sz="1200" dirty="0"/>
             </a:br>
-            <a:r>
-              <a:rPr lang="en-US" sz="1200" dirty="0"/>
-              <a:t/>
-            </a:r>
             <a:br>
               <a:rPr lang="en-US" sz="1200" dirty="0"/>
             </a:br>
@@ -10188,10 +9828,6 @@
               <a:rPr lang="en-US" sz="1200" b="1" i="1" dirty="0"/>
               <a:t>#Print the number or rows and columns</a:t>
             </a:r>
-            <a:r>
-              <a:rPr lang="en-US" sz="1200" i="1" dirty="0"/>
-              <a:t/>
-            </a:r>
             <a:br>
               <a:rPr lang="en-US" sz="1200" i="1" dirty="0"/>
             </a:br>
@@ -10203,27 +9839,15 @@
               <a:rPr lang="en-US" sz="1200" dirty="0" err="1"/>
               <a:t>df.shape</a:t>
             </a:r>
-            <a:r>
+            <a:br>
               <a:rPr lang="en-US" sz="1200" dirty="0"/>
-              <a:t/>
-            </a:r>
-            <a:br>
-              <a:rPr lang="en-US" sz="1200" dirty="0"/>
-            </a:br>
-            <a:r>
-              <a:rPr lang="en-US" sz="1200" dirty="0"/>
-              <a:t/>
-            </a:r>
+            </a:br>
             <a:br>
               <a:rPr lang="en-US" sz="1200" dirty="0"/>
             </a:br>
             <a:r>
               <a:rPr lang="en-US" sz="1200" b="1" i="1" dirty="0"/>
               <a:t>#Print descriptive statistics</a:t>
-            </a:r>
-            <a:r>
-              <a:rPr lang="en-US" sz="1200" i="1" dirty="0"/>
-              <a:t/>
             </a:r>
             <a:br>
               <a:rPr lang="en-US" sz="1200" i="1" dirty="0"/>
@@ -10271,12 +9895,12 @@
           <a:lstStyle/>
           <a:p>
             <a:r>
-              <a:rPr lang="en-US" b="1" dirty="0" smtClean="0"/>
+              <a:rPr lang="en-US" b="1" dirty="0"/>
               <a:t>Sample Attributes :</a:t>
             </a:r>
           </a:p>
           <a:p>
-            <a:endParaRPr lang="en-US" b="1" dirty="0" smtClean="0"/>
+            <a:endParaRPr lang="en-US" b="1" dirty="0"/>
           </a:p>
           <a:p>
             <a:pPr marL="171450" indent="-171450">
@@ -10285,13 +9909,8 @@
             </a:pPr>
             <a:r>
               <a:rPr lang="en-US" sz="1400" b="1" dirty="0"/>
-              <a:t>s</a:t>
-            </a:r>
-            <a:r>
-              <a:rPr lang="en-US" sz="1400" b="1" dirty="0" smtClean="0"/>
-              <a:t>hape – Returns a tuple of number of rows and columns </a:t>
-            </a:r>
-            <a:endParaRPr lang="en-US" sz="1400" b="1" dirty="0"/>
+              <a:t>shape – Returns a tuple of number of rows and columns </a:t>
+            </a:r>
           </a:p>
           <a:p>
             <a:pPr marL="171450" indent="-171450">
@@ -10300,13 +9919,8 @@
             </a:pPr>
             <a:r>
               <a:rPr lang="en-US" sz="1400" b="1" dirty="0"/>
-              <a:t>s</a:t>
-            </a:r>
-            <a:r>
-              <a:rPr lang="en-US" sz="1400" b="1" dirty="0" smtClean="0"/>
-              <a:t>ize – Returns the number of items in the Series</a:t>
-            </a:r>
-            <a:endParaRPr lang="en-US" sz="1400" b="1" dirty="0"/>
+              <a:t>size – Returns the number of items in the Series</a:t>
+            </a:r>
           </a:p>
           <a:p>
             <a:pPr marL="171450" indent="-171450">
@@ -10315,22 +9929,18 @@
             </a:pPr>
             <a:r>
               <a:rPr lang="en-US" sz="1400" b="1" dirty="0"/>
-              <a:t>v</a:t>
-            </a:r>
-            <a:r>
-              <a:rPr lang="en-US" sz="1400" b="1" dirty="0" smtClean="0"/>
-              <a:t>alues – Returns the series as an </a:t>
-            </a:r>
-            <a:r>
-              <a:rPr lang="en-US" sz="1400" b="1" dirty="0" err="1" smtClean="0"/>
+              <a:t>values – Returns the series as an </a:t>
+            </a:r>
+            <a:r>
+              <a:rPr lang="en-US" sz="1400" b="1" dirty="0" err="1"/>
               <a:t>ndarray</a:t>
             </a:r>
             <a:r>
-              <a:rPr lang="en-US" sz="1400" b="1" dirty="0" smtClean="0"/>
+              <a:rPr lang="en-US" sz="1400" b="1" dirty="0"/>
               <a:t> ( list like </a:t>
             </a:r>
             <a:r>
-              <a:rPr lang="en-US" sz="1200" b="1" dirty="0" smtClean="0"/>
+              <a:rPr lang="en-US" sz="1200" b="1" dirty="0"/>
               <a:t>)</a:t>
             </a:r>
           </a:p>
@@ -10349,15 +9959,7 @@
                   <a:prstClr val="black"/>
                 </a:solidFill>
               </a:rPr>
-              <a:t>Sample </a:t>
-            </a:r>
-            <a:r>
-              <a:rPr lang="en-US" b="1" dirty="0" smtClean="0">
-                <a:solidFill>
-                  <a:prstClr val="black"/>
-                </a:solidFill>
-              </a:rPr>
-              <a:t>Methods :</a:t>
+              <a:t>Sample Methods :</a:t>
             </a:r>
           </a:p>
           <a:p>
@@ -10379,15 +9981,7 @@
                   <a:prstClr val="black"/>
                 </a:solidFill>
               </a:rPr>
-              <a:t>d</a:t>
-            </a:r>
-            <a:r>
-              <a:rPr lang="en-US" sz="1400" b="1" dirty="0" smtClean="0">
-                <a:solidFill>
-                  <a:prstClr val="black"/>
-                </a:solidFill>
-              </a:rPr>
-              <a:t>escribe() – Generates descriptive statistics like count, mean, percentiles etc.</a:t>
+              <a:t>describe() – Generates descriptive statistics like count, mean, percentiles etc.</a:t>
             </a:r>
           </a:p>
           <a:p>
@@ -10401,15 +9995,7 @@
                   <a:prstClr val="black"/>
                 </a:solidFill>
               </a:rPr>
-              <a:t>h</a:t>
-            </a:r>
-            <a:r>
-              <a:rPr lang="en-US" sz="1400" b="1" dirty="0" smtClean="0">
-                <a:solidFill>
-                  <a:prstClr val="black"/>
-                </a:solidFill>
-              </a:rPr>
-              <a:t>ead(n) – Return first n rows</a:t>
+              <a:t>head(n) – Return first n rows</a:t>
             </a:r>
           </a:p>
           <a:p>
@@ -10423,15 +10009,7 @@
                   <a:prstClr val="black"/>
                 </a:solidFill>
               </a:rPr>
-              <a:t>t</a:t>
-            </a:r>
-            <a:r>
-              <a:rPr lang="en-US" sz="1400" b="1" dirty="0" smtClean="0">
-                <a:solidFill>
-                  <a:prstClr val="black"/>
-                </a:solidFill>
-              </a:rPr>
-              <a:t>ail(n) – Return last n rows</a:t>
+              <a:t>tail(n) – Return last n rows</a:t>
             </a:r>
           </a:p>
           <a:p>
@@ -10445,18 +10023,10 @@
                   <a:prstClr val="black"/>
                 </a:solidFill>
               </a:rPr>
-              <a:t>g</a:t>
-            </a:r>
-            <a:r>
-              <a:rPr lang="en-US" sz="1400" b="1" dirty="0" err="1" smtClean="0">
-                <a:solidFill>
-                  <a:prstClr val="black"/>
-                </a:solidFill>
-              </a:rPr>
-              <a:t>roupby</a:t>
-            </a:r>
-            <a:r>
-              <a:rPr lang="en-US" sz="1400" b="1" dirty="0" smtClean="0">
+              <a:t>groupby</a:t>
+            </a:r>
+            <a:r>
+              <a:rPr lang="en-US" sz="1400" b="1" dirty="0">
                 <a:solidFill>
                   <a:prstClr val="black"/>
                 </a:solidFill>
@@ -10475,15 +10045,7 @@
                   <a:prstClr val="black"/>
                 </a:solidFill>
               </a:rPr>
-              <a:t>m</a:t>
-            </a:r>
-            <a:r>
-              <a:rPr lang="en-US" sz="1400" b="1" dirty="0" smtClean="0">
-                <a:solidFill>
-                  <a:prstClr val="black"/>
-                </a:solidFill>
-              </a:rPr>
-              <a:t>ax() – return max value</a:t>
+              <a:t>max() – return max value</a:t>
             </a:r>
           </a:p>
           <a:p>
@@ -10497,15 +10059,7 @@
                   <a:prstClr val="black"/>
                 </a:solidFill>
               </a:rPr>
-              <a:t>m</a:t>
-            </a:r>
-            <a:r>
-              <a:rPr lang="en-US" sz="1400" b="1" dirty="0" smtClean="0">
-                <a:solidFill>
-                  <a:prstClr val="black"/>
-                </a:solidFill>
-              </a:rPr>
-              <a:t>in() – return the minimum value</a:t>
+              <a:t>min() – return the minimum value</a:t>
             </a:r>
           </a:p>
           <a:p>
@@ -10538,13 +10092,6 @@
   <p:clrMapOvr>
     <a:masterClrMapping/>
   </p:clrMapOvr>
-  <p:timing>
-    <p:tnLst>
-      <p:par>
-        <p:cTn id="1" dur="indefinite" restart="never" nodeType="tmRoot"/>
-      </p:par>
-    </p:tnLst>
-  </p:timing>
 </p:sld>
 </file>
 
@@ -10570,7 +10117,7 @@
           <p:cNvPr id="4" name="TextBox 3">
             <a:extLst>
               <a:ext uri="{FF2B5EF4-FFF2-40B4-BE49-F238E27FC236}">
-                <a16:creationId xmlns="" xmlns:a16="http://schemas.microsoft.com/office/drawing/2014/main" id="{F60DFD09-AC45-4F33-B352-CDAB149F70B8}"/>
+                <a16:creationId xmlns:a16="http://schemas.microsoft.com/office/drawing/2014/main" id="{F60DFD09-AC45-4F33-B352-CDAB149F70B8}"/>
               </a:ext>
             </a:extLst>
           </p:cNvPr>
@@ -10607,7 +10154,7 @@
           <p:cNvPr id="3" name="TextBox 2">
             <a:extLst>
               <a:ext uri="{FF2B5EF4-FFF2-40B4-BE49-F238E27FC236}">
-                <a16:creationId xmlns="" xmlns:a16="http://schemas.microsoft.com/office/drawing/2014/main" id="{8957C43E-E3DC-4876-9C5F-195DD279152E}"/>
+                <a16:creationId xmlns:a16="http://schemas.microsoft.com/office/drawing/2014/main" id="{8957C43E-E3DC-4876-9C5F-195DD279152E}"/>
               </a:ext>
             </a:extLst>
           </p:cNvPr>
@@ -10641,18 +10188,13 @@
           <a:p>
             <a:pPr lvl="0" algn="ctr"/>
             <a:r>
-              <a:rPr lang="en-US" sz="4800" b="1" dirty="0" smtClean="0">
+              <a:rPr lang="en-US" sz="4800" b="1" dirty="0">
                 <a:solidFill>
                   <a:schemeClr val="bg1"/>
                 </a:solidFill>
               </a:rPr>
               <a:t>USE CASE – DALLAS CITY CRIME ANALYSIS</a:t>
             </a:r>
-            <a:endParaRPr lang="en-US" sz="4800" b="1" dirty="0">
-              <a:solidFill>
-                <a:schemeClr val="bg1"/>
-              </a:solidFill>
-            </a:endParaRPr>
           </a:p>
         </p:txBody>
       </p:sp>
@@ -10684,10 +10226,9 @@
           <a:lstStyle/>
           <a:p>
             <a:r>
-              <a:rPr lang="en-US" b="1" dirty="0" smtClean="0"/>
+              <a:rPr lang="en-US" b="1" dirty="0"/>
               <a:t>Dataset details:</a:t>
             </a:r>
-            <a:endParaRPr lang="en-US" b="1" dirty="0"/>
           </a:p>
           <a:p>
             <a:endParaRPr lang="en-US" b="1" dirty="0"/>
@@ -10698,10 +10239,9 @@
               <a:buChar char="•"/>
             </a:pPr>
             <a:r>
-              <a:rPr lang="en-US" sz="1400" b="1" dirty="0" smtClean="0"/>
+              <a:rPr lang="en-US" sz="1400" b="1" dirty="0"/>
               <a:t>The Dallas police incidents is a publicly available dataset which has incident reports from 2014 to 2017</a:t>
             </a:r>
-            <a:endParaRPr lang="en-US" sz="1400" b="1" dirty="0"/>
           </a:p>
           <a:p>
             <a:pPr marL="285750" indent="-285750">
@@ -10709,26 +10249,16 @@
               <a:buChar char="•"/>
             </a:pPr>
             <a:r>
-              <a:rPr lang="en-US" sz="1400" b="1" dirty="0" smtClean="0"/>
-              <a:t>The Dataset can be downloaded in csv format from </a:t>
-            </a:r>
-            <a:r>
               <a:rPr lang="en-US" sz="1400" b="1" dirty="0"/>
-              <a:t>: </a:t>
+              <a:t>The Dataset can be downloaded in csv format from : </a:t>
             </a:r>
             <a:r>
               <a:rPr lang="en-US" sz="1400" b="1" dirty="0">
                 <a:hlinkClick r:id="rId2"/>
               </a:rPr>
-              <a:t>https://</a:t>
-            </a:r>
-            <a:r>
-              <a:rPr lang="en-US" sz="1400" b="1" dirty="0" smtClean="0">
-                <a:hlinkClick r:id="rId2"/>
-              </a:rPr>
-              <a:t>www.dallasopendata.com/api/views/tbnj-w5hb/rows.csv?accessType=DOWNLOAD</a:t>
-            </a:r>
-            <a:endParaRPr lang="en-US" sz="1400" b="1" dirty="0" smtClean="0"/>
+              <a:t>https://www.dallasopendata.com/api/views/tbnj-w5hb/rows.csv?accessType=DOWNLOAD</a:t>
+            </a:r>
+            <a:endParaRPr lang="en-US" sz="1400" b="1" dirty="0"/>
           </a:p>
           <a:p>
             <a:pPr marL="285750" indent="-285750">
@@ -10736,35 +10266,23 @@
               <a:buChar char="•"/>
             </a:pPr>
             <a:r>
-              <a:rPr lang="en-US" sz="1400" b="1" dirty="0" smtClean="0"/>
+              <a:rPr lang="en-US" sz="1400" b="1" dirty="0"/>
               <a:t>The Metadata can be found at </a:t>
-            </a:r>
-            <a:r>
-              <a:rPr lang="en-US" sz="1400" b="1" dirty="0" smtClean="0">
-                <a:hlinkClick r:id="rId3"/>
-              </a:rPr>
-              <a:t>https</a:t>
             </a:r>
             <a:r>
               <a:rPr lang="en-US" sz="1400" b="1" dirty="0">
                 <a:hlinkClick r:id="rId3"/>
               </a:rPr>
-              <a:t>://</a:t>
-            </a:r>
-            <a:r>
-              <a:rPr lang="en-US" sz="1400" b="1" dirty="0" smtClean="0">
-                <a:hlinkClick r:id="rId3"/>
-              </a:rPr>
-              <a:t>www.dallasopendata.com/Public-Safety/Police-Incidents/tbnj-w5hb?defaultRender=table</a:t>
-            </a:r>
-            <a:endParaRPr lang="en-US" sz="1400" b="1" dirty="0" smtClean="0"/>
+              <a:t>https://www.dallasopendata.com/Public-Safety/Police-Incidents/tbnj-w5hb?defaultRender=table</a:t>
+            </a:r>
+            <a:endParaRPr lang="en-US" sz="1400" b="1" dirty="0"/>
           </a:p>
           <a:p>
             <a:pPr marL="285750" indent="-285750">
               <a:buFont typeface="Arial" panose="020B0604020202020204" pitchFamily="34" charset="0"/>
               <a:buChar char="•"/>
             </a:pPr>
-            <a:endParaRPr lang="en-US" sz="1400" b="1" dirty="0" smtClean="0"/>
+            <a:endParaRPr lang="en-US" sz="1400" b="1" dirty="0"/>
           </a:p>
           <a:p>
             <a:endParaRPr lang="en-US" b="1" dirty="0"/>
@@ -10776,7 +10294,7 @@
           <p:cNvPr id="8" name="Slide Number Placeholder 7">
             <a:extLst>
               <a:ext uri="{FF2B5EF4-FFF2-40B4-BE49-F238E27FC236}">
-                <a16:creationId xmlns="" xmlns:a16="http://schemas.microsoft.com/office/drawing/2014/main" id="{9D40CF21-C5F8-459C-8C61-CF7062621A18}"/>
+                <a16:creationId xmlns:a16="http://schemas.microsoft.com/office/drawing/2014/main" id="{9D40CF21-C5F8-459C-8C61-CF7062621A18}"/>
               </a:ext>
             </a:extLst>
           </p:cNvPr>
@@ -10805,7 +10323,7 @@
           <p:cNvPr id="9" name="TextBox 8">
             <a:extLst>
               <a:ext uri="{FF2B5EF4-FFF2-40B4-BE49-F238E27FC236}">
-                <a16:creationId xmlns="" xmlns:a16="http://schemas.microsoft.com/office/drawing/2014/main" id="{7D279814-308C-4A57-975C-A76041DED832}"/>
+                <a16:creationId xmlns:a16="http://schemas.microsoft.com/office/drawing/2014/main" id="{7D279814-308C-4A57-975C-A76041DED832}"/>
               </a:ext>
             </a:extLst>
           </p:cNvPr>
@@ -10834,7 +10352,7 @@
           <a:lstStyle/>
           <a:p>
             <a:r>
-              <a:rPr lang="en-US" b="1" dirty="0" smtClean="0"/>
+              <a:rPr lang="en-US" b="1" dirty="0"/>
               <a:t>Questions :</a:t>
             </a:r>
           </a:p>
@@ -10847,7 +10365,7 @@
               <a:buChar char="•"/>
             </a:pPr>
             <a:r>
-              <a:rPr lang="en-US" b="1" dirty="0" smtClean="0"/>
+              <a:rPr lang="en-US" b="1" dirty="0"/>
               <a:t>Find the number of rows and columns in the dataset</a:t>
             </a:r>
           </a:p>
@@ -10857,7 +10375,7 @@
               <a:buChar char="•"/>
             </a:pPr>
             <a:r>
-              <a:rPr lang="en-US" b="1" dirty="0" smtClean="0"/>
+              <a:rPr lang="en-US" b="1" dirty="0"/>
               <a:t>Find the top 5 offences reported and their count</a:t>
             </a:r>
           </a:p>
@@ -10867,7 +10385,7 @@
               <a:buChar char="•"/>
             </a:pPr>
             <a:r>
-              <a:rPr lang="en-US" b="1" dirty="0" smtClean="0"/>
+              <a:rPr lang="en-US" b="1" dirty="0"/>
               <a:t>Find the average time taken to send a dispatch after receiving the incident report</a:t>
             </a:r>
           </a:p>
@@ -10877,7 +10395,7 @@
               <a:buChar char="•"/>
             </a:pPr>
             <a:r>
-              <a:rPr lang="en-US" b="1" dirty="0" smtClean="0"/>
+              <a:rPr lang="en-US" b="1" dirty="0"/>
               <a:t>Find the top 5 longest dispatch times ( time between receiving a call and sending out a dispatch )</a:t>
             </a:r>
           </a:p>
@@ -10887,12 +10405,8 @@
               <a:buChar char="•"/>
             </a:pPr>
             <a:r>
-              <a:rPr lang="en-US" b="1" dirty="0" smtClean="0"/>
+              <a:rPr lang="en-US" b="1" dirty="0"/>
               <a:t>Find the 10%, 25%, 50% and 80% percentile of dispatch times</a:t>
-            </a:r>
-            <a:r>
-              <a:rPr lang="en-US" b="1" dirty="0"/>
-              <a:t/>
             </a:r>
             <a:br>
               <a:rPr lang="en-US" b="1" dirty="0"/>
@@ -10911,13 +10425,6 @@
   <p:clrMapOvr>
     <a:masterClrMapping/>
   </p:clrMapOvr>
-  <p:timing>
-    <p:tnLst>
-      <p:par>
-        <p:cTn id="1" dur="indefinite" restart="never" nodeType="tmRoot"/>
-      </p:par>
-    </p:tnLst>
-  </p:timing>
 </p:sld>
 </file>
 
@@ -10943,7 +10450,7 @@
           <p:cNvPr id="4" name="TextBox 3">
             <a:extLst>
               <a:ext uri="{FF2B5EF4-FFF2-40B4-BE49-F238E27FC236}">
-                <a16:creationId xmlns="" xmlns:a16="http://schemas.microsoft.com/office/drawing/2014/main" id="{F60DFD09-AC45-4F33-B352-CDAB149F70B8}"/>
+                <a16:creationId xmlns:a16="http://schemas.microsoft.com/office/drawing/2014/main" id="{F60DFD09-AC45-4F33-B352-CDAB149F70B8}"/>
               </a:ext>
             </a:extLst>
           </p:cNvPr>
@@ -10980,7 +10487,7 @@
           <p:cNvPr id="3" name="TextBox 2">
             <a:extLst>
               <a:ext uri="{FF2B5EF4-FFF2-40B4-BE49-F238E27FC236}">
-                <a16:creationId xmlns="" xmlns:a16="http://schemas.microsoft.com/office/drawing/2014/main" id="{8957C43E-E3DC-4876-9C5F-195DD279152E}"/>
+                <a16:creationId xmlns:a16="http://schemas.microsoft.com/office/drawing/2014/main" id="{8957C43E-E3DC-4876-9C5F-195DD279152E}"/>
               </a:ext>
             </a:extLst>
           </p:cNvPr>
@@ -11014,18 +10521,13 @@
           <a:p>
             <a:pPr lvl="0" algn="ctr"/>
             <a:r>
-              <a:rPr lang="en-US" sz="4800" b="1" dirty="0" smtClean="0">
+              <a:rPr lang="en-US" sz="4800" b="1" dirty="0">
                 <a:solidFill>
                   <a:schemeClr val="bg1"/>
                 </a:solidFill>
               </a:rPr>
               <a:t>USE CASE – DALLAS CITY CRIME ANALYSIS</a:t>
             </a:r>
-            <a:endParaRPr lang="en-US" sz="4800" b="1" dirty="0">
-              <a:solidFill>
-                <a:schemeClr val="bg1"/>
-              </a:solidFill>
-            </a:endParaRPr>
           </a:p>
         </p:txBody>
       </p:sp>
@@ -11034,7 +10536,7 @@
           <p:cNvPr id="8" name="Slide Number Placeholder 7">
             <a:extLst>
               <a:ext uri="{FF2B5EF4-FFF2-40B4-BE49-F238E27FC236}">
-                <a16:creationId xmlns="" xmlns:a16="http://schemas.microsoft.com/office/drawing/2014/main" id="{9D40CF21-C5F8-459C-8C61-CF7062621A18}"/>
+                <a16:creationId xmlns:a16="http://schemas.microsoft.com/office/drawing/2014/main" id="{9D40CF21-C5F8-459C-8C61-CF7062621A18}"/>
               </a:ext>
             </a:extLst>
           </p:cNvPr>
@@ -11063,7 +10565,7 @@
           <p:cNvPr id="9" name="TextBox 8">
             <a:extLst>
               <a:ext uri="{FF2B5EF4-FFF2-40B4-BE49-F238E27FC236}">
-                <a16:creationId xmlns="" xmlns:a16="http://schemas.microsoft.com/office/drawing/2014/main" id="{7D279814-308C-4A57-975C-A76041DED832}"/>
+                <a16:creationId xmlns:a16="http://schemas.microsoft.com/office/drawing/2014/main" id="{7D279814-308C-4A57-975C-A76041DED832}"/>
               </a:ext>
             </a:extLst>
           </p:cNvPr>
@@ -11091,14 +10593,14 @@
           </a:bodyPr>
           <a:lstStyle/>
           <a:p>
-            <a:endParaRPr lang="en-US" sz="1400" dirty="0" smtClean="0"/>
-          </a:p>
-          <a:p>
             <a:endParaRPr lang="en-US" sz="1400" dirty="0"/>
           </a:p>
           <a:p>
-            <a:r>
-              <a:rPr lang="en-US" sz="2400" b="1" dirty="0" smtClean="0"/>
+            <a:endParaRPr lang="en-US" sz="1400" dirty="0"/>
+          </a:p>
+          <a:p>
+            <a:r>
+              <a:rPr lang="en-US" sz="2400" b="1" dirty="0"/>
               <a:t>Part 1/2</a:t>
             </a:r>
           </a:p>
@@ -11110,483 +10612,390 @@
           </a:p>
           <a:p>
             <a:r>
-              <a:rPr lang="en-US" sz="1400" dirty="0" smtClean="0"/>
-              <a:t>import </a:t>
-            </a:r>
-            <a:r>
-              <a:rPr lang="en-US" sz="1400" dirty="0"/>
-              <a:t>pandas as </a:t>
-            </a:r>
-            <a:r>
-              <a:rPr lang="en-US" sz="1400" dirty="0" err="1" smtClean="0"/>
+              <a:rPr lang="en-US" sz="1400" dirty="0"/>
+              <a:t>import pandas as </a:t>
+            </a:r>
+            <a:r>
+              <a:rPr lang="en-US" sz="1400" dirty="0" err="1"/>
               <a:t>pd</a:t>
             </a:r>
-            <a:r>
-              <a:rPr lang="en-US" sz="1400" dirty="0" smtClean="0"/>
-              <a:t/>
-            </a:r>
-            <a:br>
-              <a:rPr lang="en-US" sz="1400" dirty="0" smtClean="0"/>
-            </a:br>
-            <a:r>
-              <a:rPr lang="en-US" sz="1400" dirty="0" smtClean="0"/>
-              <a:t/>
-            </a:r>
-            <a:br>
-              <a:rPr lang="en-US" sz="1400" dirty="0" smtClean="0"/>
-            </a:br>
-            <a:r>
-              <a:rPr lang="en-US" sz="1400" b="1" dirty="0" smtClean="0"/>
+            <a:br>
+              <a:rPr lang="en-US" sz="1400" dirty="0"/>
+            </a:br>
+            <a:br>
+              <a:rPr lang="en-US" sz="1400" dirty="0"/>
+            </a:br>
+            <a:r>
+              <a:rPr lang="en-US" sz="1400" b="1" dirty="0"/>
               <a:t>#Download file from https://</a:t>
             </a:r>
             <a:r>
-              <a:rPr lang="en-US" sz="1400" b="1" dirty="0" err="1" smtClean="0"/>
+              <a:rPr lang="en-US" sz="1400" b="1" dirty="0" err="1"/>
               <a:t>www.dallasopendata.com</a:t>
             </a:r>
             <a:r>
-              <a:rPr lang="en-US" sz="1400" b="1" dirty="0" smtClean="0"/>
+              <a:rPr lang="en-US" sz="1400" b="1" dirty="0"/>
               <a:t>/</a:t>
             </a:r>
             <a:r>
-              <a:rPr lang="en-US" sz="1400" b="1" dirty="0" err="1" smtClean="0"/>
+              <a:rPr lang="en-US" sz="1400" b="1" dirty="0" err="1"/>
               <a:t>api</a:t>
             </a:r>
             <a:r>
-              <a:rPr lang="en-US" sz="1400" b="1" dirty="0" smtClean="0"/>
+              <a:rPr lang="en-US" sz="1400" b="1" dirty="0"/>
               <a:t>/views/tbnj-w5hb/</a:t>
             </a:r>
             <a:r>
-              <a:rPr lang="en-US" sz="1400" b="1" dirty="0" err="1" smtClean="0"/>
+              <a:rPr lang="en-US" sz="1400" b="1" dirty="0" err="1"/>
               <a:t>rows.csv?accessType</a:t>
             </a:r>
             <a:r>
-              <a:rPr lang="en-US" sz="1400" b="1" dirty="0" smtClean="0"/>
+              <a:rPr lang="en-US" sz="1400" b="1" dirty="0"/>
               <a:t>=DOWNLOAD</a:t>
             </a:r>
-            <a:r>
-              <a:rPr lang="en-US" sz="1400" dirty="0" smtClean="0"/>
-              <a:t/>
-            </a:r>
-            <a:br>
-              <a:rPr lang="en-US" sz="1400" dirty="0" smtClean="0"/>
-            </a:br>
-            <a:r>
-              <a:rPr lang="en-US" sz="1400" dirty="0" smtClean="0"/>
-              <a:t/>
-            </a:r>
-            <a:br>
-              <a:rPr lang="en-US" sz="1400" dirty="0" smtClean="0"/>
-            </a:br>
-            <a:r>
-              <a:rPr lang="en-US" sz="1400" b="1" dirty="0" smtClean="0"/>
+            <a:br>
+              <a:rPr lang="en-US" sz="1400" dirty="0"/>
+            </a:br>
+            <a:br>
+              <a:rPr lang="en-US" sz="1400" dirty="0"/>
+            </a:br>
+            <a:r>
+              <a:rPr lang="en-US" sz="1400" b="1" dirty="0"/>
               <a:t>#Metadata : https://</a:t>
             </a:r>
             <a:r>
-              <a:rPr lang="en-US" sz="1400" b="1" dirty="0" err="1" smtClean="0"/>
+              <a:rPr lang="en-US" sz="1400" b="1" dirty="0" err="1"/>
               <a:t>www.dallasopendata.com</a:t>
             </a:r>
             <a:r>
-              <a:rPr lang="en-US" sz="1400" b="1" dirty="0" smtClean="0"/>
+              <a:rPr lang="en-US" sz="1400" b="1" dirty="0"/>
               <a:t>/Public-Safety/Police-Incidents/tbnj-w5hb?defaultRender=table</a:t>
             </a:r>
-            <a:r>
-              <a:rPr lang="en-US" sz="1400" dirty="0" smtClean="0"/>
-              <a:t/>
-            </a:r>
-            <a:br>
-              <a:rPr lang="en-US" sz="1400" dirty="0" smtClean="0"/>
-            </a:br>
-            <a:r>
-              <a:rPr lang="en-US" sz="1400" dirty="0" smtClean="0"/>
-              <a:t/>
-            </a:r>
-            <a:br>
-              <a:rPr lang="en-US" sz="1400" dirty="0" smtClean="0"/>
-            </a:br>
-            <a:r>
-              <a:rPr lang="en-US" sz="1400" b="1" dirty="0" smtClean="0"/>
+            <a:br>
+              <a:rPr lang="en-US" sz="1400" dirty="0"/>
+            </a:br>
+            <a:br>
+              <a:rPr lang="en-US" sz="1400" dirty="0"/>
+            </a:br>
+            <a:r>
+              <a:rPr lang="en-US" sz="1400" b="1" dirty="0"/>
               <a:t>#Create a variable with the csv filename we would like to analyze</a:t>
             </a:r>
-            <a:r>
-              <a:rPr lang="en-US" sz="1400" dirty="0" smtClean="0"/>
-              <a:t/>
-            </a:r>
-            <a:br>
-              <a:rPr lang="en-US" sz="1400" dirty="0" smtClean="0"/>
-            </a:br>
-            <a:r>
-              <a:rPr lang="en-US" sz="1400" dirty="0" smtClean="0"/>
+            <a:br>
+              <a:rPr lang="en-US" sz="1400" dirty="0"/>
+            </a:br>
+            <a:r>
+              <a:rPr lang="en-US" sz="1400" dirty="0"/>
               <a:t>filename = '/Users/gm456e/Downloads/</a:t>
             </a:r>
             <a:r>
-              <a:rPr lang="en-US" sz="1400" dirty="0" err="1" smtClean="0"/>
+              <a:rPr lang="en-US" sz="1400" dirty="0" err="1"/>
               <a:t>Police_incidents.csv</a:t>
             </a:r>
             <a:r>
-              <a:rPr lang="en-US" sz="1400" dirty="0" smtClean="0"/>
+              <a:rPr lang="en-US" sz="1400" dirty="0"/>
               <a:t>'</a:t>
             </a:r>
             <a:br>
-              <a:rPr lang="en-US" sz="1400" dirty="0" smtClean="0"/>
-            </a:br>
-            <a:r>
-              <a:rPr lang="en-US" sz="1400" dirty="0" smtClean="0"/>
-              <a:t/>
-            </a:r>
-            <a:br>
-              <a:rPr lang="en-US" sz="1400" dirty="0" smtClean="0"/>
-            </a:br>
-            <a:r>
-              <a:rPr lang="en-US" sz="1400" b="1" dirty="0" smtClean="0"/>
+              <a:rPr lang="en-US" sz="1400" dirty="0"/>
+            </a:br>
+            <a:br>
+              <a:rPr lang="en-US" sz="1400" dirty="0"/>
+            </a:br>
+            <a:r>
+              <a:rPr lang="en-US" sz="1400" b="1" dirty="0"/>
               <a:t>#Create a data frame from the csv file</a:t>
             </a:r>
-            <a:r>
-              <a:rPr lang="en-US" sz="1400" dirty="0" smtClean="0"/>
-              <a:t/>
-            </a:r>
-            <a:br>
-              <a:rPr lang="en-US" sz="1400" dirty="0" smtClean="0"/>
-            </a:br>
-            <a:r>
-              <a:rPr lang="en-US" sz="1400" dirty="0" err="1" smtClean="0"/>
+            <a:br>
+              <a:rPr lang="en-US" sz="1400" dirty="0"/>
+            </a:br>
+            <a:r>
+              <a:rPr lang="en-US" sz="1400" dirty="0" err="1"/>
               <a:t>df</a:t>
             </a:r>
             <a:r>
-              <a:rPr lang="en-US" sz="1400" dirty="0" smtClean="0"/>
+              <a:rPr lang="en-US" sz="1400" dirty="0"/>
               <a:t> = </a:t>
             </a:r>
             <a:r>
-              <a:rPr lang="en-US" sz="1400" dirty="0" err="1" smtClean="0"/>
+              <a:rPr lang="en-US" sz="1400" dirty="0" err="1"/>
               <a:t>pd.read_csv</a:t>
             </a:r>
             <a:r>
-              <a:rPr lang="en-US" sz="1400" dirty="0" smtClean="0"/>
+              <a:rPr lang="en-US" sz="1400" dirty="0"/>
               <a:t>(</a:t>
             </a:r>
             <a:r>
-              <a:rPr lang="en-US" sz="1400" dirty="0" err="1" smtClean="0"/>
+              <a:rPr lang="en-US" sz="1400" dirty="0" err="1"/>
               <a:t>filename,header</a:t>
             </a:r>
             <a:r>
-              <a:rPr lang="en-US" sz="1400" dirty="0" smtClean="0"/>
+              <a:rPr lang="en-US" sz="1400" dirty="0"/>
               <a:t>=0, </a:t>
             </a:r>
             <a:r>
-              <a:rPr lang="en-US" sz="1400" dirty="0" err="1" smtClean="0"/>
+              <a:rPr lang="en-US" sz="1400" dirty="0" err="1"/>
               <a:t>index_col</a:t>
             </a:r>
             <a:r>
-              <a:rPr lang="en-US" sz="1400" dirty="0" smtClean="0"/>
+              <a:rPr lang="en-US" sz="1400" dirty="0"/>
               <a:t> = False)</a:t>
             </a:r>
             <a:br>
-              <a:rPr lang="en-US" sz="1400" dirty="0" smtClean="0"/>
-            </a:br>
-            <a:r>
-              <a:rPr lang="en-US" sz="1400" dirty="0" smtClean="0"/>
-              <a:t/>
-            </a:r>
-            <a:br>
-              <a:rPr lang="en-US" sz="1400" dirty="0" smtClean="0"/>
-            </a:br>
-            <a:r>
-              <a:rPr lang="en-US" sz="1400" b="1" dirty="0" smtClean="0"/>
+              <a:rPr lang="en-US" sz="1400" dirty="0"/>
+            </a:br>
+            <a:br>
+              <a:rPr lang="en-US" sz="1400" dirty="0"/>
+            </a:br>
+            <a:r>
+              <a:rPr lang="en-US" sz="1400" b="1" dirty="0"/>
               <a:t>#Print All columns in the csv file as list</a:t>
             </a:r>
-            <a:r>
-              <a:rPr lang="en-US" sz="1400" dirty="0" smtClean="0"/>
-              <a:t/>
-            </a:r>
-            <a:br>
-              <a:rPr lang="en-US" sz="1400" dirty="0" smtClean="0"/>
-            </a:br>
-            <a:r>
-              <a:rPr lang="en-US" sz="1400" dirty="0" smtClean="0"/>
+            <a:br>
+              <a:rPr lang="en-US" sz="1400" dirty="0"/>
+            </a:br>
+            <a:r>
+              <a:rPr lang="en-US" sz="1400" dirty="0"/>
               <a:t>print </a:t>
             </a:r>
             <a:r>
-              <a:rPr lang="en-US" sz="1400" dirty="0" err="1" smtClean="0"/>
+              <a:rPr lang="en-US" sz="1400" dirty="0" err="1"/>
               <a:t>df.columns.values.tolist</a:t>
             </a:r>
             <a:r>
-              <a:rPr lang="en-US" sz="1400" dirty="0" smtClean="0"/>
+              <a:rPr lang="en-US" sz="1400" dirty="0"/>
               <a:t>()</a:t>
             </a:r>
             <a:br>
-              <a:rPr lang="en-US" sz="1400" dirty="0" smtClean="0"/>
-            </a:br>
-            <a:r>
-              <a:rPr lang="en-US" sz="1400" dirty="0" smtClean="0"/>
-              <a:t/>
-            </a:r>
-            <a:br>
-              <a:rPr lang="en-US" sz="1400" dirty="0" smtClean="0"/>
-            </a:br>
-            <a:r>
-              <a:rPr lang="en-US" sz="1400" b="1" dirty="0" smtClean="0"/>
+              <a:rPr lang="en-US" sz="1400" dirty="0"/>
+            </a:br>
+            <a:br>
+              <a:rPr lang="en-US" sz="1400" dirty="0"/>
+            </a:br>
+            <a:r>
+              <a:rPr lang="en-US" sz="1400" b="1" dirty="0"/>
               <a:t>#Create a new </a:t>
             </a:r>
             <a:r>
-              <a:rPr lang="en-US" sz="1400" b="1" dirty="0" err="1" smtClean="0"/>
+              <a:rPr lang="en-US" sz="1400" b="1" dirty="0" err="1"/>
               <a:t>dataframe</a:t>
             </a:r>
             <a:r>
-              <a:rPr lang="en-US" sz="1400" b="1" dirty="0" smtClean="0"/>
+              <a:rPr lang="en-US" sz="1400" b="1" dirty="0"/>
               <a:t> df1 from selected columns of interest from the original </a:t>
             </a:r>
             <a:r>
-              <a:rPr lang="en-US" sz="1400" b="1" dirty="0" err="1" smtClean="0"/>
+              <a:rPr lang="en-US" sz="1400" b="1" dirty="0" err="1"/>
               <a:t>df</a:t>
             </a:r>
-            <a:r>
-              <a:rPr lang="en-US" sz="1400" dirty="0" smtClean="0"/>
-              <a:t/>
-            </a:r>
-            <a:br>
-              <a:rPr lang="en-US" sz="1400" dirty="0" smtClean="0"/>
-            </a:br>
-            <a:r>
-              <a:rPr lang="en-US" sz="1400" dirty="0" smtClean="0"/>
+            <a:br>
+              <a:rPr lang="en-US" sz="1400" dirty="0"/>
+            </a:br>
+            <a:r>
+              <a:rPr lang="en-US" sz="1400" dirty="0"/>
               <a:t>df1 =  </a:t>
             </a:r>
             <a:r>
-              <a:rPr lang="en-US" sz="1400" dirty="0" err="1" smtClean="0"/>
+              <a:rPr lang="en-US" sz="1400" dirty="0" err="1"/>
               <a:t>df</a:t>
             </a:r>
             <a:r>
-              <a:rPr lang="en-US" sz="1400" dirty="0" smtClean="0"/>
+              <a:rPr lang="en-US" sz="1400" dirty="0"/>
               <a:t>[['Year of </a:t>
             </a:r>
             <a:r>
-              <a:rPr lang="en-US" sz="1400" dirty="0" err="1" smtClean="0"/>
+              <a:rPr lang="en-US" sz="1400" dirty="0" err="1"/>
               <a:t>Incident','Type</a:t>
             </a:r>
             <a:r>
-              <a:rPr lang="en-US" sz="1400" dirty="0" smtClean="0"/>
+              <a:rPr lang="en-US" sz="1400" dirty="0"/>
               <a:t> of </a:t>
             </a:r>
             <a:r>
-              <a:rPr lang="en-US" sz="1400" dirty="0" err="1" smtClean="0"/>
+              <a:rPr lang="en-US" sz="1400" dirty="0" err="1"/>
               <a:t>Incident','Call</a:t>
             </a:r>
             <a:r>
-              <a:rPr lang="en-US" sz="1400" dirty="0" smtClean="0"/>
+              <a:rPr lang="en-US" sz="1400" dirty="0"/>
               <a:t> (911) </a:t>
             </a:r>
             <a:r>
-              <a:rPr lang="en-US" sz="1400" dirty="0" err="1" smtClean="0"/>
+              <a:rPr lang="en-US" sz="1400" dirty="0" err="1"/>
               <a:t>Problem','Type</a:t>
             </a:r>
             <a:r>
-              <a:rPr lang="en-US" sz="1400" dirty="0" smtClean="0"/>
+              <a:rPr lang="en-US" sz="1400" dirty="0"/>
               <a:t> of </a:t>
             </a:r>
             <a:r>
-              <a:rPr lang="en-US" sz="1400" dirty="0" err="1" smtClean="0"/>
+              <a:rPr lang="en-US" sz="1400" dirty="0" err="1"/>
               <a:t>Location','Type</a:t>
             </a:r>
             <a:r>
-              <a:rPr lang="en-US" sz="1400" dirty="0" smtClean="0"/>
+              <a:rPr lang="en-US" sz="1400" dirty="0"/>
               <a:t> of </a:t>
             </a:r>
             <a:r>
-              <a:rPr lang="en-US" sz="1400" dirty="0" err="1" smtClean="0"/>
+              <a:rPr lang="en-US" sz="1400" dirty="0" err="1"/>
               <a:t>Property','Incident</a:t>
             </a:r>
             <a:r>
-              <a:rPr lang="en-US" sz="1400" dirty="0" smtClean="0"/>
+              <a:rPr lang="en-US" sz="1400" dirty="0"/>
               <a:t> </a:t>
             </a:r>
             <a:r>
-              <a:rPr lang="en-US" sz="1400" dirty="0" err="1" smtClean="0"/>
+              <a:rPr lang="en-US" sz="1400" dirty="0" err="1"/>
               <a:t>Address','Zip</a:t>
             </a:r>
             <a:r>
-              <a:rPr lang="en-US" sz="1400" dirty="0" smtClean="0"/>
+              <a:rPr lang="en-US" sz="1400" dirty="0"/>
               <a:t> </a:t>
             </a:r>
             <a:r>
-              <a:rPr lang="en-US" sz="1400" dirty="0" err="1" smtClean="0"/>
+              <a:rPr lang="en-US" sz="1400" dirty="0" err="1"/>
               <a:t>Code','City','State','Date</a:t>
             </a:r>
             <a:r>
-              <a:rPr lang="en-US" sz="1400" dirty="0" smtClean="0"/>
+              <a:rPr lang="en-US" sz="1400" dirty="0"/>
               <a:t> of </a:t>
             </a:r>
             <a:r>
-              <a:rPr lang="en-US" sz="1400" dirty="0" err="1" smtClean="0"/>
+              <a:rPr lang="en-US" sz="1400" dirty="0" err="1"/>
               <a:t>Report','UCR</a:t>
             </a:r>
             <a:r>
-              <a:rPr lang="en-US" sz="1400" dirty="0" smtClean="0"/>
+              <a:rPr lang="en-US" sz="1400" dirty="0"/>
               <a:t> Offense </a:t>
             </a:r>
             <a:r>
-              <a:rPr lang="en-US" sz="1400" dirty="0" err="1" smtClean="0"/>
+              <a:rPr lang="en-US" sz="1400" dirty="0" err="1"/>
               <a:t>Name','Call</a:t>
             </a:r>
             <a:r>
-              <a:rPr lang="en-US" sz="1400" dirty="0" smtClean="0"/>
+              <a:rPr lang="en-US" sz="1400" dirty="0"/>
               <a:t> Received Date </a:t>
             </a:r>
             <a:r>
-              <a:rPr lang="en-US" sz="1400" dirty="0" err="1" smtClean="0"/>
+              <a:rPr lang="en-US" sz="1400" dirty="0" err="1"/>
               <a:t>Time','Call</a:t>
             </a:r>
             <a:r>
-              <a:rPr lang="en-US" sz="1400" dirty="0" smtClean="0"/>
+              <a:rPr lang="en-US" sz="1400" dirty="0"/>
               <a:t> Dispatch Date Time']]</a:t>
             </a:r>
           </a:p>
           <a:p>
             <a:r>
-              <a:rPr lang="en-US" sz="1400" b="1" dirty="0" smtClean="0"/>
+              <a:rPr lang="en-US" sz="1400" b="1" dirty="0"/>
               <a:t>#Number of columns in the new </a:t>
             </a:r>
             <a:r>
-              <a:rPr lang="en-US" sz="1400" b="1" dirty="0" err="1" smtClean="0"/>
+              <a:rPr lang="en-US" sz="1400" b="1" dirty="0" err="1"/>
               <a:t>dataframe</a:t>
             </a:r>
             <a:r>
-              <a:rPr lang="en-US" sz="1400" b="1" dirty="0" smtClean="0"/>
+              <a:rPr lang="en-US" sz="1400" b="1" dirty="0"/>
               <a:t> df1</a:t>
             </a:r>
-            <a:r>
-              <a:rPr lang="en-US" sz="1400" dirty="0" smtClean="0"/>
-              <a:t/>
-            </a:r>
-            <a:br>
-              <a:rPr lang="en-US" sz="1400" dirty="0" smtClean="0"/>
-            </a:br>
-            <a:r>
-              <a:rPr lang="en-US" sz="1400" dirty="0" smtClean="0"/>
+            <a:br>
+              <a:rPr lang="en-US" sz="1400" dirty="0"/>
+            </a:br>
+            <a:r>
+              <a:rPr lang="en-US" sz="1400" dirty="0"/>
               <a:t>print 'Number of Columns : ' , </a:t>
             </a:r>
             <a:r>
-              <a:rPr lang="en-US" sz="1400" dirty="0" err="1" smtClean="0"/>
+              <a:rPr lang="en-US" sz="1400" dirty="0" err="1"/>
               <a:t>len</a:t>
             </a:r>
             <a:r>
-              <a:rPr lang="en-US" sz="1400" dirty="0" smtClean="0"/>
+              <a:rPr lang="en-US" sz="1400" dirty="0"/>
               <a:t>(df1.columns)</a:t>
             </a:r>
             <a:br>
-              <a:rPr lang="en-US" sz="1400" dirty="0" smtClean="0"/>
-            </a:br>
-            <a:r>
-              <a:rPr lang="en-US" sz="1400" dirty="0" smtClean="0"/>
-              <a:t/>
-            </a:r>
-            <a:br>
-              <a:rPr lang="en-US" sz="1400" dirty="0" smtClean="0"/>
-            </a:br>
-            <a:r>
-              <a:rPr lang="en-US" sz="1400" b="1" dirty="0" smtClean="0"/>
+              <a:rPr lang="en-US" sz="1400" dirty="0"/>
+            </a:br>
+            <a:br>
+              <a:rPr lang="en-US" sz="1400" dirty="0"/>
+            </a:br>
+            <a:r>
+              <a:rPr lang="en-US" sz="1400" b="1" dirty="0"/>
               <a:t>#Print All columns as list in df1</a:t>
             </a:r>
-            <a:r>
-              <a:rPr lang="en-US" sz="1400" dirty="0" smtClean="0"/>
-              <a:t/>
-            </a:r>
-            <a:br>
-              <a:rPr lang="en-US" sz="1400" dirty="0" smtClean="0"/>
-            </a:br>
-            <a:r>
-              <a:rPr lang="en-US" sz="1400" dirty="0" smtClean="0"/>
+            <a:br>
+              <a:rPr lang="en-US" sz="1400" dirty="0"/>
+            </a:br>
+            <a:r>
+              <a:rPr lang="en-US" sz="1400" dirty="0"/>
               <a:t>print df1.columns.values.tolist()</a:t>
             </a:r>
             <a:br>
-              <a:rPr lang="en-US" sz="1400" dirty="0" smtClean="0"/>
-            </a:br>
-            <a:r>
-              <a:rPr lang="en-US" sz="1400" dirty="0" smtClean="0"/>
-              <a:t/>
-            </a:r>
-            <a:br>
-              <a:rPr lang="en-US" sz="1400" dirty="0" smtClean="0"/>
-            </a:br>
-            <a:r>
-              <a:rPr lang="en-US" sz="1400" b="1" dirty="0" smtClean="0"/>
+              <a:rPr lang="en-US" sz="1400" dirty="0"/>
+            </a:br>
+            <a:br>
+              <a:rPr lang="en-US" sz="1400" dirty="0"/>
+            </a:br>
+            <a:r>
+              <a:rPr lang="en-US" sz="1400" b="1" dirty="0"/>
               <a:t>#Number of rows in df1</a:t>
             </a:r>
-            <a:r>
-              <a:rPr lang="en-US" sz="1400" dirty="0" smtClean="0"/>
-              <a:t/>
-            </a:r>
-            <a:br>
-              <a:rPr lang="en-US" sz="1400" dirty="0" smtClean="0"/>
-            </a:br>
-            <a:r>
-              <a:rPr lang="en-US" sz="1400" dirty="0" smtClean="0"/>
+            <a:br>
+              <a:rPr lang="en-US" sz="1400" dirty="0"/>
+            </a:br>
+            <a:r>
+              <a:rPr lang="en-US" sz="1400" dirty="0"/>
               <a:t>print 'Number of rows :' , </a:t>
             </a:r>
             <a:r>
-              <a:rPr lang="en-US" sz="1400" dirty="0" err="1" smtClean="0"/>
+              <a:rPr lang="en-US" sz="1400" dirty="0" err="1"/>
               <a:t>len</a:t>
             </a:r>
             <a:r>
-              <a:rPr lang="en-US" sz="1400" dirty="0" smtClean="0"/>
+              <a:rPr lang="en-US" sz="1400" dirty="0"/>
               <a:t>(df1)</a:t>
             </a:r>
             <a:br>
-              <a:rPr lang="en-US" sz="1400" dirty="0" smtClean="0"/>
-            </a:br>
-            <a:r>
-              <a:rPr lang="en-US" sz="1400" dirty="0" smtClean="0"/>
-              <a:t/>
-            </a:r>
-            <a:br>
-              <a:rPr lang="en-US" sz="1400" dirty="0" smtClean="0"/>
-            </a:br>
-            <a:r>
-              <a:rPr lang="en-US" sz="1400" b="1" dirty="0" smtClean="0"/>
+              <a:rPr lang="en-US" sz="1400" dirty="0"/>
+            </a:br>
+            <a:br>
+              <a:rPr lang="en-US" sz="1400" dirty="0"/>
+            </a:br>
+            <a:r>
+              <a:rPr lang="en-US" sz="1400" b="1" dirty="0"/>
               <a:t>#Print default metrics of df1</a:t>
             </a:r>
-            <a:r>
-              <a:rPr lang="en-US" sz="1400" dirty="0" smtClean="0"/>
-              <a:t/>
-            </a:r>
-            <a:br>
-              <a:rPr lang="en-US" sz="1400" dirty="0" smtClean="0"/>
-            </a:br>
-            <a:r>
-              <a:rPr lang="en-US" sz="1400" dirty="0" smtClean="0"/>
+            <a:br>
+              <a:rPr lang="en-US" sz="1400" dirty="0"/>
+            </a:br>
+            <a:r>
+              <a:rPr lang="en-US" sz="1400" dirty="0"/>
               <a:t>print df1.describe()</a:t>
             </a:r>
             <a:br>
-              <a:rPr lang="en-US" sz="1400" dirty="0" smtClean="0"/>
-            </a:br>
-            <a:r>
-              <a:rPr lang="en-US" sz="1400" dirty="0" smtClean="0"/>
-              <a:t/>
-            </a:r>
-            <a:br>
-              <a:rPr lang="en-US" sz="1400" dirty="0" smtClean="0"/>
-            </a:br>
-            <a:r>
-              <a:rPr lang="en-US" sz="1400" b="1" dirty="0" smtClean="0"/>
+              <a:rPr lang="en-US" sz="1400" dirty="0"/>
+            </a:br>
+            <a:br>
+              <a:rPr lang="en-US" sz="1400" dirty="0"/>
+            </a:br>
+            <a:r>
+              <a:rPr lang="en-US" sz="1400" b="1" dirty="0"/>
               <a:t>#type function can be used to determine the datatype. It should be </a:t>
             </a:r>
             <a:r>
-              <a:rPr lang="en-US" sz="1400" b="1" dirty="0" err="1" smtClean="0"/>
+              <a:rPr lang="en-US" sz="1400" b="1" dirty="0" err="1"/>
               <a:t>dataframe</a:t>
             </a:r>
-            <a:r>
-              <a:rPr lang="en-US" sz="1400" dirty="0" smtClean="0"/>
-              <a:t/>
-            </a:r>
-            <a:br>
-              <a:rPr lang="en-US" sz="1400" dirty="0" smtClean="0"/>
-            </a:br>
-            <a:r>
-              <a:rPr lang="en-US" sz="1400" dirty="0" smtClean="0"/>
+            <a:br>
+              <a:rPr lang="en-US" sz="1400" dirty="0"/>
+            </a:br>
+            <a:r>
+              <a:rPr lang="en-US" sz="1400" dirty="0"/>
               <a:t>print typ</a:t>
             </a:r>
             <a:r>
-              <a:rPr lang="en-US" sz="1200" dirty="0" smtClean="0"/>
+              <a:rPr lang="en-US" sz="1200" dirty="0"/>
               <a:t>e(df1)</a:t>
             </a:r>
-            <a:endParaRPr lang="en-US" sz="1200" dirty="0"/>
           </a:p>
         </p:txBody>
       </p:sp>
@@ -11600,13 +11009,6 @@
   <p:clrMapOvr>
     <a:masterClrMapping/>
   </p:clrMapOvr>
-  <p:timing>
-    <p:tnLst>
-      <p:par>
-        <p:cTn id="1" dur="indefinite" restart="never" nodeType="tmRoot"/>
-      </p:par>
-    </p:tnLst>
-  </p:timing>
 </p:sld>
 </file>
 
@@ -11632,7 +11034,7 @@
           <p:cNvPr id="4" name="TextBox 3">
             <a:extLst>
               <a:ext uri="{FF2B5EF4-FFF2-40B4-BE49-F238E27FC236}">
-                <a16:creationId xmlns="" xmlns:a16="http://schemas.microsoft.com/office/drawing/2014/main" id="{F60DFD09-AC45-4F33-B352-CDAB149F70B8}"/>
+                <a16:creationId xmlns:a16="http://schemas.microsoft.com/office/drawing/2014/main" id="{F60DFD09-AC45-4F33-B352-CDAB149F70B8}"/>
               </a:ext>
             </a:extLst>
           </p:cNvPr>
@@ -11669,7 +11071,7 @@
           <p:cNvPr id="3" name="TextBox 2">
             <a:extLst>
               <a:ext uri="{FF2B5EF4-FFF2-40B4-BE49-F238E27FC236}">
-                <a16:creationId xmlns="" xmlns:a16="http://schemas.microsoft.com/office/drawing/2014/main" id="{8957C43E-E3DC-4876-9C5F-195DD279152E}"/>
+                <a16:creationId xmlns:a16="http://schemas.microsoft.com/office/drawing/2014/main" id="{8957C43E-E3DC-4876-9C5F-195DD279152E}"/>
               </a:ext>
             </a:extLst>
           </p:cNvPr>
@@ -11703,18 +11105,13 @@
           <a:p>
             <a:pPr lvl="0" algn="ctr"/>
             <a:r>
-              <a:rPr lang="en-US" sz="4800" b="1" dirty="0" smtClean="0">
+              <a:rPr lang="en-US" sz="4800" b="1" dirty="0">
                 <a:solidFill>
                   <a:schemeClr val="bg1"/>
                 </a:solidFill>
               </a:rPr>
               <a:t>USE CASE – DALLAS CITY CRIME ANALYSIS</a:t>
             </a:r>
-            <a:endParaRPr lang="en-US" sz="4800" b="1" dirty="0">
-              <a:solidFill>
-                <a:schemeClr val="bg1"/>
-              </a:solidFill>
-            </a:endParaRPr>
           </a:p>
         </p:txBody>
       </p:sp>
@@ -11723,7 +11120,7 @@
           <p:cNvPr id="8" name="Slide Number Placeholder 7">
             <a:extLst>
               <a:ext uri="{FF2B5EF4-FFF2-40B4-BE49-F238E27FC236}">
-                <a16:creationId xmlns="" xmlns:a16="http://schemas.microsoft.com/office/drawing/2014/main" id="{9D40CF21-C5F8-459C-8C61-CF7062621A18}"/>
+                <a16:creationId xmlns:a16="http://schemas.microsoft.com/office/drawing/2014/main" id="{9D40CF21-C5F8-459C-8C61-CF7062621A18}"/>
               </a:ext>
             </a:extLst>
           </p:cNvPr>
@@ -11752,7 +11149,7 @@
           <p:cNvPr id="9" name="TextBox 8">
             <a:extLst>
               <a:ext uri="{FF2B5EF4-FFF2-40B4-BE49-F238E27FC236}">
-                <a16:creationId xmlns="" xmlns:a16="http://schemas.microsoft.com/office/drawing/2014/main" id="{7D279814-308C-4A57-975C-A76041DED832}"/>
+                <a16:creationId xmlns:a16="http://schemas.microsoft.com/office/drawing/2014/main" id="{7D279814-308C-4A57-975C-A76041DED832}"/>
               </a:ext>
             </a:extLst>
           </p:cNvPr>
@@ -11781,7 +11178,7 @@
           <a:lstStyle/>
           <a:p>
             <a:r>
-              <a:rPr lang="en-US" sz="2800" b="1" dirty="0" smtClean="0"/>
+              <a:rPr lang="en-US" sz="2800" b="1" dirty="0"/>
               <a:t>Part 2/2</a:t>
             </a:r>
           </a:p>
@@ -11789,20 +11186,12 @@
             <a:endParaRPr lang="en-US" sz="1200" b="1" dirty="0"/>
           </a:p>
           <a:p>
-            <a:endParaRPr lang="en-US" sz="1200" b="1" dirty="0" smtClean="0"/>
-          </a:p>
-          <a:p>
-            <a:r>
-              <a:rPr lang="en-US" sz="1200" b="1" dirty="0" smtClean="0"/>
-              <a:t>#</a:t>
-            </a:r>
+            <a:endParaRPr lang="en-US" sz="1200" b="1" dirty="0"/>
+          </a:p>
+          <a:p>
             <a:r>
               <a:rPr lang="en-US" sz="1200" b="1" dirty="0"/>
-              <a:t>Find all unique incidents in the dataset</a:t>
-            </a:r>
-            <a:r>
-              <a:rPr lang="en-US" sz="1200" dirty="0"/>
-              <a:t/>
+              <a:t>#Find all unique incidents in the dataset</a:t>
             </a:r>
             <a:br>
               <a:rPr lang="en-US" sz="1200" dirty="0"/>
@@ -11818,10 +11207,6 @@
             <a:br>
               <a:rPr lang="en-US" sz="1200" dirty="0"/>
             </a:br>
-            <a:r>
-              <a:rPr lang="en-US" sz="1200" b="1" dirty="0"/>
-              <a:t/>
-            </a:r>
             <a:br>
               <a:rPr lang="en-US" sz="1200" b="1" dirty="0"/>
             </a:br>
@@ -11855,10 +11240,6 @@
             <a:br>
               <a:rPr lang="en-US" sz="1200" dirty="0"/>
             </a:br>
-            <a:r>
-              <a:rPr lang="en-US" sz="1200" dirty="0"/>
-              <a:t/>
-            </a:r>
             <a:br>
               <a:rPr lang="en-US" sz="1200" dirty="0"/>
             </a:br>
@@ -11882,10 +11263,6 @@
               <a:rPr lang="en-US" sz="1200" b="1" dirty="0"/>
               <a:t> by Grouping incidents and calculating the number or size of each type of incident, rename the index to count</a:t>
             </a:r>
-            <a:r>
-              <a:rPr lang="en-US" sz="1200" dirty="0"/>
-              <a:t/>
-            </a:r>
             <a:br>
               <a:rPr lang="en-US" sz="1200" dirty="0"/>
             </a:br>
@@ -11908,10 +11285,6 @@
             <a:br>
               <a:rPr lang="en-US" sz="1200" dirty="0"/>
             </a:br>
-            <a:r>
-              <a:rPr lang="en-US" sz="1200" dirty="0"/>
-              <a:t/>
-            </a:r>
             <a:br>
               <a:rPr lang="en-US" sz="1200" dirty="0"/>
             </a:br>
@@ -11927,10 +11300,6 @@
               <a:rPr lang="en-US" sz="1200" b="1" dirty="0"/>
               <a:t> in descending order, highest number incidents first</a:t>
             </a:r>
-            <a:r>
-              <a:rPr lang="en-US" sz="1200" dirty="0"/>
-              <a:t/>
-            </a:r>
             <a:br>
               <a:rPr lang="en-US" sz="1200" dirty="0"/>
             </a:br>
@@ -11953,24 +11322,12 @@
             <a:br>
               <a:rPr lang="en-US" sz="1200" dirty="0"/>
             </a:br>
-            <a:r>
+            <a:br>
               <a:rPr lang="en-US" sz="1200" dirty="0"/>
-              <a:t/>
-            </a:r>
-            <a:br>
-              <a:rPr lang="en-US" sz="1200" dirty="0"/>
             </a:br>
             <a:r>
               <a:rPr lang="en-US" sz="1200" b="1" dirty="0"/>
-              <a:t>#Print the top 5 </a:t>
-            </a:r>
-            <a:r>
-              <a:rPr lang="en-US" sz="1200" b="1" dirty="0" smtClean="0"/>
-              <a:t>incidents</a:t>
-            </a:r>
-            <a:r>
-              <a:rPr lang="en-US" sz="1200" dirty="0"/>
-              <a:t/>
+              <a:t>#Print the top 5 incidents</a:t>
             </a:r>
             <a:br>
               <a:rPr lang="en-US" sz="1200" dirty="0"/>
@@ -11985,18 +11342,14 @@
             </a:r>
             <a:r>
               <a:rPr lang="en-US" sz="1200" dirty="0"/>
-              <a:t>(5</a:t>
-            </a:r>
-            <a:r>
-              <a:rPr lang="en-US" sz="1200" dirty="0" smtClean="0"/>
-              <a:t>)</a:t>
+              <a:t>(5)</a:t>
             </a:r>
           </a:p>
           <a:p>
             <a:endParaRPr lang="en-US" sz="1200" dirty="0"/>
           </a:p>
           <a:p>
-            <a:endParaRPr lang="en-US" sz="1200" dirty="0" smtClean="0"/>
+            <a:endParaRPr lang="en-US" sz="1200" dirty="0"/>
           </a:p>
           <a:p>
             <a:r>
@@ -12011,10 +11364,6 @@
               <a:rPr lang="en-US" sz="1200" b="1" i="1" dirty="0"/>
               <a:t> object</a:t>
             </a:r>
-            <a:r>
-              <a:rPr lang="en-US" sz="1200" i="1" dirty="0"/>
-              <a:t/>
-            </a:r>
             <a:br>
               <a:rPr lang="en-US" sz="1200" i="1" dirty="0"/>
             </a:br>
@@ -12049,16 +11398,12 @@
             <a:br>
               <a:rPr lang="en-US" sz="1200" dirty="0"/>
             </a:br>
-            <a:endParaRPr lang="en-US" sz="1200" dirty="0" smtClean="0"/>
-          </a:p>
-          <a:p>
             <a:endParaRPr lang="en-US" sz="1200" dirty="0"/>
           </a:p>
           <a:p>
-            <a:r>
-              <a:rPr lang="en-US" sz="1200" dirty="0"/>
-              <a:t/>
-            </a:r>
+            <a:endParaRPr lang="en-US" sz="1200" dirty="0"/>
+          </a:p>
+          <a:p>
             <a:br>
               <a:rPr lang="en-US" sz="1200" dirty="0"/>
             </a:br>
@@ -12074,10 +11419,6 @@
               <a:rPr lang="en-US" sz="1200" b="1" i="1" dirty="0"/>
               <a:t> object</a:t>
             </a:r>
-            <a:r>
-              <a:rPr lang="en-US" sz="1200" i="1" dirty="0"/>
-              <a:t/>
-            </a:r>
             <a:br>
               <a:rPr lang="en-US" sz="1200" i="1" dirty="0"/>
             </a:br>
@@ -12103,14 +11444,10 @@
             </a:r>
             <a:r>
               <a:rPr lang="en-US" sz="1200" b="1" dirty="0"/>
-              <a:t>'Call Dispatch Date Time</a:t>
-            </a:r>
-            <a:r>
-              <a:rPr lang="en-US" sz="1200" b="1" dirty="0" smtClean="0"/>
-              <a:t>'</a:t>
-            </a:r>
-            <a:r>
-              <a:rPr lang="en-US" sz="1200" dirty="0" smtClean="0"/>
+              <a:t>'Call Dispatch Date Time'</a:t>
+            </a:r>
+            <a:r>
+              <a:rPr lang="en-US" sz="1200" dirty="0"/>
               <a:t>])</a:t>
             </a:r>
           </a:p>
@@ -12122,20 +11459,12 @@
               <a:rPr lang="en-US" sz="1200" b="1" dirty="0"/>
               <a:t>#Calculate time between call received and call dispatched, this will be in days</a:t>
             </a:r>
-            <a:r>
+            <a:br>
               <a:rPr lang="en-US" sz="1200" dirty="0"/>
-              <a:t/>
-            </a:r>
-            <a:br>
+            </a:br>
+            <a:r>
               <a:rPr lang="en-US" sz="1200" dirty="0"/>
-            </a:br>
-            <a:r>
-              <a:rPr lang="en-US" sz="1200" dirty="0"/>
-              <a:t>df1['Time to Dispatch'] = (df1['Call Dispatch Date Time'] - df1['Call Received Date Time</a:t>
-            </a:r>
-            <a:r>
-              <a:rPr lang="en-US" sz="1200" dirty="0" smtClean="0"/>
-              <a:t>'])</a:t>
+              <a:t>df1['Time to Dispatch'] = (df1['Call Dispatch Date Time'] - df1['Call Received Date Time'])</a:t>
             </a:r>
           </a:p>
           <a:p>
@@ -12190,10 +11519,6 @@
             <a:br>
               <a:rPr lang="en-US" sz="1200" dirty="0"/>
             </a:br>
-            <a:r>
-              <a:rPr lang="en-US" sz="1200" dirty="0"/>
-              <a:t/>
-            </a:r>
             <a:br>
               <a:rPr lang="en-US" sz="1200" dirty="0"/>
             </a:br>
@@ -12201,10 +11526,6 @@
               <a:rPr lang="en-US" sz="1200" b="1" dirty="0"/>
               <a:t>#Convert the time to dispatch column into hours, sort and save it as a new series</a:t>
             </a:r>
-            <a:r>
-              <a:rPr lang="en-US" sz="1200" dirty="0"/>
-              <a:t/>
-            </a:r>
             <a:br>
               <a:rPr lang="en-US" sz="1200" dirty="0"/>
             </a:br>
@@ -12235,10 +11556,6 @@
             <a:br>
               <a:rPr lang="en-US" sz="1200" dirty="0"/>
             </a:br>
-            <a:r>
-              <a:rPr lang="en-US" sz="1200" dirty="0"/>
-              <a:t/>
-            </a:r>
             <a:br>
               <a:rPr lang="en-US" sz="1200" dirty="0"/>
             </a:br>
@@ -12246,10 +11563,6 @@
               <a:rPr lang="en-US" sz="1200" b="1" dirty="0"/>
               <a:t>#Print the longest 5 dispatch times</a:t>
             </a:r>
-            <a:r>
-              <a:rPr lang="en-US" sz="1200" dirty="0"/>
-              <a:t/>
-            </a:r>
             <a:br>
               <a:rPr lang="en-US" sz="1200" dirty="0"/>
             </a:br>
@@ -12268,10 +11581,6 @@
             <a:br>
               <a:rPr lang="en-US" sz="1200" dirty="0"/>
             </a:br>
-            <a:r>
-              <a:rPr lang="en-US" sz="1200" dirty="0"/>
-              <a:t/>
-            </a:r>
             <a:br>
               <a:rPr lang="en-US" sz="1200" dirty="0"/>
             </a:br>
@@ -12279,10 +11588,6 @@
               <a:rPr lang="en-US" sz="1200" b="1" dirty="0"/>
               <a:t>#Print descriptive statics with the top 10%, 25%, 50% and 80% percentiles</a:t>
             </a:r>
-            <a:r>
-              <a:rPr lang="en-US" sz="1200" dirty="0"/>
-              <a:t/>
-            </a:r>
             <a:br>
               <a:rPr lang="en-US" sz="1200" dirty="0"/>
             </a:br>
@@ -12298,7 +11603,6 @@
               <a:rPr lang="en-US" sz="1200" dirty="0"/>
               <a:t>(percentiles = [.10, .25, .50, .80])</a:t>
             </a:r>
-            <a:endParaRPr lang="en-US" sz="1200" dirty="0" smtClean="0"/>
           </a:p>
           <a:p>
             <a:endParaRPr lang="en-US" sz="1200" dirty="0"/>
@@ -12315,13 +11619,6 @@
   <p:clrMapOvr>
     <a:masterClrMapping/>
   </p:clrMapOvr>
-  <p:timing>
-    <p:tnLst>
-      <p:par>
-        <p:cTn id="1" dur="indefinite" restart="never" nodeType="tmRoot"/>
-      </p:par>
-    </p:tnLst>
-  </p:timing>
 </p:sld>
 </file>
 
@@ -12347,7 +11644,7 @@
           <p:cNvPr id="4" name="TextBox 3">
             <a:extLst>
               <a:ext uri="{FF2B5EF4-FFF2-40B4-BE49-F238E27FC236}">
-                <a16:creationId xmlns="" xmlns:a16="http://schemas.microsoft.com/office/drawing/2014/main" id="{F60DFD09-AC45-4F33-B352-CDAB149F70B8}"/>
+                <a16:creationId xmlns:a16="http://schemas.microsoft.com/office/drawing/2014/main" id="{F60DFD09-AC45-4F33-B352-CDAB149F70B8}"/>
               </a:ext>
             </a:extLst>
           </p:cNvPr>
@@ -12384,7 +11681,7 @@
           <p:cNvPr id="3" name="TextBox 2">
             <a:extLst>
               <a:ext uri="{FF2B5EF4-FFF2-40B4-BE49-F238E27FC236}">
-                <a16:creationId xmlns="" xmlns:a16="http://schemas.microsoft.com/office/drawing/2014/main" id="{8957C43E-E3DC-4876-9C5F-195DD279152E}"/>
+                <a16:creationId xmlns:a16="http://schemas.microsoft.com/office/drawing/2014/main" id="{8957C43E-E3DC-4876-9C5F-195DD279152E}"/>
               </a:ext>
             </a:extLst>
           </p:cNvPr>
@@ -12418,18 +11715,13 @@
           <a:p>
             <a:pPr lvl="0" algn="ctr"/>
             <a:r>
-              <a:rPr lang="en-US" sz="4800" b="1" dirty="0" smtClean="0">
+              <a:rPr lang="en-US" sz="4800" b="1" dirty="0">
                 <a:solidFill>
                   <a:schemeClr val="bg1"/>
                 </a:solidFill>
               </a:rPr>
               <a:t>WEB AUTOMATION FRAMEWORK - SELENIUM</a:t>
             </a:r>
-            <a:endParaRPr lang="en-US" sz="4800" b="1" dirty="0">
-              <a:solidFill>
-                <a:schemeClr val="bg1"/>
-              </a:solidFill>
-            </a:endParaRPr>
           </a:p>
         </p:txBody>
       </p:sp>
@@ -12461,10 +11753,9 @@
           <a:lstStyle/>
           <a:p>
             <a:r>
-              <a:rPr lang="en-US" b="1" dirty="0" smtClean="0"/>
+              <a:rPr lang="en-US" b="1" dirty="0"/>
               <a:t>Selenium :</a:t>
             </a:r>
-            <a:endParaRPr lang="en-US" b="1" dirty="0"/>
           </a:p>
           <a:p>
             <a:endParaRPr lang="en-US" b="1" dirty="0"/>
@@ -12475,7 +11766,7 @@
               <a:buChar char="•"/>
             </a:pPr>
             <a:r>
-              <a:rPr lang="en-US" sz="1400" b="1" dirty="0" smtClean="0"/>
+              <a:rPr lang="en-US" sz="1400" b="1" dirty="0"/>
               <a:t>Selenium is a framework which can be used to automate tasks that require a web browser</a:t>
             </a:r>
           </a:p>
@@ -12485,7 +11776,7 @@
               <a:buChar char="•"/>
             </a:pPr>
             <a:r>
-              <a:rPr lang="en-US" sz="1400" b="1" dirty="0" smtClean="0"/>
+              <a:rPr lang="en-US" sz="1400" b="1" dirty="0"/>
               <a:t>Think accessing information on websites, filling out forms, navigating web pages etc..</a:t>
             </a:r>
           </a:p>
@@ -12495,14 +11786,14 @@
               <a:buChar char="•"/>
             </a:pPr>
             <a:r>
-              <a:rPr lang="en-US" sz="1400" b="1" dirty="0" smtClean="0"/>
+              <a:rPr lang="en-US" sz="1400" b="1" dirty="0"/>
               <a:t>It is widely used for testing web application and for QA </a:t>
             </a:r>
             <a:r>
-              <a:rPr lang="en-US" sz="1400" b="1" dirty="0" err="1" smtClean="0"/>
+              <a:rPr lang="en-US" sz="1400" b="1" dirty="0" err="1"/>
               <a:t>puposes</a:t>
             </a:r>
-            <a:endParaRPr lang="en-US" sz="1400" b="1" dirty="0" smtClean="0"/>
+            <a:endParaRPr lang="en-US" sz="1400" b="1" dirty="0"/>
           </a:p>
           <a:p>
             <a:pPr marL="285750" indent="-285750">
@@ -12510,7 +11801,7 @@
               <a:buChar char="•"/>
             </a:pPr>
             <a:r>
-              <a:rPr lang="en-US" sz="1400" b="1" dirty="0" smtClean="0"/>
+              <a:rPr lang="en-US" sz="1400" b="1" dirty="0"/>
               <a:t>It can also used for scraping information from the web.</a:t>
             </a:r>
           </a:p>
@@ -12520,23 +11811,23 @@
               <a:buChar char="•"/>
             </a:pPr>
             <a:r>
-              <a:rPr lang="en-US" sz="1400" b="1" dirty="0" smtClean="0"/>
+              <a:rPr lang="en-US" sz="1400" b="1" dirty="0"/>
               <a:t>Selenium supports most of the popular browsers </a:t>
             </a:r>
             <a:r>
-              <a:rPr lang="en-US" sz="1400" b="1" dirty="0" err="1" smtClean="0"/>
+              <a:rPr lang="en-US" sz="1400" b="1" dirty="0" err="1"/>
               <a:t>eg</a:t>
             </a:r>
             <a:r>
-              <a:rPr lang="en-US" sz="1400" b="1" dirty="0" smtClean="0"/>
+              <a:rPr lang="en-US" sz="1400" b="1" dirty="0"/>
               <a:t> : Chrome, Firefox </a:t>
             </a:r>
             <a:r>
-              <a:rPr lang="en-US" sz="1400" b="1" dirty="0" err="1" smtClean="0"/>
+              <a:rPr lang="en-US" sz="1400" b="1" dirty="0" err="1"/>
               <a:t>etc</a:t>
             </a:r>
             <a:r>
-              <a:rPr lang="is-IS" sz="1400" b="1" dirty="0" smtClean="0"/>
+              <a:rPr lang="is-IS" sz="1400" b="1" dirty="0"/>
               <a:t>…</a:t>
             </a:r>
           </a:p>
@@ -12546,7 +11837,7 @@
               <a:buChar char="•"/>
             </a:pPr>
             <a:r>
-              <a:rPr lang="is-IS" sz="1400" b="1" dirty="0" smtClean="0"/>
+              <a:rPr lang="is-IS" sz="1400" b="1" dirty="0"/>
               <a:t>Selenium provides an ide which can be installed as a plugin on the browser. It can be used to generate selenium scripts</a:t>
             </a:r>
           </a:p>
@@ -12556,7 +11847,7 @@
               <a:buChar char="•"/>
             </a:pPr>
             <a:r>
-              <a:rPr lang="is-IS" sz="1400" b="1" dirty="0" smtClean="0"/>
+              <a:rPr lang="is-IS" sz="1400" b="1" dirty="0"/>
               <a:t>Selenium also provides API or a framework in multiple languages including Python, Java, C#, R etc..</a:t>
             </a:r>
           </a:p>
@@ -12566,7 +11857,7 @@
               <a:buChar char="•"/>
             </a:pPr>
             <a:r>
-              <a:rPr lang="is-IS" sz="1400" b="1" dirty="0" smtClean="0"/>
+              <a:rPr lang="is-IS" sz="1400" b="1" dirty="0"/>
               <a:t>The Selenium API can be used to programatically control browsers</a:t>
             </a:r>
             <a:endParaRPr lang="en-US" sz="1400" b="1" dirty="0"/>
@@ -12578,7 +11869,7 @@
           <p:cNvPr id="8" name="Slide Number Placeholder 7">
             <a:extLst>
               <a:ext uri="{FF2B5EF4-FFF2-40B4-BE49-F238E27FC236}">
-                <a16:creationId xmlns="" xmlns:a16="http://schemas.microsoft.com/office/drawing/2014/main" id="{9D40CF21-C5F8-459C-8C61-CF7062621A18}"/>
+                <a16:creationId xmlns:a16="http://schemas.microsoft.com/office/drawing/2014/main" id="{9D40CF21-C5F8-459C-8C61-CF7062621A18}"/>
               </a:ext>
             </a:extLst>
           </p:cNvPr>
@@ -12611,7 +11902,7 @@
         <p:spPr>
           <a:xfrm>
             <a:off x="4970716" y="1425414"/>
-            <a:ext cx="6530722" cy="2800767"/>
+            <a:ext cx="6530722" cy="1723549"/>
           </a:xfrm>
           <a:prstGeom prst="rect">
             <a:avLst/>
@@ -12630,10 +11921,9 @@
           <a:lstStyle/>
           <a:p>
             <a:r>
-              <a:rPr lang="en-US" b="1" dirty="0" smtClean="0"/>
+              <a:rPr lang="en-US" b="1" dirty="0"/>
               <a:t>Web Drivers:</a:t>
             </a:r>
-            <a:endParaRPr lang="en-US" b="1" dirty="0"/>
           </a:p>
           <a:p>
             <a:endParaRPr lang="en-US" b="1" dirty="0"/>
@@ -12644,11 +11934,11 @@
               <a:buChar char="•"/>
             </a:pPr>
             <a:r>
-              <a:rPr lang="en-US" sz="1400" b="1" dirty="0" err="1" smtClean="0"/>
+              <a:rPr lang="en-US" sz="1400" b="1" dirty="0" err="1"/>
               <a:t>Webdriver</a:t>
             </a:r>
             <a:r>
-              <a:rPr lang="en-US" sz="1400" b="1" dirty="0" smtClean="0"/>
+              <a:rPr lang="en-US" sz="1400" b="1" dirty="0"/>
               <a:t> is an API or framework which is used to driver browsers programmatically just like a real user</a:t>
             </a:r>
           </a:p>
@@ -12658,14 +11948,14 @@
               <a:buChar char="•"/>
             </a:pPr>
             <a:r>
-              <a:rPr lang="en-US" sz="1400" b="1" dirty="0" smtClean="0"/>
+              <a:rPr lang="en-US" sz="1400" b="1" dirty="0"/>
               <a:t>Different browser vendors support their </a:t>
             </a:r>
             <a:r>
-              <a:rPr lang="en-US" sz="1400" b="1" dirty="0" err="1" smtClean="0"/>
+              <a:rPr lang="en-US" sz="1400" b="1" dirty="0" err="1"/>
               <a:t>webdrivers</a:t>
             </a:r>
-            <a:endParaRPr lang="en-US" sz="1400" b="1" dirty="0" smtClean="0"/>
+            <a:endParaRPr lang="en-US" sz="1400" b="1" dirty="0"/>
           </a:p>
           <a:p>
             <a:pPr marL="285750" indent="-285750">
@@ -12673,64 +11963,9 @@
               <a:buChar char="•"/>
             </a:pPr>
             <a:r>
-              <a:rPr lang="en-US" sz="1400" b="1" dirty="0" smtClean="0"/>
+              <a:rPr lang="en-US" sz="1400" b="1" dirty="0"/>
               <a:t>Example : Google provides the chrome driver which can be used to drive the google chrome browser</a:t>
             </a:r>
-          </a:p>
-          <a:p>
-            <a:pPr marL="285750" indent="-285750">
-              <a:buFont typeface="Arial" panose="020B0604020202020204" pitchFamily="34" charset="0"/>
-              <a:buChar char="•"/>
-            </a:pPr>
-            <a:r>
-              <a:rPr lang="en-US" sz="1400" b="1" dirty="0"/>
-              <a:t>Download chrome driver for your OS from here :</a:t>
-            </a:r>
-            <a:br>
-              <a:rPr lang="en-US" sz="1400" b="1" dirty="0"/>
-            </a:br>
-            <a:r>
-              <a:rPr lang="en-US" sz="1400" b="1" dirty="0">
-                <a:hlinkClick r:id="rId2"/>
-              </a:rPr>
-              <a:t>https://chromedriver.storage.googleapis.com/index.html?path=2.32/</a:t>
-            </a:r>
-            <a:endParaRPr lang="en-US" sz="1400" b="1" dirty="0"/>
-          </a:p>
-          <a:p>
-            <a:pPr marL="285750" indent="-285750">
-              <a:buFont typeface="Arial" panose="020B0604020202020204" pitchFamily="34" charset="0"/>
-              <a:buChar char="•"/>
-            </a:pPr>
-            <a:r>
-              <a:rPr lang="en-US" sz="1400" b="1" dirty="0" smtClean="0"/>
-              <a:t>Unzip the zip to extract the </a:t>
-            </a:r>
-            <a:r>
-              <a:rPr lang="en-US" sz="1400" b="1" dirty="0" err="1" smtClean="0"/>
-              <a:t>chromedriver.exe</a:t>
-            </a:r>
-            <a:r>
-              <a:rPr lang="en-US" sz="1400" b="1" dirty="0" smtClean="0"/>
-              <a:t> file</a:t>
-            </a:r>
-          </a:p>
-          <a:p>
-            <a:pPr marL="285750" indent="-285750">
-              <a:buFont typeface="Arial" panose="020B0604020202020204" pitchFamily="34" charset="0"/>
-              <a:buChar char="•"/>
-            </a:pPr>
-            <a:r>
-              <a:rPr lang="en-US" sz="1400" b="1" dirty="0" smtClean="0"/>
-              <a:t>This will be the driver</a:t>
-            </a:r>
-          </a:p>
-          <a:p>
-            <a:pPr marL="285750" indent="-285750">
-              <a:buFont typeface="Arial" panose="020B0604020202020204" pitchFamily="34" charset="0"/>
-              <a:buChar char="•"/>
-            </a:pPr>
-            <a:endParaRPr lang="en-US" sz="1400" b="1" dirty="0" smtClean="0"/>
           </a:p>
         </p:txBody>
       </p:sp>
@@ -12762,10 +11997,9 @@
           <a:lstStyle/>
           <a:p>
             <a:r>
-              <a:rPr lang="en-US" b="1" dirty="0" smtClean="0"/>
+              <a:rPr lang="en-US" b="1" dirty="0"/>
               <a:t>Install Chrome Driver :</a:t>
             </a:r>
-            <a:endParaRPr lang="en-US" b="1" dirty="0"/>
           </a:p>
           <a:p>
             <a:endParaRPr lang="en-US" b="1" dirty="0"/>
@@ -12776,12 +12010,8 @@
               <a:buChar char="•"/>
             </a:pPr>
             <a:r>
-              <a:rPr lang="en-US" sz="1400" b="1" dirty="0" smtClean="0"/>
-              <a:t>Download </a:t>
-            </a:r>
-            <a:r>
               <a:rPr lang="en-US" sz="1400" b="1" dirty="0"/>
-              <a:t>chrome driver for your OS from here :</a:t>
+              <a:t>Download chrome driver for your OS from here :</a:t>
             </a:r>
             <a:br>
               <a:rPr lang="en-US" sz="1400" b="1" dirty="0"/>
@@ -12800,15 +12030,15 @@
               <a:buChar char="•"/>
             </a:pPr>
             <a:r>
-              <a:rPr lang="en-US" sz="1400" b="1" dirty="0" smtClean="0"/>
+              <a:rPr lang="en-US" sz="1400" b="1" dirty="0"/>
               <a:t>Unzip the zip to extract the </a:t>
             </a:r>
             <a:r>
-              <a:rPr lang="en-US" sz="1400" b="1" dirty="0" err="1" smtClean="0"/>
+              <a:rPr lang="en-US" sz="1400" b="1" dirty="0" err="1"/>
               <a:t>chromedriver.exe</a:t>
             </a:r>
             <a:r>
-              <a:rPr lang="en-US" sz="1400" b="1" dirty="0" smtClean="0"/>
+              <a:rPr lang="en-US" sz="1400" b="1" dirty="0"/>
               <a:t> file</a:t>
             </a:r>
           </a:p>
@@ -12818,7 +12048,7 @@
               <a:buChar char="•"/>
             </a:pPr>
             <a:r>
-              <a:rPr lang="en-US" sz="1400" b="1" dirty="0" smtClean="0"/>
+              <a:rPr lang="en-US" sz="1400" b="1" dirty="0"/>
               <a:t>This will be the driver</a:t>
             </a:r>
           </a:p>
@@ -12827,7 +12057,7 @@
               <a:buFont typeface="Arial" panose="020B0604020202020204" pitchFamily="34" charset="0"/>
               <a:buChar char="•"/>
             </a:pPr>
-            <a:endParaRPr lang="en-US" sz="1400" b="1" dirty="0" smtClean="0"/>
+            <a:endParaRPr lang="en-US" sz="1400" b="1" dirty="0"/>
           </a:p>
         </p:txBody>
       </p:sp>
@@ -12868,6 +12098,70 @@
           </a:p>
         </p:txBody>
       </p:sp>
+      <p:sp>
+        <p:nvSpPr>
+          <p:cNvPr id="9" name="TextBox 8">
+            <a:extLst>
+              <a:ext uri="{FF2B5EF4-FFF2-40B4-BE49-F238E27FC236}">
+                <a16:creationId xmlns:a16="http://schemas.microsoft.com/office/drawing/2014/main" id="{310DBE8A-4074-4537-B2BC-E082EF9DCC05}"/>
+              </a:ext>
+            </a:extLst>
+          </p:cNvPr>
+          <p:cNvSpPr txBox="1"/>
+          <p:nvPr/>
+        </p:nvSpPr>
+        <p:spPr>
+          <a:xfrm>
+            <a:off x="4970716" y="3200666"/>
+            <a:ext cx="6656602" cy="1015663"/>
+          </a:xfrm>
+          <a:prstGeom prst="rect">
+            <a:avLst/>
+          </a:prstGeom>
+          <a:noFill/>
+          <a:ln>
+            <a:solidFill>
+              <a:schemeClr val="tx1"/>
+            </a:solidFill>
+          </a:ln>
+        </p:spPr>
+        <p:txBody>
+          <a:bodyPr wrap="square" rtlCol="0">
+            <a:spAutoFit/>
+          </a:bodyPr>
+          <a:lstStyle/>
+          <a:p>
+            <a:r>
+              <a:rPr lang="en-US" b="1" dirty="0"/>
+              <a:t>Install Selenium :</a:t>
+            </a:r>
+            <a:br>
+              <a:rPr lang="en-US" b="1" dirty="0"/>
+            </a:br>
+            <a:endParaRPr lang="en-US" b="1" dirty="0"/>
+          </a:p>
+          <a:p>
+            <a:r>
+              <a:rPr lang="en-US" sz="1200" b="1" dirty="0"/>
+              <a:t>Selenium can be installed from </a:t>
+            </a:r>
+            <a:r>
+              <a:rPr lang="en-US" sz="1200" b="1" dirty="0" err="1"/>
+              <a:t>pypi</a:t>
+            </a:r>
+            <a:r>
+              <a:rPr lang="en-US" sz="1200" b="1" dirty="0"/>
+              <a:t> using pip. Run the following command in the command prompt: </a:t>
+            </a:r>
+          </a:p>
+          <a:p>
+            <a:r>
+              <a:rPr lang="en-US" sz="1200" b="1" i="1" dirty="0"/>
+              <a:t>pip install selenium</a:t>
+            </a:r>
+          </a:p>
+        </p:txBody>
+      </p:sp>
     </p:spTree>
     <p:extLst>
       <p:ext uri="{BB962C8B-B14F-4D97-AF65-F5344CB8AC3E}">
@@ -12878,13 +12172,6 @@
   <p:clrMapOvr>
     <a:masterClrMapping/>
   </p:clrMapOvr>
-  <p:timing>
-    <p:tnLst>
-      <p:par>
-        <p:cTn id="1" dur="indefinite" restart="never" nodeType="tmRoot"/>
-      </p:par>
-    </p:tnLst>
-  </p:timing>
 </p:sld>
 </file>
 
@@ -12910,7 +12197,7 @@
           <p:cNvPr id="4" name="TextBox 3">
             <a:extLst>
               <a:ext uri="{FF2B5EF4-FFF2-40B4-BE49-F238E27FC236}">
-                <a16:creationId xmlns="" xmlns:a16="http://schemas.microsoft.com/office/drawing/2014/main" id="{F60DFD09-AC45-4F33-B352-CDAB149F70B8}"/>
+                <a16:creationId xmlns:a16="http://schemas.microsoft.com/office/drawing/2014/main" id="{F60DFD09-AC45-4F33-B352-CDAB149F70B8}"/>
               </a:ext>
             </a:extLst>
           </p:cNvPr>
@@ -12947,7 +12234,7 @@
           <p:cNvPr id="3" name="TextBox 2">
             <a:extLst>
               <a:ext uri="{FF2B5EF4-FFF2-40B4-BE49-F238E27FC236}">
-                <a16:creationId xmlns="" xmlns:a16="http://schemas.microsoft.com/office/drawing/2014/main" id="{8957C43E-E3DC-4876-9C5F-195DD279152E}"/>
+                <a16:creationId xmlns:a16="http://schemas.microsoft.com/office/drawing/2014/main" id="{8957C43E-E3DC-4876-9C5F-195DD279152E}"/>
               </a:ext>
             </a:extLst>
           </p:cNvPr>
@@ -12981,18 +12268,13 @@
           <a:p>
             <a:pPr lvl="0" algn="ctr"/>
             <a:r>
-              <a:rPr lang="en-US" sz="4800" b="1" dirty="0" smtClean="0">
+              <a:rPr lang="en-US" sz="4800" b="1" dirty="0">
                 <a:solidFill>
                   <a:schemeClr val="bg1"/>
                 </a:solidFill>
               </a:rPr>
               <a:t>WEB AUTOMATION FRAMEWORK - SELENIUM</a:t>
             </a:r>
-            <a:endParaRPr lang="en-US" sz="4800" b="1" dirty="0">
-              <a:solidFill>
-                <a:schemeClr val="bg1"/>
-              </a:solidFill>
-            </a:endParaRPr>
           </a:p>
         </p:txBody>
       </p:sp>
@@ -13024,24 +12306,24 @@
           <a:lstStyle/>
           <a:p>
             <a:r>
-              <a:rPr lang="en-US" b="1" dirty="0" smtClean="0"/>
+              <a:rPr lang="en-US" b="1" dirty="0"/>
               <a:t>Basic Example :</a:t>
             </a:r>
           </a:p>
           <a:p>
-            <a:endParaRPr lang="en-US" b="1" dirty="0" smtClean="0"/>
-          </a:p>
-          <a:p>
-            <a:r>
-              <a:rPr lang="en-US" sz="1200" b="1" dirty="0" smtClean="0"/>
+            <a:endParaRPr lang="en-US" b="1" dirty="0"/>
+          </a:p>
+          <a:p>
+            <a:r>
+              <a:rPr lang="en-US" sz="1200" b="1" dirty="0"/>
               <a:t>#Running this example will open a new chrome window, go to </a:t>
             </a:r>
             <a:r>
-              <a:rPr lang="en-US" sz="1200" b="1" dirty="0" err="1" smtClean="0"/>
+              <a:rPr lang="en-US" sz="1200" b="1" dirty="0" err="1"/>
               <a:t>expedia.com</a:t>
             </a:r>
             <a:r>
-              <a:rPr lang="en-US" sz="1200" b="1" dirty="0" smtClean="0"/>
+              <a:rPr lang="en-US" sz="1200" b="1" dirty="0"/>
               <a:t>/hotels and enter Dallas in the destination field</a:t>
             </a:r>
           </a:p>
@@ -13054,10 +12336,6 @@
               <a:rPr lang="en-US" sz="1400" b="1" dirty="0" err="1"/>
               <a:t>webdriver</a:t>
             </a:r>
-            <a:r>
-              <a:rPr lang="en-US" sz="1400" dirty="0"/>
-              <a:t/>
-            </a:r>
             <a:br>
               <a:rPr lang="en-US" sz="1400" dirty="0"/>
             </a:br>
@@ -13069,17 +12347,9 @@
               <a:rPr lang="en-US" sz="1400" dirty="0" err="1"/>
               <a:t>webdriver</a:t>
             </a:r>
-            <a:r>
-              <a:rPr lang="en-US" sz="1400" dirty="0"/>
-              <a:t/>
-            </a:r>
-            <a:br>
-              <a:rPr lang="en-US" sz="1400" dirty="0"/>
-            </a:br>
-            <a:r>
-              <a:rPr lang="en-US" sz="1400" dirty="0"/>
-              <a:t/>
-            </a:r>
+            <a:br>
+              <a:rPr lang="en-US" sz="1400" dirty="0"/>
+            </a:br>
             <a:br>
               <a:rPr lang="en-US" sz="1400" dirty="0"/>
             </a:br>
@@ -13091,10 +12361,6 @@
               <a:rPr lang="en-US" sz="1400" b="1" dirty="0" err="1"/>
               <a:t>chromedriver</a:t>
             </a:r>
-            <a:r>
-              <a:rPr lang="en-US" sz="1400" dirty="0"/>
-              <a:t/>
-            </a:r>
             <a:br>
               <a:rPr lang="en-US" sz="1400" dirty="0"/>
             </a:br>
@@ -13117,10 +12383,6 @@
             <a:br>
               <a:rPr lang="en-US" sz="1400" dirty="0"/>
             </a:br>
-            <a:r>
-              <a:rPr lang="en-US" sz="1400" dirty="0"/>
-              <a:t/>
-            </a:r>
             <a:br>
               <a:rPr lang="en-US" sz="1400" dirty="0"/>
             </a:br>
@@ -13136,10 +12398,6 @@
               <a:rPr lang="en-US" sz="1400" b="1" dirty="0"/>
               <a:t> and call it browser</a:t>
             </a:r>
-            <a:r>
-              <a:rPr lang="en-US" sz="1400" dirty="0"/>
-              <a:t/>
-            </a:r>
             <a:br>
               <a:rPr lang="en-US" sz="1400" dirty="0"/>
             </a:br>
@@ -13174,24 +12432,12 @@
             <a:br>
               <a:rPr lang="en-US" sz="1400" dirty="0"/>
             </a:br>
-            <a:r>
-              <a:rPr lang="en-US" sz="1400" dirty="0"/>
-              <a:t/>
-            </a:r>
             <a:br>
               <a:rPr lang="en-US" sz="1400" dirty="0"/>
             </a:br>
             <a:r>
               <a:rPr lang="en-US" sz="1400" b="1" dirty="0"/>
-              <a:t>#URL that will be </a:t>
-            </a:r>
-            <a:r>
-              <a:rPr lang="en-US" sz="1400" b="1" dirty="0" smtClean="0"/>
-              <a:t>opened</a:t>
-            </a:r>
-            <a:r>
-              <a:rPr lang="en-US" sz="1400" dirty="0"/>
-              <a:t/>
+              <a:t>#URL that will be opened</a:t>
             </a:r>
             <a:br>
               <a:rPr lang="en-US" sz="1400" dirty="0"/>
@@ -13215,10 +12461,6 @@
             <a:br>
               <a:rPr lang="en-US" sz="1400" dirty="0"/>
             </a:br>
-            <a:r>
-              <a:rPr lang="en-US" sz="1400" dirty="0"/>
-              <a:t/>
-            </a:r>
             <a:br>
               <a:rPr lang="en-US" sz="1400" dirty="0"/>
             </a:br>
@@ -13226,10 +12468,6 @@
               <a:rPr lang="en-US" sz="1400" b="1" dirty="0"/>
               <a:t>#Open the URL</a:t>
             </a:r>
-            <a:r>
-              <a:rPr lang="en-US" sz="1400" dirty="0"/>
-              <a:t/>
-            </a:r>
             <a:br>
               <a:rPr lang="en-US" sz="1400" dirty="0"/>
             </a:br>
@@ -13246,7 +12484,7 @@
               <a:t>url</a:t>
             </a:r>
             <a:r>
-              <a:rPr lang="en-US" sz="1400" dirty="0" smtClean="0"/>
+              <a:rPr lang="en-US" sz="1400" dirty="0"/>
               <a:t>)</a:t>
             </a:r>
           </a:p>
@@ -13258,10 +12496,6 @@
               <a:rPr lang="en-US" sz="1400" b="1" dirty="0"/>
               <a:t>#Find the destination element's XPATH</a:t>
             </a:r>
-            <a:r>
-              <a:rPr lang="en-US" sz="1400" dirty="0"/>
-              <a:t/>
-            </a:r>
             <a:br>
               <a:rPr lang="en-US" sz="1400" dirty="0"/>
             </a:br>
@@ -13288,10 +12522,6 @@
             <a:br>
               <a:rPr lang="en-US" sz="1400" dirty="0"/>
             </a:br>
-            <a:r>
-              <a:rPr lang="en-US" sz="1400" dirty="0"/>
-              <a:t/>
-            </a:r>
             <a:br>
               <a:rPr lang="en-US" sz="1400" dirty="0"/>
             </a:br>
@@ -13299,10 +12529,6 @@
               <a:rPr lang="en-US" sz="1400" b="1" dirty="0"/>
               <a:t>#Enter Dallas in the destination field</a:t>
             </a:r>
-            <a:r>
-              <a:rPr lang="en-US" sz="1400" dirty="0"/>
-              <a:t/>
-            </a:r>
             <a:br>
               <a:rPr lang="en-US" sz="1400" dirty="0"/>
             </a:br>
@@ -13314,7 +12540,6 @@
               <a:rPr lang="en-US" sz="1400" dirty="0"/>
               <a:t>('Dallas')</a:t>
             </a:r>
-            <a:endParaRPr lang="en-US" sz="1400" dirty="0" smtClean="0"/>
           </a:p>
         </p:txBody>
       </p:sp>
@@ -13323,7 +12548,7 @@
           <p:cNvPr id="8" name="Slide Number Placeholder 7">
             <a:extLst>
               <a:ext uri="{FF2B5EF4-FFF2-40B4-BE49-F238E27FC236}">
-                <a16:creationId xmlns="" xmlns:a16="http://schemas.microsoft.com/office/drawing/2014/main" id="{9D40CF21-C5F8-459C-8C61-CF7062621A18}"/>
+                <a16:creationId xmlns:a16="http://schemas.microsoft.com/office/drawing/2014/main" id="{9D40CF21-C5F8-459C-8C61-CF7062621A18}"/>
               </a:ext>
             </a:extLst>
           </p:cNvPr>
@@ -13375,7 +12600,7 @@
           <a:lstStyle/>
           <a:p>
             <a:r>
-              <a:rPr lang="en-US" b="1" dirty="0" smtClean="0"/>
+              <a:rPr lang="en-US" b="1" dirty="0"/>
               <a:t>Common WebDriver Methods :</a:t>
             </a:r>
           </a:p>
@@ -13384,87 +12609,87 @@
           </a:p>
           <a:p>
             <a:r>
-              <a:rPr lang="en-US" sz="1600" b="1" dirty="0" err="1" smtClean="0"/>
+              <a:rPr lang="en-US" sz="1600" b="1" dirty="0" err="1"/>
               <a:t>find_element_by_name</a:t>
             </a:r>
             <a:r>
-              <a:rPr lang="en-US" sz="1600" b="1" dirty="0" smtClean="0"/>
+              <a:rPr lang="en-US" sz="1600" b="1" dirty="0"/>
               <a:t>(</a:t>
             </a:r>
             <a:r>
-              <a:rPr lang="en-US" sz="1600" b="1" dirty="0" err="1" smtClean="0"/>
+              <a:rPr lang="en-US" sz="1600" b="1" dirty="0" err="1"/>
               <a:t>var</a:t>
             </a:r>
             <a:r>
-              <a:rPr lang="en-US" sz="1600" b="1" dirty="0" smtClean="0"/>
+              <a:rPr lang="en-US" sz="1600" b="1" dirty="0"/>
               <a:t>)</a:t>
             </a:r>
             <a:r>
-              <a:rPr lang="en-US" sz="1600" dirty="0" smtClean="0"/>
+              <a:rPr lang="en-US" sz="1600" dirty="0"/>
               <a:t> – Find the HTML element with the attribute name is </a:t>
             </a:r>
             <a:r>
-              <a:rPr lang="en-US" sz="1600" dirty="0" err="1" smtClean="0"/>
+              <a:rPr lang="en-US" sz="1600" dirty="0" err="1"/>
               <a:t>var</a:t>
             </a:r>
-            <a:endParaRPr lang="en-US" sz="1600" dirty="0" smtClean="0"/>
-          </a:p>
-          <a:p>
-            <a:endParaRPr lang="en-US" sz="1600" dirty="0" smtClean="0"/>
-          </a:p>
-          <a:p>
-            <a:r>
-              <a:rPr lang="en-US" sz="1600" b="1" dirty="0" err="1" smtClean="0"/>
+            <a:endParaRPr lang="en-US" sz="1600" dirty="0"/>
+          </a:p>
+          <a:p>
+            <a:endParaRPr lang="en-US" sz="1600" dirty="0"/>
+          </a:p>
+          <a:p>
+            <a:r>
+              <a:rPr lang="en-US" sz="1600" b="1" dirty="0" err="1"/>
               <a:t>find_element_by_xpath</a:t>
             </a:r>
             <a:r>
-              <a:rPr lang="en-US" sz="1600" b="1" dirty="0" smtClean="0"/>
+              <a:rPr lang="en-US" sz="1600" b="1" dirty="0"/>
               <a:t>(</a:t>
             </a:r>
             <a:r>
-              <a:rPr lang="en-US" sz="1600" b="1" dirty="0" err="1" smtClean="0"/>
+              <a:rPr lang="en-US" sz="1600" b="1" dirty="0" err="1"/>
               <a:t>xpath</a:t>
             </a:r>
             <a:r>
-              <a:rPr lang="en-US" sz="1600" b="1" dirty="0" smtClean="0"/>
+              <a:rPr lang="en-US" sz="1600" b="1" dirty="0"/>
               <a:t>) </a:t>
             </a:r>
             <a:r>
-              <a:rPr lang="en-US" sz="1600" dirty="0" smtClean="0"/>
+              <a:rPr lang="en-US" sz="1600" dirty="0"/>
               <a:t>– Find the element which matches the given </a:t>
             </a:r>
             <a:r>
-              <a:rPr lang="en-US" sz="1600" dirty="0" err="1" smtClean="0"/>
+              <a:rPr lang="en-US" sz="1600" dirty="0" err="1"/>
               <a:t>xpath</a:t>
             </a:r>
-            <a:endParaRPr lang="en-US" sz="1600" dirty="0" smtClean="0"/>
-          </a:p>
-          <a:p>
             <a:endParaRPr lang="en-US" sz="1600" dirty="0"/>
           </a:p>
           <a:p>
-            <a:r>
-              <a:rPr lang="en-US" sz="1600" b="1" dirty="0" err="1" smtClean="0"/>
+            <a:endParaRPr lang="en-US" sz="1600" dirty="0"/>
+          </a:p>
+          <a:p>
+            <a:r>
+              <a:rPr lang="en-US" sz="1600" b="1" dirty="0" err="1"/>
               <a:t>Send_keys</a:t>
             </a:r>
             <a:r>
-              <a:rPr lang="en-US" sz="1600" b="1" dirty="0" smtClean="0"/>
+              <a:rPr lang="en-US" sz="1600" b="1" dirty="0"/>
               <a:t>(</a:t>
             </a:r>
             <a:r>
-              <a:rPr lang="en-US" sz="1600" b="1" dirty="0" err="1" smtClean="0"/>
+              <a:rPr lang="en-US" sz="1600" b="1" dirty="0" err="1"/>
               <a:t>var</a:t>
             </a:r>
             <a:r>
-              <a:rPr lang="en-US" sz="1600" dirty="0" smtClean="0"/>
+              <a:rPr lang="en-US" sz="1600" dirty="0"/>
               <a:t>) – Enter </a:t>
             </a:r>
             <a:r>
-              <a:rPr lang="en-US" sz="1600" dirty="0" err="1" smtClean="0"/>
+              <a:rPr lang="en-US" sz="1600" dirty="0" err="1"/>
               <a:t>var</a:t>
             </a:r>
             <a:r>
-              <a:rPr lang="en-US" sz="1600" dirty="0" smtClean="0"/>
+              <a:rPr lang="en-US" sz="1600" dirty="0"/>
               <a:t> in the selected field</a:t>
             </a:r>
           </a:p>
@@ -13473,14 +12698,13 @@
           </a:p>
           <a:p>
             <a:r>
-              <a:rPr lang="en-US" sz="1600" b="1" dirty="0" smtClean="0"/>
+              <a:rPr lang="en-US" sz="1600" b="1" dirty="0"/>
               <a:t>Click() </a:t>
             </a:r>
             <a:r>
-              <a:rPr lang="en-US" sz="1600" dirty="0" smtClean="0"/>
+              <a:rPr lang="en-US" sz="1600" dirty="0"/>
               <a:t>– Click the selected element</a:t>
             </a:r>
-            <a:endParaRPr lang="en-US" sz="1600" dirty="0"/>
           </a:p>
         </p:txBody>
       </p:sp>
@@ -13512,7 +12736,7 @@
           <a:lstStyle/>
           <a:p>
             <a:r>
-              <a:rPr lang="en-US" b="1" dirty="0" smtClean="0"/>
+              <a:rPr lang="en-US" b="1" dirty="0"/>
               <a:t>Sample HTML:</a:t>
             </a:r>
           </a:p>
@@ -13565,7 +12789,7 @@
               <a:t>loginForm</a:t>
             </a:r>
             <a:r>
-              <a:rPr lang="en-US" sz="1400" dirty="0" smtClean="0">
+              <a:rPr lang="en-US" sz="1400" dirty="0">
                 <a:solidFill>
                   <a:srgbClr val="4070A0"/>
                 </a:solidFill>
@@ -13573,7 +12797,7 @@
               <a:t>"</a:t>
             </a:r>
             <a:r>
-              <a:rPr lang="en-US" sz="1400" dirty="0" smtClean="0">
+              <a:rPr lang="en-US" sz="1400" dirty="0">
                 <a:solidFill>
                   <a:srgbClr val="666666"/>
                 </a:solidFill>
@@ -13583,7 +12807,7 @@
           </a:p>
           <a:p>
             <a:r>
-              <a:rPr lang="en-US" sz="1400" dirty="0" smtClean="0"/>
+              <a:rPr lang="en-US" sz="1400" dirty="0"/>
               <a:t> </a:t>
             </a:r>
             <a:r>
@@ -13655,7 +12879,7 @@
               <a:t> </a:t>
             </a:r>
             <a:r>
-              <a:rPr lang="en-US" sz="1400" dirty="0" smtClean="0">
+              <a:rPr lang="en-US" sz="1400" dirty="0">
                 <a:solidFill>
                   <a:srgbClr val="666666"/>
                 </a:solidFill>
@@ -13665,7 +12889,7 @@
           </a:p>
           <a:p>
             <a:r>
-              <a:rPr lang="en-US" sz="1400" dirty="0" smtClean="0"/>
+              <a:rPr lang="en-US" sz="1400" dirty="0"/>
               <a:t> </a:t>
             </a:r>
             <a:r>
@@ -13748,11 +12972,10 @@
               <a:rPr lang="en-US" sz="1400" dirty="0"/>
               <a:t> </a:t>
             </a:r>
-            <a:endParaRPr lang="en-US" sz="1400" dirty="0" smtClean="0"/>
-          </a:p>
-          <a:p>
-            <a:r>
-              <a:rPr lang="en-US" sz="1400" dirty="0" smtClean="0">
+          </a:p>
+          <a:p>
+            <a:r>
+              <a:rPr lang="en-US" sz="1400" dirty="0">
                 <a:solidFill>
                   <a:srgbClr val="666666"/>
                 </a:solidFill>
@@ -13851,11 +13074,10 @@
               <a:rPr lang="en-US" sz="1400" dirty="0"/>
               <a:t> </a:t>
             </a:r>
-            <a:endParaRPr lang="en-US" sz="1400" dirty="0" smtClean="0"/>
-          </a:p>
-          <a:p>
-            <a:r>
-              <a:rPr lang="en-US" sz="1400" dirty="0" smtClean="0">
+          </a:p>
+          <a:p>
+            <a:r>
+              <a:rPr lang="en-US" sz="1400" dirty="0">
                 <a:solidFill>
                   <a:srgbClr val="666666"/>
                 </a:solidFill>
@@ -13954,11 +13176,10 @@
               <a:rPr lang="en-US" sz="1400" dirty="0"/>
               <a:t> </a:t>
             </a:r>
-            <a:endParaRPr lang="en-US" sz="1400" dirty="0" smtClean="0"/>
-          </a:p>
-          <a:p>
-            <a:r>
-              <a:rPr lang="en-US" sz="1400" dirty="0" smtClean="0">
+          </a:p>
+          <a:p>
+            <a:r>
+              <a:rPr lang="en-US" sz="1400" dirty="0">
                 <a:solidFill>
                   <a:srgbClr val="666666"/>
                 </a:solidFill>
@@ -13991,13 +13212,6 @@
   <p:clrMapOvr>
     <a:masterClrMapping/>
   </p:clrMapOvr>
-  <p:timing>
-    <p:tnLst>
-      <p:par>
-        <p:cTn id="1" dur="indefinite" restart="never" nodeType="tmRoot"/>
-      </p:par>
-    </p:tnLst>
-  </p:timing>
 </p:sld>
 </file>
 
@@ -14023,7 +13237,7 @@
           <p:cNvPr id="4" name="TextBox 3">
             <a:extLst>
               <a:ext uri="{FF2B5EF4-FFF2-40B4-BE49-F238E27FC236}">
-                <a16:creationId xmlns="" xmlns:a16="http://schemas.microsoft.com/office/drawing/2014/main" id="{F60DFD09-AC45-4F33-B352-CDAB149F70B8}"/>
+                <a16:creationId xmlns:a16="http://schemas.microsoft.com/office/drawing/2014/main" id="{F60DFD09-AC45-4F33-B352-CDAB149F70B8}"/>
               </a:ext>
             </a:extLst>
           </p:cNvPr>
@@ -14060,7 +13274,7 @@
           <p:cNvPr id="3" name="TextBox 2">
             <a:extLst>
               <a:ext uri="{FF2B5EF4-FFF2-40B4-BE49-F238E27FC236}">
-                <a16:creationId xmlns="" xmlns:a16="http://schemas.microsoft.com/office/drawing/2014/main" id="{8957C43E-E3DC-4876-9C5F-195DD279152E}"/>
+                <a16:creationId xmlns:a16="http://schemas.microsoft.com/office/drawing/2014/main" id="{8957C43E-E3DC-4876-9C5F-195DD279152E}"/>
               </a:ext>
             </a:extLst>
           </p:cNvPr>
@@ -14094,7 +13308,7 @@
           <a:p>
             <a:pPr lvl="0" algn="ctr"/>
             <a:r>
-              <a:rPr lang="en-US" sz="4800" b="1" smtClean="0">
+              <a:rPr lang="en-US" sz="4800" b="1">
                 <a:solidFill>
                   <a:schemeClr val="bg1"/>
                 </a:solidFill>
@@ -14137,10 +13351,9 @@
           <a:lstStyle/>
           <a:p>
             <a:r>
-              <a:rPr lang="en-US" b="1" dirty="0" smtClean="0"/>
+              <a:rPr lang="en-US" b="1" dirty="0"/>
               <a:t>SQLite:</a:t>
             </a:r>
-            <a:endParaRPr lang="en-US" b="1" dirty="0"/>
           </a:p>
           <a:p>
             <a:endParaRPr lang="en-US" b="1" dirty="0"/>
@@ -14151,7 +13364,7 @@
               <a:buChar char="•"/>
             </a:pPr>
             <a:r>
-              <a:rPr lang="en-US" b="1" dirty="0" smtClean="0"/>
+              <a:rPr lang="en-US" b="1" dirty="0"/>
               <a:t>SQLite is a disk based database which does not require a server to run</a:t>
             </a:r>
           </a:p>
@@ -14161,7 +13374,7 @@
               <a:buChar char="•"/>
             </a:pPr>
             <a:r>
-              <a:rPr lang="en-US" b="1" dirty="0" smtClean="0"/>
+              <a:rPr lang="en-US" b="1" dirty="0"/>
               <a:t>SQLite can be used for storing data by applications without having to rely on an external database system</a:t>
             </a:r>
           </a:p>
@@ -14171,7 +13384,7 @@
               <a:buChar char="•"/>
             </a:pPr>
             <a:r>
-              <a:rPr lang="en-US" b="1" dirty="0" smtClean="0"/>
+              <a:rPr lang="en-US" b="1" dirty="0"/>
               <a:t>SQLite supports the standard SQL Language</a:t>
             </a:r>
           </a:p>
@@ -14181,10 +13394,9 @@
               <a:buChar char="•"/>
             </a:pPr>
             <a:r>
-              <a:rPr lang="en-US" b="1" dirty="0" smtClean="0"/>
+              <a:rPr lang="en-US" b="1" dirty="0"/>
               <a:t>which has incident reports from 2014 to 2017</a:t>
             </a:r>
-            <a:endParaRPr lang="en-US" b="1" dirty="0"/>
           </a:p>
           <a:p>
             <a:pPr marL="285750" indent="-285750">
@@ -14192,7 +13404,7 @@
               <a:buChar char="•"/>
             </a:pPr>
             <a:r>
-              <a:rPr lang="en-US" b="1" dirty="0" smtClean="0"/>
+              <a:rPr lang="en-US" b="1" dirty="0"/>
               <a:t>SQLite is provided as a built in module in Python</a:t>
             </a:r>
           </a:p>
@@ -14202,7 +13414,7 @@
               <a:buChar char="•"/>
             </a:pPr>
             <a:r>
-              <a:rPr lang="en-US" b="1" dirty="0" smtClean="0"/>
+              <a:rPr lang="en-US" b="1" dirty="0"/>
               <a:t>The name of the module is sqlite3</a:t>
             </a:r>
           </a:p>
@@ -14211,7 +13423,7 @@
               <a:buFont typeface="Arial" panose="020B0604020202020204" pitchFamily="34" charset="0"/>
               <a:buChar char="•"/>
             </a:pPr>
-            <a:endParaRPr lang="en-US" sz="1400" b="1" dirty="0" smtClean="0"/>
+            <a:endParaRPr lang="en-US" sz="1400" b="1" dirty="0"/>
           </a:p>
           <a:p>
             <a:endParaRPr lang="en-US" b="1" dirty="0"/>
@@ -14223,7 +13435,7 @@
           <p:cNvPr id="8" name="Slide Number Placeholder 7">
             <a:extLst>
               <a:ext uri="{FF2B5EF4-FFF2-40B4-BE49-F238E27FC236}">
-                <a16:creationId xmlns="" xmlns:a16="http://schemas.microsoft.com/office/drawing/2014/main" id="{9D40CF21-C5F8-459C-8C61-CF7062621A18}"/>
+                <a16:creationId xmlns:a16="http://schemas.microsoft.com/office/drawing/2014/main" id="{9D40CF21-C5F8-459C-8C61-CF7062621A18}"/>
               </a:ext>
             </a:extLst>
           </p:cNvPr>
@@ -14252,7 +13464,7 @@
           <p:cNvPr id="9" name="TextBox 8">
             <a:extLst>
               <a:ext uri="{FF2B5EF4-FFF2-40B4-BE49-F238E27FC236}">
-                <a16:creationId xmlns="" xmlns:a16="http://schemas.microsoft.com/office/drawing/2014/main" id="{7D279814-308C-4A57-975C-A76041DED832}"/>
+                <a16:creationId xmlns:a16="http://schemas.microsoft.com/office/drawing/2014/main" id="{7D279814-308C-4A57-975C-A76041DED832}"/>
               </a:ext>
             </a:extLst>
           </p:cNvPr>
@@ -14281,13 +13493,12 @@
           <a:lstStyle/>
           <a:p>
             <a:r>
-              <a:rPr lang="en-US" b="1" dirty="0" smtClean="0"/>
+              <a:rPr lang="en-US" b="1" dirty="0"/>
               <a:t>Basic Example – Create Table :</a:t>
             </a:r>
+          </a:p>
+          <a:p>
             <a:endParaRPr lang="en-US" b="1" dirty="0"/>
-          </a:p>
-          <a:p>
-            <a:endParaRPr lang="en-US" b="1" dirty="0" smtClean="0"/>
           </a:p>
           <a:p>
             <a:r>
@@ -14297,10 +13508,6 @@
             <a:br>
               <a:rPr lang="en-US" sz="1200" dirty="0"/>
             </a:br>
-            <a:r>
-              <a:rPr lang="en-US" sz="1200" dirty="0"/>
-              <a:t/>
-            </a:r>
             <a:br>
               <a:rPr lang="en-US" sz="1200" dirty="0"/>
             </a:br>
@@ -14308,10 +13515,6 @@
               <a:rPr lang="en-US" sz="1200" b="1" dirty="0"/>
               <a:t>#Create a connection</a:t>
             </a:r>
-            <a:r>
-              <a:rPr lang="en-US" sz="1200" dirty="0"/>
-              <a:t/>
-            </a:r>
             <a:br>
               <a:rPr lang="en-US" sz="1200" dirty="0"/>
             </a:br>
@@ -14330,10 +13533,6 @@
             <a:br>
               <a:rPr lang="en-US" sz="1200" dirty="0"/>
             </a:br>
-            <a:r>
-              <a:rPr lang="en-US" sz="1200" dirty="0"/>
-              <a:t/>
-            </a:r>
             <a:br>
               <a:rPr lang="en-US" sz="1200" dirty="0"/>
             </a:br>
@@ -14341,10 +13540,6 @@
               <a:rPr lang="en-US" sz="1200" b="1" dirty="0"/>
               <a:t>#Get a cursor to the DB</a:t>
             </a:r>
-            <a:r>
-              <a:rPr lang="en-US" sz="1200" dirty="0"/>
-              <a:t/>
-            </a:r>
             <a:br>
               <a:rPr lang="en-US" sz="1200" dirty="0"/>
             </a:br>
@@ -14363,10 +13558,6 @@
             <a:br>
               <a:rPr lang="en-US" sz="1200" dirty="0"/>
             </a:br>
-            <a:r>
-              <a:rPr lang="en-US" sz="1200" dirty="0"/>
-              <a:t/>
-            </a:r>
             <a:br>
               <a:rPr lang="en-US" sz="1200" dirty="0"/>
             </a:br>
@@ -14374,10 +13565,6 @@
               <a:rPr lang="en-US" sz="1200" b="1" dirty="0"/>
               <a:t># Create table</a:t>
             </a:r>
-            <a:r>
-              <a:rPr lang="en-US" sz="1200" dirty="0"/>
-              <a:t/>
-            </a:r>
             <a:br>
               <a:rPr lang="en-US" sz="1200" dirty="0"/>
             </a:br>
@@ -14399,10 +13586,6 @@
             <a:br>
               <a:rPr lang="en-US" sz="1200" dirty="0"/>
             </a:br>
-            <a:r>
-              <a:rPr lang="en-US" sz="1200" dirty="0"/>
-              <a:t/>
-            </a:r>
             <a:br>
               <a:rPr lang="en-US" sz="1200" dirty="0"/>
             </a:br>
@@ -14410,10 +13593,6 @@
               <a:rPr lang="en-US" sz="1200" b="1" dirty="0"/>
               <a:t># Insert a row of data</a:t>
             </a:r>
-            <a:r>
-              <a:rPr lang="en-US" sz="1200" dirty="0"/>
-              <a:t/>
-            </a:r>
             <a:br>
               <a:rPr lang="en-US" sz="1200" dirty="0"/>
             </a:br>
@@ -14428,10 +13607,6 @@
             <a:br>
               <a:rPr lang="en-US" sz="1200" dirty="0"/>
             </a:br>
-            <a:r>
-              <a:rPr lang="en-US" sz="1200" dirty="0"/>
-              <a:t/>
-            </a:r>
             <a:br>
               <a:rPr lang="en-US" sz="1200" dirty="0"/>
             </a:br>
@@ -14439,10 +13614,6 @@
               <a:rPr lang="en-US" sz="1200" b="1" dirty="0"/>
               <a:t>#Insert Multiple rows</a:t>
             </a:r>
-            <a:r>
-              <a:rPr lang="en-US" sz="1200" dirty="0"/>
-              <a:t/>
-            </a:r>
             <a:br>
               <a:rPr lang="en-US" sz="1200" dirty="0"/>
             </a:br>
@@ -14457,10 +13628,6 @@
             <a:br>
               <a:rPr lang="en-US" sz="1200" dirty="0"/>
             </a:br>
-            <a:r>
-              <a:rPr lang="en-US" sz="1200" dirty="0"/>
-              <a:t/>
-            </a:r>
             <a:br>
               <a:rPr lang="en-US" sz="1200" dirty="0"/>
             </a:br>
@@ -14468,10 +13635,6 @@
               <a:rPr lang="en-US" sz="1200" b="1" dirty="0"/>
               <a:t># Save (commit) the changes</a:t>
             </a:r>
-            <a:r>
-              <a:rPr lang="en-US" sz="1200" dirty="0"/>
-              <a:t/>
-            </a:r>
             <a:br>
               <a:rPr lang="en-US" sz="1200" dirty="0"/>
             </a:br>
@@ -14486,20 +13649,12 @@
             <a:br>
               <a:rPr lang="en-US" sz="1200" dirty="0"/>
             </a:br>
-            <a:r>
-              <a:rPr lang="en-US" sz="1200" dirty="0"/>
-              <a:t/>
-            </a:r>
             <a:br>
               <a:rPr lang="en-US" sz="1200" dirty="0"/>
             </a:br>
             <a:r>
               <a:rPr lang="en-US" sz="1200" b="1" dirty="0"/>
               <a:t>#Close the connection</a:t>
-            </a:r>
-            <a:r>
-              <a:rPr lang="en-US" sz="1200" dirty="0"/>
-              <a:t/>
             </a:r>
             <a:br>
               <a:rPr lang="en-US" sz="1200" dirty="0"/>
@@ -14563,13 +13718,6 @@
   <p:clrMapOvr>
     <a:masterClrMapping/>
   </p:clrMapOvr>
-  <p:timing>
-    <p:tnLst>
-      <p:par>
-        <p:cTn id="1" dur="indefinite" restart="never" nodeType="tmRoot"/>
-      </p:par>
-    </p:tnLst>
-  </p:timing>
 </p:sld>
 </file>
 
@@ -14595,7 +13743,7 @@
           <p:cNvPr id="4" name="TextBox 3">
             <a:extLst>
               <a:ext uri="{FF2B5EF4-FFF2-40B4-BE49-F238E27FC236}">
-                <a16:creationId xmlns="" xmlns:a16="http://schemas.microsoft.com/office/drawing/2014/main" id="{F60DFD09-AC45-4F33-B352-CDAB149F70B8}"/>
+                <a16:creationId xmlns:a16="http://schemas.microsoft.com/office/drawing/2014/main" id="{F60DFD09-AC45-4F33-B352-CDAB149F70B8}"/>
               </a:ext>
             </a:extLst>
           </p:cNvPr>
@@ -14632,7 +13780,7 @@
           <p:cNvPr id="3" name="TextBox 2">
             <a:extLst>
               <a:ext uri="{FF2B5EF4-FFF2-40B4-BE49-F238E27FC236}">
-                <a16:creationId xmlns="" xmlns:a16="http://schemas.microsoft.com/office/drawing/2014/main" id="{8957C43E-E3DC-4876-9C5F-195DD279152E}"/>
+                <a16:creationId xmlns:a16="http://schemas.microsoft.com/office/drawing/2014/main" id="{8957C43E-E3DC-4876-9C5F-195DD279152E}"/>
               </a:ext>
             </a:extLst>
           </p:cNvPr>
@@ -14666,18 +13814,13 @@
           <a:p>
             <a:pPr lvl="0" algn="ctr"/>
             <a:r>
-              <a:rPr lang="en-US" sz="4800" b="1" dirty="0" smtClean="0">
+              <a:rPr lang="en-US" sz="4800" b="1" dirty="0">
                 <a:solidFill>
                   <a:schemeClr val="bg1"/>
                 </a:solidFill>
               </a:rPr>
               <a:t>SQL Lite </a:t>
             </a:r>
-            <a:endParaRPr lang="en-US" sz="4800" b="1" dirty="0">
-              <a:solidFill>
-                <a:schemeClr val="bg1"/>
-              </a:solidFill>
-            </a:endParaRPr>
           </a:p>
         </p:txBody>
       </p:sp>
@@ -14686,7 +13829,7 @@
           <p:cNvPr id="8" name="Slide Number Placeholder 7">
             <a:extLst>
               <a:ext uri="{FF2B5EF4-FFF2-40B4-BE49-F238E27FC236}">
-                <a16:creationId xmlns="" xmlns:a16="http://schemas.microsoft.com/office/drawing/2014/main" id="{9D40CF21-C5F8-459C-8C61-CF7062621A18}"/>
+                <a16:creationId xmlns:a16="http://schemas.microsoft.com/office/drawing/2014/main" id="{9D40CF21-C5F8-459C-8C61-CF7062621A18}"/>
               </a:ext>
             </a:extLst>
           </p:cNvPr>
@@ -14715,7 +13858,7 @@
           <p:cNvPr id="9" name="TextBox 8">
             <a:extLst>
               <a:ext uri="{FF2B5EF4-FFF2-40B4-BE49-F238E27FC236}">
-                <a16:creationId xmlns="" xmlns:a16="http://schemas.microsoft.com/office/drawing/2014/main" id="{7D279814-308C-4A57-975C-A76041DED832}"/>
+                <a16:creationId xmlns:a16="http://schemas.microsoft.com/office/drawing/2014/main" id="{7D279814-308C-4A57-975C-A76041DED832}"/>
               </a:ext>
             </a:extLst>
           </p:cNvPr>
@@ -14744,15 +13887,14 @@
           <a:lstStyle/>
           <a:p>
             <a:r>
-              <a:rPr lang="en-US" b="1" dirty="0" smtClean="0"/>
+              <a:rPr lang="en-US" b="1" dirty="0"/>
               <a:t>Basic Example – Select Queries:</a:t>
             </a:r>
+          </a:p>
+          <a:p>
             <a:endParaRPr lang="en-US" b="1" dirty="0"/>
           </a:p>
           <a:p>
-            <a:endParaRPr lang="en-US" b="1" dirty="0" smtClean="0"/>
-          </a:p>
-          <a:p>
             <a:r>
               <a:rPr lang="en-US" sz="1600" dirty="0"/>
               <a:t>import sqlite3</a:t>
@@ -14760,10 +13902,6 @@
             <a:br>
               <a:rPr lang="en-US" sz="1600" dirty="0"/>
             </a:br>
-            <a:r>
-              <a:rPr lang="en-US" sz="1600" dirty="0"/>
-              <a:t/>
-            </a:r>
             <a:br>
               <a:rPr lang="en-US" sz="1600" dirty="0"/>
             </a:br>
@@ -14771,10 +13909,6 @@
               <a:rPr lang="en-US" sz="1600" b="1" dirty="0"/>
               <a:t>#Create a connection</a:t>
             </a:r>
-            <a:r>
-              <a:rPr lang="en-US" sz="1600" dirty="0"/>
-              <a:t/>
-            </a:r>
             <a:br>
               <a:rPr lang="en-US" sz="1600" dirty="0"/>
             </a:br>
@@ -14793,10 +13927,6 @@
             <a:br>
               <a:rPr lang="en-US" sz="1600" dirty="0"/>
             </a:br>
-            <a:r>
-              <a:rPr lang="en-US" sz="1600" dirty="0"/>
-              <a:t/>
-            </a:r>
             <a:br>
               <a:rPr lang="en-US" sz="1600" dirty="0"/>
             </a:br>
@@ -14804,10 +13934,6 @@
               <a:rPr lang="en-US" sz="1600" b="1" dirty="0"/>
               <a:t>#Get a cursor to the DB</a:t>
             </a:r>
-            <a:r>
-              <a:rPr lang="en-US" sz="1600" dirty="0"/>
-              <a:t/>
-            </a:r>
             <a:br>
               <a:rPr lang="en-US" sz="1600" dirty="0"/>
             </a:br>
@@ -14826,10 +13952,6 @@
             <a:br>
               <a:rPr lang="en-US" sz="1600" dirty="0"/>
             </a:br>
-            <a:r>
-              <a:rPr lang="en-US" sz="1600" dirty="0"/>
-              <a:t/>
-            </a:r>
             <a:br>
               <a:rPr lang="en-US" sz="1600" dirty="0"/>
             </a:br>
@@ -14837,10 +13959,6 @@
               <a:rPr lang="en-US" sz="1600" b="1" dirty="0"/>
               <a:t>#Execute a Select all statement</a:t>
             </a:r>
-            <a:r>
-              <a:rPr lang="en-US" sz="1600" dirty="0"/>
-              <a:t/>
-            </a:r>
             <a:br>
               <a:rPr lang="en-US" sz="1600" dirty="0"/>
             </a:br>
@@ -14855,10 +13973,6 @@
             <a:br>
               <a:rPr lang="en-US" sz="1600" dirty="0"/>
             </a:br>
-            <a:r>
-              <a:rPr lang="en-US" sz="1600" dirty="0"/>
-              <a:t/>
-            </a:r>
             <a:br>
               <a:rPr lang="en-US" sz="1600" dirty="0"/>
             </a:br>
@@ -14866,10 +13980,6 @@
               <a:rPr lang="en-US" sz="1600" b="1" dirty="0"/>
               <a:t>#Print all the records</a:t>
             </a:r>
-            <a:r>
-              <a:rPr lang="en-US" sz="1600" dirty="0"/>
-              <a:t/>
-            </a:r>
             <a:br>
               <a:rPr lang="en-US" sz="1600" dirty="0"/>
             </a:br>
@@ -14888,10 +13998,6 @@
             <a:br>
               <a:rPr lang="en-US" sz="1600" dirty="0"/>
             </a:br>
-            <a:r>
-              <a:rPr lang="en-US" sz="1600" dirty="0"/>
-              <a:t/>
-            </a:r>
             <a:br>
               <a:rPr lang="en-US" sz="1600" dirty="0"/>
             </a:br>
@@ -14899,10 +14005,6 @@
               <a:rPr lang="en-US" sz="1600" b="1" dirty="0"/>
               <a:t>#Select rows where make is Ford</a:t>
             </a:r>
-            <a:r>
-              <a:rPr lang="en-US" sz="1600" dirty="0"/>
-              <a:t/>
-            </a:r>
             <a:br>
               <a:rPr lang="en-US" sz="1600" dirty="0"/>
             </a:br>
@@ -14917,20 +14019,12 @@
             <a:br>
               <a:rPr lang="en-US" sz="1600" dirty="0"/>
             </a:br>
-            <a:r>
-              <a:rPr lang="en-US" sz="1600" dirty="0"/>
-              <a:t/>
-            </a:r>
             <a:br>
               <a:rPr lang="en-US" sz="1600" dirty="0"/>
             </a:br>
             <a:r>
               <a:rPr lang="en-US" sz="1600" b="1" dirty="0"/>
               <a:t>#Print the results</a:t>
-            </a:r>
-            <a:r>
-              <a:rPr lang="en-US" sz="1600" dirty="0"/>
-              <a:t/>
             </a:r>
             <a:br>
               <a:rPr lang="en-US" sz="1600" dirty="0"/>
@@ -14961,13 +14055,6 @@
   <p:clrMapOvr>
     <a:masterClrMapping/>
   </p:clrMapOvr>
-  <p:timing>
-    <p:tnLst>
-      <p:par>
-        <p:cTn id="1" dur="indefinite" restart="never" nodeType="tmRoot"/>
-      </p:par>
-    </p:tnLst>
-  </p:timing>
 </p:sld>
 </file>
 
@@ -14993,7 +14080,7 @@
           <p:cNvPr id="9" name="TextBox 8">
             <a:extLst>
               <a:ext uri="{FF2B5EF4-FFF2-40B4-BE49-F238E27FC236}">
-                <a16:creationId xmlns="" xmlns:a16="http://schemas.microsoft.com/office/drawing/2014/main" id="{EB17D702-369B-4830-B0A6-0B695C87C7E7}"/>
+                <a16:creationId xmlns:a16="http://schemas.microsoft.com/office/drawing/2014/main" id="{EB17D702-369B-4830-B0A6-0B695C87C7E7}"/>
               </a:ext>
             </a:extLst>
           </p:cNvPr>
@@ -15030,7 +14117,7 @@
           <p:cNvPr id="4" name="TextBox 3">
             <a:extLst>
               <a:ext uri="{FF2B5EF4-FFF2-40B4-BE49-F238E27FC236}">
-                <a16:creationId xmlns="" xmlns:a16="http://schemas.microsoft.com/office/drawing/2014/main" id="{F60DFD09-AC45-4F33-B352-CDAB149F70B8}"/>
+                <a16:creationId xmlns:a16="http://schemas.microsoft.com/office/drawing/2014/main" id="{F60DFD09-AC45-4F33-B352-CDAB149F70B8}"/>
               </a:ext>
             </a:extLst>
           </p:cNvPr>
@@ -15079,7 +14166,7 @@
           <p:cNvPr id="5" name="Diagram 4">
             <a:extLst>
               <a:ext uri="{FF2B5EF4-FFF2-40B4-BE49-F238E27FC236}">
-                <a16:creationId xmlns="" xmlns:a16="http://schemas.microsoft.com/office/drawing/2014/main" id="{F3E30A7F-8252-4CD8-8F77-F52D9438BF25}"/>
+                <a16:creationId xmlns:a16="http://schemas.microsoft.com/office/drawing/2014/main" id="{F3E30A7F-8252-4CD8-8F77-F52D9438BF25}"/>
               </a:ext>
             </a:extLst>
           </p:cNvPr>
@@ -15107,7 +14194,7 @@
           <p:cNvPr id="3" name="Slide Number Placeholder 2">
             <a:extLst>
               <a:ext uri="{FF2B5EF4-FFF2-40B4-BE49-F238E27FC236}">
-                <a16:creationId xmlns="" xmlns:a16="http://schemas.microsoft.com/office/drawing/2014/main" id="{4A10DE1B-86B5-46F7-9D2C-A5005B996E29}"/>
+                <a16:creationId xmlns:a16="http://schemas.microsoft.com/office/drawing/2014/main" id="{4A10DE1B-86B5-46F7-9D2C-A5005B996E29}"/>
               </a:ext>
             </a:extLst>
           </p:cNvPr>
@@ -15141,13 +14228,6 @@
   <p:clrMapOvr>
     <a:masterClrMapping/>
   </p:clrMapOvr>
-  <p:timing>
-    <p:tnLst>
-      <p:par>
-        <p:cTn id="1" dur="indefinite" restart="never" nodeType="tmRoot"/>
-      </p:par>
-    </p:tnLst>
-  </p:timing>
 </p:sld>
 </file>
 
@@ -15173,7 +14253,7 @@
           <p:cNvPr id="4" name="TextBox 3">
             <a:extLst>
               <a:ext uri="{FF2B5EF4-FFF2-40B4-BE49-F238E27FC236}">
-                <a16:creationId xmlns="" xmlns:a16="http://schemas.microsoft.com/office/drawing/2014/main" id="{F60DFD09-AC45-4F33-B352-CDAB149F70B8}"/>
+                <a16:creationId xmlns:a16="http://schemas.microsoft.com/office/drawing/2014/main" id="{F60DFD09-AC45-4F33-B352-CDAB149F70B8}"/>
               </a:ext>
             </a:extLst>
           </p:cNvPr>
@@ -15210,7 +14290,7 @@
           <p:cNvPr id="3" name="TextBox 2">
             <a:extLst>
               <a:ext uri="{FF2B5EF4-FFF2-40B4-BE49-F238E27FC236}">
-                <a16:creationId xmlns="" xmlns:a16="http://schemas.microsoft.com/office/drawing/2014/main" id="{8957C43E-E3DC-4876-9C5F-195DD279152E}"/>
+                <a16:creationId xmlns:a16="http://schemas.microsoft.com/office/drawing/2014/main" id="{8957C43E-E3DC-4876-9C5F-195DD279152E}"/>
               </a:ext>
             </a:extLst>
           </p:cNvPr>
@@ -15244,18 +14324,13 @@
           <a:p>
             <a:pPr lvl="0" algn="ctr"/>
             <a:r>
-              <a:rPr lang="en-US" sz="3200" b="1" dirty="0" smtClean="0">
+              <a:rPr lang="en-US" sz="3200" b="1" dirty="0">
                 <a:solidFill>
                   <a:schemeClr val="bg1"/>
                 </a:solidFill>
               </a:rPr>
               <a:t>USE CASE – AUTOMATING HOTEL SEARCHES ON EXPEDIA</a:t>
             </a:r>
-            <a:endParaRPr lang="en-US" sz="3200" b="1" dirty="0">
-              <a:solidFill>
-                <a:schemeClr val="bg1"/>
-              </a:solidFill>
-            </a:endParaRPr>
           </a:p>
         </p:txBody>
       </p:sp>
@@ -15264,7 +14339,7 @@
           <p:cNvPr id="8" name="Slide Number Placeholder 7">
             <a:extLst>
               <a:ext uri="{FF2B5EF4-FFF2-40B4-BE49-F238E27FC236}">
-                <a16:creationId xmlns="" xmlns:a16="http://schemas.microsoft.com/office/drawing/2014/main" id="{9D40CF21-C5F8-459C-8C61-CF7062621A18}"/>
+                <a16:creationId xmlns:a16="http://schemas.microsoft.com/office/drawing/2014/main" id="{9D40CF21-C5F8-459C-8C61-CF7062621A18}"/>
               </a:ext>
             </a:extLst>
           </p:cNvPr>
@@ -15293,7 +14368,7 @@
           <p:cNvPr id="9" name="TextBox 8">
             <a:extLst>
               <a:ext uri="{FF2B5EF4-FFF2-40B4-BE49-F238E27FC236}">
-                <a16:creationId xmlns="" xmlns:a16="http://schemas.microsoft.com/office/drawing/2014/main" id="{7D279814-308C-4A57-975C-A76041DED832}"/>
+                <a16:creationId xmlns:a16="http://schemas.microsoft.com/office/drawing/2014/main" id="{7D279814-308C-4A57-975C-A76041DED832}"/>
               </a:ext>
             </a:extLst>
           </p:cNvPr>
@@ -15322,7 +14397,7 @@
           <a:lstStyle/>
           <a:p>
             <a:r>
-              <a:rPr lang="en-US" b="1" dirty="0" smtClean="0"/>
+              <a:rPr lang="en-US" b="1" dirty="0"/>
               <a:t>Use Case :</a:t>
             </a:r>
           </a:p>
@@ -15335,7 +14410,7 @@
               <a:buChar char="•"/>
             </a:pPr>
             <a:r>
-              <a:rPr lang="en-US" dirty="0" smtClean="0"/>
+              <a:rPr lang="en-US" dirty="0"/>
               <a:t>Tom will be visiting New York City from 9/22/2017 to 9/25/2017</a:t>
             </a:r>
           </a:p>
@@ -15345,15 +14420,15 @@
               <a:buChar char="•"/>
             </a:pPr>
             <a:r>
-              <a:rPr lang="en-US" dirty="0" smtClean="0"/>
+              <a:rPr lang="en-US" dirty="0"/>
               <a:t>Tom visits </a:t>
             </a:r>
             <a:r>
-              <a:rPr lang="en-US" dirty="0" err="1" smtClean="0"/>
+              <a:rPr lang="en-US" dirty="0" err="1"/>
               <a:t>expedia.com</a:t>
             </a:r>
             <a:r>
-              <a:rPr lang="en-US" dirty="0" smtClean="0"/>
+              <a:rPr lang="en-US" dirty="0"/>
               <a:t> everyday to check the hotel prices for the date range</a:t>
             </a:r>
           </a:p>
@@ -15363,72 +14438,8 @@
               <a:buChar char="•"/>
             </a:pPr>
             <a:r>
-              <a:rPr lang="en-US" dirty="0" smtClean="0"/>
+              <a:rPr lang="en-US" dirty="0"/>
               <a:t>Tom would like someone to automate this for him</a:t>
-            </a:r>
-          </a:p>
-          <a:p>
-            <a:pPr marL="285750" indent="-285750">
-              <a:buFont typeface="Arial" charset="0"/>
-              <a:buChar char="•"/>
-            </a:pPr>
-            <a:endParaRPr lang="en-US" b="1" dirty="0" smtClean="0"/>
-          </a:p>
-          <a:p>
-            <a:r>
-              <a:rPr lang="en-US" b="1" dirty="0" smtClean="0"/>
-              <a:t>Requirements :</a:t>
-            </a:r>
-          </a:p>
-          <a:p>
-            <a:endParaRPr lang="en-US" b="1" dirty="0"/>
-          </a:p>
-          <a:p>
-            <a:pPr marL="285750" indent="-285750">
-              <a:buFont typeface="Arial" charset="0"/>
-              <a:buChar char="•"/>
-            </a:pPr>
-            <a:r>
-              <a:rPr lang="en-US" dirty="0" smtClean="0"/>
-              <a:t>Get NYC hotel prices from </a:t>
-            </a:r>
-            <a:r>
-              <a:rPr lang="en-US" dirty="0" err="1" smtClean="0"/>
-              <a:t>expedia.com</a:t>
-            </a:r>
-            <a:r>
-              <a:rPr lang="en-US" dirty="0" smtClean="0"/>
-              <a:t> for the date range 9/22/2017 to 9/25/2017</a:t>
-            </a:r>
-          </a:p>
-          <a:p>
-            <a:pPr marL="285750" indent="-285750">
-              <a:buFont typeface="Arial" charset="0"/>
-              <a:buChar char="•"/>
-            </a:pPr>
-            <a:r>
-              <a:rPr lang="en-US" dirty="0" smtClean="0"/>
-              <a:t>Store them in a DB with the date they were extracted</a:t>
-            </a:r>
-          </a:p>
-          <a:p>
-            <a:pPr marL="285750" indent="-285750">
-              <a:buFont typeface="Arial" charset="0"/>
-              <a:buChar char="•"/>
-            </a:pPr>
-            <a:r>
-              <a:rPr lang="en-US" dirty="0" smtClean="0"/>
-              <a:t>The DB should include Hotel Name, Hotel Price and Search Date</a:t>
-            </a:r>
-          </a:p>
-          <a:p>
-            <a:pPr marL="285750" indent="-285750">
-              <a:buFont typeface="Arial" charset="0"/>
-              <a:buChar char="•"/>
-            </a:pPr>
-            <a:r>
-              <a:rPr lang="en-US" dirty="0" smtClean="0"/>
-              <a:t>E-Mail the list of hotels to Tom after the search is complete as a CSV file</a:t>
             </a:r>
           </a:p>
           <a:p>
@@ -15440,8 +14451,8 @@
           </a:p>
           <a:p>
             <a:r>
-              <a:rPr lang="en-US" b="1" dirty="0" smtClean="0"/>
-              <a:t>Project Structure :</a:t>
+              <a:rPr lang="en-US" b="1" dirty="0"/>
+              <a:t>Requirements :</a:t>
             </a:r>
           </a:p>
           <a:p>
@@ -15453,8 +14464,16 @@
               <a:buChar char="•"/>
             </a:pPr>
             <a:r>
-              <a:rPr lang="en-US" dirty="0" smtClean="0"/>
-              <a:t>As part of the solution we will create modules to send Email and Write results to DB</a:t>
+              <a:rPr lang="en-US" dirty="0"/>
+              <a:t>Get NYC hotel prices from </a:t>
+            </a:r>
+            <a:r>
+              <a:rPr lang="en-US" dirty="0" err="1"/>
+              <a:t>expedia.com</a:t>
+            </a:r>
+            <a:r>
+              <a:rPr lang="en-US" dirty="0"/>
+              <a:t> for the date range 9/22/2017 to 9/25/2017</a:t>
             </a:r>
           </a:p>
           <a:p>
@@ -15463,16 +14482,8 @@
               <a:buChar char="•"/>
             </a:pPr>
             <a:r>
-              <a:rPr lang="en-US" dirty="0" smtClean="0"/>
-              <a:t>Gmail will be used for E-Mail, </a:t>
-            </a:r>
-            <a:r>
-              <a:rPr lang="en-US" dirty="0" err="1" smtClean="0"/>
-              <a:t>Sqlite</a:t>
-            </a:r>
-            <a:r>
-              <a:rPr lang="en-US" dirty="0" smtClean="0"/>
-              <a:t> as the DB and Selenium for automation</a:t>
+              <a:rPr lang="en-US" dirty="0"/>
+              <a:t>Store them in a DB with the date they were extracted</a:t>
             </a:r>
           </a:p>
           <a:p>
@@ -15480,7 +14491,71 @@
               <a:buFont typeface="Arial" charset="0"/>
               <a:buChar char="•"/>
             </a:pPr>
-            <a:endParaRPr lang="en-US" b="1" dirty="0" smtClean="0"/>
+            <a:r>
+              <a:rPr lang="en-US" dirty="0"/>
+              <a:t>The DB should include Hotel Name, Hotel Price and Search Date</a:t>
+            </a:r>
+          </a:p>
+          <a:p>
+            <a:pPr marL="285750" indent="-285750">
+              <a:buFont typeface="Arial" charset="0"/>
+              <a:buChar char="•"/>
+            </a:pPr>
+            <a:r>
+              <a:rPr lang="en-US" dirty="0"/>
+              <a:t>E-Mail the list of hotels to Tom after the search is complete as a CSV file</a:t>
+            </a:r>
+          </a:p>
+          <a:p>
+            <a:pPr marL="285750" indent="-285750">
+              <a:buFont typeface="Arial" charset="0"/>
+              <a:buChar char="•"/>
+            </a:pPr>
+            <a:endParaRPr lang="en-US" b="1" dirty="0"/>
+          </a:p>
+          <a:p>
+            <a:r>
+              <a:rPr lang="en-US" b="1" dirty="0"/>
+              <a:t>Project Structure :</a:t>
+            </a:r>
+          </a:p>
+          <a:p>
+            <a:endParaRPr lang="en-US" b="1" dirty="0"/>
+          </a:p>
+          <a:p>
+            <a:pPr marL="285750" indent="-285750">
+              <a:buFont typeface="Arial" charset="0"/>
+              <a:buChar char="•"/>
+            </a:pPr>
+            <a:r>
+              <a:rPr lang="en-US" dirty="0"/>
+              <a:t>As part of the solution we will create modules to send Email and Write results to DB</a:t>
+            </a:r>
+          </a:p>
+          <a:p>
+            <a:pPr marL="285750" indent="-285750">
+              <a:buFont typeface="Arial" charset="0"/>
+              <a:buChar char="•"/>
+            </a:pPr>
+            <a:r>
+              <a:rPr lang="en-US" dirty="0"/>
+              <a:t>Gmail will be used for E-Mail, </a:t>
+            </a:r>
+            <a:r>
+              <a:rPr lang="en-US" dirty="0" err="1"/>
+              <a:t>Sqlite</a:t>
+            </a:r>
+            <a:r>
+              <a:rPr lang="en-US" dirty="0"/>
+              <a:t> as the DB and Selenium for automation</a:t>
+            </a:r>
+          </a:p>
+          <a:p>
+            <a:pPr marL="285750" indent="-285750">
+              <a:buFont typeface="Arial" charset="0"/>
+              <a:buChar char="•"/>
+            </a:pPr>
+            <a:endParaRPr lang="en-US" b="1" dirty="0"/>
           </a:p>
         </p:txBody>
       </p:sp>
@@ -15494,13 +14569,6 @@
   <p:clrMapOvr>
     <a:masterClrMapping/>
   </p:clrMapOvr>
-  <p:timing>
-    <p:tnLst>
-      <p:par>
-        <p:cTn id="1" dur="indefinite" restart="never" nodeType="tmRoot"/>
-      </p:par>
-    </p:tnLst>
-  </p:timing>
 </p:sld>
 </file>
 
@@ -15526,7 +14594,7 @@
           <p:cNvPr id="4" name="TextBox 3">
             <a:extLst>
               <a:ext uri="{FF2B5EF4-FFF2-40B4-BE49-F238E27FC236}">
-                <a16:creationId xmlns="" xmlns:a16="http://schemas.microsoft.com/office/drawing/2014/main" id="{F60DFD09-AC45-4F33-B352-CDAB149F70B8}"/>
+                <a16:creationId xmlns:a16="http://schemas.microsoft.com/office/drawing/2014/main" id="{F60DFD09-AC45-4F33-B352-CDAB149F70B8}"/>
               </a:ext>
             </a:extLst>
           </p:cNvPr>
@@ -15563,7 +14631,7 @@
           <p:cNvPr id="3" name="TextBox 2">
             <a:extLst>
               <a:ext uri="{FF2B5EF4-FFF2-40B4-BE49-F238E27FC236}">
-                <a16:creationId xmlns="" xmlns:a16="http://schemas.microsoft.com/office/drawing/2014/main" id="{8957C43E-E3DC-4876-9C5F-195DD279152E}"/>
+                <a16:creationId xmlns:a16="http://schemas.microsoft.com/office/drawing/2014/main" id="{8957C43E-E3DC-4876-9C5F-195DD279152E}"/>
               </a:ext>
             </a:extLst>
           </p:cNvPr>
@@ -15597,18 +14665,13 @@
           <a:p>
             <a:pPr lvl="0" algn="ctr"/>
             <a:r>
-              <a:rPr lang="en-US" sz="3200" b="1" dirty="0" smtClean="0">
+              <a:rPr lang="en-US" sz="3200" b="1" dirty="0">
                 <a:solidFill>
                   <a:schemeClr val="bg1"/>
                 </a:solidFill>
               </a:rPr>
               <a:t>USE CASE – AUTOMATING HOTEL SEARCHES ON EXPEDIA</a:t>
             </a:r>
-            <a:endParaRPr lang="en-US" sz="3200" b="1" dirty="0">
-              <a:solidFill>
-                <a:schemeClr val="bg1"/>
-              </a:solidFill>
-            </a:endParaRPr>
           </a:p>
         </p:txBody>
       </p:sp>
@@ -15617,7 +14680,7 @@
           <p:cNvPr id="8" name="Slide Number Placeholder 7">
             <a:extLst>
               <a:ext uri="{FF2B5EF4-FFF2-40B4-BE49-F238E27FC236}">
-                <a16:creationId xmlns="" xmlns:a16="http://schemas.microsoft.com/office/drawing/2014/main" id="{9D40CF21-C5F8-459C-8C61-CF7062621A18}"/>
+                <a16:creationId xmlns:a16="http://schemas.microsoft.com/office/drawing/2014/main" id="{9D40CF21-C5F8-459C-8C61-CF7062621A18}"/>
               </a:ext>
             </a:extLst>
           </p:cNvPr>
@@ -15646,7 +14709,7 @@
           <p:cNvPr id="9" name="TextBox 8">
             <a:extLst>
               <a:ext uri="{FF2B5EF4-FFF2-40B4-BE49-F238E27FC236}">
-                <a16:creationId xmlns="" xmlns:a16="http://schemas.microsoft.com/office/drawing/2014/main" id="{7D279814-308C-4A57-975C-A76041DED832}"/>
+                <a16:creationId xmlns:a16="http://schemas.microsoft.com/office/drawing/2014/main" id="{7D279814-308C-4A57-975C-A76041DED832}"/>
               </a:ext>
             </a:extLst>
           </p:cNvPr>
@@ -15675,15 +14738,15 @@
           <a:lstStyle/>
           <a:p>
             <a:r>
-              <a:rPr lang="en-US" b="1" dirty="0" smtClean="0"/>
+              <a:rPr lang="en-US" b="1" dirty="0"/>
               <a:t>Send E-Mail Module (</a:t>
             </a:r>
             <a:r>
-              <a:rPr lang="en-US" b="1" dirty="0" err="1" smtClean="0"/>
+              <a:rPr lang="en-US" b="1" dirty="0" err="1"/>
               <a:t>sendMail.py</a:t>
             </a:r>
             <a:r>
-              <a:rPr lang="en-US" b="1" dirty="0" smtClean="0"/>
+              <a:rPr lang="en-US" b="1" dirty="0"/>
               <a:t>) :</a:t>
             </a:r>
           </a:p>
@@ -15699,10 +14762,6 @@
               <a:rPr lang="en-US" sz="1400" dirty="0" err="1"/>
               <a:t>smtplib</a:t>
             </a:r>
-            <a:r>
-              <a:rPr lang="en-US" sz="1400" dirty="0"/>
-              <a:t/>
-            </a:r>
             <a:br>
               <a:rPr lang="en-US" sz="1400" dirty="0"/>
             </a:br>
@@ -15722,10 +14781,6 @@
               <a:rPr lang="en-US" sz="1400" dirty="0" err="1"/>
               <a:t>MIMEText</a:t>
             </a:r>
-            <a:r>
-              <a:rPr lang="en-US" sz="1400" dirty="0"/>
-              <a:t/>
-            </a:r>
             <a:br>
               <a:rPr lang="en-US" sz="1400" dirty="0"/>
             </a:br>
@@ -15745,24 +14800,12 @@
               <a:rPr lang="en-US" sz="1400" dirty="0" err="1"/>
               <a:t>MIMEMultipart</a:t>
             </a:r>
-            <a:r>
-              <a:rPr lang="en-US" sz="1400" dirty="0"/>
-              <a:t/>
-            </a:r>
-            <a:br>
-              <a:rPr lang="en-US" sz="1400" dirty="0"/>
-            </a:br>
-            <a:r>
-              <a:rPr lang="en-US" sz="1400" dirty="0"/>
-              <a:t/>
-            </a:r>
-            <a:br>
-              <a:rPr lang="en-US" sz="1400" dirty="0"/>
-            </a:br>
-            <a:r>
-              <a:rPr lang="en-US" sz="1400" dirty="0"/>
-              <a:t/>
-            </a:r>
+            <a:br>
+              <a:rPr lang="en-US" sz="1400" dirty="0"/>
+            </a:br>
+            <a:br>
+              <a:rPr lang="en-US" sz="1400" dirty="0"/>
+            </a:br>
             <a:br>
               <a:rPr lang="en-US" sz="1400" dirty="0"/>
             </a:br>
@@ -15770,10 +14813,6 @@
               <a:rPr lang="en-US" sz="1400" b="1" dirty="0"/>
               <a:t>#Create the E-Mail connection variables</a:t>
             </a:r>
-            <a:r>
-              <a:rPr lang="en-US" sz="1400" dirty="0"/>
-              <a:t/>
-            </a:r>
             <a:br>
               <a:rPr lang="en-US" sz="1400" dirty="0"/>
             </a:br>
@@ -15807,10 +14846,6 @@
             <a:br>
               <a:rPr lang="en-US" sz="1400" dirty="0"/>
             </a:br>
-            <a:r>
-              <a:rPr lang="en-US" sz="1400" dirty="0"/>
-              <a:t/>
-            </a:r>
             <a:br>
               <a:rPr lang="en-US" sz="1400" dirty="0"/>
             </a:br>
@@ -15826,10 +14861,6 @@
               <a:rPr lang="en-US" sz="1400" b="1" dirty="0"/>
               <a:t> username and password</a:t>
             </a:r>
-            <a:r>
-              <a:rPr lang="en-US" sz="1400" dirty="0"/>
-              <a:t/>
-            </a:r>
             <a:br>
               <a:rPr lang="en-US" sz="1400" dirty="0"/>
             </a:br>
@@ -15847,10 +14878,6 @@
             <a:br>
               <a:rPr lang="en-US" sz="1400" dirty="0"/>
             </a:br>
-            <a:r>
-              <a:rPr lang="en-US" sz="1400" dirty="0"/>
-              <a:t/>
-            </a:r>
             <a:br>
               <a:rPr lang="en-US" sz="1400" dirty="0"/>
             </a:br>
@@ -15866,10 +14893,6 @@
               <a:rPr lang="en-US" sz="1400" b="1" dirty="0"/>
               <a:t> server connection</a:t>
             </a:r>
-            <a:r>
-              <a:rPr lang="en-US" sz="1400" dirty="0"/>
-              <a:t/>
-            </a:r>
             <a:br>
               <a:rPr lang="en-US" sz="1400" dirty="0"/>
             </a:br>
@@ -15935,49 +14958,33 @@
               <a:t>smtpserver.ehlo</a:t>
             </a:r>
             <a:r>
-              <a:rPr lang="en-US" sz="1400" dirty="0" smtClean="0"/>
+              <a:rPr lang="en-US" sz="1400" dirty="0"/>
               <a:t>(</a:t>
             </a:r>
-            <a:r>
-              <a:rPr lang="en-US" sz="1400" dirty="0"/>
-              <a:t/>
-            </a:r>
-            <a:br>
-              <a:rPr lang="en-US" sz="1400" dirty="0"/>
-            </a:br>
-            <a:r>
-              <a:rPr lang="en-US" sz="1400" dirty="0"/>
-              <a:t/>
-            </a:r>
+            <a:br>
+              <a:rPr lang="en-US" sz="1400" dirty="0"/>
+            </a:br>
             <a:br>
               <a:rPr lang="en-US" sz="1400" dirty="0"/>
             </a:br>
             <a:r>
               <a:rPr lang="en-US" sz="1400" b="1" dirty="0"/>
-              <a:t>#Define a function accept the from and to addresses, subject of the E-Mail and the file name to send as arguments and send an </a:t>
-            </a:r>
-            <a:r>
-              <a:rPr lang="en-US" sz="1400" b="1" dirty="0" smtClean="0"/>
-              <a:t>E-Mail</a:t>
+              <a:t>#Define a function accept the from and to addresses, subject of the E-Mail and the file name to send as arguments and send an E-Mail</a:t>
             </a:r>
           </a:p>
           <a:p>
             <a:endParaRPr lang="en-US" sz="1400" dirty="0"/>
           </a:p>
           <a:p>
-            <a:endParaRPr lang="en-US" sz="1400" dirty="0" smtClean="0"/>
-          </a:p>
-          <a:p>
-            <a:endParaRPr lang="en-US" sz="1400" dirty="0" smtClean="0"/>
-          </a:p>
-          <a:p>
-            <a:endParaRPr lang="en-US" sz="1400" dirty="0" smtClean="0"/>
-          </a:p>
-          <a:p>
-            <a:r>
-              <a:rPr lang="en-US" sz="1400" dirty="0"/>
-              <a:t/>
-            </a:r>
+            <a:endParaRPr lang="en-US" sz="1400" dirty="0"/>
+          </a:p>
+          <a:p>
+            <a:endParaRPr lang="en-US" sz="1400" dirty="0"/>
+          </a:p>
+          <a:p>
+            <a:endParaRPr lang="en-US" sz="1400" dirty="0"/>
+          </a:p>
+          <a:p>
             <a:br>
               <a:rPr lang="en-US" sz="1400" dirty="0"/>
             </a:br>
@@ -16018,20 +15025,12 @@
               <a:t>fileName</a:t>
             </a:r>
             <a:r>
-              <a:rPr lang="en-US" sz="1400" dirty="0" smtClean="0"/>
+              <a:rPr lang="en-US" sz="1400" dirty="0"/>
               <a:t>):</a:t>
             </a:r>
-            <a:r>
-              <a:rPr lang="en-US" sz="1400" dirty="0"/>
-              <a:t/>
-            </a:r>
-            <a:br>
-              <a:rPr lang="en-US" sz="1400" dirty="0"/>
-            </a:br>
-            <a:r>
-              <a:rPr lang="en-US" sz="1400" dirty="0"/>
-              <a:t/>
-            </a:r>
+            <a:br>
+              <a:rPr lang="en-US" sz="1400" dirty="0"/>
+            </a:br>
             <a:br>
               <a:rPr lang="en-US" sz="1400" dirty="0"/>
             </a:br>
@@ -16093,10 +15092,6 @@
               <a:rPr lang="en-US" sz="1400" dirty="0" err="1"/>
               <a:t>from_email</a:t>
             </a:r>
-            <a:r>
-              <a:rPr lang="en-US" sz="1400" dirty="0"/>
-              <a:t/>
-            </a:r>
             <a:br>
               <a:rPr lang="en-US" sz="1400" dirty="0"/>
             </a:br>
@@ -16116,10 +15111,6 @@
               <a:rPr lang="en-US" sz="1400" dirty="0" err="1"/>
               <a:t>to_email</a:t>
             </a:r>
-            <a:r>
-              <a:rPr lang="en-US" sz="1400" dirty="0"/>
-              <a:t/>
-            </a:r>
             <a:br>
               <a:rPr lang="en-US" sz="1400" dirty="0"/>
             </a:br>
@@ -16138,10 +15129,6 @@
             <a:br>
               <a:rPr lang="en-US" sz="1400" dirty="0"/>
             </a:br>
-            <a:r>
-              <a:rPr lang="en-US" sz="1400" dirty="0"/>
-              <a:t/>
-            </a:r>
             <a:br>
               <a:rPr lang="en-US" sz="1400" dirty="0"/>
             </a:br>
@@ -16221,10 +15208,6 @@
             <a:br>
               <a:rPr lang="en-US" sz="1400" dirty="0"/>
             </a:br>
-            <a:r>
-              <a:rPr lang="en-US" sz="1400" dirty="0"/>
-              <a:t/>
-            </a:r>
             <a:br>
               <a:rPr lang="en-US" sz="1400" dirty="0"/>
             </a:br>
@@ -16236,10 +15219,6 @@
               <a:rPr lang="en-US" sz="1400" b="1" dirty="0"/>
               <a:t>#Create a attachment header and attach the content to the E-Mail</a:t>
             </a:r>
-            <a:r>
-              <a:rPr lang="en-US" sz="1400" dirty="0"/>
-              <a:t/>
-            </a:r>
             <a:br>
               <a:rPr lang="en-US" sz="1400" dirty="0"/>
             </a:br>
@@ -16289,10 +15268,6 @@
             <a:br>
               <a:rPr lang="en-US" sz="1400" dirty="0"/>
             </a:br>
-            <a:r>
-              <a:rPr lang="en-US" sz="1400" dirty="0"/>
-              <a:t/>
-            </a:r>
             <a:br>
               <a:rPr lang="en-US" sz="1400" dirty="0"/>
             </a:br>
@@ -16322,10 +15297,6 @@
             <a:br>
               <a:rPr lang="en-US" sz="1400" dirty="0"/>
             </a:br>
-            <a:r>
-              <a:rPr lang="en-US" sz="1400" dirty="0"/>
-              <a:t/>
-            </a:r>
             <a:br>
               <a:rPr lang="en-US" sz="1400" dirty="0"/>
             </a:br>
@@ -16337,24 +15308,12 @@
               <a:rPr lang="en-US" sz="1400" b="1" dirty="0"/>
               <a:t>#Send the mail</a:t>
             </a:r>
-            <a:r>
-              <a:rPr lang="en-US" sz="1400" dirty="0"/>
-              <a:t/>
-            </a:r>
-            <a:br>
-              <a:rPr lang="en-US" sz="1400" dirty="0"/>
-            </a:br>
-            <a:r>
-              <a:rPr lang="en-US" sz="1400" dirty="0"/>
-              <a:t>  </a:t>
-            </a:r>
-            <a:r>
-              <a:rPr lang="en-US" sz="1400" dirty="0" smtClean="0"/>
-              <a:t>  text </a:t>
-            </a:r>
-            <a:r>
-              <a:rPr lang="en-US" sz="1400" dirty="0"/>
-              <a:t>= </a:t>
+            <a:br>
+              <a:rPr lang="en-US" sz="1400" dirty="0"/>
+            </a:br>
+            <a:r>
+              <a:rPr lang="en-US" sz="1400" dirty="0"/>
+              <a:t>    text = </a:t>
             </a:r>
             <a:r>
               <a:rPr lang="en-US" sz="1400" dirty="0" err="1"/>
@@ -16395,21 +15354,20 @@
               <a:rPr lang="en-US" sz="1400" dirty="0"/>
               <a:t>, text)</a:t>
             </a:r>
-            <a:endParaRPr lang="en-US" sz="1400" dirty="0" smtClean="0"/>
           </a:p>
           <a:p>
             <a:pPr marL="285750" indent="-285750">
               <a:buFont typeface="Arial" charset="0"/>
               <a:buChar char="•"/>
             </a:pPr>
-            <a:endParaRPr lang="en-US" b="1" dirty="0" smtClean="0"/>
+            <a:endParaRPr lang="en-US" b="1" dirty="0"/>
           </a:p>
           <a:p>
             <a:pPr marL="285750" indent="-285750">
               <a:buFont typeface="Arial" charset="0"/>
               <a:buChar char="•"/>
             </a:pPr>
-            <a:endParaRPr lang="en-US" b="1" dirty="0" smtClean="0"/>
+            <a:endParaRPr lang="en-US" b="1" dirty="0"/>
           </a:p>
         </p:txBody>
       </p:sp>
@@ -16423,13 +15381,6 @@
   <p:clrMapOvr>
     <a:masterClrMapping/>
   </p:clrMapOvr>
-  <p:timing>
-    <p:tnLst>
-      <p:par>
-        <p:cTn id="1" dur="indefinite" restart="never" nodeType="tmRoot"/>
-      </p:par>
-    </p:tnLst>
-  </p:timing>
 </p:sld>
 </file>
 
@@ -16455,7 +15406,7 @@
           <p:cNvPr id="4" name="TextBox 3">
             <a:extLst>
               <a:ext uri="{FF2B5EF4-FFF2-40B4-BE49-F238E27FC236}">
-                <a16:creationId xmlns="" xmlns:a16="http://schemas.microsoft.com/office/drawing/2014/main" id="{F60DFD09-AC45-4F33-B352-CDAB149F70B8}"/>
+                <a16:creationId xmlns:a16="http://schemas.microsoft.com/office/drawing/2014/main" id="{F60DFD09-AC45-4F33-B352-CDAB149F70B8}"/>
               </a:ext>
             </a:extLst>
           </p:cNvPr>
@@ -16492,7 +15443,7 @@
           <p:cNvPr id="3" name="TextBox 2">
             <a:extLst>
               <a:ext uri="{FF2B5EF4-FFF2-40B4-BE49-F238E27FC236}">
-                <a16:creationId xmlns="" xmlns:a16="http://schemas.microsoft.com/office/drawing/2014/main" id="{8957C43E-E3DC-4876-9C5F-195DD279152E}"/>
+                <a16:creationId xmlns:a16="http://schemas.microsoft.com/office/drawing/2014/main" id="{8957C43E-E3DC-4876-9C5F-195DD279152E}"/>
               </a:ext>
             </a:extLst>
           </p:cNvPr>
@@ -16526,18 +15477,13 @@
           <a:p>
             <a:pPr lvl="0" algn="ctr"/>
             <a:r>
-              <a:rPr lang="en-US" sz="3200" b="1" dirty="0" smtClean="0">
+              <a:rPr lang="en-US" sz="3200" b="1" dirty="0">
                 <a:solidFill>
                   <a:schemeClr val="bg1"/>
                 </a:solidFill>
               </a:rPr>
               <a:t>USE CASE – AUTOMATING HOTEL SEARCHES ON EXPEDIA</a:t>
             </a:r>
-            <a:endParaRPr lang="en-US" sz="3200" b="1" dirty="0">
-              <a:solidFill>
-                <a:schemeClr val="bg1"/>
-              </a:solidFill>
-            </a:endParaRPr>
           </a:p>
         </p:txBody>
       </p:sp>
@@ -16546,7 +15492,7 @@
           <p:cNvPr id="8" name="Slide Number Placeholder 7">
             <a:extLst>
               <a:ext uri="{FF2B5EF4-FFF2-40B4-BE49-F238E27FC236}">
-                <a16:creationId xmlns="" xmlns:a16="http://schemas.microsoft.com/office/drawing/2014/main" id="{9D40CF21-C5F8-459C-8C61-CF7062621A18}"/>
+                <a16:creationId xmlns:a16="http://schemas.microsoft.com/office/drawing/2014/main" id="{9D40CF21-C5F8-459C-8C61-CF7062621A18}"/>
               </a:ext>
             </a:extLst>
           </p:cNvPr>
@@ -16575,7 +15521,7 @@
           <p:cNvPr id="9" name="TextBox 8">
             <a:extLst>
               <a:ext uri="{FF2B5EF4-FFF2-40B4-BE49-F238E27FC236}">
-                <a16:creationId xmlns="" xmlns:a16="http://schemas.microsoft.com/office/drawing/2014/main" id="{7D279814-308C-4A57-975C-A76041DED832}"/>
+                <a16:creationId xmlns:a16="http://schemas.microsoft.com/office/drawing/2014/main" id="{7D279814-308C-4A57-975C-A76041DED832}"/>
               </a:ext>
             </a:extLst>
           </p:cNvPr>
@@ -16604,19 +15550,19 @@
           <a:lstStyle/>
           <a:p>
             <a:r>
-              <a:rPr lang="en-US" b="1" dirty="0" smtClean="0"/>
+              <a:rPr lang="en-US" b="1" dirty="0"/>
               <a:t>Write To DB Module (</a:t>
             </a:r>
             <a:r>
-              <a:rPr lang="en-US" b="1" dirty="0" err="1" smtClean="0"/>
+              <a:rPr lang="en-US" b="1" dirty="0" err="1"/>
               <a:t>sqliteTool.py</a:t>
             </a:r>
             <a:r>
-              <a:rPr lang="en-US" dirty="0" smtClean="0"/>
+              <a:rPr lang="en-US" dirty="0"/>
               <a:t> </a:t>
             </a:r>
             <a:r>
-              <a:rPr lang="en-US" b="1" dirty="0" smtClean="0"/>
+              <a:rPr lang="en-US" b="1" dirty="0"/>
               <a:t>):</a:t>
             </a:r>
           </a:p>
@@ -16631,10 +15577,6 @@
             <a:br>
               <a:rPr lang="en-US" dirty="0"/>
             </a:br>
-            <a:r>
-              <a:rPr lang="en-US" dirty="0"/>
-              <a:t/>
-            </a:r>
             <a:br>
               <a:rPr lang="en-US" dirty="0"/>
             </a:br>
@@ -16650,10 +15592,6 @@
               <a:rPr lang="en-US" b="1" i="1" dirty="0"/>
               <a:t> to SQLITE</a:t>
             </a:r>
-            <a:r>
-              <a:rPr lang="en-US" i="1" dirty="0"/>
-              <a:t/>
-            </a:r>
             <a:br>
               <a:rPr lang="en-US" i="1" dirty="0"/>
             </a:br>
@@ -16684,10 +15622,6 @@
             <a:br>
               <a:rPr lang="en-US" dirty="0"/>
             </a:br>
-            <a:r>
-              <a:rPr lang="en-US" dirty="0"/>
-              <a:t/>
-            </a:r>
             <a:br>
               <a:rPr lang="en-US" dirty="0"/>
             </a:br>
@@ -16707,10 +15641,6 @@
               <a:rPr lang="en-US" b="1" i="1" dirty="0"/>
               <a:t> name provided in the input</a:t>
             </a:r>
-            <a:r>
-              <a:rPr lang="en-US" i="1" dirty="0"/>
-              <a:t/>
-            </a:r>
             <a:br>
               <a:rPr lang="en-US" i="1" dirty="0"/>
             </a:br>
@@ -16733,10 +15663,6 @@
             <a:br>
               <a:rPr lang="en-US" dirty="0"/>
             </a:br>
-            <a:r>
-              <a:rPr lang="en-US" dirty="0"/>
-              <a:t/>
-            </a:r>
             <a:br>
               <a:rPr lang="en-US" dirty="0"/>
             </a:br>
@@ -16748,10 +15674,6 @@
               <a:rPr lang="en-US" b="1" i="1" dirty="0"/>
               <a:t>#Write the data frame to the DB</a:t>
             </a:r>
-            <a:r>
-              <a:rPr lang="en-US" i="1" dirty="0"/>
-              <a:t/>
-            </a:r>
             <a:br>
               <a:rPr lang="en-US" i="1" dirty="0"/>
             </a:br>
@@ -16786,10 +15708,6 @@
             <a:br>
               <a:rPr lang="en-US" dirty="0"/>
             </a:br>
-            <a:r>
-              <a:rPr lang="en-US" dirty="0"/>
-              <a:t/>
-            </a:r>
             <a:br>
               <a:rPr lang="en-US" dirty="0"/>
             </a:br>
@@ -16801,10 +15719,6 @@
               <a:rPr lang="en-US" b="1" i="1" dirty="0"/>
               <a:t>#close the connection</a:t>
             </a:r>
-            <a:r>
-              <a:rPr lang="en-US" i="1" dirty="0"/>
-              <a:t/>
-            </a:r>
             <a:br>
               <a:rPr lang="en-US" i="1" dirty="0"/>
             </a:br>
@@ -16820,14 +15734,13 @@
               <a:rPr lang="en-US" dirty="0"/>
               <a:t>()</a:t>
             </a:r>
-            <a:endParaRPr lang="en-US" dirty="0" smtClean="0"/>
           </a:p>
           <a:p>
             <a:pPr marL="285750" indent="-285750">
               <a:buFont typeface="Arial" charset="0"/>
               <a:buChar char="•"/>
             </a:pPr>
-            <a:endParaRPr lang="en-US" b="1" dirty="0" smtClean="0"/>
+            <a:endParaRPr lang="en-US" b="1" dirty="0"/>
           </a:p>
         </p:txBody>
       </p:sp>
@@ -16841,13 +15754,6 @@
   <p:clrMapOvr>
     <a:masterClrMapping/>
   </p:clrMapOvr>
-  <p:timing>
-    <p:tnLst>
-      <p:par>
-        <p:cTn id="1" dur="indefinite" restart="never" nodeType="tmRoot"/>
-      </p:par>
-    </p:tnLst>
-  </p:timing>
 </p:sld>
 </file>
 
@@ -16873,7 +15779,7 @@
           <p:cNvPr id="4" name="TextBox 3">
             <a:extLst>
               <a:ext uri="{FF2B5EF4-FFF2-40B4-BE49-F238E27FC236}">
-                <a16:creationId xmlns="" xmlns:a16="http://schemas.microsoft.com/office/drawing/2014/main" id="{F60DFD09-AC45-4F33-B352-CDAB149F70B8}"/>
+                <a16:creationId xmlns:a16="http://schemas.microsoft.com/office/drawing/2014/main" id="{F60DFD09-AC45-4F33-B352-CDAB149F70B8}"/>
               </a:ext>
             </a:extLst>
           </p:cNvPr>
@@ -16910,7 +15816,7 @@
           <p:cNvPr id="3" name="TextBox 2">
             <a:extLst>
               <a:ext uri="{FF2B5EF4-FFF2-40B4-BE49-F238E27FC236}">
-                <a16:creationId xmlns="" xmlns:a16="http://schemas.microsoft.com/office/drawing/2014/main" id="{8957C43E-E3DC-4876-9C5F-195DD279152E}"/>
+                <a16:creationId xmlns:a16="http://schemas.microsoft.com/office/drawing/2014/main" id="{8957C43E-E3DC-4876-9C5F-195DD279152E}"/>
               </a:ext>
             </a:extLst>
           </p:cNvPr>
@@ -16944,18 +15850,13 @@
           <a:p>
             <a:pPr lvl="0" algn="ctr"/>
             <a:r>
-              <a:rPr lang="en-US" sz="3200" b="1" dirty="0" smtClean="0">
+              <a:rPr lang="en-US" sz="3200" b="1" dirty="0">
                 <a:solidFill>
                   <a:schemeClr val="bg1"/>
                 </a:solidFill>
               </a:rPr>
               <a:t>USE CASE – AUTOMATING HOTEL SEARCHES ON EXPEDIA</a:t>
             </a:r>
-            <a:endParaRPr lang="en-US" sz="3200" b="1" dirty="0">
-              <a:solidFill>
-                <a:schemeClr val="bg1"/>
-              </a:solidFill>
-            </a:endParaRPr>
           </a:p>
         </p:txBody>
       </p:sp>
@@ -16964,7 +15865,7 @@
           <p:cNvPr id="8" name="Slide Number Placeholder 7">
             <a:extLst>
               <a:ext uri="{FF2B5EF4-FFF2-40B4-BE49-F238E27FC236}">
-                <a16:creationId xmlns="" xmlns:a16="http://schemas.microsoft.com/office/drawing/2014/main" id="{9D40CF21-C5F8-459C-8C61-CF7062621A18}"/>
+                <a16:creationId xmlns:a16="http://schemas.microsoft.com/office/drawing/2014/main" id="{9D40CF21-C5F8-459C-8C61-CF7062621A18}"/>
               </a:ext>
             </a:extLst>
           </p:cNvPr>
@@ -16993,7 +15894,7 @@
           <p:cNvPr id="9" name="TextBox 8">
             <a:extLst>
               <a:ext uri="{FF2B5EF4-FFF2-40B4-BE49-F238E27FC236}">
-                <a16:creationId xmlns="" xmlns:a16="http://schemas.microsoft.com/office/drawing/2014/main" id="{7D279814-308C-4A57-975C-A76041DED832}"/>
+                <a16:creationId xmlns:a16="http://schemas.microsoft.com/office/drawing/2014/main" id="{7D279814-308C-4A57-975C-A76041DED832}"/>
               </a:ext>
             </a:extLst>
           </p:cNvPr>
@@ -17022,15 +15923,15 @@
           <a:lstStyle/>
           <a:p>
             <a:r>
-              <a:rPr lang="en-US" b="1" dirty="0" smtClean="0"/>
+              <a:rPr lang="en-US" b="1" dirty="0"/>
               <a:t>Extraction Code – Part 1/4 ( </a:t>
             </a:r>
             <a:r>
-              <a:rPr lang="en-US" b="1" dirty="0" err="1" smtClean="0"/>
+              <a:rPr lang="en-US" b="1" dirty="0" err="1"/>
               <a:t>expediaHotelExtractor.py</a:t>
             </a:r>
             <a:r>
-              <a:rPr lang="en-US" b="1" dirty="0" smtClean="0"/>
+              <a:rPr lang="en-US" b="1" dirty="0"/>
               <a:t> ):</a:t>
             </a:r>
           </a:p>
@@ -17050,10 +15951,6 @@
               <a:rPr lang="en-US" sz="1600" dirty="0" err="1"/>
               <a:t>webdriver</a:t>
             </a:r>
-            <a:r>
-              <a:rPr lang="en-US" sz="1600" dirty="0"/>
-              <a:t/>
-            </a:r>
             <a:br>
               <a:rPr lang="en-US" sz="1600" dirty="0"/>
             </a:br>
@@ -17096,10 +15993,6 @@
               <a:rPr lang="en-US" sz="1600" dirty="0" err="1"/>
               <a:t>WebDriverWait</a:t>
             </a:r>
-            <a:r>
-              <a:rPr lang="en-US" sz="1600" dirty="0"/>
-              <a:t/>
-            </a:r>
             <a:br>
               <a:rPr lang="en-US" sz="1600" dirty="0"/>
             </a:br>
@@ -17133,10 +16026,6 @@
               <a:rPr lang="en-US" sz="1600" dirty="0" err="1"/>
               <a:t>pd</a:t>
             </a:r>
-            <a:r>
-              <a:rPr lang="en-US" sz="1600" dirty="0"/>
-              <a:t/>
-            </a:r>
             <a:br>
               <a:rPr lang="en-US" sz="1600" dirty="0"/>
             </a:br>
@@ -17160,10 +16049,6 @@
               <a:rPr lang="en-US" sz="1600" b="1" dirty="0"/>
               <a:t> modules</a:t>
             </a:r>
-            <a:r>
-              <a:rPr lang="en-US" sz="1600" dirty="0"/>
-              <a:t/>
-            </a:r>
             <a:br>
               <a:rPr lang="en-US" sz="1600" dirty="0"/>
             </a:br>
@@ -17175,10 +16060,6 @@
               <a:rPr lang="en-US" sz="1600" dirty="0" err="1"/>
               <a:t>sendMail</a:t>
             </a:r>
-            <a:r>
-              <a:rPr lang="en-US" sz="1600" dirty="0"/>
-              <a:t/>
-            </a:r>
             <a:br>
               <a:rPr lang="en-US" sz="1600" dirty="0"/>
             </a:br>
@@ -17190,17 +16071,9 @@
               <a:rPr lang="en-US" sz="1600" dirty="0" err="1"/>
               <a:t>sqliteTool</a:t>
             </a:r>
-            <a:r>
-              <a:rPr lang="en-US" sz="1600" dirty="0"/>
-              <a:t/>
-            </a:r>
-            <a:br>
-              <a:rPr lang="en-US" sz="1600" dirty="0"/>
-            </a:br>
-            <a:r>
-              <a:rPr lang="en-US" sz="1600" dirty="0"/>
-              <a:t/>
-            </a:r>
+            <a:br>
+              <a:rPr lang="en-US" sz="1600" dirty="0"/>
+            </a:br>
             <a:br>
               <a:rPr lang="en-US" sz="1600" dirty="0"/>
             </a:br>
@@ -17216,10 +16089,6 @@
               <a:rPr lang="en-US" sz="1600" b="1" dirty="0"/>
               <a:t> URL</a:t>
             </a:r>
-            <a:r>
-              <a:rPr lang="en-US" sz="1600" dirty="0"/>
-              <a:t/>
-            </a:r>
             <a:br>
               <a:rPr lang="en-US" sz="1600" dirty="0"/>
             </a:br>
@@ -17261,10 +16130,6 @@
             <a:br>
               <a:rPr lang="en-US" sz="1600" dirty="0"/>
             </a:br>
-            <a:r>
-              <a:rPr lang="en-US" sz="1600" dirty="0"/>
-              <a:t/>
-            </a:r>
             <a:br>
               <a:rPr lang="en-US" sz="1600" dirty="0"/>
             </a:br>
@@ -17272,10 +16137,6 @@
               <a:rPr lang="en-US" sz="1600" b="1" dirty="0"/>
               <a:t>#Search Details</a:t>
             </a:r>
-            <a:r>
-              <a:rPr lang="en-US" sz="1600" dirty="0"/>
-              <a:t/>
-            </a:r>
             <a:br>
               <a:rPr lang="en-US" sz="1600" dirty="0"/>
             </a:br>
@@ -17308,17 +16169,9 @@
             <a:br>
               <a:rPr lang="en-US" sz="1600" dirty="0"/>
             </a:br>
-            <a:r>
-              <a:rPr lang="en-US" sz="1600" dirty="0"/>
-              <a:t/>
-            </a:r>
-            <a:br>
-              <a:rPr lang="en-US" sz="1600" dirty="0"/>
-            </a:br>
-            <a:r>
-              <a:rPr lang="en-US" sz="1600" dirty="0"/>
-              <a:t/>
-            </a:r>
+            <a:br>
+              <a:rPr lang="en-US" sz="1600" dirty="0"/>
+            </a:br>
             <a:br>
               <a:rPr lang="en-US" sz="1600" dirty="0"/>
             </a:br>
@@ -17326,10 +16179,6 @@
               <a:rPr lang="en-US" sz="1600" b="1" dirty="0"/>
               <a:t>#Generate Current Date</a:t>
             </a:r>
-            <a:r>
-              <a:rPr lang="en-US" sz="1600" dirty="0"/>
-              <a:t/>
-            </a:r>
             <a:br>
               <a:rPr lang="en-US" sz="1600" dirty="0"/>
             </a:br>
@@ -17347,21 +16196,13 @@
             </a:r>
             <a:r>
               <a:rPr lang="en-US" sz="1600" dirty="0"/>
-              <a:t>("%m/%d/%Y</a:t>
-            </a:r>
-            <a:r>
-              <a:rPr lang="en-US" sz="1600" dirty="0" smtClean="0"/>
-              <a:t>")</a:t>
+              <a:t>("%m/%d/%Y")</a:t>
             </a:r>
           </a:p>
           <a:p>
             <a:endParaRPr lang="en-US" sz="1600" dirty="0"/>
           </a:p>
           <a:p>
-            <a:r>
-              <a:rPr lang="en-US" sz="1600" dirty="0"/>
-              <a:t/>
-            </a:r>
             <a:br>
               <a:rPr lang="en-US" sz="1600" dirty="0"/>
             </a:br>
@@ -17369,10 +16210,6 @@
               <a:rPr lang="en-US" sz="1600" b="1" dirty="0"/>
               <a:t>#Create variables required for sending an E-Mail</a:t>
             </a:r>
-            <a:r>
-              <a:rPr lang="en-US" sz="1600" dirty="0"/>
-              <a:t/>
-            </a:r>
             <a:br>
               <a:rPr lang="en-US" sz="1600" dirty="0"/>
             </a:br>
@@ -17447,10 +16284,6 @@
             <a:br>
               <a:rPr lang="en-US" sz="1600" dirty="0"/>
             </a:br>
-            <a:r>
-              <a:rPr lang="en-US" sz="1600" dirty="0"/>
-              <a:t/>
-            </a:r>
             <a:br>
               <a:rPr lang="en-US" sz="1600" dirty="0"/>
             </a:br>
@@ -17458,10 +16291,6 @@
               <a:rPr lang="en-US" sz="1600" b="1" dirty="0"/>
               <a:t>#Create variables for writing to SQLITE</a:t>
             </a:r>
-            <a:r>
-              <a:rPr lang="en-US" sz="1600" dirty="0"/>
-              <a:t/>
-            </a:r>
             <a:br>
               <a:rPr lang="en-US" sz="1600" dirty="0"/>
             </a:br>
@@ -17500,14 +16329,13 @@
               <a:rPr lang="en-US" sz="1600" dirty="0"/>
               <a:t>'</a:t>
             </a:r>
-            <a:endParaRPr lang="en-US" sz="1600" dirty="0" smtClean="0"/>
           </a:p>
           <a:p>
             <a:pPr marL="285750" indent="-285750">
               <a:buFont typeface="Arial" charset="0"/>
               <a:buChar char="•"/>
             </a:pPr>
-            <a:endParaRPr lang="en-US" b="1" dirty="0" smtClean="0"/>
+            <a:endParaRPr lang="en-US" b="1" dirty="0"/>
           </a:p>
         </p:txBody>
       </p:sp>
@@ -17521,13 +16349,6 @@
   <p:clrMapOvr>
     <a:masterClrMapping/>
   </p:clrMapOvr>
-  <p:timing>
-    <p:tnLst>
-      <p:par>
-        <p:cTn id="1" dur="indefinite" restart="never" nodeType="tmRoot"/>
-      </p:par>
-    </p:tnLst>
-  </p:timing>
 </p:sld>
 </file>
 
@@ -17553,7 +16374,7 @@
           <p:cNvPr id="4" name="TextBox 3">
             <a:extLst>
               <a:ext uri="{FF2B5EF4-FFF2-40B4-BE49-F238E27FC236}">
-                <a16:creationId xmlns="" xmlns:a16="http://schemas.microsoft.com/office/drawing/2014/main" id="{F60DFD09-AC45-4F33-B352-CDAB149F70B8}"/>
+                <a16:creationId xmlns:a16="http://schemas.microsoft.com/office/drawing/2014/main" id="{F60DFD09-AC45-4F33-B352-CDAB149F70B8}"/>
               </a:ext>
             </a:extLst>
           </p:cNvPr>
@@ -17590,7 +16411,7 @@
           <p:cNvPr id="3" name="TextBox 2">
             <a:extLst>
               <a:ext uri="{FF2B5EF4-FFF2-40B4-BE49-F238E27FC236}">
-                <a16:creationId xmlns="" xmlns:a16="http://schemas.microsoft.com/office/drawing/2014/main" id="{8957C43E-E3DC-4876-9C5F-195DD279152E}"/>
+                <a16:creationId xmlns:a16="http://schemas.microsoft.com/office/drawing/2014/main" id="{8957C43E-E3DC-4876-9C5F-195DD279152E}"/>
               </a:ext>
             </a:extLst>
           </p:cNvPr>
@@ -17624,18 +16445,13 @@
           <a:p>
             <a:pPr lvl="0" algn="ctr"/>
             <a:r>
-              <a:rPr lang="en-US" sz="3200" b="1" dirty="0" smtClean="0">
+              <a:rPr lang="en-US" sz="3200" b="1" dirty="0">
                 <a:solidFill>
                   <a:schemeClr val="bg1"/>
                 </a:solidFill>
               </a:rPr>
               <a:t>USE CASE – AUTOMATING HOTEL SEARCHES ON EXPEDIA</a:t>
             </a:r>
-            <a:endParaRPr lang="en-US" sz="3200" b="1" dirty="0">
-              <a:solidFill>
-                <a:schemeClr val="bg1"/>
-              </a:solidFill>
-            </a:endParaRPr>
           </a:p>
         </p:txBody>
       </p:sp>
@@ -17644,7 +16460,7 @@
           <p:cNvPr id="8" name="Slide Number Placeholder 7">
             <a:extLst>
               <a:ext uri="{FF2B5EF4-FFF2-40B4-BE49-F238E27FC236}">
-                <a16:creationId xmlns="" xmlns:a16="http://schemas.microsoft.com/office/drawing/2014/main" id="{9D40CF21-C5F8-459C-8C61-CF7062621A18}"/>
+                <a16:creationId xmlns:a16="http://schemas.microsoft.com/office/drawing/2014/main" id="{9D40CF21-C5F8-459C-8C61-CF7062621A18}"/>
               </a:ext>
             </a:extLst>
           </p:cNvPr>
@@ -17673,7 +16489,7 @@
           <p:cNvPr id="9" name="TextBox 8">
             <a:extLst>
               <a:ext uri="{FF2B5EF4-FFF2-40B4-BE49-F238E27FC236}">
-                <a16:creationId xmlns="" xmlns:a16="http://schemas.microsoft.com/office/drawing/2014/main" id="{7D279814-308C-4A57-975C-A76041DED832}"/>
+                <a16:creationId xmlns:a16="http://schemas.microsoft.com/office/drawing/2014/main" id="{7D279814-308C-4A57-975C-A76041DED832}"/>
               </a:ext>
             </a:extLst>
           </p:cNvPr>
@@ -17702,15 +16518,15 @@
           <a:lstStyle/>
           <a:p>
             <a:r>
-              <a:rPr lang="en-US" b="1" dirty="0" smtClean="0"/>
+              <a:rPr lang="en-US" b="1" dirty="0"/>
               <a:t>Extraction Code – Part 2/4 ( </a:t>
             </a:r>
             <a:r>
-              <a:rPr lang="en-US" b="1" dirty="0" err="1" smtClean="0"/>
+              <a:rPr lang="en-US" b="1" dirty="0" err="1"/>
               <a:t>expediaHotelExtractor.py</a:t>
             </a:r>
             <a:r>
-              <a:rPr lang="en-US" b="1" dirty="0" smtClean="0"/>
+              <a:rPr lang="en-US" b="1" dirty="0"/>
               <a:t> ):</a:t>
             </a:r>
           </a:p>
@@ -17760,10 +16576,6 @@
             <a:br>
               <a:rPr lang="en-US" sz="1600" dirty="0"/>
             </a:br>
-            <a:r>
-              <a:rPr lang="en-US" sz="1600" dirty="0"/>
-              <a:t/>
-            </a:r>
             <a:br>
               <a:rPr lang="en-US" sz="1600" dirty="0"/>
             </a:br>
@@ -17771,10 +16583,6 @@
               <a:rPr lang="en-US" sz="1600" b="1" dirty="0"/>
               <a:t>#Open the Expedia URL</a:t>
             </a:r>
-            <a:r>
-              <a:rPr lang="en-US" sz="1600" dirty="0"/>
-              <a:t/>
-            </a:r>
             <a:br>
               <a:rPr lang="en-US" sz="1600" dirty="0"/>
             </a:br>
@@ -17797,10 +16605,6 @@
             <a:br>
               <a:rPr lang="en-US" sz="1600" dirty="0"/>
             </a:br>
-            <a:r>
-              <a:rPr lang="en-US" sz="1600" dirty="0"/>
-              <a:t/>
-            </a:r>
             <a:br>
               <a:rPr lang="en-US" sz="1600" dirty="0"/>
             </a:br>
@@ -17808,10 +16612,6 @@
               <a:rPr lang="en-US" sz="1600" b="1" dirty="0"/>
               <a:t>#Find the destination field and enter NYC as the input</a:t>
             </a:r>
-            <a:r>
-              <a:rPr lang="en-US" sz="1600" dirty="0"/>
-              <a:t/>
-            </a:r>
             <a:br>
               <a:rPr lang="en-US" sz="1600" dirty="0"/>
             </a:br>
@@ -17842,10 +16642,6 @@
             <a:br>
               <a:rPr lang="en-US" sz="1600" dirty="0"/>
             </a:br>
-            <a:r>
-              <a:rPr lang="en-US" sz="1600" dirty="0"/>
-              <a:t/>
-            </a:r>
             <a:br>
               <a:rPr lang="en-US" sz="1600" dirty="0"/>
             </a:br>
@@ -17861,10 +16657,6 @@
               <a:rPr lang="en-US" sz="1600" b="1" dirty="0"/>
               <a:t> date field and clear it</a:t>
             </a:r>
-            <a:r>
-              <a:rPr lang="en-US" sz="1600" dirty="0"/>
-              <a:t/>
-            </a:r>
             <a:br>
               <a:rPr lang="en-US" sz="1600" dirty="0"/>
             </a:br>
@@ -17895,10 +16687,6 @@
             <a:br>
               <a:rPr lang="en-US" sz="1600" dirty="0"/>
             </a:br>
-            <a:r>
-              <a:rPr lang="en-US" sz="1600" dirty="0"/>
-              <a:t/>
-            </a:r>
             <a:br>
               <a:rPr lang="en-US" sz="1600" dirty="0"/>
             </a:br>
@@ -17914,10 +16702,6 @@
               <a:rPr lang="en-US" sz="1600" b="1" dirty="0"/>
               <a:t> date</a:t>
             </a:r>
-            <a:r>
-              <a:rPr lang="en-US" sz="1600" dirty="0"/>
-              <a:t/>
-            </a:r>
             <a:br>
               <a:rPr lang="en-US" sz="1600" dirty="0"/>
             </a:br>
@@ -17964,10 +16748,6 @@
             <a:br>
               <a:rPr lang="en-US" sz="1600" dirty="0"/>
             </a:br>
-            <a:r>
-              <a:rPr lang="en-US" sz="1600" dirty="0"/>
-              <a:t/>
-            </a:r>
             <a:br>
               <a:rPr lang="en-US" sz="1600" dirty="0"/>
             </a:br>
@@ -17983,10 +16763,6 @@
               <a:rPr lang="en-US" sz="1600" b="1" dirty="0"/>
               <a:t> checkout date</a:t>
             </a:r>
-            <a:r>
-              <a:rPr lang="en-US" sz="1600" dirty="0"/>
-              <a:t/>
-            </a:r>
             <a:br>
               <a:rPr lang="en-US" sz="1600" dirty="0"/>
             </a:br>
@@ -18044,10 +16820,6 @@
             <a:br>
               <a:rPr lang="en-US" sz="1600" dirty="0"/>
             </a:br>
-            <a:r>
-              <a:rPr lang="en-US" sz="1600" dirty="0"/>
-              <a:t/>
-            </a:r>
             <a:br>
               <a:rPr lang="en-US" sz="1600" dirty="0"/>
             </a:br>
@@ -18055,10 +16827,6 @@
               <a:rPr lang="en-US" sz="1600" b="1" dirty="0"/>
               <a:t>#Find and click the Submit button</a:t>
             </a:r>
-            <a:r>
-              <a:rPr lang="en-US" sz="1600" dirty="0"/>
-              <a:t/>
-            </a:r>
             <a:br>
               <a:rPr lang="en-US" sz="1600" dirty="0"/>
             </a:br>
@@ -18089,10 +16857,6 @@
             <a:br>
               <a:rPr lang="en-US" sz="1600" dirty="0"/>
             </a:br>
-            <a:r>
-              <a:rPr lang="en-US" sz="1600" dirty="0"/>
-              <a:t/>
-            </a:r>
             <a:br>
               <a:rPr lang="en-US" sz="1600" dirty="0"/>
             </a:br>
@@ -18108,10 +16872,6 @@
               <a:rPr lang="en-US" sz="1600" b="1" dirty="0"/>
               <a:t> to load results or for 20 seconds whichever comes first</a:t>
             </a:r>
-            <a:r>
-              <a:rPr lang="en-US" sz="1600" dirty="0"/>
-              <a:t/>
-            </a:r>
             <a:br>
               <a:rPr lang="en-US" sz="1600" dirty="0"/>
             </a:br>
@@ -18194,7 +16954,7 @@
               <a:rPr lang="en-US" sz="1600" dirty="0"/>
               <a:t>    print 'Error - Unable to find results'</a:t>
             </a:r>
-            <a:endParaRPr lang="en-US" sz="2000" dirty="0" smtClean="0"/>
+            <a:endParaRPr lang="en-US" sz="2000" dirty="0"/>
           </a:p>
         </p:txBody>
       </p:sp>
@@ -18208,13 +16968,6 @@
   <p:clrMapOvr>
     <a:masterClrMapping/>
   </p:clrMapOvr>
-  <p:timing>
-    <p:tnLst>
-      <p:par>
-        <p:cTn id="1" dur="indefinite" restart="never" nodeType="tmRoot"/>
-      </p:par>
-    </p:tnLst>
-  </p:timing>
 </p:sld>
 </file>
 
@@ -18240,7 +16993,7 @@
           <p:cNvPr id="4" name="TextBox 3">
             <a:extLst>
               <a:ext uri="{FF2B5EF4-FFF2-40B4-BE49-F238E27FC236}">
-                <a16:creationId xmlns="" xmlns:a16="http://schemas.microsoft.com/office/drawing/2014/main" id="{F60DFD09-AC45-4F33-B352-CDAB149F70B8}"/>
+                <a16:creationId xmlns:a16="http://schemas.microsoft.com/office/drawing/2014/main" id="{F60DFD09-AC45-4F33-B352-CDAB149F70B8}"/>
               </a:ext>
             </a:extLst>
           </p:cNvPr>
@@ -18277,7 +17030,7 @@
           <p:cNvPr id="3" name="TextBox 2">
             <a:extLst>
               <a:ext uri="{FF2B5EF4-FFF2-40B4-BE49-F238E27FC236}">
-                <a16:creationId xmlns="" xmlns:a16="http://schemas.microsoft.com/office/drawing/2014/main" id="{8957C43E-E3DC-4876-9C5F-195DD279152E}"/>
+                <a16:creationId xmlns:a16="http://schemas.microsoft.com/office/drawing/2014/main" id="{8957C43E-E3DC-4876-9C5F-195DD279152E}"/>
               </a:ext>
             </a:extLst>
           </p:cNvPr>
@@ -18311,18 +17064,13 @@
           <a:p>
             <a:pPr lvl="0" algn="ctr"/>
             <a:r>
-              <a:rPr lang="en-US" sz="3200" b="1" dirty="0" smtClean="0">
+              <a:rPr lang="en-US" sz="3200" b="1" dirty="0">
                 <a:solidFill>
                   <a:schemeClr val="bg1"/>
                 </a:solidFill>
               </a:rPr>
               <a:t>USE CASE – AUTOMATING HOTEL SEARCHES ON EXPEDIA</a:t>
             </a:r>
-            <a:endParaRPr lang="en-US" sz="3200" b="1" dirty="0">
-              <a:solidFill>
-                <a:schemeClr val="bg1"/>
-              </a:solidFill>
-            </a:endParaRPr>
           </a:p>
         </p:txBody>
       </p:sp>
@@ -18331,7 +17079,7 @@
           <p:cNvPr id="8" name="Slide Number Placeholder 7">
             <a:extLst>
               <a:ext uri="{FF2B5EF4-FFF2-40B4-BE49-F238E27FC236}">
-                <a16:creationId xmlns="" xmlns:a16="http://schemas.microsoft.com/office/drawing/2014/main" id="{9D40CF21-C5F8-459C-8C61-CF7062621A18}"/>
+                <a16:creationId xmlns:a16="http://schemas.microsoft.com/office/drawing/2014/main" id="{9D40CF21-C5F8-459C-8C61-CF7062621A18}"/>
               </a:ext>
             </a:extLst>
           </p:cNvPr>
@@ -18360,7 +17108,7 @@
           <p:cNvPr id="9" name="TextBox 8">
             <a:extLst>
               <a:ext uri="{FF2B5EF4-FFF2-40B4-BE49-F238E27FC236}">
-                <a16:creationId xmlns="" xmlns:a16="http://schemas.microsoft.com/office/drawing/2014/main" id="{7D279814-308C-4A57-975C-A76041DED832}"/>
+                <a16:creationId xmlns:a16="http://schemas.microsoft.com/office/drawing/2014/main" id="{7D279814-308C-4A57-975C-A76041DED832}"/>
               </a:ext>
             </a:extLst>
           </p:cNvPr>
@@ -18389,15 +17137,15 @@
           <a:lstStyle/>
           <a:p>
             <a:r>
-              <a:rPr lang="en-US" b="1" dirty="0" smtClean="0"/>
+              <a:rPr lang="en-US" b="1" dirty="0"/>
               <a:t>Extraction Code – Part 3/4 ( </a:t>
             </a:r>
             <a:r>
-              <a:rPr lang="en-US" b="1" dirty="0" err="1" smtClean="0"/>
+              <a:rPr lang="en-US" b="1" dirty="0" err="1"/>
               <a:t>expediaHotelExtractor.py</a:t>
             </a:r>
             <a:r>
-              <a:rPr lang="en-US" b="1" dirty="0" smtClean="0"/>
+              <a:rPr lang="en-US" b="1" dirty="0"/>
               <a:t> ):</a:t>
             </a:r>
           </a:p>
@@ -18413,10 +17161,6 @@
               <a:rPr lang="en-US" sz="1400" b="1" dirty="0"/>
               <a:t>#create a list to store hotel details</a:t>
             </a:r>
-            <a:r>
-              <a:rPr lang="en-US" sz="1400" dirty="0"/>
-              <a:t/>
-            </a:r>
             <a:br>
               <a:rPr lang="en-US" sz="1400" dirty="0"/>
             </a:br>
@@ -18431,10 +17175,6 @@
             <a:br>
               <a:rPr lang="en-US" sz="1400" dirty="0"/>
             </a:br>
-            <a:r>
-              <a:rPr lang="en-US" sz="1400" dirty="0"/>
-              <a:t/>
-            </a:r>
             <a:br>
               <a:rPr lang="en-US" sz="1400" dirty="0"/>
             </a:br>
@@ -18442,10 +17182,6 @@
               <a:rPr lang="en-US" sz="1400" b="1" dirty="0"/>
               <a:t>#Create a page number variable and default it to 1, this will be incremented at every page load</a:t>
             </a:r>
-            <a:r>
-              <a:rPr lang="en-US" sz="1400" dirty="0"/>
-              <a:t/>
-            </a:r>
             <a:br>
               <a:rPr lang="en-US" sz="1400" dirty="0"/>
             </a:br>
@@ -18460,10 +17196,6 @@
             <a:br>
               <a:rPr lang="en-US" sz="1400" dirty="0"/>
             </a:br>
-            <a:r>
-              <a:rPr lang="en-US" sz="1400" dirty="0"/>
-              <a:t/>
-            </a:r>
             <a:br>
               <a:rPr lang="en-US" sz="1400" dirty="0"/>
             </a:br>
@@ -18471,10 +17203,6 @@
               <a:rPr lang="en-US" sz="1400" b="1" dirty="0"/>
               <a:t>#Create a variable to identify if the next button is disabled ( the last page )</a:t>
             </a:r>
-            <a:r>
-              <a:rPr lang="en-US" sz="1400" dirty="0"/>
-              <a:t/>
-            </a:r>
             <a:br>
               <a:rPr lang="en-US" sz="1400" dirty="0"/>
             </a:br>
@@ -18489,10 +17217,6 @@
             <a:br>
               <a:rPr lang="en-US" sz="1400" dirty="0"/>
             </a:br>
-            <a:r>
-              <a:rPr lang="en-US" sz="1400" dirty="0"/>
-              <a:t/>
-            </a:r>
             <a:br>
               <a:rPr lang="en-US" sz="1400" dirty="0"/>
             </a:br>
@@ -18534,10 +17258,6 @@
               <a:rPr lang="en-US" sz="1400" b="1" dirty="0"/>
               <a:t>    #Print the current page number</a:t>
             </a:r>
-            <a:r>
-              <a:rPr lang="en-US" sz="1400" dirty="0"/>
-              <a:t/>
-            </a:r>
             <a:br>
               <a:rPr lang="en-US" sz="1400" dirty="0"/>
             </a:br>
@@ -18549,17 +17269,9 @@
               <a:rPr lang="en-US" sz="1400" dirty="0" err="1"/>
               <a:t>page_no</a:t>
             </a:r>
-            <a:r>
-              <a:rPr lang="en-US" sz="1400" dirty="0"/>
-              <a:t/>
-            </a:r>
-            <a:br>
-              <a:rPr lang="en-US" sz="1400" dirty="0"/>
-            </a:br>
-            <a:r>
-              <a:rPr lang="en-US" sz="1400" dirty="0"/>
-              <a:t/>
-            </a:r>
+            <a:br>
+              <a:rPr lang="en-US" sz="1400" dirty="0"/>
+            </a:br>
             <a:br>
               <a:rPr lang="en-US" sz="1400" dirty="0"/>
             </a:br>
@@ -18567,10 +17279,6 @@
               <a:rPr lang="en-US" sz="1400" b="1" dirty="0"/>
               <a:t>    #Find all tags name article on the current page. The article tag contains hotel details</a:t>
             </a:r>
-            <a:r>
-              <a:rPr lang="en-US" sz="1400" dirty="0"/>
-              <a:t/>
-            </a:r>
             <a:br>
               <a:rPr lang="en-US" sz="1400" dirty="0"/>
             </a:br>
@@ -18584,37 +17292,25 @@
             </a:r>
             <a:r>
               <a:rPr lang="en-US" sz="1400" dirty="0"/>
-              <a:t>('article</a:t>
-            </a:r>
-            <a:r>
-              <a:rPr lang="en-US" sz="1400" dirty="0" smtClean="0"/>
-              <a:t>')</a:t>
+              <a:t>('article')</a:t>
             </a:r>
           </a:p>
           <a:p>
             <a:endParaRPr lang="en-US" sz="1400" dirty="0"/>
           </a:p>
           <a:p>
-            <a:endParaRPr lang="en-US" sz="1400" dirty="0" smtClean="0"/>
-          </a:p>
-          <a:p>
             <a:endParaRPr lang="en-US" sz="1400" dirty="0"/>
           </a:p>
           <a:p>
             <a:endParaRPr lang="en-US" sz="1400" dirty="0"/>
           </a:p>
           <a:p>
-            <a:r>
-              <a:rPr lang="en-US" sz="1400" dirty="0"/>
-              <a:t/>
-            </a:r>
-            <a:br>
-              <a:rPr lang="en-US" sz="1400" dirty="0"/>
-            </a:br>
-            <a:r>
-              <a:rPr lang="en-US" sz="1400" dirty="0"/>
-              <a:t/>
-            </a:r>
+            <a:endParaRPr lang="en-US" sz="1400" dirty="0"/>
+          </a:p>
+          <a:p>
+            <a:br>
+              <a:rPr lang="en-US" sz="1400" dirty="0"/>
+            </a:br>
             <a:br>
               <a:rPr lang="en-US" sz="1400" dirty="0"/>
             </a:br>
@@ -18626,10 +17322,6 @@
               <a:rPr lang="en-US" sz="1400" b="1" dirty="0"/>
               <a:t>#Iterate over the list of Hotels(articles) on the current page</a:t>
             </a:r>
-            <a:r>
-              <a:rPr lang="en-US" sz="1400" dirty="0"/>
-              <a:t/>
-            </a:r>
             <a:br>
               <a:rPr lang="en-US" sz="1400" dirty="0"/>
             </a:br>
@@ -18640,10 +17332,6 @@
             <a:br>
               <a:rPr lang="en-US" sz="1400" dirty="0"/>
             </a:br>
-            <a:r>
-              <a:rPr lang="en-US" sz="1400" dirty="0"/>
-              <a:t/>
-            </a:r>
             <a:br>
               <a:rPr lang="en-US" sz="1400" dirty="0"/>
             </a:br>
@@ -18655,10 +17343,6 @@
               <a:rPr lang="en-US" sz="1400" b="1" dirty="0"/>
               <a:t>#Try to find the hotel name price, if there is an error print 'Encountered Error' and go to the next hotel</a:t>
             </a:r>
-            <a:r>
-              <a:rPr lang="en-US" sz="1400" dirty="0"/>
-              <a:t/>
-            </a:r>
             <a:br>
               <a:rPr lang="en-US" sz="1400" dirty="0"/>
             </a:br>
@@ -18669,10 +17353,6 @@
             <a:br>
               <a:rPr lang="en-US" sz="1400" dirty="0"/>
             </a:br>
-            <a:r>
-              <a:rPr lang="en-US" sz="1400" dirty="0"/>
-              <a:t/>
-            </a:r>
             <a:br>
               <a:rPr lang="en-US" sz="1400" dirty="0"/>
             </a:br>
@@ -18680,10 +17360,6 @@
               <a:rPr lang="en-US" sz="1400" b="1" dirty="0"/>
               <a:t>            #Get the hotel name</a:t>
             </a:r>
-            <a:r>
-              <a:rPr lang="en-US" sz="1400" dirty="0"/>
-              <a:t/>
-            </a:r>
             <a:br>
               <a:rPr lang="en-US" sz="1400" dirty="0"/>
             </a:br>
@@ -18718,10 +17394,6 @@
             <a:br>
               <a:rPr lang="en-US" sz="1400" dirty="0"/>
             </a:br>
-            <a:r>
-              <a:rPr lang="en-US" sz="1400" dirty="0"/>
-              <a:t/>
-            </a:r>
             <a:br>
               <a:rPr lang="en-US" sz="1400" dirty="0"/>
             </a:br>
@@ -18729,10 +17401,6 @@
               <a:rPr lang="en-US" sz="1400" b="1" dirty="0"/>
               <a:t>            #Get the hotel price</a:t>
             </a:r>
-            <a:r>
-              <a:rPr lang="en-US" sz="1400" dirty="0"/>
-              <a:t/>
-            </a:r>
             <a:br>
               <a:rPr lang="en-US" sz="1400" dirty="0"/>
             </a:br>
@@ -18767,24 +17435,12 @@
             <a:br>
               <a:rPr lang="en-US" sz="1400" dirty="0"/>
             </a:br>
-            <a:r>
-              <a:rPr lang="en-US" sz="1400" dirty="0"/>
-              <a:t/>
-            </a:r>
             <a:br>
               <a:rPr lang="en-US" sz="1400" dirty="0"/>
             </a:br>
             <a:r>
               <a:rPr lang="en-US" sz="1400" b="1" dirty="0"/>
-              <a:t>            #Create a tuple with the hotel name, price and todays </a:t>
-            </a:r>
-            <a:r>
-              <a:rPr lang="en-US" sz="1400" b="1" dirty="0" smtClean="0"/>
-              <a:t>date</a:t>
-            </a:r>
-            <a:r>
-              <a:rPr lang="en-US" sz="1400" dirty="0"/>
-              <a:t/>
+              <a:t>            #Create a tuple with the hotel name, price and todays date</a:t>
             </a:r>
             <a:br>
               <a:rPr lang="en-US" sz="1400" dirty="0"/>
@@ -18820,10 +17476,6 @@
             <a:br>
               <a:rPr lang="en-US" sz="1400" dirty="0"/>
             </a:br>
-            <a:r>
-              <a:rPr lang="en-US" sz="1400" dirty="0"/>
-              <a:t/>
-            </a:r>
             <a:br>
               <a:rPr lang="en-US" sz="1400" dirty="0"/>
             </a:br>
@@ -18869,10 +17521,6 @@
             <a:br>
               <a:rPr lang="en-US" sz="1400" dirty="0"/>
             </a:br>
-            <a:r>
-              <a:rPr lang="en-US" sz="1400" dirty="0"/>
-              <a:t/>
-            </a:r>
             <a:br>
               <a:rPr lang="en-US" sz="1400" dirty="0"/>
             </a:br>
@@ -18883,10 +17531,6 @@
             <a:br>
               <a:rPr lang="en-US" sz="1400" dirty="0"/>
             </a:br>
-            <a:r>
-              <a:rPr lang="en-US" sz="1400" dirty="0"/>
-              <a:t/>
-            </a:r>
             <a:br>
               <a:rPr lang="en-US" sz="1400" dirty="0"/>
             </a:br>
@@ -18894,28 +17538,16 @@
               <a:rPr lang="en-US" sz="1400" dirty="0"/>
               <a:t>            print 'Encountered error'</a:t>
             </a:r>
-            <a:r>
+            <a:br>
               <a:rPr lang="en-US" sz="1400" b="1" dirty="0"/>
-              <a:t/>
-            </a:r>
+            </a:br>
             <a:br>
               <a:rPr lang="en-US" sz="1400" b="1" dirty="0"/>
             </a:br>
-            <a:r>
+            <a:br>
               <a:rPr lang="en-US" sz="1400" b="1" dirty="0"/>
-              <a:t/>
-            </a:r>
-            <a:br>
-              <a:rPr lang="en-US" sz="1400" b="1" dirty="0"/>
-            </a:br>
-            <a:r>
-              <a:rPr lang="en-US" sz="1400" b="1" dirty="0"/>
-              <a:t/>
-            </a:r>
-            <a:br>
-              <a:rPr lang="en-US" sz="1400" b="1" dirty="0"/>
-            </a:br>
-            <a:endParaRPr lang="en-US" b="1" dirty="0" smtClean="0"/>
+            </a:br>
+            <a:endParaRPr lang="en-US" b="1" dirty="0"/>
           </a:p>
         </p:txBody>
       </p:sp>
@@ -18929,13 +17561,6 @@
   <p:clrMapOvr>
     <a:masterClrMapping/>
   </p:clrMapOvr>
-  <p:timing>
-    <p:tnLst>
-      <p:par>
-        <p:cTn id="1" dur="indefinite" restart="never" nodeType="tmRoot"/>
-      </p:par>
-    </p:tnLst>
-  </p:timing>
 </p:sld>
 </file>
 
@@ -18961,7 +17586,7 @@
           <p:cNvPr id="4" name="TextBox 3">
             <a:extLst>
               <a:ext uri="{FF2B5EF4-FFF2-40B4-BE49-F238E27FC236}">
-                <a16:creationId xmlns="" xmlns:a16="http://schemas.microsoft.com/office/drawing/2014/main" id="{F60DFD09-AC45-4F33-B352-CDAB149F70B8}"/>
+                <a16:creationId xmlns:a16="http://schemas.microsoft.com/office/drawing/2014/main" id="{F60DFD09-AC45-4F33-B352-CDAB149F70B8}"/>
               </a:ext>
             </a:extLst>
           </p:cNvPr>
@@ -18998,7 +17623,7 @@
           <p:cNvPr id="3" name="TextBox 2">
             <a:extLst>
               <a:ext uri="{FF2B5EF4-FFF2-40B4-BE49-F238E27FC236}">
-                <a16:creationId xmlns="" xmlns:a16="http://schemas.microsoft.com/office/drawing/2014/main" id="{8957C43E-E3DC-4876-9C5F-195DD279152E}"/>
+                <a16:creationId xmlns:a16="http://schemas.microsoft.com/office/drawing/2014/main" id="{8957C43E-E3DC-4876-9C5F-195DD279152E}"/>
               </a:ext>
             </a:extLst>
           </p:cNvPr>
@@ -19032,18 +17657,13 @@
           <a:p>
             <a:pPr lvl="0" algn="ctr"/>
             <a:r>
-              <a:rPr lang="en-US" sz="3200" b="1" dirty="0" smtClean="0">
+              <a:rPr lang="en-US" sz="3200" b="1" dirty="0">
                 <a:solidFill>
                   <a:schemeClr val="bg1"/>
                 </a:solidFill>
               </a:rPr>
               <a:t>USE CASE – AUTOMATING HOTEL SEARCHES ON EXPEDIA</a:t>
             </a:r>
-            <a:endParaRPr lang="en-US" sz="3200" b="1" dirty="0">
-              <a:solidFill>
-                <a:schemeClr val="bg1"/>
-              </a:solidFill>
-            </a:endParaRPr>
           </a:p>
         </p:txBody>
       </p:sp>
@@ -19052,7 +17672,7 @@
           <p:cNvPr id="8" name="Slide Number Placeholder 7">
             <a:extLst>
               <a:ext uri="{FF2B5EF4-FFF2-40B4-BE49-F238E27FC236}">
-                <a16:creationId xmlns="" xmlns:a16="http://schemas.microsoft.com/office/drawing/2014/main" id="{9D40CF21-C5F8-459C-8C61-CF7062621A18}"/>
+                <a16:creationId xmlns:a16="http://schemas.microsoft.com/office/drawing/2014/main" id="{9D40CF21-C5F8-459C-8C61-CF7062621A18}"/>
               </a:ext>
             </a:extLst>
           </p:cNvPr>
@@ -19081,7 +17701,7 @@
           <p:cNvPr id="9" name="TextBox 8">
             <a:extLst>
               <a:ext uri="{FF2B5EF4-FFF2-40B4-BE49-F238E27FC236}">
-                <a16:creationId xmlns="" xmlns:a16="http://schemas.microsoft.com/office/drawing/2014/main" id="{7D279814-308C-4A57-975C-A76041DED832}"/>
+                <a16:creationId xmlns:a16="http://schemas.microsoft.com/office/drawing/2014/main" id="{7D279814-308C-4A57-975C-A76041DED832}"/>
               </a:ext>
             </a:extLst>
           </p:cNvPr>
@@ -19110,15 +17730,15 @@
           <a:lstStyle/>
           <a:p>
             <a:r>
-              <a:rPr lang="en-US" b="1" dirty="0" smtClean="0"/>
+              <a:rPr lang="en-US" b="1" dirty="0"/>
               <a:t>Extraction Code – Part 4/4 ( </a:t>
             </a:r>
             <a:r>
-              <a:rPr lang="en-US" b="1" dirty="0" err="1" smtClean="0"/>
+              <a:rPr lang="en-US" b="1" dirty="0" err="1"/>
               <a:t>expediaHotelExtractor.py</a:t>
             </a:r>
             <a:r>
-              <a:rPr lang="en-US" b="1" dirty="0" smtClean="0"/>
+              <a:rPr lang="en-US" b="1" dirty="0"/>
               <a:t> ):</a:t>
             </a:r>
           </a:p>
@@ -19134,10 +17754,6 @@
               <a:rPr lang="en-US" sz="1600" b="1" dirty="0"/>
               <a:t>#Get the next button disabled status, this will be true if the next button is disabled else false</a:t>
             </a:r>
-            <a:r>
-              <a:rPr lang="en-US" sz="1600" dirty="0"/>
-              <a:t/>
-            </a:r>
             <a:br>
               <a:rPr lang="en-US" sz="1600" dirty="0"/>
             </a:br>
@@ -19172,10 +17788,6 @@
             <a:br>
               <a:rPr lang="en-US" sz="1600" dirty="0"/>
             </a:br>
-            <a:r>
-              <a:rPr lang="en-US" sz="1600" dirty="0"/>
-              <a:t/>
-            </a:r>
             <a:br>
               <a:rPr lang="en-US" sz="1600" dirty="0"/>
             </a:br>
@@ -19194,10 +17806,6 @@
             <a:br>
               <a:rPr lang="en-US" sz="1600" dirty="0"/>
             </a:br>
-            <a:r>
-              <a:rPr lang="en-US" sz="1600" dirty="0"/>
-              <a:t/>
-            </a:r>
             <a:br>
               <a:rPr lang="en-US" sz="1600" dirty="0"/>
             </a:br>
@@ -19209,10 +17817,6 @@
               <a:rPr lang="en-US" sz="1600" b="1" dirty="0"/>
               <a:t>#increment the page number</a:t>
             </a:r>
-            <a:r>
-              <a:rPr lang="en-US" sz="1600" dirty="0"/>
-              <a:t/>
-            </a:r>
             <a:br>
               <a:rPr lang="en-US" sz="1600" dirty="0"/>
             </a:br>
@@ -19239,10 +17843,6 @@
             <a:br>
               <a:rPr lang="en-US" sz="1600" dirty="0"/>
             </a:br>
-            <a:r>
-              <a:rPr lang="en-US" sz="1600" dirty="0"/>
-              <a:t/>
-            </a:r>
             <a:br>
               <a:rPr lang="en-US" sz="1600" dirty="0"/>
             </a:br>
@@ -19254,10 +17854,6 @@
               <a:rPr lang="en-US" sz="1600" b="1" dirty="0"/>
               <a:t>#Click next button on the page</a:t>
             </a:r>
-            <a:r>
-              <a:rPr lang="en-US" sz="1600" dirty="0"/>
-              <a:t/>
-            </a:r>
             <a:br>
               <a:rPr lang="en-US" sz="1600" dirty="0"/>
             </a:br>
@@ -19292,10 +17888,6 @@
             <a:br>
               <a:rPr lang="en-US" sz="1600" dirty="0"/>
             </a:br>
-            <a:r>
-              <a:rPr lang="en-US" sz="1600" dirty="0"/>
-              <a:t/>
-            </a:r>
             <a:br>
               <a:rPr lang="en-US" sz="1600" dirty="0"/>
             </a:br>
@@ -19315,10 +17907,6 @@
               <a:rPr lang="en-US" sz="1600" b="1" dirty="0"/>
               <a:t> load new results from the next page</a:t>
             </a:r>
-            <a:r>
-              <a:rPr lang="en-US" sz="1600" dirty="0"/>
-              <a:t/>
-            </a:r>
             <a:br>
               <a:rPr lang="en-US" sz="1600" dirty="0"/>
             </a:br>
@@ -19337,41 +17925,21 @@
             <a:br>
               <a:rPr lang="en-US" sz="1600" dirty="0"/>
             </a:br>
-            <a:r>
-              <a:rPr lang="en-US" sz="1600" dirty="0"/>
-              <a:t/>
-            </a:r>
-            <a:br>
-              <a:rPr lang="en-US" sz="1600" dirty="0"/>
-            </a:br>
-            <a:r>
-              <a:rPr lang="en-US" sz="1600" dirty="0"/>
-              <a:t/>
-            </a:r>
-            <a:br>
-              <a:rPr lang="en-US" sz="1600" dirty="0"/>
-            </a:br>
-            <a:r>
-              <a:rPr lang="en-US" sz="1600" dirty="0"/>
-              <a:t/>
-            </a:r>
-            <a:br>
-              <a:rPr lang="en-US" sz="1600" dirty="0"/>
-            </a:br>
-            <a:endParaRPr lang="en-US" sz="1600" dirty="0" smtClean="0"/>
-          </a:p>
-          <a:p>
-            <a:r>
-              <a:rPr lang="en-US" sz="1600" b="1" dirty="0" smtClean="0"/>
-              <a:t>#</a:t>
-            </a:r>
+            <a:br>
+              <a:rPr lang="en-US" sz="1600" dirty="0"/>
+            </a:br>
+            <a:br>
+              <a:rPr lang="en-US" sz="1600" dirty="0"/>
+            </a:br>
+            <a:br>
+              <a:rPr lang="en-US" sz="1600" dirty="0"/>
+            </a:br>
+            <a:endParaRPr lang="en-US" sz="1600" dirty="0"/>
+          </a:p>
+          <a:p>
             <a:r>
               <a:rPr lang="en-US" sz="1600" b="1" dirty="0"/>
-              <a:t>Create a data frame from the hotel list</a:t>
-            </a:r>
-            <a:r>
-              <a:rPr lang="en-US" sz="1600" dirty="0"/>
-              <a:t/>
+              <a:t>#Create a data frame from the hotel list</a:t>
             </a:r>
             <a:br>
               <a:rPr lang="en-US" sz="1600" dirty="0"/>
@@ -19419,10 +17987,6 @@
             <a:br>
               <a:rPr lang="en-US" sz="1600" dirty="0"/>
             </a:br>
-            <a:r>
-              <a:rPr lang="en-US" sz="1600" dirty="0"/>
-              <a:t/>
-            </a:r>
             <a:br>
               <a:rPr lang="en-US" sz="1600" dirty="0"/>
             </a:br>
@@ -19430,10 +17994,6 @@
               <a:rPr lang="en-US" sz="1600" b="1" dirty="0"/>
               <a:t>#Print the number of rows and columns in the data frame</a:t>
             </a:r>
-            <a:r>
-              <a:rPr lang="en-US" sz="1600" dirty="0"/>
-              <a:t/>
-            </a:r>
             <a:br>
               <a:rPr lang="en-US" sz="1600" dirty="0"/>
             </a:br>
@@ -19445,17 +18005,9 @@
               <a:rPr lang="en-US" sz="1600" dirty="0" err="1"/>
               <a:t>hotel_df.shape</a:t>
             </a:r>
-            <a:r>
-              <a:rPr lang="en-US" sz="1600" dirty="0"/>
-              <a:t/>
-            </a:r>
-            <a:br>
-              <a:rPr lang="en-US" sz="1600" dirty="0"/>
-            </a:br>
-            <a:r>
-              <a:rPr lang="en-US" sz="1600" dirty="0"/>
-              <a:t/>
-            </a:r>
+            <a:br>
+              <a:rPr lang="en-US" sz="1600" dirty="0"/>
+            </a:br>
             <a:br>
               <a:rPr lang="en-US" sz="1600" dirty="0"/>
             </a:br>
@@ -19463,10 +18015,6 @@
               <a:rPr lang="en-US" sz="1600" b="1" dirty="0"/>
               <a:t>#Print the descriptive statistics of the data frame</a:t>
             </a:r>
-            <a:r>
-              <a:rPr lang="en-US" sz="1600" dirty="0"/>
-              <a:t/>
-            </a:r>
             <a:br>
               <a:rPr lang="en-US" sz="1600" dirty="0"/>
             </a:br>
@@ -19485,10 +18033,6 @@
             <a:br>
               <a:rPr lang="en-US" sz="1600" dirty="0"/>
             </a:br>
-            <a:r>
-              <a:rPr lang="en-US" sz="1600" dirty="0"/>
-              <a:t/>
-            </a:r>
             <a:br>
               <a:rPr lang="en-US" sz="1600" dirty="0"/>
             </a:br>
@@ -19504,10 +18048,6 @@
               <a:rPr lang="en-US" sz="1600" b="1" dirty="0"/>
               <a:t> data into a csv file</a:t>
             </a:r>
-            <a:r>
-              <a:rPr lang="en-US" sz="1600" dirty="0"/>
-              <a:t/>
-            </a:r>
             <a:br>
               <a:rPr lang="en-US" sz="1600" dirty="0"/>
             </a:br>
@@ -19530,10 +18070,6 @@
             <a:br>
               <a:rPr lang="en-US" sz="1600" dirty="0"/>
             </a:br>
-            <a:r>
-              <a:rPr lang="en-US" sz="1600" dirty="0"/>
-              <a:t/>
-            </a:r>
             <a:br>
               <a:rPr lang="en-US" sz="1600" dirty="0"/>
             </a:br>
@@ -19557,10 +18093,6 @@
               <a:rPr lang="en-US" sz="1600" b="1" dirty="0"/>
               <a:t> module</a:t>
             </a:r>
-            <a:r>
-              <a:rPr lang="en-US" sz="1600" dirty="0"/>
-              <a:t/>
-            </a:r>
             <a:br>
               <a:rPr lang="en-US" sz="1600" dirty="0"/>
             </a:br>
@@ -19583,10 +18115,6 @@
             <a:br>
               <a:rPr lang="en-US" sz="1600" dirty="0"/>
             </a:br>
-            <a:r>
-              <a:rPr lang="en-US" sz="1600" dirty="0"/>
-              <a:t/>
-            </a:r>
             <a:br>
               <a:rPr lang="en-US" sz="1600" dirty="0"/>
             </a:br>
@@ -19610,10 +18138,6 @@
               <a:rPr lang="en-US" sz="1600" b="1" dirty="0"/>
               <a:t> module</a:t>
             </a:r>
-            <a:r>
-              <a:rPr lang="en-US" sz="1600" dirty="0"/>
-              <a:t/>
-            </a:r>
             <a:br>
               <a:rPr lang="en-US" sz="1600" dirty="0"/>
             </a:br>
@@ -19633,10 +18157,6 @@
               <a:rPr lang="en-US" sz="1600" dirty="0"/>
               <a:t>)</a:t>
             </a:r>
-            <a:r>
-              <a:rPr lang="en-US" sz="1400" b="1" dirty="0"/>
-              <a:t/>
-            </a:r>
             <a:br>
               <a:rPr lang="en-US" sz="1400" b="1" dirty="0"/>
             </a:br>
@@ -19647,21 +18167,13 @@
             <a:br>
               <a:rPr lang="en-US" sz="1400" b="1" dirty="0"/>
             </a:br>
-            <a:r>
+            <a:br>
               <a:rPr lang="en-US" sz="1400" b="1" dirty="0"/>
-              <a:t/>
-            </a:r>
+            </a:br>
             <a:br>
               <a:rPr lang="en-US" sz="1400" b="1" dirty="0"/>
             </a:br>
-            <a:r>
-              <a:rPr lang="en-US" sz="1400" b="1" dirty="0"/>
-              <a:t/>
-            </a:r>
-            <a:br>
-              <a:rPr lang="en-US" sz="1400" b="1" dirty="0"/>
-            </a:br>
-            <a:endParaRPr lang="en-US" b="1" dirty="0" smtClean="0"/>
+            <a:endParaRPr lang="en-US" b="1" dirty="0"/>
           </a:p>
         </p:txBody>
       </p:sp>
@@ -19675,13 +18187,6 @@
   <p:clrMapOvr>
     <a:masterClrMapping/>
   </p:clrMapOvr>
-  <p:timing>
-    <p:tnLst>
-      <p:par>
-        <p:cTn id="1" dur="indefinite" restart="never" nodeType="tmRoot"/>
-      </p:par>
-    </p:tnLst>
-  </p:timing>
 </p:sld>
 </file>
 
@@ -19707,7 +18212,7 @@
           <p:cNvPr id="4" name="TextBox 3">
             <a:extLst>
               <a:ext uri="{FF2B5EF4-FFF2-40B4-BE49-F238E27FC236}">
-                <a16:creationId xmlns="" xmlns:a16="http://schemas.microsoft.com/office/drawing/2014/main" id="{F60DFD09-AC45-4F33-B352-CDAB149F70B8}"/>
+                <a16:creationId xmlns:a16="http://schemas.microsoft.com/office/drawing/2014/main" id="{F60DFD09-AC45-4F33-B352-CDAB149F70B8}"/>
               </a:ext>
             </a:extLst>
           </p:cNvPr>
@@ -19744,7 +18249,7 @@
           <p:cNvPr id="3" name="TextBox 2">
             <a:extLst>
               <a:ext uri="{FF2B5EF4-FFF2-40B4-BE49-F238E27FC236}">
-                <a16:creationId xmlns="" xmlns:a16="http://schemas.microsoft.com/office/drawing/2014/main" id="{8957C43E-E3DC-4876-9C5F-195DD279152E}"/>
+                <a16:creationId xmlns:a16="http://schemas.microsoft.com/office/drawing/2014/main" id="{8957C43E-E3DC-4876-9C5F-195DD279152E}"/>
               </a:ext>
             </a:extLst>
           </p:cNvPr>
@@ -19778,20 +18283,12 @@
           <a:p>
             <a:pPr lvl="0" algn="ctr"/>
             <a:r>
-              <a:rPr lang="en-US" sz="4800" b="1" smtClean="0">
+              <a:rPr lang="en-US" sz="4800" b="1">
                 <a:solidFill>
                   <a:schemeClr val="bg1"/>
                 </a:solidFill>
               </a:rPr>
-              <a:t>THE </a:t>
-            </a:r>
-            <a:r>
-              <a:rPr lang="en-US" sz="4800" b="1" smtClean="0">
-                <a:solidFill>
-                  <a:schemeClr val="bg1"/>
-                </a:solidFill>
-              </a:rPr>
-              <a:t>END</a:t>
+              <a:t>THE END</a:t>
             </a:r>
             <a:endParaRPr lang="en-US" sz="4800" b="1" dirty="0">
               <a:solidFill>
@@ -19806,7 +18303,7 @@
           <p:cNvPr id="5" name="Slide Number Placeholder 4">
             <a:extLst>
               <a:ext uri="{FF2B5EF4-FFF2-40B4-BE49-F238E27FC236}">
-                <a16:creationId xmlns="" xmlns:a16="http://schemas.microsoft.com/office/drawing/2014/main" id="{73B9D6A2-EEFD-4791-A00F-CB36025835D8}"/>
+                <a16:creationId xmlns:a16="http://schemas.microsoft.com/office/drawing/2014/main" id="{73B9D6A2-EEFD-4791-A00F-CB36025835D8}"/>
               </a:ext>
             </a:extLst>
           </p:cNvPr>
@@ -19840,13 +18337,6 @@
   <p:clrMapOvr>
     <a:masterClrMapping/>
   </p:clrMapOvr>
-  <p:timing>
-    <p:tnLst>
-      <p:par>
-        <p:cTn id="1" dur="indefinite" restart="never" nodeType="tmRoot"/>
-      </p:par>
-    </p:tnLst>
-  </p:timing>
 </p:sld>
 </file>
 
@@ -19872,7 +18362,7 @@
           <p:cNvPr id="4" name="TextBox 3">
             <a:extLst>
               <a:ext uri="{FF2B5EF4-FFF2-40B4-BE49-F238E27FC236}">
-                <a16:creationId xmlns="" xmlns:a16="http://schemas.microsoft.com/office/drawing/2014/main" id="{F60DFD09-AC45-4F33-B352-CDAB149F70B8}"/>
+                <a16:creationId xmlns:a16="http://schemas.microsoft.com/office/drawing/2014/main" id="{F60DFD09-AC45-4F33-B352-CDAB149F70B8}"/>
               </a:ext>
             </a:extLst>
           </p:cNvPr>
@@ -19909,7 +18399,7 @@
           <p:cNvPr id="3" name="TextBox 2">
             <a:extLst>
               <a:ext uri="{FF2B5EF4-FFF2-40B4-BE49-F238E27FC236}">
-                <a16:creationId xmlns="" xmlns:a16="http://schemas.microsoft.com/office/drawing/2014/main" id="{8957C43E-E3DC-4876-9C5F-195DD279152E}"/>
+                <a16:creationId xmlns:a16="http://schemas.microsoft.com/office/drawing/2014/main" id="{8957C43E-E3DC-4876-9C5F-195DD279152E}"/>
               </a:ext>
             </a:extLst>
           </p:cNvPr>
@@ -19958,7 +18448,7 @@
           <p:cNvPr id="5" name="Slide Number Placeholder 4">
             <a:extLst>
               <a:ext uri="{FF2B5EF4-FFF2-40B4-BE49-F238E27FC236}">
-                <a16:creationId xmlns="" xmlns:a16="http://schemas.microsoft.com/office/drawing/2014/main" id="{73B9D6A2-EEFD-4791-A00F-CB36025835D8}"/>
+                <a16:creationId xmlns:a16="http://schemas.microsoft.com/office/drawing/2014/main" id="{73B9D6A2-EEFD-4791-A00F-CB36025835D8}"/>
               </a:ext>
             </a:extLst>
           </p:cNvPr>
@@ -19992,13 +18482,6 @@
   <p:clrMapOvr>
     <a:masterClrMapping/>
   </p:clrMapOvr>
-  <p:timing>
-    <p:tnLst>
-      <p:par>
-        <p:cTn id="1" dur="indefinite" restart="never" nodeType="tmRoot"/>
-      </p:par>
-    </p:tnLst>
-  </p:timing>
 </p:sld>
 </file>
 
@@ -20024,7 +18507,7 @@
           <p:cNvPr id="11" name="TextBox 10">
             <a:extLst>
               <a:ext uri="{FF2B5EF4-FFF2-40B4-BE49-F238E27FC236}">
-                <a16:creationId xmlns="" xmlns:a16="http://schemas.microsoft.com/office/drawing/2014/main" id="{7A8B9134-39E4-43BE-BE78-E16E79D11F9F}"/>
+                <a16:creationId xmlns:a16="http://schemas.microsoft.com/office/drawing/2014/main" id="{7A8B9134-39E4-43BE-BE78-E16E79D11F9F}"/>
               </a:ext>
             </a:extLst>
           </p:cNvPr>
@@ -20061,7 +18544,7 @@
           <p:cNvPr id="3" name="TextBox 2">
             <a:extLst>
               <a:ext uri="{FF2B5EF4-FFF2-40B4-BE49-F238E27FC236}">
-                <a16:creationId xmlns="" xmlns:a16="http://schemas.microsoft.com/office/drawing/2014/main" id="{8957C43E-E3DC-4876-9C5F-195DD279152E}"/>
+                <a16:creationId xmlns:a16="http://schemas.microsoft.com/office/drawing/2014/main" id="{8957C43E-E3DC-4876-9C5F-195DD279152E}"/>
               </a:ext>
             </a:extLst>
           </p:cNvPr>
@@ -20095,18 +18578,13 @@
           <a:p>
             <a:pPr lvl="0" algn="ctr"/>
             <a:r>
-              <a:rPr lang="en-US" sz="4800" b="1" dirty="0" smtClean="0">
+              <a:rPr lang="en-US" sz="4800" b="1" dirty="0">
                 <a:solidFill>
                   <a:schemeClr val="bg1"/>
                 </a:solidFill>
               </a:rPr>
               <a:t>TYPES OF TESTING</a:t>
             </a:r>
-            <a:endParaRPr lang="en-US" sz="4800" b="1" dirty="0">
-              <a:solidFill>
-                <a:schemeClr val="bg1"/>
-              </a:solidFill>
-            </a:endParaRPr>
           </a:p>
         </p:txBody>
       </p:sp>
@@ -20138,10 +18616,9 @@
           <a:lstStyle/>
           <a:p>
             <a:r>
-              <a:rPr lang="en-US" b="1" dirty="0" smtClean="0"/>
+              <a:rPr lang="en-US" b="1" dirty="0"/>
               <a:t>Testing:</a:t>
             </a:r>
-            <a:endParaRPr lang="en-US" b="1" dirty="0"/>
           </a:p>
           <a:p>
             <a:endParaRPr lang="en-US" dirty="0"/>
@@ -20152,10 +18629,9 @@
               <a:buChar char="•"/>
             </a:pPr>
             <a:r>
-              <a:rPr lang="en-US" dirty="0" smtClean="0"/>
+              <a:rPr lang="en-US" dirty="0"/>
               <a:t>Testing is an integral part of software development</a:t>
             </a:r>
-            <a:endParaRPr lang="en-US" dirty="0"/>
           </a:p>
           <a:p>
             <a:pPr marL="285750" indent="-285750">
@@ -20163,10 +18639,9 @@
               <a:buChar char="•"/>
             </a:pPr>
             <a:r>
-              <a:rPr lang="en-US" dirty="0" smtClean="0"/>
+              <a:rPr lang="en-US" dirty="0"/>
               <a:t>Testing is the process of finding bugs, validating and verifying functionality in the software application</a:t>
             </a:r>
-            <a:endParaRPr lang="en-US" dirty="0"/>
           </a:p>
           <a:p>
             <a:pPr marL="285750" indent="-285750">
@@ -20174,7 +18649,7 @@
               <a:buChar char="•"/>
             </a:pPr>
             <a:r>
-              <a:rPr lang="en-US" dirty="0" smtClean="0"/>
+              <a:rPr lang="en-US" dirty="0"/>
               <a:t>Thorough testing is as important as coding itself</a:t>
             </a:r>
           </a:p>
@@ -20184,10 +18659,9 @@
               <a:buChar char="•"/>
             </a:pPr>
             <a:r>
-              <a:rPr lang="en-US" dirty="0" smtClean="0"/>
+              <a:rPr lang="en-US" dirty="0"/>
               <a:t>Testing is done at multiple stages by developers, Quality Analysts, Business Analysts</a:t>
             </a:r>
-            <a:endParaRPr lang="en-US" dirty="0"/>
           </a:p>
           <a:p>
             <a:endParaRPr lang="en-US" b="1" dirty="0"/>
@@ -20199,7 +18673,7 @@
           <p:cNvPr id="8" name="Slide Number Placeholder 7">
             <a:extLst>
               <a:ext uri="{FF2B5EF4-FFF2-40B4-BE49-F238E27FC236}">
-                <a16:creationId xmlns="" xmlns:a16="http://schemas.microsoft.com/office/drawing/2014/main" id="{1614AFD7-3C26-4513-BA08-9209C4A2C913}"/>
+                <a16:creationId xmlns:a16="http://schemas.microsoft.com/office/drawing/2014/main" id="{1614AFD7-3C26-4513-BA08-9209C4A2C913}"/>
               </a:ext>
             </a:extLst>
           </p:cNvPr>
@@ -20251,10 +18725,9 @@
           <a:lstStyle/>
           <a:p>
             <a:r>
-              <a:rPr lang="en-US" b="1" dirty="0" smtClean="0"/>
+              <a:rPr lang="en-US" b="1" dirty="0"/>
               <a:t>Types Of Testing:</a:t>
             </a:r>
-            <a:endParaRPr lang="en-US" b="1" dirty="0"/>
           </a:p>
           <a:p>
             <a:endParaRPr lang="en-US" dirty="0"/>
@@ -20265,10 +18738,9 @@
               <a:buChar char="•"/>
             </a:pPr>
             <a:r>
-              <a:rPr lang="en-US" dirty="0" smtClean="0"/>
+              <a:rPr lang="en-US" dirty="0"/>
               <a:t>The most common categories of testing are :</a:t>
             </a:r>
-            <a:endParaRPr lang="en-US" dirty="0"/>
           </a:p>
           <a:p>
             <a:pPr marL="285750" indent="-285750">
@@ -20276,7 +18748,7 @@
               <a:buChar char="•"/>
             </a:pPr>
             <a:r>
-              <a:rPr lang="en-US" dirty="0" smtClean="0"/>
+              <a:rPr lang="en-US" dirty="0"/>
               <a:t>Unite Testing</a:t>
             </a:r>
           </a:p>
@@ -20286,7 +18758,7 @@
               <a:buChar char="•"/>
             </a:pPr>
             <a:r>
-              <a:rPr lang="en-US" dirty="0" smtClean="0"/>
+              <a:rPr lang="en-US" dirty="0"/>
               <a:t>Integration Testing</a:t>
             </a:r>
           </a:p>
@@ -20296,7 +18768,7 @@
               <a:buChar char="•"/>
             </a:pPr>
             <a:r>
-              <a:rPr lang="en-US" dirty="0" smtClean="0"/>
+              <a:rPr lang="en-US" dirty="0"/>
               <a:t>User Acceptance Testing</a:t>
             </a:r>
           </a:p>
@@ -20333,10 +18805,9 @@
           <a:lstStyle/>
           <a:p>
             <a:r>
-              <a:rPr lang="en-US" b="1" dirty="0" smtClean="0"/>
+              <a:rPr lang="en-US" b="1" dirty="0"/>
               <a:t>Unit Testing :</a:t>
             </a:r>
-            <a:endParaRPr lang="en-US" b="1" dirty="0"/>
           </a:p>
           <a:p>
             <a:endParaRPr lang="en-US" dirty="0"/>
@@ -20347,7 +18818,7 @@
               <a:buChar char="•"/>
             </a:pPr>
             <a:r>
-              <a:rPr lang="en-US" dirty="0" smtClean="0"/>
+              <a:rPr lang="en-US" dirty="0"/>
               <a:t>Unit testing is the most basic form of testing</a:t>
             </a:r>
           </a:p>
@@ -20357,7 +18828,7 @@
               <a:buChar char="•"/>
             </a:pPr>
             <a:r>
-              <a:rPr lang="en-US" dirty="0" smtClean="0"/>
+              <a:rPr lang="en-US" dirty="0"/>
               <a:t>It is done by developers writing the code</a:t>
             </a:r>
           </a:p>
@@ -20394,10 +18865,9 @@
           <a:lstStyle/>
           <a:p>
             <a:r>
-              <a:rPr lang="en-US" b="1" dirty="0" smtClean="0"/>
+              <a:rPr lang="en-US" b="1" dirty="0"/>
               <a:t>Integration Testing :</a:t>
             </a:r>
-            <a:endParaRPr lang="en-US" b="1" dirty="0"/>
           </a:p>
           <a:p>
             <a:endParaRPr lang="en-US" dirty="0"/>
@@ -20408,7 +18878,7 @@
               <a:buChar char="•"/>
             </a:pPr>
             <a:r>
-              <a:rPr lang="en-US" dirty="0" smtClean="0"/>
+              <a:rPr lang="en-US" dirty="0"/>
               <a:t>Integration testing is done to test connectivity between different applications and systems</a:t>
             </a:r>
           </a:p>
@@ -20418,7 +18888,7 @@
               <a:buChar char="•"/>
             </a:pPr>
             <a:r>
-              <a:rPr lang="en-US" dirty="0" smtClean="0"/>
+              <a:rPr lang="en-US" dirty="0"/>
               <a:t>Its usually at the application level</a:t>
             </a:r>
           </a:p>
@@ -20428,7 +18898,7 @@
               <a:buChar char="•"/>
             </a:pPr>
             <a:r>
-              <a:rPr lang="en-US" dirty="0" smtClean="0"/>
+              <a:rPr lang="en-US" dirty="0"/>
               <a:t>It is done by developers or QA</a:t>
             </a:r>
           </a:p>
@@ -20462,10 +18932,9 @@
           <a:lstStyle/>
           <a:p>
             <a:r>
-              <a:rPr lang="en-US" b="1" dirty="0" smtClean="0"/>
+              <a:rPr lang="en-US" b="1" dirty="0"/>
               <a:t>User Acceptance Testing :</a:t>
             </a:r>
-            <a:endParaRPr lang="en-US" b="1" dirty="0"/>
           </a:p>
           <a:p>
             <a:endParaRPr lang="en-US" dirty="0"/>
@@ -20476,7 +18945,7 @@
               <a:buChar char="•"/>
             </a:pPr>
             <a:r>
-              <a:rPr lang="en-US" dirty="0" smtClean="0"/>
+              <a:rPr lang="en-US" dirty="0"/>
               <a:t>UAT is the end to end testing process involving multiple applications across multiple companies</a:t>
             </a:r>
           </a:p>
@@ -20486,7 +18955,7 @@
               <a:buChar char="•"/>
             </a:pPr>
             <a:r>
-              <a:rPr lang="en-US" dirty="0" smtClean="0"/>
+              <a:rPr lang="en-US" dirty="0"/>
               <a:t>Done by Quality or Business Analysts</a:t>
             </a:r>
           </a:p>
@@ -20502,13 +18971,6 @@
   <p:clrMapOvr>
     <a:masterClrMapping/>
   </p:clrMapOvr>
-  <p:timing>
-    <p:tnLst>
-      <p:par>
-        <p:cTn id="1" dur="indefinite" restart="never" nodeType="tmRoot"/>
-      </p:par>
-    </p:tnLst>
-  </p:timing>
 </p:sld>
 </file>
 
@@ -20534,7 +18996,7 @@
           <p:cNvPr id="11" name="TextBox 10">
             <a:extLst>
               <a:ext uri="{FF2B5EF4-FFF2-40B4-BE49-F238E27FC236}">
-                <a16:creationId xmlns="" xmlns:a16="http://schemas.microsoft.com/office/drawing/2014/main" id="{BC99254C-06E7-4B55-B3CC-2E90764C1EDC}"/>
+                <a16:creationId xmlns:a16="http://schemas.microsoft.com/office/drawing/2014/main" id="{BC99254C-06E7-4B55-B3CC-2E90764C1EDC}"/>
               </a:ext>
             </a:extLst>
           </p:cNvPr>
@@ -20571,7 +19033,7 @@
           <p:cNvPr id="3" name="TextBox 2">
             <a:extLst>
               <a:ext uri="{FF2B5EF4-FFF2-40B4-BE49-F238E27FC236}">
-                <a16:creationId xmlns="" xmlns:a16="http://schemas.microsoft.com/office/drawing/2014/main" id="{8957C43E-E3DC-4876-9C5F-195DD279152E}"/>
+                <a16:creationId xmlns:a16="http://schemas.microsoft.com/office/drawing/2014/main" id="{8957C43E-E3DC-4876-9C5F-195DD279152E}"/>
               </a:ext>
             </a:extLst>
           </p:cNvPr>
@@ -20605,18 +19067,13 @@
           <a:p>
             <a:pPr lvl="0" algn="ctr"/>
             <a:r>
-              <a:rPr lang="en-US" sz="4800" b="1" dirty="0" smtClean="0">
+              <a:rPr lang="en-US" sz="4800" b="1" dirty="0">
                 <a:solidFill>
                   <a:schemeClr val="bg1"/>
                 </a:solidFill>
               </a:rPr>
               <a:t>UNIT TESTING</a:t>
             </a:r>
-            <a:endParaRPr lang="en-US" sz="4800" b="1" dirty="0">
-              <a:solidFill>
-                <a:schemeClr val="bg1"/>
-              </a:solidFill>
-            </a:endParaRPr>
           </a:p>
         </p:txBody>
       </p:sp>
@@ -20625,7 +19082,7 @@
           <p:cNvPr id="8" name="Slide Number Placeholder 7">
             <a:extLst>
               <a:ext uri="{FF2B5EF4-FFF2-40B4-BE49-F238E27FC236}">
-                <a16:creationId xmlns="" xmlns:a16="http://schemas.microsoft.com/office/drawing/2014/main" id="{1614AFD7-3C26-4513-BA08-9209C4A2C913}"/>
+                <a16:creationId xmlns:a16="http://schemas.microsoft.com/office/drawing/2014/main" id="{1614AFD7-3C26-4513-BA08-9209C4A2C913}"/>
               </a:ext>
             </a:extLst>
           </p:cNvPr>
@@ -20654,7 +19111,7 @@
           <p:cNvPr id="7" name="TextBox 6">
             <a:extLst>
               <a:ext uri="{FF2B5EF4-FFF2-40B4-BE49-F238E27FC236}">
-                <a16:creationId xmlns="" xmlns:a16="http://schemas.microsoft.com/office/drawing/2014/main" id="{F6F257BB-FF84-4811-957D-CB6773A7EAD9}"/>
+                <a16:creationId xmlns:a16="http://schemas.microsoft.com/office/drawing/2014/main" id="{F6F257BB-FF84-4811-957D-CB6773A7EAD9}"/>
               </a:ext>
             </a:extLst>
           </p:cNvPr>
@@ -20686,12 +19143,8 @@
           </a:p>
           <a:p>
             <a:r>
-              <a:rPr lang="en-US" b="1" dirty="0" smtClean="0"/>
-              <a:t>Basic Example </a:t>
-            </a:r>
-            <a:r>
               <a:rPr lang="en-US" b="1" dirty="0"/>
-              <a:t>:</a:t>
+              <a:t>Basic Example :</a:t>
             </a:r>
           </a:p>
           <a:p>
@@ -20699,15 +19152,15 @@
           </a:p>
           <a:p>
             <a:r>
-              <a:rPr lang="en-US" sz="1400" b="1" dirty="0" smtClean="0"/>
+              <a:rPr lang="en-US" sz="1400" b="1" dirty="0"/>
               <a:t>#Import </a:t>
             </a:r>
             <a:r>
-              <a:rPr lang="en-US" sz="1400" b="1" dirty="0" err="1" smtClean="0"/>
+              <a:rPr lang="en-US" sz="1400" b="1" dirty="0" err="1"/>
               <a:t>unittest</a:t>
             </a:r>
             <a:r>
-              <a:rPr lang="en-US" sz="1400" b="1" dirty="0" smtClean="0"/>
+              <a:rPr lang="en-US" sz="1400" b="1" dirty="0"/>
               <a:t> module</a:t>
             </a:r>
           </a:p>
@@ -20721,21 +19174,21 @@
               <a:t> </a:t>
             </a:r>
             <a:r>
-              <a:rPr lang="en-US" sz="1400" dirty="0" err="1" smtClean="0"/>
+              <a:rPr lang="en-US" sz="1400" dirty="0" err="1"/>
               <a:t>unittest</a:t>
             </a:r>
-            <a:endParaRPr lang="en-US" sz="1400" dirty="0" smtClean="0"/>
-          </a:p>
-          <a:p>
-            <a:endParaRPr lang="en-US" sz="1400" b="1" dirty="0" smtClean="0"/>
-          </a:p>
-          <a:p>
-            <a:r>
-              <a:rPr lang="en-US" sz="1400" b="1" dirty="0" smtClean="0"/>
+            <a:endParaRPr lang="en-US" sz="1400" dirty="0"/>
+          </a:p>
+          <a:p>
+            <a:endParaRPr lang="en-US" sz="1400" b="1" dirty="0"/>
+          </a:p>
+          <a:p>
+            <a:r>
+              <a:rPr lang="en-US" sz="1400" b="1" dirty="0"/>
               <a:t>#Create a class by inheriting from </a:t>
             </a:r>
             <a:r>
-              <a:rPr lang="en-US" sz="1400" b="1" dirty="0" err="1" smtClean="0"/>
+              <a:rPr lang="en-US" sz="1400" b="1" dirty="0" err="1"/>
               <a:t>unittest.TestCase</a:t>
             </a:r>
             <a:endParaRPr lang="en-US" sz="1400" b="1" dirty="0"/>
@@ -20768,20 +19221,16 @@
             <a:br>
               <a:rPr lang="en-US" sz="1400" dirty="0"/>
             </a:br>
-            <a:endParaRPr lang="en-US" sz="1400" dirty="0" smtClean="0"/>
-          </a:p>
-          <a:p>
-            <a:r>
-              <a:rPr lang="en-US" sz="1400" dirty="0" smtClean="0"/>
+            <a:endParaRPr lang="en-US" sz="1400" dirty="0"/>
+          </a:p>
+          <a:p>
+            <a:r>
+              <a:rPr lang="en-US" sz="1400" dirty="0"/>
               <a:t>    </a:t>
             </a:r>
             <a:r>
-              <a:rPr lang="en-US" sz="1400" b="1" dirty="0" smtClean="0"/>
+              <a:rPr lang="en-US" sz="1400" b="1" dirty="0"/>
               <a:t>#Create a new test to test if 2+3 is 5</a:t>
-            </a:r>
-            <a:r>
-              <a:rPr lang="en-US" sz="1400" b="1" dirty="0"/>
-              <a:t/>
             </a:r>
             <a:br>
               <a:rPr lang="en-US" sz="1400" b="1" dirty="0"/>
@@ -20819,11 +19268,7 @@
             </a:r>
             <a:r>
               <a:rPr lang="en-US" sz="1400" dirty="0"/>
-              <a:t>(2+3,5</a:t>
-            </a:r>
-            <a:r>
-              <a:rPr lang="en-US" sz="1400" dirty="0" smtClean="0"/>
-              <a:t>)</a:t>
+              <a:t>(2+3,5)</a:t>
             </a:r>
           </a:p>
           <a:p>
@@ -20831,10 +19276,9 @@
           </a:p>
           <a:p>
             <a:r>
-              <a:rPr lang="en-US" sz="1400" b="1" dirty="0" smtClean="0"/>
+              <a:rPr lang="en-US" sz="1400" b="1" dirty="0"/>
               <a:t>#Running this will give you the result. Try it</a:t>
             </a:r>
-            <a:endParaRPr lang="en-US" sz="1400" b="1" dirty="0"/>
           </a:p>
         </p:txBody>
       </p:sp>
@@ -20843,7 +19287,7 @@
           <p:cNvPr id="4" name="Rectangle 3">
             <a:extLst>
               <a:ext uri="{FF2B5EF4-FFF2-40B4-BE49-F238E27FC236}">
-                <a16:creationId xmlns="" xmlns:a16="http://schemas.microsoft.com/office/drawing/2014/main" id="{C4E055A5-A453-4024-8BAB-341BDD4AEB5B}"/>
+                <a16:creationId xmlns:a16="http://schemas.microsoft.com/office/drawing/2014/main" id="{C4E055A5-A453-4024-8BAB-341BDD4AEB5B}"/>
               </a:ext>
             </a:extLst>
           </p:cNvPr>
@@ -20913,10 +19357,9 @@
           <a:lstStyle/>
           <a:p>
             <a:r>
-              <a:rPr lang="en-US" b="1" dirty="0" smtClean="0"/>
+              <a:rPr lang="en-US" b="1" dirty="0"/>
               <a:t>Unit Testing :</a:t>
             </a:r>
-            <a:endParaRPr lang="en-US" b="1" dirty="0"/>
           </a:p>
           <a:p>
             <a:endParaRPr lang="en-US" dirty="0"/>
@@ -20927,7 +19370,7 @@
               <a:buChar char="•"/>
             </a:pPr>
             <a:r>
-              <a:rPr lang="en-US" dirty="0" smtClean="0"/>
+              <a:rPr lang="en-US" dirty="0"/>
               <a:t>Unit testing is the most basic form of testing</a:t>
             </a:r>
           </a:p>
@@ -20937,7 +19380,7 @@
               <a:buChar char="•"/>
             </a:pPr>
             <a:r>
-              <a:rPr lang="en-US" dirty="0" smtClean="0"/>
+              <a:rPr lang="en-US" dirty="0"/>
               <a:t>It is done by developers writing the code</a:t>
             </a:r>
           </a:p>
@@ -20947,7 +19390,7 @@
               <a:buChar char="•"/>
             </a:pPr>
             <a:r>
-              <a:rPr lang="en-US" dirty="0" smtClean="0"/>
+              <a:rPr lang="en-US" dirty="0"/>
               <a:t>In Unit Testing the smallest units of code are tested individually</a:t>
             </a:r>
           </a:p>
@@ -20957,7 +19400,7 @@
               <a:buChar char="•"/>
             </a:pPr>
             <a:r>
-              <a:rPr lang="en-US" dirty="0" smtClean="0"/>
+              <a:rPr lang="en-US" dirty="0"/>
               <a:t>Each unit of code is tested for an expected output based on a given input or condition</a:t>
             </a:r>
           </a:p>
@@ -20967,7 +19410,7 @@
               <a:buChar char="•"/>
             </a:pPr>
             <a:r>
-              <a:rPr lang="en-US" dirty="0" smtClean="0"/>
+              <a:rPr lang="en-US" dirty="0"/>
               <a:t>Unit Tests are usually automated</a:t>
             </a:r>
           </a:p>
@@ -20977,14 +19420,14 @@
               <a:buChar char="•"/>
             </a:pPr>
             <a:r>
-              <a:rPr lang="en-US" dirty="0" smtClean="0"/>
+              <a:rPr lang="en-US" dirty="0"/>
               <a:t>Python provides a built in module for unit testing called </a:t>
             </a:r>
             <a:r>
-              <a:rPr lang="en-US" b="1" dirty="0" err="1" smtClean="0"/>
+              <a:rPr lang="en-US" b="1" dirty="0" err="1"/>
               <a:t>unittest</a:t>
             </a:r>
-            <a:endParaRPr lang="en-US" b="1" dirty="0" smtClean="0"/>
+            <a:endParaRPr lang="en-US" b="1" dirty="0"/>
           </a:p>
           <a:p>
             <a:endParaRPr lang="en-US" b="1" dirty="0"/>
@@ -20996,7 +19439,7 @@
           <p:cNvPr id="14" name="TextBox 13">
             <a:extLst>
               <a:ext uri="{FF2B5EF4-FFF2-40B4-BE49-F238E27FC236}">
-                <a16:creationId xmlns="" xmlns:a16="http://schemas.microsoft.com/office/drawing/2014/main" id="{F6F257BB-FF84-4811-957D-CB6773A7EAD9}"/>
+                <a16:creationId xmlns:a16="http://schemas.microsoft.com/office/drawing/2014/main" id="{F6F257BB-FF84-4811-957D-CB6773A7EAD9}"/>
               </a:ext>
             </a:extLst>
           </p:cNvPr>
@@ -21028,12 +19471,8 @@
           </a:p>
           <a:p>
             <a:r>
-              <a:rPr lang="en-US" b="1" dirty="0" smtClean="0"/>
-              <a:t>Multiple Test Cases Example </a:t>
-            </a:r>
-            <a:r>
               <a:rPr lang="en-US" b="1" dirty="0"/>
-              <a:t>:</a:t>
+              <a:t>Multiple Test Cases Example :</a:t>
             </a:r>
           </a:p>
           <a:p>
@@ -21049,36 +19488,28 @@
               <a:t> </a:t>
             </a:r>
             <a:r>
-              <a:rPr lang="en-US" sz="1400" dirty="0" err="1" smtClean="0"/>
+              <a:rPr lang="en-US" sz="1400" dirty="0" err="1"/>
               <a:t>unittest</a:t>
             </a:r>
-            <a:endParaRPr lang="en-US" sz="1400" dirty="0" smtClean="0"/>
-          </a:p>
-          <a:p>
-            <a:r>
-              <a:rPr lang="en-US" sz="1400" dirty="0"/>
-              <a:t/>
-            </a:r>
-            <a:br>
-              <a:rPr lang="en-US" sz="1400" dirty="0"/>
-            </a:br>
-            <a:r>
-              <a:rPr lang="en-US" sz="1400" b="1" dirty="0" smtClean="0"/>
+            <a:endParaRPr lang="en-US" sz="1400" dirty="0"/>
+          </a:p>
+          <a:p>
+            <a:br>
+              <a:rPr lang="en-US" sz="1400" dirty="0"/>
+            </a:br>
+            <a:r>
+              <a:rPr lang="en-US" sz="1400" b="1" dirty="0"/>
               <a:t>#Define a function to convert inches to cm</a:t>
             </a:r>
-            <a:r>
-              <a:rPr lang="en-US" sz="1400" dirty="0"/>
-              <a:t/>
-            </a:r>
-            <a:br>
-              <a:rPr lang="en-US" sz="1400" dirty="0"/>
-            </a:br>
-            <a:r>
-              <a:rPr lang="en-US" sz="1400" dirty="0" err="1" smtClean="0"/>
+            <a:br>
+              <a:rPr lang="en-US" sz="1400" dirty="0"/>
+            </a:br>
+            <a:r>
+              <a:rPr lang="en-US" sz="1400" dirty="0" err="1"/>
               <a:t>def</a:t>
             </a:r>
             <a:r>
-              <a:rPr lang="en-US" sz="1400" b="1" dirty="0" smtClean="0"/>
+              <a:rPr lang="en-US" sz="1400" b="1" dirty="0"/>
               <a:t> </a:t>
             </a:r>
             <a:r>
@@ -21114,10 +19545,6 @@
             <a:br>
               <a:rPr lang="en-US" sz="1400" dirty="0"/>
             </a:br>
-            <a:r>
-              <a:rPr lang="en-US" sz="1400" dirty="0"/>
-              <a:t/>
-            </a:r>
             <a:br>
               <a:rPr lang="en-US" sz="1400" dirty="0"/>
             </a:br>
@@ -21148,10 +19575,6 @@
             <a:br>
               <a:rPr lang="en-US" sz="1400" dirty="0"/>
             </a:br>
-            <a:r>
-              <a:rPr lang="en-US" sz="1400" dirty="0"/>
-              <a:t/>
-            </a:r>
             <a:br>
               <a:rPr lang="en-US" sz="1400" dirty="0"/>
             </a:br>
@@ -21193,10 +19616,6 @@
             <a:br>
               <a:rPr lang="en-US" sz="1400" dirty="0"/>
             </a:br>
-            <a:r>
-              <a:rPr lang="en-US" sz="1400" dirty="0"/>
-              <a:t/>
-            </a:r>
             <a:br>
               <a:rPr lang="en-US" sz="1400" dirty="0"/>
             </a:br>
@@ -21262,24 +19681,20 @@
             <a:br>
               <a:rPr lang="en-US" sz="1400" dirty="0"/>
             </a:br>
-            <a:endParaRPr lang="en-US" sz="1400" dirty="0" smtClean="0"/>
-          </a:p>
-          <a:p>
-            <a:r>
-              <a:rPr lang="en-US" sz="1400" b="1" dirty="0" smtClean="0"/>
+            <a:endParaRPr lang="en-US" sz="1400" dirty="0"/>
+          </a:p>
+          <a:p>
+            <a:r>
+              <a:rPr lang="en-US" sz="1400" b="1" dirty="0"/>
               <a:t>#Test the </a:t>
             </a:r>
             <a:r>
-              <a:rPr lang="en-US" sz="1400" b="1" dirty="0" err="1" smtClean="0"/>
+              <a:rPr lang="en-US" sz="1400" b="1" dirty="0" err="1"/>
               <a:t>inchesTocm</a:t>
             </a:r>
             <a:r>
-              <a:rPr lang="en-US" sz="1400" b="1" dirty="0" smtClean="0"/>
+              <a:rPr lang="en-US" sz="1400" b="1" dirty="0"/>
               <a:t> function to see if 10’’ = 25.4cm</a:t>
-            </a:r>
-            <a:r>
-              <a:rPr lang="en-US" sz="1400" dirty="0"/>
-              <a:t/>
             </a:r>
             <a:br>
               <a:rPr lang="en-US" sz="1400" dirty="0"/>
@@ -21341,13 +19756,6 @@
   <p:clrMapOvr>
     <a:masterClrMapping/>
   </p:clrMapOvr>
-  <p:timing>
-    <p:tnLst>
-      <p:par>
-        <p:cTn id="1" dur="indefinite" restart="never" nodeType="tmRoot"/>
-      </p:par>
-    </p:tnLst>
-  </p:timing>
 </p:sld>
 </file>
 
@@ -21373,7 +19781,7 @@
           <p:cNvPr id="4" name="TextBox 3">
             <a:extLst>
               <a:ext uri="{FF2B5EF4-FFF2-40B4-BE49-F238E27FC236}">
-                <a16:creationId xmlns="" xmlns:a16="http://schemas.microsoft.com/office/drawing/2014/main" id="{F60DFD09-AC45-4F33-B352-CDAB149F70B8}"/>
+                <a16:creationId xmlns:a16="http://schemas.microsoft.com/office/drawing/2014/main" id="{F60DFD09-AC45-4F33-B352-CDAB149F70B8}"/>
               </a:ext>
             </a:extLst>
           </p:cNvPr>
@@ -21410,7 +19818,7 @@
           <p:cNvPr id="3" name="TextBox 2">
             <a:extLst>
               <a:ext uri="{FF2B5EF4-FFF2-40B4-BE49-F238E27FC236}">
-                <a16:creationId xmlns="" xmlns:a16="http://schemas.microsoft.com/office/drawing/2014/main" id="{8957C43E-E3DC-4876-9C5F-195DD279152E}"/>
+                <a16:creationId xmlns:a16="http://schemas.microsoft.com/office/drawing/2014/main" id="{8957C43E-E3DC-4876-9C5F-195DD279152E}"/>
               </a:ext>
             </a:extLst>
           </p:cNvPr>
@@ -21444,18 +19852,13 @@
           <a:p>
             <a:pPr lvl="0" algn="ctr"/>
             <a:r>
-              <a:rPr lang="en-US" sz="4800" b="1" dirty="0" smtClean="0">
+              <a:rPr lang="en-US" sz="4800" b="1" dirty="0">
                 <a:solidFill>
                   <a:schemeClr val="bg1"/>
                 </a:solidFill>
               </a:rPr>
               <a:t>SENDING E-MAIL’S</a:t>
             </a:r>
-            <a:endParaRPr lang="en-US" sz="4800" b="1" dirty="0">
-              <a:solidFill>
-                <a:schemeClr val="bg1"/>
-              </a:solidFill>
-            </a:endParaRPr>
           </a:p>
         </p:txBody>
       </p:sp>
@@ -21487,10 +19890,9 @@
           <a:lstStyle/>
           <a:p>
             <a:r>
-              <a:rPr lang="en-US" b="1" dirty="0" smtClean="0"/>
+              <a:rPr lang="en-US" b="1" dirty="0"/>
               <a:t>E-Mails:</a:t>
             </a:r>
-            <a:endParaRPr lang="en-US" b="1" dirty="0"/>
           </a:p>
           <a:p>
             <a:endParaRPr lang="en-US" b="1" dirty="0"/>
@@ -21501,10 +19903,9 @@
               <a:buChar char="•"/>
             </a:pPr>
             <a:r>
-              <a:rPr lang="en-US" sz="1600" b="1" dirty="0" smtClean="0"/>
+              <a:rPr lang="en-US" sz="1600" b="1" dirty="0"/>
               <a:t>Python has built in libraries to send and receive simple and complex emails.</a:t>
             </a:r>
-            <a:endParaRPr lang="en-US" sz="1600" b="1" dirty="0"/>
           </a:p>
           <a:p>
             <a:pPr marL="285750" indent="-285750">
@@ -21512,18 +19913,17 @@
               <a:buChar char="•"/>
             </a:pPr>
             <a:r>
-              <a:rPr lang="en-US" sz="1600" b="1" dirty="0" smtClean="0"/>
+              <a:rPr lang="en-US" sz="1600" b="1" dirty="0"/>
               <a:t>Python supports sending email through an </a:t>
             </a:r>
             <a:r>
-              <a:rPr lang="en-US" sz="1600" b="1" dirty="0" err="1" smtClean="0"/>
+              <a:rPr lang="en-US" sz="1600" b="1" dirty="0" err="1"/>
               <a:t>smtp</a:t>
             </a:r>
             <a:r>
-              <a:rPr lang="en-US" sz="1600" b="1" dirty="0" smtClean="0"/>
+              <a:rPr lang="en-US" sz="1600" b="1" dirty="0"/>
               <a:t> server</a:t>
             </a:r>
-            <a:endParaRPr lang="en-US" sz="1600" b="1" dirty="0"/>
           </a:p>
           <a:p>
             <a:pPr marL="285750" indent="-285750">
@@ -21531,18 +19931,17 @@
               <a:buChar char="•"/>
             </a:pPr>
             <a:r>
-              <a:rPr lang="en-US" sz="1600" b="1" dirty="0" smtClean="0"/>
+              <a:rPr lang="en-US" sz="1600" b="1" dirty="0"/>
               <a:t>Receiving E-Mails can be done via Pop3 or IMAP </a:t>
             </a:r>
             <a:r>
-              <a:rPr lang="en-US" sz="1600" b="1" dirty="0" err="1" smtClean="0"/>
+              <a:rPr lang="en-US" sz="1600" b="1" dirty="0" err="1"/>
               <a:t>protocal</a:t>
             </a:r>
             <a:r>
-              <a:rPr lang="en-US" sz="1600" b="1" dirty="0" smtClean="0"/>
+              <a:rPr lang="en-US" sz="1600" b="1" dirty="0"/>
               <a:t>, both supported by Python</a:t>
             </a:r>
-            <a:endParaRPr lang="en-US" sz="1600" b="1" dirty="0"/>
           </a:p>
           <a:p>
             <a:pPr marL="285750" indent="-285750">
@@ -21558,7 +19957,7 @@
           <p:cNvPr id="8" name="Slide Number Placeholder 7">
             <a:extLst>
               <a:ext uri="{FF2B5EF4-FFF2-40B4-BE49-F238E27FC236}">
-                <a16:creationId xmlns="" xmlns:a16="http://schemas.microsoft.com/office/drawing/2014/main" id="{9D40CF21-C5F8-459C-8C61-CF7062621A18}"/>
+                <a16:creationId xmlns:a16="http://schemas.microsoft.com/office/drawing/2014/main" id="{9D40CF21-C5F8-459C-8C61-CF7062621A18}"/>
               </a:ext>
             </a:extLst>
           </p:cNvPr>
@@ -21610,10 +20009,9 @@
           <a:lstStyle/>
           <a:p>
             <a:r>
-              <a:rPr lang="en-US" b="1" dirty="0" smtClean="0"/>
+              <a:rPr lang="en-US" b="1" dirty="0"/>
               <a:t>E-Mails:</a:t>
             </a:r>
-            <a:endParaRPr lang="en-US" b="1" dirty="0"/>
           </a:p>
           <a:p>
             <a:endParaRPr lang="en-US" b="1" dirty="0"/>
@@ -21624,15 +20022,15 @@
               <a:buChar char="•"/>
             </a:pPr>
             <a:r>
-              <a:rPr lang="en-US" sz="1600" b="1" dirty="0" smtClean="0"/>
+              <a:rPr lang="en-US" sz="1600" b="1" dirty="0"/>
               <a:t>The </a:t>
             </a:r>
             <a:r>
-              <a:rPr lang="en-US" sz="1600" b="1" dirty="0" err="1" smtClean="0"/>
+              <a:rPr lang="en-US" sz="1600" b="1" dirty="0" err="1"/>
               <a:t>smtplib</a:t>
             </a:r>
             <a:r>
-              <a:rPr lang="en-US" sz="1600" b="1" dirty="0" smtClean="0"/>
+              <a:rPr lang="en-US" sz="1600" b="1" dirty="0"/>
               <a:t> library can be used to send out E-Mails</a:t>
             </a:r>
           </a:p>
@@ -21642,7 +20040,7 @@
               <a:buChar char="•"/>
             </a:pPr>
             <a:r>
-              <a:rPr lang="en-US" sz="1600" b="1" dirty="0" smtClean="0"/>
+              <a:rPr lang="en-US" sz="1600" b="1" dirty="0"/>
               <a:t>Plain Text, HTML, E-Mail with attachments etc.. Can be sent</a:t>
             </a:r>
           </a:p>
@@ -21652,23 +20050,23 @@
               <a:buChar char="•"/>
             </a:pPr>
             <a:r>
-              <a:rPr lang="en-US" sz="1600" b="1" dirty="0" smtClean="0"/>
+              <a:rPr lang="en-US" sz="1600" b="1" dirty="0"/>
               <a:t>Free </a:t>
             </a:r>
             <a:r>
-              <a:rPr lang="en-US" sz="1600" b="1" dirty="0" err="1" smtClean="0"/>
+              <a:rPr lang="en-US" sz="1600" b="1" dirty="0" err="1"/>
               <a:t>smtp</a:t>
             </a:r>
             <a:r>
-              <a:rPr lang="en-US" sz="1600" b="1" dirty="0" smtClean="0"/>
+              <a:rPr lang="en-US" sz="1600" b="1" dirty="0"/>
               <a:t> servers from </a:t>
             </a:r>
             <a:r>
-              <a:rPr lang="en-US" sz="1600" b="1" dirty="0" err="1" smtClean="0"/>
+              <a:rPr lang="en-US" sz="1600" b="1" dirty="0" err="1"/>
               <a:t>gmail</a:t>
             </a:r>
             <a:r>
-              <a:rPr lang="en-US" sz="1600" b="1" dirty="0" smtClean="0"/>
+              <a:rPr lang="en-US" sz="1600" b="1" dirty="0"/>
               <a:t> and yahoo  e-mail accounts can be used for sending E-Mails</a:t>
             </a:r>
           </a:p>
@@ -21702,18 +20100,17 @@
           <a:lstStyle/>
           <a:p>
             <a:r>
-              <a:rPr lang="en-US" b="1" dirty="0" smtClean="0"/>
+              <a:rPr lang="en-US" b="1" dirty="0"/>
               <a:t>Basic Example via </a:t>
             </a:r>
             <a:r>
-              <a:rPr lang="en-US" b="1" dirty="0" err="1" smtClean="0"/>
+              <a:rPr lang="en-US" b="1" dirty="0" err="1"/>
               <a:t>GMail</a:t>
             </a:r>
             <a:r>
-              <a:rPr lang="en-US" b="1" dirty="0" smtClean="0"/>
+              <a:rPr lang="en-US" b="1" dirty="0"/>
               <a:t>:</a:t>
             </a:r>
-            <a:endParaRPr lang="en-US" b="1" dirty="0"/>
           </a:p>
           <a:p>
             <a:endParaRPr lang="en-US" b="1" dirty="0"/>
@@ -21731,10 +20128,6 @@
               <a:rPr lang="en-US" sz="1400" b="1" dirty="0"/>
               <a:t> and MIME libraries</a:t>
             </a:r>
-            <a:r>
-              <a:rPr lang="en-US" sz="1400" dirty="0"/>
-              <a:t/>
-            </a:r>
             <a:br>
               <a:rPr lang="en-US" sz="1400" dirty="0"/>
             </a:br>
@@ -21746,10 +20139,6 @@
               <a:rPr lang="en-US" sz="1400" dirty="0" err="1"/>
               <a:t>smtplib</a:t>
             </a:r>
-            <a:r>
-              <a:rPr lang="en-US" sz="1400" dirty="0"/>
-              <a:t/>
-            </a:r>
             <a:br>
               <a:rPr lang="en-US" sz="1400" dirty="0"/>
             </a:br>
@@ -21769,10 +20158,6 @@
               <a:rPr lang="en-US" sz="1400" dirty="0" err="1"/>
               <a:t>MIMEText</a:t>
             </a:r>
-            <a:r>
-              <a:rPr lang="en-US" sz="1400" dirty="0"/>
-              <a:t/>
-            </a:r>
             <a:br>
               <a:rPr lang="en-US" sz="1400" dirty="0"/>
             </a:br>
@@ -21792,24 +20177,12 @@
               <a:rPr lang="en-US" sz="1400" dirty="0" err="1"/>
               <a:t>MIMEMultipart</a:t>
             </a:r>
-            <a:r>
-              <a:rPr lang="en-US" sz="1400" dirty="0"/>
-              <a:t/>
-            </a:r>
-            <a:br>
-              <a:rPr lang="en-US" sz="1400" dirty="0"/>
-            </a:br>
-            <a:r>
-              <a:rPr lang="en-US" sz="1400" dirty="0"/>
-              <a:t/>
-            </a:r>
-            <a:br>
-              <a:rPr lang="en-US" sz="1400" dirty="0"/>
-            </a:br>
-            <a:r>
-              <a:rPr lang="en-US" sz="1400" dirty="0"/>
-              <a:t/>
-            </a:r>
+            <a:br>
+              <a:rPr lang="en-US" sz="1400" dirty="0"/>
+            </a:br>
+            <a:br>
+              <a:rPr lang="en-US" sz="1400" dirty="0"/>
+            </a:br>
             <a:br>
               <a:rPr lang="en-US" sz="1400" dirty="0"/>
             </a:br>
@@ -21841,10 +20214,6 @@
               <a:rPr lang="en-US" sz="1400" b="1" dirty="0"/>
               <a:t> server</a:t>
             </a:r>
-            <a:r>
-              <a:rPr lang="en-US" sz="1400" dirty="0"/>
-              <a:t/>
-            </a:r>
             <a:br>
               <a:rPr lang="en-US" sz="1400" dirty="0"/>
             </a:br>
@@ -21908,10 +20277,6 @@
             <a:br>
               <a:rPr lang="en-US" sz="1400" dirty="0"/>
             </a:br>
-            <a:r>
-              <a:rPr lang="en-US" sz="1400" dirty="0"/>
-              <a:t/>
-            </a:r>
             <a:br>
               <a:rPr lang="en-US" sz="1400" dirty="0"/>
             </a:br>
@@ -21919,10 +20284,6 @@
               <a:rPr lang="en-US" sz="1400" b="1" dirty="0"/>
               <a:t>#The from and to addresses</a:t>
             </a:r>
-            <a:r>
-              <a:rPr lang="en-US" sz="1400" dirty="0"/>
-              <a:t/>
-            </a:r>
             <a:br>
               <a:rPr lang="en-US" sz="1400" dirty="0"/>
             </a:br>
@@ -21964,10 +20325,6 @@
             <a:br>
               <a:rPr lang="en-US" sz="1400" dirty="0"/>
             </a:br>
-            <a:r>
-              <a:rPr lang="en-US" sz="1400" dirty="0"/>
-              <a:t/>
-            </a:r>
             <a:br>
               <a:rPr lang="en-US" sz="1400" dirty="0"/>
             </a:br>
@@ -21983,10 +20340,6 @@
               <a:rPr lang="en-US" sz="1400" b="1" dirty="0"/>
               <a:t> MIME object</a:t>
             </a:r>
-            <a:r>
-              <a:rPr lang="en-US" sz="1400" dirty="0"/>
-              <a:t/>
-            </a:r>
             <a:br>
               <a:rPr lang="en-US" sz="1400" dirty="0"/>
             </a:br>
@@ -22009,7 +20362,7 @@
             <a:br>
               <a:rPr lang="en-US" sz="1400" dirty="0"/>
             </a:br>
-            <a:endParaRPr lang="en-US" sz="1400" dirty="0" smtClean="0"/>
+            <a:endParaRPr lang="en-US" sz="1400" dirty="0"/>
           </a:p>
           <a:p>
             <a:r>
@@ -22043,10 +20396,6 @@
               <a:rPr lang="en-US" sz="1400" dirty="0" err="1"/>
               <a:t>from_email</a:t>
             </a:r>
-            <a:r>
-              <a:rPr lang="en-US" sz="1400" dirty="0"/>
-              <a:t/>
-            </a:r>
             <a:br>
               <a:rPr lang="en-US" sz="1400" dirty="0"/>
             </a:br>
@@ -22062,10 +20411,6 @@
               <a:rPr lang="en-US" sz="1400" dirty="0" err="1"/>
               <a:t>to_email</a:t>
             </a:r>
-            <a:r>
-              <a:rPr lang="en-US" sz="1400" dirty="0"/>
-              <a:t/>
-            </a:r>
             <a:br>
               <a:rPr lang="en-US" sz="1400" dirty="0"/>
             </a:br>
@@ -22076,10 +20421,6 @@
             <a:br>
               <a:rPr lang="en-US" sz="1400" dirty="0"/>
             </a:br>
-            <a:r>
-              <a:rPr lang="en-US" sz="1400" dirty="0"/>
-              <a:t/>
-            </a:r>
             <a:br>
               <a:rPr lang="en-US" sz="1400" dirty="0"/>
             </a:br>
@@ -22102,10 +20443,6 @@
             <a:br>
               <a:rPr lang="en-US" sz="1400" dirty="0"/>
             </a:br>
-            <a:r>
-              <a:rPr lang="en-US" sz="1400" dirty="0"/>
-              <a:t/>
-            </a:r>
             <a:br>
               <a:rPr lang="en-US" sz="1400" dirty="0"/>
             </a:br>
@@ -22121,10 +20458,6 @@
               <a:rPr lang="en-US" sz="1400" b="1" dirty="0"/>
               <a:t> username and password</a:t>
             </a:r>
-            <a:r>
-              <a:rPr lang="en-US" sz="1400" dirty="0"/>
-              <a:t/>
-            </a:r>
             <a:br>
               <a:rPr lang="en-US" sz="1400" dirty="0"/>
             </a:br>
@@ -22139,10 +20472,6 @@
             <a:br>
               <a:rPr lang="en-US" sz="1400" dirty="0"/>
             </a:br>
-            <a:r>
-              <a:rPr lang="en-US" sz="1400" dirty="0"/>
-              <a:t/>
-            </a:r>
             <a:br>
               <a:rPr lang="en-US" sz="1400" dirty="0"/>
             </a:br>
@@ -22150,10 +20479,6 @@
               <a:rPr lang="en-US" sz="1400" b="1" dirty="0"/>
               <a:t>#Send the mail</a:t>
             </a:r>
-            <a:r>
-              <a:rPr lang="en-US" sz="1400" dirty="0"/>
-              <a:t/>
-            </a:r>
             <a:br>
               <a:rPr lang="en-US" sz="1400" dirty="0"/>
             </a:br>
@@ -22199,10 +20524,6 @@
             <a:br>
               <a:rPr lang="en-US" sz="1400" dirty="0"/>
             </a:br>
-            <a:r>
-              <a:rPr lang="en-US" sz="1400" dirty="0"/>
-              <a:t/>
-            </a:r>
             <a:br>
               <a:rPr lang="en-US" sz="1400" dirty="0"/>
             </a:br>
@@ -22212,10 +20533,6 @@
             </a:r>
           </a:p>
           <a:p>
-            <a:r>
-              <a:rPr lang="en-US" sz="1400" dirty="0"/>
-              <a:t/>
-            </a:r>
             <a:br>
               <a:rPr lang="en-US" sz="1400" dirty="0"/>
             </a:br>
@@ -22233,13 +20550,6 @@
   <p:clrMapOvr>
     <a:masterClrMapping/>
   </p:clrMapOvr>
-  <p:timing>
-    <p:tnLst>
-      <p:par>
-        <p:cTn id="1" dur="indefinite" restart="never" nodeType="tmRoot"/>
-      </p:par>
-    </p:tnLst>
-  </p:timing>
 </p:sld>
 </file>
 
@@ -22265,7 +20575,7 @@
           <p:cNvPr id="4" name="TextBox 3">
             <a:extLst>
               <a:ext uri="{FF2B5EF4-FFF2-40B4-BE49-F238E27FC236}">
-                <a16:creationId xmlns="" xmlns:a16="http://schemas.microsoft.com/office/drawing/2014/main" id="{F60DFD09-AC45-4F33-B352-CDAB149F70B8}"/>
+                <a16:creationId xmlns:a16="http://schemas.microsoft.com/office/drawing/2014/main" id="{F60DFD09-AC45-4F33-B352-CDAB149F70B8}"/>
               </a:ext>
             </a:extLst>
           </p:cNvPr>
@@ -22274,7 +20584,7 @@
         </p:nvSpPr>
         <p:spPr>
           <a:xfrm>
-            <a:off x="56270" y="23202"/>
+            <a:off x="56270" y="-135615"/>
             <a:ext cx="12042628" cy="6675120"/>
           </a:xfrm>
           <a:prstGeom prst="rect">
@@ -22302,7 +20612,7 @@
           <p:cNvPr id="3" name="TextBox 2">
             <a:extLst>
               <a:ext uri="{FF2B5EF4-FFF2-40B4-BE49-F238E27FC236}">
-                <a16:creationId xmlns="" xmlns:a16="http://schemas.microsoft.com/office/drawing/2014/main" id="{8957C43E-E3DC-4876-9C5F-195DD279152E}"/>
+                <a16:creationId xmlns:a16="http://schemas.microsoft.com/office/drawing/2014/main" id="{8957C43E-E3DC-4876-9C5F-195DD279152E}"/>
               </a:ext>
             </a:extLst>
           </p:cNvPr>
@@ -22336,18 +20646,13 @@
           <a:p>
             <a:pPr lvl="0" algn="ctr"/>
             <a:r>
-              <a:rPr lang="en-US" sz="4800" b="1" dirty="0" smtClean="0">
+              <a:rPr lang="en-US" sz="4800" b="1" dirty="0">
                 <a:solidFill>
                   <a:schemeClr val="bg1"/>
                 </a:solidFill>
               </a:rPr>
               <a:t>DATA MANIPULATION USING PANDAS</a:t>
             </a:r>
-            <a:endParaRPr lang="en-US" sz="4800" b="1" dirty="0">
-              <a:solidFill>
-                <a:schemeClr val="bg1"/>
-              </a:solidFill>
-            </a:endParaRPr>
           </a:p>
         </p:txBody>
       </p:sp>
@@ -22379,12 +20684,8 @@
           <a:lstStyle/>
           <a:p>
             <a:r>
-              <a:rPr lang="en-US" b="1" dirty="0" smtClean="0"/>
-              <a:t>Pandas </a:t>
-            </a:r>
-            <a:r>
               <a:rPr lang="en-US" b="1" dirty="0"/>
-              <a:t>:</a:t>
+              <a:t>Pandas :</a:t>
             </a:r>
           </a:p>
           <a:p>
@@ -22396,7 +20697,7 @@
               <a:buChar char="•"/>
             </a:pPr>
             <a:r>
-              <a:rPr lang="en-US" b="1" dirty="0" smtClean="0"/>
+              <a:rPr lang="en-US" b="1" dirty="0"/>
               <a:t>Pandas is a python library or package commonly used for data analysis and manipulation</a:t>
             </a:r>
           </a:p>
@@ -22406,7 +20707,7 @@
               <a:buChar char="•"/>
             </a:pPr>
             <a:r>
-              <a:rPr lang="en-US" b="1" dirty="0" smtClean="0"/>
+              <a:rPr lang="en-US" b="1" dirty="0"/>
               <a:t>It is extremely powerful an flexible</a:t>
             </a:r>
           </a:p>
@@ -22416,7 +20717,7 @@
               <a:buChar char="•"/>
             </a:pPr>
             <a:r>
-              <a:rPr lang="en-US" b="1" dirty="0" smtClean="0"/>
+              <a:rPr lang="en-US" b="1" dirty="0"/>
               <a:t>It is being widely adopted in the Data Engineering and Data Science community</a:t>
             </a:r>
           </a:p>
@@ -22426,13 +20727,13 @@
               <a:buChar char="•"/>
             </a:pPr>
             <a:r>
-              <a:rPr lang="en-US" b="1" dirty="0" smtClean="0"/>
+              <a:rPr lang="en-US" b="1" dirty="0"/>
               <a:t>Pandas add support different types of data, some common types are :</a:t>
             </a:r>
             <a:br>
-              <a:rPr lang="en-US" b="1" dirty="0" smtClean="0"/>
-            </a:br>
-            <a:endParaRPr lang="en-US" b="1" dirty="0" smtClean="0"/>
+              <a:rPr lang="en-US" b="1" dirty="0"/>
+            </a:br>
+            <a:endParaRPr lang="en-US" b="1" dirty="0"/>
           </a:p>
           <a:p>
             <a:pPr marL="742950" lvl="1" indent="-285750">
@@ -22441,11 +20742,7 @@
             </a:pPr>
             <a:r>
               <a:rPr lang="en-US" b="1" dirty="0"/>
-              <a:t>Tabular </a:t>
-            </a:r>
-            <a:r>
-              <a:rPr lang="en-US" b="1" dirty="0" smtClean="0"/>
-              <a:t>data</a:t>
+              <a:t>Tabular data</a:t>
             </a:r>
           </a:p>
           <a:p>
@@ -22454,16 +20751,8 @@
               <a:buChar char="•"/>
             </a:pPr>
             <a:r>
-              <a:rPr lang="en-US" b="1" dirty="0" smtClean="0"/>
-              <a:t>Time </a:t>
-            </a:r>
-            <a:r>
               <a:rPr lang="en-US" b="1" dirty="0"/>
-              <a:t>series </a:t>
-            </a:r>
-            <a:r>
-              <a:rPr lang="en-US" b="1" dirty="0" smtClean="0"/>
-              <a:t>data</a:t>
+              <a:t>Time series data</a:t>
             </a:r>
           </a:p>
           <a:p>
@@ -22472,7 +20761,7 @@
               <a:buChar char="•"/>
             </a:pPr>
             <a:r>
-              <a:rPr lang="en-US" b="1" dirty="0" smtClean="0"/>
+              <a:rPr lang="en-US" b="1" dirty="0"/>
               <a:t>Matrices</a:t>
             </a:r>
           </a:p>
@@ -22483,7 +20772,7 @@
           <p:cNvPr id="8" name="Slide Number Placeholder 7">
             <a:extLst>
               <a:ext uri="{FF2B5EF4-FFF2-40B4-BE49-F238E27FC236}">
-                <a16:creationId xmlns="" xmlns:a16="http://schemas.microsoft.com/office/drawing/2014/main" id="{9D40CF21-C5F8-459C-8C61-CF7062621A18}"/>
+                <a16:creationId xmlns:a16="http://schemas.microsoft.com/office/drawing/2014/main" id="{9D40CF21-C5F8-459C-8C61-CF7062621A18}"/>
               </a:ext>
             </a:extLst>
           </p:cNvPr>
@@ -22512,7 +20801,7 @@
           <p:cNvPr id="9" name="TextBox 8">
             <a:extLst>
               <a:ext uri="{FF2B5EF4-FFF2-40B4-BE49-F238E27FC236}">
-                <a16:creationId xmlns="" xmlns:a16="http://schemas.microsoft.com/office/drawing/2014/main" id="{D6BB66F4-FEF3-4639-ACD5-6BB88F65FD95}"/>
+                <a16:creationId xmlns:a16="http://schemas.microsoft.com/office/drawing/2014/main" id="{D6BB66F4-FEF3-4639-ACD5-6BB88F65FD95}"/>
               </a:ext>
             </a:extLst>
           </p:cNvPr>
@@ -22593,7 +20882,7 @@
           <p:cNvPr id="13" name="TextBox 12">
             <a:extLst>
               <a:ext uri="{FF2B5EF4-FFF2-40B4-BE49-F238E27FC236}">
-                <a16:creationId xmlns="" xmlns:a16="http://schemas.microsoft.com/office/drawing/2014/main" id="{3285C023-8D45-463B-9273-BA5268827F5B}"/>
+                <a16:creationId xmlns:a16="http://schemas.microsoft.com/office/drawing/2014/main" id="{3285C023-8D45-463B-9273-BA5268827F5B}"/>
               </a:ext>
             </a:extLst>
           </p:cNvPr>
@@ -22602,7 +20891,7 @@
         </p:nvSpPr>
         <p:spPr>
           <a:xfrm>
-            <a:off x="4494804" y="6169580"/>
+            <a:off x="7897051" y="5095835"/>
             <a:ext cx="2639522" cy="369332"/>
           </a:xfrm>
           <a:prstGeom prst="rect">
@@ -22641,7 +20930,7 @@
           <p:cNvPr id="12" name="TextBox 11">
             <a:extLst>
               <a:ext uri="{FF2B5EF4-FFF2-40B4-BE49-F238E27FC236}">
-                <a16:creationId xmlns="" xmlns:a16="http://schemas.microsoft.com/office/drawing/2014/main" id="{D6BB66F4-FEF3-4639-ACD5-6BB88F65FD95}"/>
+                <a16:creationId xmlns:a16="http://schemas.microsoft.com/office/drawing/2014/main" id="{D6BB66F4-FEF3-4639-ACD5-6BB88F65FD95}"/>
               </a:ext>
             </a:extLst>
           </p:cNvPr>
@@ -22675,11 +20964,7 @@
             </a:pPr>
             <a:r>
               <a:rPr lang="en-US" b="1" dirty="0"/>
-              <a:t>Pandas </a:t>
-            </a:r>
-            <a:r>
-              <a:rPr lang="en-US" b="1" dirty="0" smtClean="0"/>
-              <a:t>introduce three new data structures</a:t>
+              <a:t>Pandas introduce three new data structures</a:t>
             </a:r>
           </a:p>
           <a:p>
@@ -22688,7 +20973,7 @@
               <a:buChar char="•"/>
             </a:pPr>
             <a:r>
-              <a:rPr lang="en-US" b="1" dirty="0" smtClean="0"/>
+              <a:rPr lang="en-US" b="1" dirty="0"/>
               <a:t>Series – One dimensional arrays ( think lists )</a:t>
             </a:r>
           </a:p>
@@ -22698,11 +20983,11 @@
               <a:buChar char="•"/>
             </a:pPr>
             <a:r>
-              <a:rPr lang="en-US" b="1" dirty="0" smtClean="0"/>
+              <a:rPr lang="en-US" b="1" dirty="0"/>
               <a:t>Data Frames – 2 dimensional data structure</a:t>
             </a:r>
             <a:r>
-              <a:rPr lang="is-IS" b="1" dirty="0" smtClean="0"/>
+              <a:rPr lang="is-IS" b="1" dirty="0"/>
               <a:t>  ( Think tables or excel spreadsheets with rows and columns ). </a:t>
             </a:r>
           </a:p>
@@ -22712,10 +20997,84 @@
               <a:buChar char="•"/>
             </a:pPr>
             <a:r>
-              <a:rPr lang="is-IS" b="1" dirty="0" smtClean="0"/>
+              <a:rPr lang="is-IS" b="1" dirty="0"/>
               <a:t>Panels – 3 dimensional data structure</a:t>
             </a:r>
-            <a:endParaRPr lang="en-US" b="1" dirty="0" smtClean="0"/>
+            <a:endParaRPr lang="en-US" b="1" dirty="0"/>
+          </a:p>
+        </p:txBody>
+      </p:sp>
+      <p:sp>
+        <p:nvSpPr>
+          <p:cNvPr id="10" name="TextBox 9">
+            <a:extLst>
+              <a:ext uri="{FF2B5EF4-FFF2-40B4-BE49-F238E27FC236}">
+                <a16:creationId xmlns:a16="http://schemas.microsoft.com/office/drawing/2014/main" id="{BF04E7AD-A05B-4E3A-A796-51019F84CE5E}"/>
+              </a:ext>
+            </a:extLst>
+          </p:cNvPr>
+          <p:cNvSpPr txBox="1"/>
+          <p:nvPr/>
+        </p:nvSpPr>
+        <p:spPr>
+          <a:xfrm>
+            <a:off x="4105898" y="4172505"/>
+            <a:ext cx="3028428" cy="2308324"/>
+          </a:xfrm>
+          <a:prstGeom prst="rect">
+            <a:avLst/>
+          </a:prstGeom>
+          <a:noFill/>
+          <a:ln>
+            <a:solidFill>
+              <a:schemeClr val="tx1"/>
+            </a:solidFill>
+          </a:ln>
+        </p:spPr>
+        <p:txBody>
+          <a:bodyPr wrap="square" rtlCol="0">
+            <a:spAutoFit/>
+          </a:bodyPr>
+          <a:lstStyle/>
+          <a:p>
+            <a:r>
+              <a:rPr lang="en-US" b="1" dirty="0"/>
+              <a:t>Installation :</a:t>
+            </a:r>
+          </a:p>
+          <a:p>
+            <a:endParaRPr lang="en-US" b="1" dirty="0"/>
+          </a:p>
+          <a:p>
+            <a:r>
+              <a:rPr lang="en-US" b="1" dirty="0"/>
+              <a:t>Install </a:t>
+            </a:r>
+            <a:r>
+              <a:rPr lang="en-US" b="1" dirty="0" err="1"/>
+              <a:t>pands</a:t>
+            </a:r>
+            <a:r>
+              <a:rPr lang="en-US" b="1" dirty="0"/>
+              <a:t> from </a:t>
+            </a:r>
+            <a:r>
+              <a:rPr lang="en-US" b="1" dirty="0" err="1"/>
+              <a:t>pypi</a:t>
+            </a:r>
+            <a:r>
+              <a:rPr lang="en-US" b="1" dirty="0"/>
+              <a:t> by running the following command in command prompt or console :</a:t>
+            </a:r>
+          </a:p>
+          <a:p>
+            <a:endParaRPr lang="en-US" b="1" dirty="0"/>
+          </a:p>
+          <a:p>
+            <a:r>
+              <a:rPr lang="en-US" b="1" i="1" dirty="0"/>
+              <a:t>Pip install pandas</a:t>
+            </a:r>
           </a:p>
         </p:txBody>
       </p:sp>
@@ -22729,13 +21088,6 @@
   <p:clrMapOvr>
     <a:masterClrMapping/>
   </p:clrMapOvr>
-  <p:timing>
-    <p:tnLst>
-      <p:par>
-        <p:cTn id="1" dur="indefinite" restart="never" nodeType="tmRoot"/>
-      </p:par>
-    </p:tnLst>
-  </p:timing>
 </p:sld>
 </file>
 
@@ -22761,7 +21113,7 @@
           <p:cNvPr id="4" name="TextBox 3">
             <a:extLst>
               <a:ext uri="{FF2B5EF4-FFF2-40B4-BE49-F238E27FC236}">
-                <a16:creationId xmlns="" xmlns:a16="http://schemas.microsoft.com/office/drawing/2014/main" id="{F60DFD09-AC45-4F33-B352-CDAB149F70B8}"/>
+                <a16:creationId xmlns:a16="http://schemas.microsoft.com/office/drawing/2014/main" id="{F60DFD09-AC45-4F33-B352-CDAB149F70B8}"/>
               </a:ext>
             </a:extLst>
           </p:cNvPr>
@@ -22798,7 +21150,7 @@
           <p:cNvPr id="3" name="TextBox 2">
             <a:extLst>
               <a:ext uri="{FF2B5EF4-FFF2-40B4-BE49-F238E27FC236}">
-                <a16:creationId xmlns="" xmlns:a16="http://schemas.microsoft.com/office/drawing/2014/main" id="{8957C43E-E3DC-4876-9C5F-195DD279152E}"/>
+                <a16:creationId xmlns:a16="http://schemas.microsoft.com/office/drawing/2014/main" id="{8957C43E-E3DC-4876-9C5F-195DD279152E}"/>
               </a:ext>
             </a:extLst>
           </p:cNvPr>
@@ -22832,18 +21184,13 @@
           <a:p>
             <a:pPr lvl="0" algn="ctr"/>
             <a:r>
-              <a:rPr lang="en-US" sz="4800" b="1" dirty="0" smtClean="0">
+              <a:rPr lang="en-US" sz="4800" b="1" dirty="0">
                 <a:solidFill>
                   <a:schemeClr val="bg1"/>
                 </a:solidFill>
               </a:rPr>
               <a:t>PANDAS - SERIES</a:t>
             </a:r>
-            <a:endParaRPr lang="en-US" sz="4800" b="1" dirty="0">
-              <a:solidFill>
-                <a:schemeClr val="bg1"/>
-              </a:solidFill>
-            </a:endParaRPr>
           </a:p>
         </p:txBody>
       </p:sp>
@@ -22875,10 +21222,9 @@
           <a:lstStyle/>
           <a:p>
             <a:r>
-              <a:rPr lang="en-US" b="1" dirty="0" smtClean="0"/>
+              <a:rPr lang="en-US" b="1" dirty="0"/>
               <a:t>Series:</a:t>
             </a:r>
-            <a:endParaRPr lang="en-US" b="1" dirty="0"/>
           </a:p>
           <a:p>
             <a:endParaRPr lang="en-US" b="1" dirty="0"/>
@@ -22889,18 +21235,17 @@
               <a:buChar char="•"/>
             </a:pPr>
             <a:r>
-              <a:rPr lang="en-US" b="1" dirty="0" smtClean="0"/>
+              <a:rPr lang="en-US" b="1" dirty="0"/>
               <a:t>Series are one dimensional arrays ( </a:t>
             </a:r>
             <a:r>
-              <a:rPr lang="en-US" b="1" dirty="0" err="1" smtClean="0"/>
+              <a:rPr lang="en-US" b="1" dirty="0" err="1"/>
               <a:t>ndarrays</a:t>
             </a:r>
             <a:r>
-              <a:rPr lang="en-US" b="1" dirty="0" smtClean="0"/>
+              <a:rPr lang="en-US" b="1" dirty="0"/>
               <a:t> )</a:t>
             </a:r>
-            <a:endParaRPr lang="en-US" b="1" dirty="0"/>
           </a:p>
           <a:p>
             <a:pPr marL="285750" indent="-285750">
@@ -22908,19 +21253,19 @@
               <a:buChar char="•"/>
             </a:pPr>
             <a:r>
-              <a:rPr lang="en-US" b="1" dirty="0" err="1" smtClean="0"/>
+              <a:rPr lang="en-US" b="1" dirty="0" err="1"/>
               <a:t>Ndarrays</a:t>
             </a:r>
             <a:r>
-              <a:rPr lang="en-US" b="1" dirty="0" smtClean="0"/>
+              <a:rPr lang="en-US" b="1" dirty="0"/>
               <a:t> are multi dimensional data structures defined by </a:t>
             </a:r>
             <a:r>
-              <a:rPr lang="en-US" b="1" dirty="0" err="1" smtClean="0"/>
+              <a:rPr lang="en-US" b="1" dirty="0" err="1"/>
               <a:t>numpy</a:t>
             </a:r>
             <a:r>
-              <a:rPr lang="en-US" b="1" dirty="0" smtClean="0"/>
+              <a:rPr lang="en-US" b="1" dirty="0"/>
               <a:t> – the framework pandas are built on</a:t>
             </a:r>
           </a:p>
@@ -22930,15 +21275,15 @@
               <a:buChar char="•"/>
             </a:pPr>
             <a:r>
-              <a:rPr lang="en-US" b="1" dirty="0" smtClean="0"/>
+              <a:rPr lang="en-US" b="1" dirty="0"/>
               <a:t>Series can be created from lists, </a:t>
             </a:r>
             <a:r>
-              <a:rPr lang="en-US" b="1" dirty="0" err="1" smtClean="0"/>
+              <a:rPr lang="en-US" b="1" dirty="0" err="1"/>
               <a:t>dicts</a:t>
             </a:r>
             <a:r>
-              <a:rPr lang="en-US" b="1" dirty="0" smtClean="0"/>
+              <a:rPr lang="en-US" b="1" dirty="0"/>
               <a:t> , by passing values etc..</a:t>
             </a:r>
           </a:p>
@@ -22948,7 +21293,7 @@
               <a:buChar char="•"/>
             </a:pPr>
             <a:r>
-              <a:rPr lang="en-US" b="1" dirty="0" smtClean="0"/>
+              <a:rPr lang="en-US" b="1" dirty="0"/>
               <a:t>Series consist of an Index and the data</a:t>
             </a:r>
           </a:p>
@@ -22958,10 +21303,9 @@
               <a:buChar char="•"/>
             </a:pPr>
             <a:r>
-              <a:rPr lang="en-US" b="1" dirty="0" smtClean="0"/>
+              <a:rPr lang="en-US" b="1" dirty="0"/>
               <a:t>Index can be pre defined, added later, changed or defaulted to a sequence of numbers</a:t>
             </a:r>
-            <a:endParaRPr lang="en-US" b="1" dirty="0"/>
           </a:p>
         </p:txBody>
       </p:sp>
@@ -22970,7 +21314,7 @@
           <p:cNvPr id="8" name="Slide Number Placeholder 7">
             <a:extLst>
               <a:ext uri="{FF2B5EF4-FFF2-40B4-BE49-F238E27FC236}">
-                <a16:creationId xmlns="" xmlns:a16="http://schemas.microsoft.com/office/drawing/2014/main" id="{9D40CF21-C5F8-459C-8C61-CF7062621A18}"/>
+                <a16:creationId xmlns:a16="http://schemas.microsoft.com/office/drawing/2014/main" id="{9D40CF21-C5F8-459C-8C61-CF7062621A18}"/>
               </a:ext>
             </a:extLst>
           </p:cNvPr>
@@ -23051,20 +21395,20 @@
           <a:lstStyle/>
           <a:p>
             <a:r>
-              <a:rPr lang="en-US" b="1" dirty="0" smtClean="0"/>
+              <a:rPr lang="en-US" b="1" dirty="0"/>
               <a:t>Example – Series from a list:</a:t>
             </a:r>
           </a:p>
           <a:p>
-            <a:endParaRPr lang="en-US" b="1" dirty="0" smtClean="0"/>
-          </a:p>
-          <a:p>
-            <a:r>
-              <a:rPr lang="en-US" sz="1200" b="1" dirty="0" smtClean="0"/>
+            <a:endParaRPr lang="en-US" b="1" dirty="0"/>
+          </a:p>
+          <a:p>
+            <a:r>
+              <a:rPr lang="en-US" sz="1200" b="1" dirty="0"/>
               <a:t>#import pandas and call it </a:t>
             </a:r>
             <a:r>
-              <a:rPr lang="en-US" sz="1200" b="1" dirty="0" err="1" smtClean="0"/>
+              <a:rPr lang="en-US" sz="1200" b="1" dirty="0" err="1"/>
               <a:t>pd</a:t>
             </a:r>
             <a:endParaRPr lang="en-US" sz="1200" b="1" dirty="0"/>
@@ -23090,17 +21434,9 @@
               <a:rPr lang="en-US" sz="1200" dirty="0" err="1"/>
               <a:t>pd</a:t>
             </a:r>
-            <a:r>
+            <a:br>
               <a:rPr lang="en-US" sz="1200" dirty="0"/>
-              <a:t/>
-            </a:r>
-            <a:br>
-              <a:rPr lang="en-US" sz="1200" dirty="0"/>
-            </a:br>
-            <a:r>
-              <a:rPr lang="en-US" sz="1200" dirty="0"/>
-              <a:t/>
-            </a:r>
+            </a:br>
             <a:br>
               <a:rPr lang="en-US" sz="1200" dirty="0"/>
             </a:br>
@@ -23115,24 +21451,20 @@
             <a:br>
               <a:rPr lang="en-US" sz="1200" dirty="0"/>
             </a:br>
-            <a:endParaRPr lang="en-US" sz="1200" dirty="0" smtClean="0"/>
-          </a:p>
-          <a:p>
-            <a:r>
-              <a:rPr lang="en-US" sz="1200" b="1" dirty="0" smtClean="0"/>
+            <a:endParaRPr lang="en-US" sz="1200" dirty="0"/>
+          </a:p>
+          <a:p>
+            <a:r>
+              <a:rPr lang="en-US" sz="1200" b="1" dirty="0"/>
               <a:t>#Use the Series class to create a new Series object, use the list above as data and an </a:t>
             </a:r>
             <a:r>
-              <a:rPr lang="en-US" sz="1200" b="1" dirty="0" err="1" smtClean="0"/>
+              <a:rPr lang="en-US" sz="1200" b="1" dirty="0" err="1"/>
               <a:t>arbitary</a:t>
             </a:r>
             <a:r>
-              <a:rPr lang="en-US" sz="1200" b="1" dirty="0" smtClean="0"/>
+              <a:rPr lang="en-US" sz="1200" b="1" dirty="0"/>
               <a:t> index</a:t>
-            </a:r>
-            <a:r>
-              <a:rPr lang="en-US" sz="1200" dirty="0"/>
-              <a:t/>
             </a:r>
             <a:br>
               <a:rPr lang="en-US" sz="1200" dirty="0"/>
@@ -23180,10 +21512,6 @@
             <a:br>
               <a:rPr lang="en-US" sz="1200" dirty="0"/>
             </a:br>
-            <a:r>
-              <a:rPr lang="en-US" sz="1200" dirty="0"/>
-              <a:t/>
-            </a:r>
             <a:br>
               <a:rPr lang="en-US" sz="1200" dirty="0"/>
             </a:br>
@@ -23196,7 +21524,7 @@
               <a:t> </a:t>
             </a:r>
             <a:r>
-              <a:rPr lang="en-US" sz="1200" dirty="0" err="1" smtClean="0"/>
+              <a:rPr lang="en-US" sz="1200" dirty="0" err="1"/>
               <a:t>df</a:t>
             </a:r>
             <a:endParaRPr lang="en-US" sz="1200" b="1" dirty="0"/>
@@ -23213,13 +21541,6 @@
   <p:clrMapOvr>
     <a:masterClrMapping/>
   </p:clrMapOvr>
-  <p:timing>
-    <p:tnLst>
-      <p:par>
-        <p:cTn id="1" dur="indefinite" restart="never" nodeType="tmRoot"/>
-      </p:par>
-    </p:tnLst>
-  </p:timing>
 </p:sld>
 </file>
 
@@ -23245,7 +21566,7 @@
           <p:cNvPr id="4" name="TextBox 3">
             <a:extLst>
               <a:ext uri="{FF2B5EF4-FFF2-40B4-BE49-F238E27FC236}">
-                <a16:creationId xmlns="" xmlns:a16="http://schemas.microsoft.com/office/drawing/2014/main" id="{F60DFD09-AC45-4F33-B352-CDAB149F70B8}"/>
+                <a16:creationId xmlns:a16="http://schemas.microsoft.com/office/drawing/2014/main" id="{F60DFD09-AC45-4F33-B352-CDAB149F70B8}"/>
               </a:ext>
             </a:extLst>
           </p:cNvPr>
@@ -23282,7 +21603,7 @@
           <p:cNvPr id="3" name="TextBox 2">
             <a:extLst>
               <a:ext uri="{FF2B5EF4-FFF2-40B4-BE49-F238E27FC236}">
-                <a16:creationId xmlns="" xmlns:a16="http://schemas.microsoft.com/office/drawing/2014/main" id="{8957C43E-E3DC-4876-9C5F-195DD279152E}"/>
+                <a16:creationId xmlns:a16="http://schemas.microsoft.com/office/drawing/2014/main" id="{8957C43E-E3DC-4876-9C5F-195DD279152E}"/>
               </a:ext>
             </a:extLst>
           </p:cNvPr>
@@ -23316,18 +21637,13 @@
           <a:p>
             <a:pPr lvl="0" algn="ctr"/>
             <a:r>
-              <a:rPr lang="en-US" sz="4800" b="1" dirty="0" smtClean="0">
+              <a:rPr lang="en-US" sz="4800" b="1" dirty="0">
                 <a:solidFill>
                   <a:schemeClr val="bg1"/>
                 </a:solidFill>
               </a:rPr>
               <a:t>PANDAS - SERIES</a:t>
             </a:r>
-            <a:endParaRPr lang="en-US" sz="4800" b="1" dirty="0">
-              <a:solidFill>
-                <a:schemeClr val="bg1"/>
-              </a:solidFill>
-            </a:endParaRPr>
           </a:p>
         </p:txBody>
       </p:sp>
@@ -23336,7 +21652,7 @@
           <p:cNvPr id="8" name="Slide Number Placeholder 7">
             <a:extLst>
               <a:ext uri="{FF2B5EF4-FFF2-40B4-BE49-F238E27FC236}">
-                <a16:creationId xmlns="" xmlns:a16="http://schemas.microsoft.com/office/drawing/2014/main" id="{9D40CF21-C5F8-459C-8C61-CF7062621A18}"/>
+                <a16:creationId xmlns:a16="http://schemas.microsoft.com/office/drawing/2014/main" id="{9D40CF21-C5F8-459C-8C61-CF7062621A18}"/>
               </a:ext>
             </a:extLst>
           </p:cNvPr>
@@ -23388,20 +21704,20 @@
           <a:lstStyle/>
           <a:p>
             <a:r>
-              <a:rPr lang="en-US" b="1" dirty="0" smtClean="0"/>
+              <a:rPr lang="en-US" b="1" dirty="0"/>
               <a:t>Example 2 – Series from a list :</a:t>
             </a:r>
           </a:p>
           <a:p>
-            <a:endParaRPr lang="en-US" b="1" dirty="0" smtClean="0"/>
-          </a:p>
-          <a:p>
-            <a:r>
-              <a:rPr lang="en-US" sz="1400" b="1" dirty="0" smtClean="0"/>
+            <a:endParaRPr lang="en-US" b="1" dirty="0"/>
+          </a:p>
+          <a:p>
+            <a:r>
+              <a:rPr lang="en-US" sz="1400" b="1" dirty="0"/>
               <a:t>#import pandas and call it </a:t>
             </a:r>
             <a:r>
-              <a:rPr lang="en-US" sz="1400" b="1" dirty="0" err="1" smtClean="0"/>
+              <a:rPr lang="en-US" sz="1400" b="1" dirty="0" err="1"/>
               <a:t>pd</a:t>
             </a:r>
             <a:endParaRPr lang="en-US" sz="1400" b="1" dirty="0"/>
@@ -23427,17 +21743,9 @@
               <a:rPr lang="en-US" sz="1400" dirty="0" err="1"/>
               <a:t>pd</a:t>
             </a:r>
-            <a:r>
-              <a:rPr lang="en-US" sz="1400" dirty="0"/>
-              <a:t/>
-            </a:r>
-            <a:br>
-              <a:rPr lang="en-US" sz="1400" dirty="0"/>
-            </a:br>
-            <a:r>
-              <a:rPr lang="en-US" sz="1400" dirty="0"/>
-              <a:t/>
-            </a:r>
+            <a:br>
+              <a:rPr lang="en-US" sz="1400" dirty="0"/>
+            </a:br>
             <a:br>
               <a:rPr lang="en-US" sz="1400" dirty="0"/>
             </a:br>
@@ -23452,24 +21760,20 @@
             <a:br>
               <a:rPr lang="en-US" sz="1400" dirty="0"/>
             </a:br>
-            <a:endParaRPr lang="en-US" sz="1400" dirty="0" smtClean="0"/>
-          </a:p>
-          <a:p>
-            <a:r>
-              <a:rPr lang="en-US" sz="1400" b="1" dirty="0" smtClean="0"/>
+            <a:endParaRPr lang="en-US" sz="1400" dirty="0"/>
+          </a:p>
+          <a:p>
+            <a:r>
+              <a:rPr lang="en-US" sz="1400" b="1" dirty="0"/>
               <a:t>#Use the Series class to create a new Series object, use the list above as data and an </a:t>
             </a:r>
             <a:r>
-              <a:rPr lang="en-US" sz="1400" b="1" dirty="0" err="1" smtClean="0"/>
+              <a:rPr lang="en-US" sz="1400" b="1" dirty="0" err="1"/>
               <a:t>arbitary</a:t>
             </a:r>
             <a:r>
-              <a:rPr lang="en-US" sz="1400" b="1" dirty="0" smtClean="0"/>
+              <a:rPr lang="en-US" sz="1400" b="1" dirty="0"/>
               <a:t> index</a:t>
-            </a:r>
-            <a:r>
-              <a:rPr lang="en-US" sz="1400" dirty="0"/>
-              <a:t/>
             </a:r>
             <a:br>
               <a:rPr lang="en-US" sz="1400" dirty="0"/>
@@ -23517,10 +21821,6 @@
             <a:br>
               <a:rPr lang="en-US" sz="1400" dirty="0"/>
             </a:br>
-            <a:r>
-              <a:rPr lang="en-US" sz="1400" dirty="0"/>
-              <a:t/>
-            </a:r>
             <a:br>
               <a:rPr lang="en-US" sz="1400" dirty="0"/>
             </a:br>
@@ -23533,20 +21833,19 @@
               <a:t> </a:t>
             </a:r>
             <a:r>
-              <a:rPr lang="en-US" sz="1400" dirty="0" err="1" smtClean="0"/>
+              <a:rPr lang="en-US" sz="1400" dirty="0" err="1"/>
               <a:t>df</a:t>
             </a:r>
-            <a:endParaRPr lang="en-US" sz="1400" dirty="0" smtClean="0"/>
-          </a:p>
-          <a:p>
-            <a:endParaRPr lang="en-US" sz="1400" b="1" dirty="0" smtClean="0"/>
-          </a:p>
-          <a:p>
-            <a:r>
-              <a:rPr lang="en-US" sz="1400" b="1" dirty="0" smtClean="0"/>
+            <a:endParaRPr lang="en-US" sz="1400" dirty="0"/>
+          </a:p>
+          <a:p>
+            <a:endParaRPr lang="en-US" sz="1400" b="1" dirty="0"/>
+          </a:p>
+          <a:p>
+            <a:r>
+              <a:rPr lang="en-US" sz="1400" b="1" dirty="0"/>
               <a:t>#Sort and print values in ascending order</a:t>
             </a:r>
-            <a:endParaRPr lang="en-US" sz="1400" b="1" dirty="0"/>
           </a:p>
           <a:p>
             <a:r>
@@ -23562,46 +21861,45 @@
               <a:t>df.sort_values</a:t>
             </a:r>
             <a:r>
-              <a:rPr lang="en-US" sz="1400" dirty="0" smtClean="0"/>
+              <a:rPr lang="en-US" sz="1400" dirty="0"/>
               <a:t>()</a:t>
             </a:r>
           </a:p>
           <a:p>
-            <a:endParaRPr lang="en-US" sz="1400" b="1" dirty="0" smtClean="0"/>
-          </a:p>
-          <a:p>
-            <a:r>
-              <a:rPr lang="en-US" sz="1400" b="1" dirty="0" smtClean="0"/>
+            <a:endParaRPr lang="en-US" sz="1400" b="1" dirty="0"/>
+          </a:p>
+          <a:p>
+            <a:r>
+              <a:rPr lang="en-US" sz="1400" b="1" dirty="0"/>
               <a:t>#Print the value for index </a:t>
             </a:r>
             <a:r>
-              <a:rPr lang="en-US" sz="1400" b="1" dirty="0" err="1" smtClean="0"/>
+              <a:rPr lang="en-US" sz="1400" b="1" dirty="0" err="1"/>
               <a:t>i</a:t>
             </a:r>
             <a:endParaRPr lang="en-US" sz="1400" b="1" dirty="0"/>
           </a:p>
           <a:p>
             <a:r>
-              <a:rPr lang="en-US" sz="1400" dirty="0" smtClean="0"/>
+              <a:rPr lang="en-US" sz="1400" dirty="0"/>
               <a:t>print </a:t>
             </a:r>
             <a:r>
-              <a:rPr lang="en-US" sz="1400" dirty="0" err="1" smtClean="0"/>
+              <a:rPr lang="en-US" sz="1400" dirty="0" err="1"/>
               <a:t>df</a:t>
             </a:r>
             <a:r>
-              <a:rPr lang="en-US" sz="1400" dirty="0" smtClean="0"/>
+              <a:rPr lang="en-US" sz="1400" dirty="0"/>
               <a:t>[’</a:t>
             </a:r>
             <a:r>
-              <a:rPr lang="en-US" sz="1400" dirty="0" err="1" smtClean="0"/>
+              <a:rPr lang="en-US" sz="1400" dirty="0" err="1"/>
               <a:t>i</a:t>
             </a:r>
             <a:r>
-              <a:rPr lang="en-US" sz="1400" dirty="0" smtClean="0"/>
+              <a:rPr lang="en-US" sz="1400" dirty="0"/>
               <a:t>’]</a:t>
             </a:r>
-            <a:endParaRPr lang="en-US" sz="1400" dirty="0"/>
           </a:p>
         </p:txBody>
       </p:sp>
@@ -23633,12 +21931,12 @@
           <a:lstStyle/>
           <a:p>
             <a:r>
-              <a:rPr lang="en-US" b="1" dirty="0" smtClean="0"/>
+              <a:rPr lang="en-US" b="1" dirty="0"/>
               <a:t>Sample Attributes :</a:t>
             </a:r>
           </a:p>
           <a:p>
-            <a:endParaRPr lang="en-US" b="1" dirty="0" smtClean="0"/>
+            <a:endParaRPr lang="en-US" b="1" dirty="0"/>
           </a:p>
           <a:p>
             <a:pPr marL="171450" indent="-171450">
@@ -23647,13 +21945,8 @@
             </a:pPr>
             <a:r>
               <a:rPr lang="en-US" sz="1400" b="1" dirty="0"/>
-              <a:t>s</a:t>
-            </a:r>
-            <a:r>
-              <a:rPr lang="en-US" sz="1400" b="1" dirty="0" smtClean="0"/>
-              <a:t>hape – Returns a tuple of number of rows and columns </a:t>
-            </a:r>
-            <a:endParaRPr lang="en-US" sz="1400" b="1" dirty="0"/>
+              <a:t>shape – Returns a tuple of number of rows and columns </a:t>
+            </a:r>
           </a:p>
           <a:p>
             <a:pPr marL="171450" indent="-171450">
@@ -23662,13 +21955,8 @@
             </a:pPr>
             <a:r>
               <a:rPr lang="en-US" sz="1400" b="1" dirty="0"/>
-              <a:t>s</a:t>
-            </a:r>
-            <a:r>
-              <a:rPr lang="en-US" sz="1400" b="1" dirty="0" smtClean="0"/>
-              <a:t>ize – Returns the number of items in the Series</a:t>
-            </a:r>
-            <a:endParaRPr lang="en-US" sz="1400" b="1" dirty="0"/>
+              <a:t>size – Returns the number of items in the Series</a:t>
+            </a:r>
           </a:p>
           <a:p>
             <a:pPr marL="171450" indent="-171450">
@@ -23677,22 +21965,18 @@
             </a:pPr>
             <a:r>
               <a:rPr lang="en-US" sz="1400" b="1" dirty="0"/>
-              <a:t>v</a:t>
-            </a:r>
-            <a:r>
-              <a:rPr lang="en-US" sz="1400" b="1" dirty="0" smtClean="0"/>
-              <a:t>alues – Returns the series as an </a:t>
-            </a:r>
-            <a:r>
-              <a:rPr lang="en-US" sz="1400" b="1" dirty="0" err="1" smtClean="0"/>
+              <a:t>values – Returns the series as an </a:t>
+            </a:r>
+            <a:r>
+              <a:rPr lang="en-US" sz="1400" b="1" dirty="0" err="1"/>
               <a:t>ndarray</a:t>
             </a:r>
             <a:r>
-              <a:rPr lang="en-US" sz="1400" b="1" dirty="0" smtClean="0"/>
+              <a:rPr lang="en-US" sz="1400" b="1" dirty="0"/>
               <a:t> ( list like </a:t>
             </a:r>
             <a:r>
-              <a:rPr lang="en-US" sz="1200" b="1" dirty="0" smtClean="0"/>
+              <a:rPr lang="en-US" sz="1200" b="1" dirty="0"/>
               <a:t>)</a:t>
             </a:r>
           </a:p>
@@ -23711,15 +21995,7 @@
                   <a:prstClr val="black"/>
                 </a:solidFill>
               </a:rPr>
-              <a:t>Sample </a:t>
-            </a:r>
-            <a:r>
-              <a:rPr lang="en-US" b="1" dirty="0" smtClean="0">
-                <a:solidFill>
-                  <a:prstClr val="black"/>
-                </a:solidFill>
-              </a:rPr>
-              <a:t>Methods :</a:t>
+              <a:t>Sample Methods :</a:t>
             </a:r>
           </a:p>
           <a:p>
@@ -23741,15 +22017,7 @@
                   <a:prstClr val="black"/>
                 </a:solidFill>
               </a:rPr>
-              <a:t>d</a:t>
-            </a:r>
-            <a:r>
-              <a:rPr lang="en-US" sz="1400" b="1" dirty="0" smtClean="0">
-                <a:solidFill>
-                  <a:prstClr val="black"/>
-                </a:solidFill>
-              </a:rPr>
-              <a:t>escribe() – Generates descriptive statistics like count, mean, percentiles etc.</a:t>
+              <a:t>describe() – Generates descriptive statistics like count, mean, percentiles etc.</a:t>
             </a:r>
           </a:p>
           <a:p>
@@ -23763,15 +22031,7 @@
                   <a:prstClr val="black"/>
                 </a:solidFill>
               </a:rPr>
-              <a:t>h</a:t>
-            </a:r>
-            <a:r>
-              <a:rPr lang="en-US" sz="1400" b="1" dirty="0" smtClean="0">
-                <a:solidFill>
-                  <a:prstClr val="black"/>
-                </a:solidFill>
-              </a:rPr>
-              <a:t>ead(n) – Return first n rows</a:t>
+              <a:t>head(n) – Return first n rows</a:t>
             </a:r>
           </a:p>
           <a:p>
@@ -23785,15 +22045,7 @@
                   <a:prstClr val="black"/>
                 </a:solidFill>
               </a:rPr>
-              <a:t>t</a:t>
-            </a:r>
-            <a:r>
-              <a:rPr lang="en-US" sz="1400" b="1" dirty="0" smtClean="0">
-                <a:solidFill>
-                  <a:prstClr val="black"/>
-                </a:solidFill>
-              </a:rPr>
-              <a:t>ail(n) – Return last n rows</a:t>
+              <a:t>tail(n) – Return last n rows</a:t>
             </a:r>
           </a:p>
           <a:p>
@@ -23807,18 +22059,10 @@
                   <a:prstClr val="black"/>
                 </a:solidFill>
               </a:rPr>
-              <a:t>g</a:t>
-            </a:r>
-            <a:r>
-              <a:rPr lang="en-US" sz="1400" b="1" dirty="0" err="1" smtClean="0">
-                <a:solidFill>
-                  <a:prstClr val="black"/>
-                </a:solidFill>
-              </a:rPr>
-              <a:t>roupby</a:t>
-            </a:r>
-            <a:r>
-              <a:rPr lang="en-US" sz="1400" b="1" dirty="0" smtClean="0">
+              <a:t>groupby</a:t>
+            </a:r>
+            <a:r>
+              <a:rPr lang="en-US" sz="1400" b="1" dirty="0">
                 <a:solidFill>
                   <a:prstClr val="black"/>
                 </a:solidFill>
@@ -23837,15 +22081,7 @@
                   <a:prstClr val="black"/>
                 </a:solidFill>
               </a:rPr>
-              <a:t>m</a:t>
-            </a:r>
-            <a:r>
-              <a:rPr lang="en-US" sz="1400" b="1" dirty="0" smtClean="0">
-                <a:solidFill>
-                  <a:prstClr val="black"/>
-                </a:solidFill>
-              </a:rPr>
-              <a:t>ax() – return max value</a:t>
+              <a:t>max() – return max value</a:t>
             </a:r>
           </a:p>
           <a:p>
@@ -23859,15 +22095,7 @@
                   <a:prstClr val="black"/>
                 </a:solidFill>
               </a:rPr>
-              <a:t>m</a:t>
-            </a:r>
-            <a:r>
-              <a:rPr lang="en-US" sz="1400" b="1" dirty="0" smtClean="0">
-                <a:solidFill>
-                  <a:prstClr val="black"/>
-                </a:solidFill>
-              </a:rPr>
-              <a:t>in() – return the minimum value</a:t>
+              <a:t>min() – return the minimum value</a:t>
             </a:r>
           </a:p>
           <a:p>
@@ -23942,13 +22170,6 @@
   <p:clrMapOvr>
     <a:masterClrMapping/>
   </p:clrMapOvr>
-  <p:timing>
-    <p:tnLst>
-      <p:par>
-        <p:cTn id="1" dur="indefinite" restart="never" nodeType="tmRoot"/>
-      </p:par>
-    </p:tnLst>
-  </p:timing>
 </p:sld>
 </file>
 
